--- a/u07/Results.pptx
+++ b/u07/Results.pptx
@@ -7,6 +7,7 @@
   <p:sldIdLst>
     <p:sldId id="256" r:id="rId2"/>
     <p:sldId id="257" r:id="rId3"/>
+    <p:sldId id="258" r:id="rId4"/>
   </p:sldIdLst>
   <p:sldSz cx="12192000" cy="6858000"/>
   <p:notesSz cx="6858000" cy="9144000"/>
@@ -105,7 +106,1734 @@
       </a:defRPr>
     </a:lvl9pPr>
   </p:defaultTextStyle>
+  <p:extLst>
+    <p:ext uri="{EFAFB233-063F-42B5-8137-9DF3F51BA10A}">
+      <p15:sldGuideLst xmlns:p15="http://schemas.microsoft.com/office/powerpoint/2012/main"/>
+    </p:ext>
+  </p:extLst>
 </p:presentation>
+</file>
+
+<file path=ppt/charts/chart1.xml><?xml version="1.0" encoding="utf-8"?>
+<c:chartSpace xmlns:c="http://schemas.openxmlformats.org/drawingml/2006/chart" xmlns:a="http://schemas.openxmlformats.org/drawingml/2006/main" xmlns:r="http://schemas.openxmlformats.org/officeDocument/2006/relationships" xmlns:c16r2="http://schemas.microsoft.com/office/drawing/2015/06/chart">
+  <c:date1904 val="0"/>
+  <c:lang val="de-DE"/>
+  <c:roundedCorners val="0"/>
+  <mc:AlternateContent xmlns:mc="http://schemas.openxmlformats.org/markup-compatibility/2006">
+    <mc:Choice xmlns:c14="http://schemas.microsoft.com/office/drawing/2007/8/2/chart" Requires="c14">
+      <c14:style val="102"/>
+    </mc:Choice>
+    <mc:Fallback>
+      <c:style val="2"/>
+    </mc:Fallback>
+  </mc:AlternateContent>
+  <c:chart>
+    <c:title>
+      <c:layout/>
+      <c:overlay val="0"/>
+      <c:spPr>
+        <a:noFill/>
+        <a:ln>
+          <a:noFill/>
+        </a:ln>
+        <a:effectLst/>
+      </c:spPr>
+      <c:txPr>
+        <a:bodyPr rot="0" spcFirstLastPara="1" vertOverflow="ellipsis" vert="horz" wrap="square" anchor="ctr" anchorCtr="1"/>
+        <a:lstStyle/>
+        <a:p>
+          <a:pPr>
+            <a:defRPr sz="1862" b="0" i="0" u="none" strike="noStrike" kern="1200" spc="0" baseline="0">
+              <a:solidFill>
+                <a:schemeClr val="tx1">
+                  <a:lumMod val="65000"/>
+                  <a:lumOff val="35000"/>
+                </a:schemeClr>
+              </a:solidFill>
+              <a:latin typeface="+mn-lt"/>
+              <a:ea typeface="+mn-ea"/>
+              <a:cs typeface="+mn-cs"/>
+            </a:defRPr>
+          </a:pPr>
+          <a:endParaRPr lang="de-DE"/>
+        </a:p>
+      </c:txPr>
+    </c:title>
+    <c:autoTitleDeleted val="0"/>
+    <c:plotArea>
+      <c:layout/>
+      <c:barChart>
+        <c:barDir val="col"/>
+        <c:grouping val="clustered"/>
+        <c:varyColors val="0"/>
+        <c:ser>
+          <c:idx val="0"/>
+          <c:order val="0"/>
+          <c:tx>
+            <c:strRef>
+              <c:f>Tabelle1!$B$1</c:f>
+              <c:strCache>
+                <c:ptCount val="1"/>
+                <c:pt idx="0">
+                  <c:v>Avg. Response time</c:v>
+                </c:pt>
+              </c:strCache>
+            </c:strRef>
+          </c:tx>
+          <c:spPr>
+            <a:solidFill>
+              <a:srgbClr val="2196F2"/>
+            </a:solidFill>
+            <a:ln>
+              <a:noFill/>
+            </a:ln>
+            <a:effectLst/>
+          </c:spPr>
+          <c:invertIfNegative val="0"/>
+          <c:cat>
+            <c:strRef>
+              <c:f>Tabelle1!$A$2:$A$7</c:f>
+              <c:strCache>
+                <c:ptCount val="5"/>
+                <c:pt idx="0">
+                  <c:v>Q1</c:v>
+                </c:pt>
+                <c:pt idx="1">
+                  <c:v>Q2</c:v>
+                </c:pt>
+                <c:pt idx="2">
+                  <c:v>Q3</c:v>
+                </c:pt>
+                <c:pt idx="3">
+                  <c:v>Q4</c:v>
+                </c:pt>
+                <c:pt idx="4">
+                  <c:v>Q5</c:v>
+                </c:pt>
+              </c:strCache>
+            </c:strRef>
+          </c:cat>
+          <c:val>
+            <c:numRef>
+              <c:f>Tabelle1!$B$2:$B$7</c:f>
+              <c:numCache>
+                <c:formatCode>General</c:formatCode>
+                <c:ptCount val="6"/>
+                <c:pt idx="0">
+                  <c:v>120</c:v>
+                </c:pt>
+                <c:pt idx="1">
+                  <c:v>148</c:v>
+                </c:pt>
+                <c:pt idx="2">
+                  <c:v>129</c:v>
+                </c:pt>
+                <c:pt idx="3">
+                  <c:v>148</c:v>
+                </c:pt>
+                <c:pt idx="4">
+                  <c:v>117</c:v>
+                </c:pt>
+              </c:numCache>
+            </c:numRef>
+          </c:val>
+          <c:extLst>
+            <c:ext xmlns:c16="http://schemas.microsoft.com/office/drawing/2014/chart" uri="{C3380CC4-5D6E-409C-BE32-E72D297353CC}">
+              <c16:uniqueId val="{00000000-AA2E-4748-B797-735B81611EAD}"/>
+            </c:ext>
+          </c:extLst>
+        </c:ser>
+        <c:dLbls>
+          <c:showLegendKey val="0"/>
+          <c:showVal val="0"/>
+          <c:showCatName val="0"/>
+          <c:showSerName val="0"/>
+          <c:showPercent val="0"/>
+          <c:showBubbleSize val="0"/>
+        </c:dLbls>
+        <c:gapWidth val="25"/>
+        <c:axId val="372351184"/>
+        <c:axId val="372346264"/>
+      </c:barChart>
+      <c:catAx>
+        <c:axId val="372351184"/>
+        <c:scaling>
+          <c:orientation val="minMax"/>
+        </c:scaling>
+        <c:delete val="0"/>
+        <c:axPos val="b"/>
+        <c:numFmt formatCode="General" sourceLinked="1"/>
+        <c:majorTickMark val="none"/>
+        <c:minorTickMark val="none"/>
+        <c:tickLblPos val="nextTo"/>
+        <c:spPr>
+          <a:noFill/>
+          <a:ln w="9525" cap="flat" cmpd="sng" algn="ctr">
+            <a:solidFill>
+              <a:schemeClr val="tx1">
+                <a:lumMod val="15000"/>
+                <a:lumOff val="85000"/>
+              </a:schemeClr>
+            </a:solidFill>
+            <a:round/>
+          </a:ln>
+          <a:effectLst/>
+        </c:spPr>
+        <c:txPr>
+          <a:bodyPr rot="-60000000" spcFirstLastPara="1" vertOverflow="ellipsis" vert="horz" wrap="square" anchor="ctr" anchorCtr="1"/>
+          <a:lstStyle/>
+          <a:p>
+            <a:pPr>
+              <a:defRPr sz="1197" b="0" i="0" u="none" strike="noStrike" kern="1200" baseline="0">
+                <a:solidFill>
+                  <a:schemeClr val="tx1">
+                    <a:lumMod val="65000"/>
+                    <a:lumOff val="35000"/>
+                  </a:schemeClr>
+                </a:solidFill>
+                <a:latin typeface="+mn-lt"/>
+                <a:ea typeface="+mn-ea"/>
+                <a:cs typeface="+mn-cs"/>
+              </a:defRPr>
+            </a:pPr>
+            <a:endParaRPr lang="de-DE"/>
+          </a:p>
+        </c:txPr>
+        <c:crossAx val="372346264"/>
+        <c:crosses val="autoZero"/>
+        <c:auto val="1"/>
+        <c:lblAlgn val="ctr"/>
+        <c:lblOffset val="100"/>
+        <c:noMultiLvlLbl val="0"/>
+      </c:catAx>
+      <c:valAx>
+        <c:axId val="372346264"/>
+        <c:scaling>
+          <c:orientation val="minMax"/>
+        </c:scaling>
+        <c:delete val="0"/>
+        <c:axPos val="l"/>
+        <c:majorGridlines>
+          <c:spPr>
+            <a:ln w="9525" cap="flat" cmpd="sng" algn="ctr">
+              <a:solidFill>
+                <a:schemeClr val="tx1">
+                  <a:lumMod val="15000"/>
+                  <a:lumOff val="85000"/>
+                </a:schemeClr>
+              </a:solidFill>
+              <a:round/>
+            </a:ln>
+            <a:effectLst/>
+          </c:spPr>
+        </c:majorGridlines>
+        <c:numFmt formatCode="General" sourceLinked="1"/>
+        <c:majorTickMark val="none"/>
+        <c:minorTickMark val="none"/>
+        <c:tickLblPos val="nextTo"/>
+        <c:spPr>
+          <a:noFill/>
+          <a:ln>
+            <a:noFill/>
+          </a:ln>
+          <a:effectLst/>
+        </c:spPr>
+        <c:txPr>
+          <a:bodyPr rot="-60000000" spcFirstLastPara="1" vertOverflow="ellipsis" vert="horz" wrap="square" anchor="ctr" anchorCtr="1"/>
+          <a:lstStyle/>
+          <a:p>
+            <a:pPr>
+              <a:defRPr sz="1197" b="0" i="0" u="none" strike="noStrike" kern="1200" baseline="0">
+                <a:solidFill>
+                  <a:schemeClr val="tx1">
+                    <a:lumMod val="65000"/>
+                    <a:lumOff val="35000"/>
+                  </a:schemeClr>
+                </a:solidFill>
+                <a:latin typeface="+mn-lt"/>
+                <a:ea typeface="+mn-ea"/>
+                <a:cs typeface="+mn-cs"/>
+              </a:defRPr>
+            </a:pPr>
+            <a:endParaRPr lang="de-DE"/>
+          </a:p>
+        </c:txPr>
+        <c:crossAx val="372351184"/>
+        <c:crosses val="autoZero"/>
+        <c:crossBetween val="between"/>
+      </c:valAx>
+      <c:spPr>
+        <a:noFill/>
+        <a:ln>
+          <a:noFill/>
+        </a:ln>
+        <a:effectLst/>
+      </c:spPr>
+    </c:plotArea>
+    <c:legend>
+      <c:legendPos val="b"/>
+      <c:layout/>
+      <c:overlay val="0"/>
+      <c:spPr>
+        <a:noFill/>
+        <a:ln>
+          <a:noFill/>
+        </a:ln>
+        <a:effectLst/>
+      </c:spPr>
+      <c:txPr>
+        <a:bodyPr rot="0" spcFirstLastPara="1" vertOverflow="ellipsis" vert="horz" wrap="square" anchor="ctr" anchorCtr="1"/>
+        <a:lstStyle/>
+        <a:p>
+          <a:pPr>
+            <a:defRPr sz="1197" b="0" i="0" u="none" strike="noStrike" kern="1200" baseline="0">
+              <a:solidFill>
+                <a:schemeClr val="tx1">
+                  <a:lumMod val="65000"/>
+                  <a:lumOff val="35000"/>
+                </a:schemeClr>
+              </a:solidFill>
+              <a:latin typeface="+mn-lt"/>
+              <a:ea typeface="+mn-ea"/>
+              <a:cs typeface="+mn-cs"/>
+            </a:defRPr>
+          </a:pPr>
+          <a:endParaRPr lang="de-DE"/>
+        </a:p>
+      </c:txPr>
+    </c:legend>
+    <c:plotVisOnly val="1"/>
+    <c:dispBlanksAs val="gap"/>
+    <c:showDLblsOverMax val="0"/>
+  </c:chart>
+  <c:spPr>
+    <a:noFill/>
+    <a:ln>
+      <a:noFill/>
+    </a:ln>
+    <a:effectLst/>
+  </c:spPr>
+  <c:txPr>
+    <a:bodyPr/>
+    <a:lstStyle/>
+    <a:p>
+      <a:pPr>
+        <a:defRPr/>
+      </a:pPr>
+      <a:endParaRPr lang="de-DE"/>
+    </a:p>
+  </c:txPr>
+  <c:externalData r:id="rId3">
+    <c:autoUpdate val="0"/>
+  </c:externalData>
+</c:chartSpace>
+</file>
+
+<file path=ppt/charts/chart2.xml><?xml version="1.0" encoding="utf-8"?>
+<c:chartSpace xmlns:c="http://schemas.openxmlformats.org/drawingml/2006/chart" xmlns:a="http://schemas.openxmlformats.org/drawingml/2006/main" xmlns:r="http://schemas.openxmlformats.org/officeDocument/2006/relationships" xmlns:c16r2="http://schemas.microsoft.com/office/drawing/2015/06/chart">
+  <c:date1904 val="0"/>
+  <c:lang val="de-DE"/>
+  <c:roundedCorners val="0"/>
+  <mc:AlternateContent xmlns:mc="http://schemas.openxmlformats.org/markup-compatibility/2006">
+    <mc:Choice xmlns:c14="http://schemas.microsoft.com/office/drawing/2007/8/2/chart" Requires="c14">
+      <c14:style val="102"/>
+    </mc:Choice>
+    <mc:Fallback>
+      <c:style val="2"/>
+    </mc:Fallback>
+  </mc:AlternateContent>
+  <c:chart>
+    <c:title>
+      <c:layout/>
+      <c:overlay val="0"/>
+      <c:spPr>
+        <a:noFill/>
+        <a:ln>
+          <a:noFill/>
+        </a:ln>
+        <a:effectLst/>
+      </c:spPr>
+      <c:txPr>
+        <a:bodyPr rot="0" spcFirstLastPara="1" vertOverflow="ellipsis" vert="horz" wrap="square" anchor="ctr" anchorCtr="1"/>
+        <a:lstStyle/>
+        <a:p>
+          <a:pPr>
+            <a:defRPr sz="1862" b="0" i="0" u="none" strike="noStrike" kern="1200" spc="0" baseline="0">
+              <a:solidFill>
+                <a:schemeClr val="tx1">
+                  <a:lumMod val="65000"/>
+                  <a:lumOff val="35000"/>
+                </a:schemeClr>
+              </a:solidFill>
+              <a:latin typeface="+mn-lt"/>
+              <a:ea typeface="+mn-ea"/>
+              <a:cs typeface="+mn-cs"/>
+            </a:defRPr>
+          </a:pPr>
+          <a:endParaRPr lang="de-DE"/>
+        </a:p>
+      </c:txPr>
+    </c:title>
+    <c:autoTitleDeleted val="0"/>
+    <c:plotArea>
+      <c:layout/>
+      <c:barChart>
+        <c:barDir val="col"/>
+        <c:grouping val="clustered"/>
+        <c:varyColors val="0"/>
+        <c:ser>
+          <c:idx val="0"/>
+          <c:order val="0"/>
+          <c:tx>
+            <c:strRef>
+              <c:f>Tabelle1!$B$1</c:f>
+              <c:strCache>
+                <c:ptCount val="1"/>
+                <c:pt idx="0">
+                  <c:v>Avg. Response time</c:v>
+                </c:pt>
+              </c:strCache>
+            </c:strRef>
+          </c:tx>
+          <c:spPr>
+            <a:solidFill>
+              <a:srgbClr val="2196F2"/>
+            </a:solidFill>
+            <a:ln>
+              <a:noFill/>
+            </a:ln>
+            <a:effectLst/>
+          </c:spPr>
+          <c:invertIfNegative val="0"/>
+          <c:cat>
+            <c:strRef>
+              <c:f>Tabelle1!$A$2:$A$7</c:f>
+              <c:strCache>
+                <c:ptCount val="6"/>
+                <c:pt idx="0">
+                  <c:v>Q1</c:v>
+                </c:pt>
+                <c:pt idx="1">
+                  <c:v>Q2</c:v>
+                </c:pt>
+                <c:pt idx="2">
+                  <c:v>Q3</c:v>
+                </c:pt>
+                <c:pt idx="3">
+                  <c:v>Q4</c:v>
+                </c:pt>
+                <c:pt idx="4">
+                  <c:v>Q5</c:v>
+                </c:pt>
+                <c:pt idx="5">
+                  <c:v>Q6</c:v>
+                </c:pt>
+              </c:strCache>
+            </c:strRef>
+          </c:cat>
+          <c:val>
+            <c:numRef>
+              <c:f>Tabelle1!$B$2:$B$7</c:f>
+              <c:numCache>
+                <c:formatCode>General</c:formatCode>
+                <c:ptCount val="6"/>
+                <c:pt idx="0">
+                  <c:v>202</c:v>
+                </c:pt>
+                <c:pt idx="1">
+                  <c:v>420</c:v>
+                </c:pt>
+                <c:pt idx="2">
+                  <c:v>153</c:v>
+                </c:pt>
+                <c:pt idx="3">
+                  <c:v>705</c:v>
+                </c:pt>
+                <c:pt idx="4">
+                  <c:v>170</c:v>
+                </c:pt>
+                <c:pt idx="5">
+                  <c:v>180</c:v>
+                </c:pt>
+              </c:numCache>
+            </c:numRef>
+          </c:val>
+          <c:extLst>
+            <c:ext xmlns:c16="http://schemas.microsoft.com/office/drawing/2014/chart" uri="{C3380CC4-5D6E-409C-BE32-E72D297353CC}">
+              <c16:uniqueId val="{00000000-D720-4E6C-9DA0-D502184478F0}"/>
+            </c:ext>
+          </c:extLst>
+        </c:ser>
+        <c:dLbls>
+          <c:showLegendKey val="0"/>
+          <c:showVal val="0"/>
+          <c:showCatName val="0"/>
+          <c:showSerName val="0"/>
+          <c:showPercent val="0"/>
+          <c:showBubbleSize val="0"/>
+        </c:dLbls>
+        <c:gapWidth val="25"/>
+        <c:axId val="372351184"/>
+        <c:axId val="372346264"/>
+      </c:barChart>
+      <c:catAx>
+        <c:axId val="372351184"/>
+        <c:scaling>
+          <c:orientation val="minMax"/>
+        </c:scaling>
+        <c:delete val="0"/>
+        <c:axPos val="b"/>
+        <c:numFmt formatCode="General" sourceLinked="1"/>
+        <c:majorTickMark val="none"/>
+        <c:minorTickMark val="none"/>
+        <c:tickLblPos val="nextTo"/>
+        <c:spPr>
+          <a:noFill/>
+          <a:ln w="9525" cap="flat" cmpd="sng" algn="ctr">
+            <a:solidFill>
+              <a:schemeClr val="tx1">
+                <a:lumMod val="15000"/>
+                <a:lumOff val="85000"/>
+              </a:schemeClr>
+            </a:solidFill>
+            <a:round/>
+          </a:ln>
+          <a:effectLst/>
+        </c:spPr>
+        <c:txPr>
+          <a:bodyPr rot="-60000000" spcFirstLastPara="1" vertOverflow="ellipsis" vert="horz" wrap="square" anchor="ctr" anchorCtr="1"/>
+          <a:lstStyle/>
+          <a:p>
+            <a:pPr>
+              <a:defRPr sz="1197" b="0" i="0" u="none" strike="noStrike" kern="1200" baseline="0">
+                <a:solidFill>
+                  <a:schemeClr val="tx1">
+                    <a:lumMod val="65000"/>
+                    <a:lumOff val="35000"/>
+                  </a:schemeClr>
+                </a:solidFill>
+                <a:latin typeface="+mn-lt"/>
+                <a:ea typeface="+mn-ea"/>
+                <a:cs typeface="+mn-cs"/>
+              </a:defRPr>
+            </a:pPr>
+            <a:endParaRPr lang="de-DE"/>
+          </a:p>
+        </c:txPr>
+        <c:crossAx val="372346264"/>
+        <c:crosses val="autoZero"/>
+        <c:auto val="1"/>
+        <c:lblAlgn val="ctr"/>
+        <c:lblOffset val="100"/>
+        <c:noMultiLvlLbl val="0"/>
+      </c:catAx>
+      <c:valAx>
+        <c:axId val="372346264"/>
+        <c:scaling>
+          <c:orientation val="minMax"/>
+        </c:scaling>
+        <c:delete val="0"/>
+        <c:axPos val="l"/>
+        <c:majorGridlines>
+          <c:spPr>
+            <a:ln w="9525" cap="flat" cmpd="sng" algn="ctr">
+              <a:solidFill>
+                <a:schemeClr val="tx1">
+                  <a:lumMod val="15000"/>
+                  <a:lumOff val="85000"/>
+                </a:schemeClr>
+              </a:solidFill>
+              <a:round/>
+            </a:ln>
+            <a:effectLst/>
+          </c:spPr>
+        </c:majorGridlines>
+        <c:numFmt formatCode="General" sourceLinked="1"/>
+        <c:majorTickMark val="none"/>
+        <c:minorTickMark val="none"/>
+        <c:tickLblPos val="nextTo"/>
+        <c:spPr>
+          <a:noFill/>
+          <a:ln>
+            <a:noFill/>
+          </a:ln>
+          <a:effectLst/>
+        </c:spPr>
+        <c:txPr>
+          <a:bodyPr rot="-60000000" spcFirstLastPara="1" vertOverflow="ellipsis" vert="horz" wrap="square" anchor="ctr" anchorCtr="1"/>
+          <a:lstStyle/>
+          <a:p>
+            <a:pPr>
+              <a:defRPr sz="1197" b="0" i="0" u="none" strike="noStrike" kern="1200" baseline="0">
+                <a:solidFill>
+                  <a:schemeClr val="tx1">
+                    <a:lumMod val="65000"/>
+                    <a:lumOff val="35000"/>
+                  </a:schemeClr>
+                </a:solidFill>
+                <a:latin typeface="+mn-lt"/>
+                <a:ea typeface="+mn-ea"/>
+                <a:cs typeface="+mn-cs"/>
+              </a:defRPr>
+            </a:pPr>
+            <a:endParaRPr lang="de-DE"/>
+          </a:p>
+        </c:txPr>
+        <c:crossAx val="372351184"/>
+        <c:crosses val="autoZero"/>
+        <c:crossBetween val="between"/>
+      </c:valAx>
+      <c:spPr>
+        <a:noFill/>
+        <a:ln>
+          <a:noFill/>
+        </a:ln>
+        <a:effectLst/>
+      </c:spPr>
+    </c:plotArea>
+    <c:legend>
+      <c:legendPos val="b"/>
+      <c:layout/>
+      <c:overlay val="0"/>
+      <c:spPr>
+        <a:noFill/>
+        <a:ln>
+          <a:noFill/>
+        </a:ln>
+        <a:effectLst/>
+      </c:spPr>
+      <c:txPr>
+        <a:bodyPr rot="0" spcFirstLastPara="1" vertOverflow="ellipsis" vert="horz" wrap="square" anchor="ctr" anchorCtr="1"/>
+        <a:lstStyle/>
+        <a:p>
+          <a:pPr>
+            <a:defRPr sz="1197" b="0" i="0" u="none" strike="noStrike" kern="1200" baseline="0">
+              <a:solidFill>
+                <a:schemeClr val="tx1">
+                  <a:lumMod val="65000"/>
+                  <a:lumOff val="35000"/>
+                </a:schemeClr>
+              </a:solidFill>
+              <a:latin typeface="+mn-lt"/>
+              <a:ea typeface="+mn-ea"/>
+              <a:cs typeface="+mn-cs"/>
+            </a:defRPr>
+          </a:pPr>
+          <a:endParaRPr lang="de-DE"/>
+        </a:p>
+      </c:txPr>
+    </c:legend>
+    <c:plotVisOnly val="1"/>
+    <c:dispBlanksAs val="gap"/>
+    <c:showDLblsOverMax val="0"/>
+  </c:chart>
+  <c:spPr>
+    <a:noFill/>
+    <a:ln>
+      <a:noFill/>
+    </a:ln>
+    <a:effectLst/>
+  </c:spPr>
+  <c:txPr>
+    <a:bodyPr/>
+    <a:lstStyle/>
+    <a:p>
+      <a:pPr>
+        <a:defRPr/>
+      </a:pPr>
+      <a:endParaRPr lang="de-DE"/>
+    </a:p>
+  </c:txPr>
+  <c:externalData r:id="rId3">
+    <c:autoUpdate val="0"/>
+  </c:externalData>
+</c:chartSpace>
+</file>
+
+<file path=ppt/charts/colors1.xml><?xml version="1.0" encoding="utf-8"?>
+<cs:colorStyle xmlns:cs="http://schemas.microsoft.com/office/drawing/2012/chartStyle" xmlns:a="http://schemas.openxmlformats.org/drawingml/2006/main" meth="cycle" id="10">
+  <a:schemeClr val="accent1"/>
+  <a:schemeClr val="accent2"/>
+  <a:schemeClr val="accent3"/>
+  <a:schemeClr val="accent4"/>
+  <a:schemeClr val="accent5"/>
+  <a:schemeClr val="accent6"/>
+  <cs:variation/>
+  <cs:variation>
+    <a:lumMod val="60000"/>
+  </cs:variation>
+  <cs:variation>
+    <a:lumMod val="80000"/>
+    <a:lumOff val="20000"/>
+  </cs:variation>
+  <cs:variation>
+    <a:lumMod val="80000"/>
+  </cs:variation>
+  <cs:variation>
+    <a:lumMod val="60000"/>
+    <a:lumOff val="40000"/>
+  </cs:variation>
+  <cs:variation>
+    <a:lumMod val="50000"/>
+  </cs:variation>
+  <cs:variation>
+    <a:lumMod val="70000"/>
+    <a:lumOff val="30000"/>
+  </cs:variation>
+  <cs:variation>
+    <a:lumMod val="70000"/>
+  </cs:variation>
+  <cs:variation>
+    <a:lumMod val="50000"/>
+    <a:lumOff val="50000"/>
+  </cs:variation>
+</cs:colorStyle>
+</file>
+
+<file path=ppt/charts/colors2.xml><?xml version="1.0" encoding="utf-8"?>
+<cs:colorStyle xmlns:cs="http://schemas.microsoft.com/office/drawing/2012/chartStyle" xmlns:a="http://schemas.openxmlformats.org/drawingml/2006/main" meth="cycle" id="10">
+  <a:schemeClr val="accent1"/>
+  <a:schemeClr val="accent2"/>
+  <a:schemeClr val="accent3"/>
+  <a:schemeClr val="accent4"/>
+  <a:schemeClr val="accent5"/>
+  <a:schemeClr val="accent6"/>
+  <cs:variation/>
+  <cs:variation>
+    <a:lumMod val="60000"/>
+  </cs:variation>
+  <cs:variation>
+    <a:lumMod val="80000"/>
+    <a:lumOff val="20000"/>
+  </cs:variation>
+  <cs:variation>
+    <a:lumMod val="80000"/>
+  </cs:variation>
+  <cs:variation>
+    <a:lumMod val="60000"/>
+    <a:lumOff val="40000"/>
+  </cs:variation>
+  <cs:variation>
+    <a:lumMod val="50000"/>
+  </cs:variation>
+  <cs:variation>
+    <a:lumMod val="70000"/>
+    <a:lumOff val="30000"/>
+  </cs:variation>
+  <cs:variation>
+    <a:lumMod val="70000"/>
+  </cs:variation>
+  <cs:variation>
+    <a:lumMod val="50000"/>
+    <a:lumOff val="50000"/>
+  </cs:variation>
+</cs:colorStyle>
+</file>
+
+<file path=ppt/charts/style1.xml><?xml version="1.0" encoding="utf-8"?>
+<cs:chartStyle xmlns:cs="http://schemas.microsoft.com/office/drawing/2012/chartStyle" xmlns:a="http://schemas.openxmlformats.org/drawingml/2006/main" id="201">
+  <cs:axisTitle>
+    <cs:lnRef idx="0"/>
+    <cs:fillRef idx="0"/>
+    <cs:effectRef idx="0"/>
+    <cs:fontRef idx="minor">
+      <a:schemeClr val="tx1">
+        <a:lumMod val="65000"/>
+        <a:lumOff val="35000"/>
+      </a:schemeClr>
+    </cs:fontRef>
+    <cs:defRPr sz="1330" kern="1200"/>
+  </cs:axisTitle>
+  <cs:categoryAxis>
+    <cs:lnRef idx="0"/>
+    <cs:fillRef idx="0"/>
+    <cs:effectRef idx="0"/>
+    <cs:fontRef idx="minor">
+      <a:schemeClr val="tx1">
+        <a:lumMod val="65000"/>
+        <a:lumOff val="35000"/>
+      </a:schemeClr>
+    </cs:fontRef>
+    <cs:spPr>
+      <a:ln w="9525" cap="flat" cmpd="sng" algn="ctr">
+        <a:solidFill>
+          <a:schemeClr val="tx1">
+            <a:lumMod val="15000"/>
+            <a:lumOff val="85000"/>
+          </a:schemeClr>
+        </a:solidFill>
+        <a:round/>
+      </a:ln>
+    </cs:spPr>
+    <cs:defRPr sz="1197" kern="1200"/>
+  </cs:categoryAxis>
+  <cs:chartArea mods="allowNoFillOverride allowNoLineOverride">
+    <cs:lnRef idx="0"/>
+    <cs:fillRef idx="0"/>
+    <cs:effectRef idx="0"/>
+    <cs:fontRef idx="minor">
+      <a:schemeClr val="tx1"/>
+    </cs:fontRef>
+    <cs:spPr>
+      <a:solidFill>
+        <a:schemeClr val="bg1"/>
+      </a:solidFill>
+      <a:ln w="9525" cap="flat" cmpd="sng" algn="ctr">
+        <a:solidFill>
+          <a:schemeClr val="tx1">
+            <a:lumMod val="15000"/>
+            <a:lumOff val="85000"/>
+          </a:schemeClr>
+        </a:solidFill>
+        <a:round/>
+      </a:ln>
+    </cs:spPr>
+    <cs:defRPr sz="1330" kern="1200"/>
+  </cs:chartArea>
+  <cs:dataLabel>
+    <cs:lnRef idx="0"/>
+    <cs:fillRef idx="0"/>
+    <cs:effectRef idx="0"/>
+    <cs:fontRef idx="minor">
+      <a:schemeClr val="tx1">
+        <a:lumMod val="75000"/>
+        <a:lumOff val="25000"/>
+      </a:schemeClr>
+    </cs:fontRef>
+    <cs:defRPr sz="1197" kern="1200"/>
+  </cs:dataLabel>
+  <cs:dataLabelCallout>
+    <cs:lnRef idx="0"/>
+    <cs:fillRef idx="0"/>
+    <cs:effectRef idx="0"/>
+    <cs:fontRef idx="minor">
+      <a:schemeClr val="dk1">
+        <a:lumMod val="65000"/>
+        <a:lumOff val="35000"/>
+      </a:schemeClr>
+    </cs:fontRef>
+    <cs:spPr>
+      <a:solidFill>
+        <a:schemeClr val="lt1"/>
+      </a:solidFill>
+      <a:ln>
+        <a:solidFill>
+          <a:schemeClr val="dk1">
+            <a:lumMod val="25000"/>
+            <a:lumOff val="75000"/>
+          </a:schemeClr>
+        </a:solidFill>
+      </a:ln>
+    </cs:spPr>
+    <cs:defRPr sz="1197" kern="1200"/>
+    <cs:bodyPr rot="0" spcFirstLastPara="1" vertOverflow="clip" horzOverflow="clip" vert="horz" wrap="square" lIns="36576" tIns="18288" rIns="36576" bIns="18288" anchor="ctr" anchorCtr="1">
+      <a:spAutoFit/>
+    </cs:bodyPr>
+  </cs:dataLabelCallout>
+  <cs:dataPoint>
+    <cs:lnRef idx="0"/>
+    <cs:fillRef idx="1">
+      <cs:styleClr val="auto"/>
+    </cs:fillRef>
+    <cs:effectRef idx="0"/>
+    <cs:fontRef idx="minor">
+      <a:schemeClr val="tx1"/>
+    </cs:fontRef>
+  </cs:dataPoint>
+  <cs:dataPoint3D>
+    <cs:lnRef idx="0"/>
+    <cs:fillRef idx="1">
+      <cs:styleClr val="auto"/>
+    </cs:fillRef>
+    <cs:effectRef idx="0"/>
+    <cs:fontRef idx="minor">
+      <a:schemeClr val="tx1"/>
+    </cs:fontRef>
+  </cs:dataPoint3D>
+  <cs:dataPointLine>
+    <cs:lnRef idx="0">
+      <cs:styleClr val="auto"/>
+    </cs:lnRef>
+    <cs:fillRef idx="1"/>
+    <cs:effectRef idx="0"/>
+    <cs:fontRef idx="minor">
+      <a:schemeClr val="tx1"/>
+    </cs:fontRef>
+    <cs:spPr>
+      <a:ln w="28575" cap="rnd">
+        <a:solidFill>
+          <a:schemeClr val="phClr"/>
+        </a:solidFill>
+        <a:round/>
+      </a:ln>
+    </cs:spPr>
+  </cs:dataPointLine>
+  <cs:dataPointMarker>
+    <cs:lnRef idx="0">
+      <cs:styleClr val="auto"/>
+    </cs:lnRef>
+    <cs:fillRef idx="1">
+      <cs:styleClr val="auto"/>
+    </cs:fillRef>
+    <cs:effectRef idx="0"/>
+    <cs:fontRef idx="minor">
+      <a:schemeClr val="tx1"/>
+    </cs:fontRef>
+    <cs:spPr>
+      <a:ln w="9525">
+        <a:solidFill>
+          <a:schemeClr val="phClr"/>
+        </a:solidFill>
+      </a:ln>
+    </cs:spPr>
+  </cs:dataPointMarker>
+  <cs:dataPointMarkerLayout symbol="circle" size="5"/>
+  <cs:dataPointWireframe>
+    <cs:lnRef idx="0">
+      <cs:styleClr val="auto"/>
+    </cs:lnRef>
+    <cs:fillRef idx="1"/>
+    <cs:effectRef idx="0"/>
+    <cs:fontRef idx="minor">
+      <a:schemeClr val="tx1"/>
+    </cs:fontRef>
+    <cs:spPr>
+      <a:ln w="9525" cap="rnd">
+        <a:solidFill>
+          <a:schemeClr val="phClr"/>
+        </a:solidFill>
+        <a:round/>
+      </a:ln>
+    </cs:spPr>
+  </cs:dataPointWireframe>
+  <cs:dataTable>
+    <cs:lnRef idx="0"/>
+    <cs:fillRef idx="0"/>
+    <cs:effectRef idx="0"/>
+    <cs:fontRef idx="minor">
+      <a:schemeClr val="tx1">
+        <a:lumMod val="65000"/>
+        <a:lumOff val="35000"/>
+      </a:schemeClr>
+    </cs:fontRef>
+    <cs:spPr>
+      <a:noFill/>
+      <a:ln w="9525" cap="flat" cmpd="sng" algn="ctr">
+        <a:solidFill>
+          <a:schemeClr val="tx1">
+            <a:lumMod val="15000"/>
+            <a:lumOff val="85000"/>
+          </a:schemeClr>
+        </a:solidFill>
+        <a:round/>
+      </a:ln>
+    </cs:spPr>
+    <cs:defRPr sz="1197" kern="1200"/>
+  </cs:dataTable>
+  <cs:downBar>
+    <cs:lnRef idx="0"/>
+    <cs:fillRef idx="0"/>
+    <cs:effectRef idx="0"/>
+    <cs:fontRef idx="minor">
+      <a:schemeClr val="dk1"/>
+    </cs:fontRef>
+    <cs:spPr>
+      <a:solidFill>
+        <a:schemeClr val="dk1">
+          <a:lumMod val="65000"/>
+          <a:lumOff val="35000"/>
+        </a:schemeClr>
+      </a:solidFill>
+      <a:ln w="9525">
+        <a:solidFill>
+          <a:schemeClr val="tx1">
+            <a:lumMod val="65000"/>
+            <a:lumOff val="35000"/>
+          </a:schemeClr>
+        </a:solidFill>
+      </a:ln>
+    </cs:spPr>
+  </cs:downBar>
+  <cs:dropLine>
+    <cs:lnRef idx="0"/>
+    <cs:fillRef idx="0"/>
+    <cs:effectRef idx="0"/>
+    <cs:fontRef idx="minor">
+      <a:schemeClr val="tx1"/>
+    </cs:fontRef>
+    <cs:spPr>
+      <a:ln w="9525" cap="flat" cmpd="sng" algn="ctr">
+        <a:solidFill>
+          <a:schemeClr val="tx1">
+            <a:lumMod val="35000"/>
+            <a:lumOff val="65000"/>
+          </a:schemeClr>
+        </a:solidFill>
+        <a:round/>
+      </a:ln>
+    </cs:spPr>
+  </cs:dropLine>
+  <cs:errorBar>
+    <cs:lnRef idx="0"/>
+    <cs:fillRef idx="0"/>
+    <cs:effectRef idx="0"/>
+    <cs:fontRef idx="minor">
+      <a:schemeClr val="tx1"/>
+    </cs:fontRef>
+    <cs:spPr>
+      <a:ln w="9525" cap="flat" cmpd="sng" algn="ctr">
+        <a:solidFill>
+          <a:schemeClr val="tx1">
+            <a:lumMod val="65000"/>
+            <a:lumOff val="35000"/>
+          </a:schemeClr>
+        </a:solidFill>
+        <a:round/>
+      </a:ln>
+    </cs:spPr>
+  </cs:errorBar>
+  <cs:floor>
+    <cs:lnRef idx="0"/>
+    <cs:fillRef idx="0"/>
+    <cs:effectRef idx="0"/>
+    <cs:fontRef idx="minor">
+      <a:schemeClr val="tx1"/>
+    </cs:fontRef>
+    <cs:spPr>
+      <a:noFill/>
+      <a:ln>
+        <a:noFill/>
+      </a:ln>
+    </cs:spPr>
+  </cs:floor>
+  <cs:gridlineMajor>
+    <cs:lnRef idx="0"/>
+    <cs:fillRef idx="0"/>
+    <cs:effectRef idx="0"/>
+    <cs:fontRef idx="minor">
+      <a:schemeClr val="tx1"/>
+    </cs:fontRef>
+    <cs:spPr>
+      <a:ln w="9525" cap="flat" cmpd="sng" algn="ctr">
+        <a:solidFill>
+          <a:schemeClr val="tx1">
+            <a:lumMod val="15000"/>
+            <a:lumOff val="85000"/>
+          </a:schemeClr>
+        </a:solidFill>
+        <a:round/>
+      </a:ln>
+    </cs:spPr>
+  </cs:gridlineMajor>
+  <cs:gridlineMinor>
+    <cs:lnRef idx="0"/>
+    <cs:fillRef idx="0"/>
+    <cs:effectRef idx="0"/>
+    <cs:fontRef idx="minor">
+      <a:schemeClr val="tx1"/>
+    </cs:fontRef>
+    <cs:spPr>
+      <a:ln w="9525" cap="flat" cmpd="sng" algn="ctr">
+        <a:solidFill>
+          <a:schemeClr val="tx1">
+            <a:lumMod val="5000"/>
+            <a:lumOff val="95000"/>
+          </a:schemeClr>
+        </a:solidFill>
+        <a:round/>
+      </a:ln>
+    </cs:spPr>
+  </cs:gridlineMinor>
+  <cs:hiLoLine>
+    <cs:lnRef idx="0"/>
+    <cs:fillRef idx="0"/>
+    <cs:effectRef idx="0"/>
+    <cs:fontRef idx="minor">
+      <a:schemeClr val="tx1"/>
+    </cs:fontRef>
+    <cs:spPr>
+      <a:ln w="9525" cap="flat" cmpd="sng" algn="ctr">
+        <a:solidFill>
+          <a:schemeClr val="tx1">
+            <a:lumMod val="75000"/>
+            <a:lumOff val="25000"/>
+          </a:schemeClr>
+        </a:solidFill>
+        <a:round/>
+      </a:ln>
+    </cs:spPr>
+  </cs:hiLoLine>
+  <cs:leaderLine>
+    <cs:lnRef idx="0"/>
+    <cs:fillRef idx="0"/>
+    <cs:effectRef idx="0"/>
+    <cs:fontRef idx="minor">
+      <a:schemeClr val="tx1"/>
+    </cs:fontRef>
+    <cs:spPr>
+      <a:ln w="9525" cap="flat" cmpd="sng" algn="ctr">
+        <a:solidFill>
+          <a:schemeClr val="tx1">
+            <a:lumMod val="35000"/>
+            <a:lumOff val="65000"/>
+          </a:schemeClr>
+        </a:solidFill>
+        <a:round/>
+      </a:ln>
+    </cs:spPr>
+  </cs:leaderLine>
+  <cs:legend>
+    <cs:lnRef idx="0"/>
+    <cs:fillRef idx="0"/>
+    <cs:effectRef idx="0"/>
+    <cs:fontRef idx="minor">
+      <a:schemeClr val="tx1">
+        <a:lumMod val="65000"/>
+        <a:lumOff val="35000"/>
+      </a:schemeClr>
+    </cs:fontRef>
+    <cs:defRPr sz="1197" kern="1200"/>
+  </cs:legend>
+  <cs:plotArea mods="allowNoFillOverride allowNoLineOverride">
+    <cs:lnRef idx="0"/>
+    <cs:fillRef idx="0"/>
+    <cs:effectRef idx="0"/>
+    <cs:fontRef idx="minor">
+      <a:schemeClr val="tx1"/>
+    </cs:fontRef>
+  </cs:plotArea>
+  <cs:plotArea3D mods="allowNoFillOverride allowNoLineOverride">
+    <cs:lnRef idx="0"/>
+    <cs:fillRef idx="0"/>
+    <cs:effectRef idx="0"/>
+    <cs:fontRef idx="minor">
+      <a:schemeClr val="tx1"/>
+    </cs:fontRef>
+  </cs:plotArea3D>
+  <cs:seriesAxis>
+    <cs:lnRef idx="0"/>
+    <cs:fillRef idx="0"/>
+    <cs:effectRef idx="0"/>
+    <cs:fontRef idx="minor">
+      <a:schemeClr val="tx1">
+        <a:lumMod val="65000"/>
+        <a:lumOff val="35000"/>
+      </a:schemeClr>
+    </cs:fontRef>
+    <cs:defRPr sz="1197" kern="1200"/>
+  </cs:seriesAxis>
+  <cs:seriesLine>
+    <cs:lnRef idx="0"/>
+    <cs:fillRef idx="0"/>
+    <cs:effectRef idx="0"/>
+    <cs:fontRef idx="minor">
+      <a:schemeClr val="tx1"/>
+    </cs:fontRef>
+    <cs:spPr>
+      <a:ln w="9525" cap="flat" cmpd="sng" algn="ctr">
+        <a:solidFill>
+          <a:schemeClr val="tx1">
+            <a:lumMod val="35000"/>
+            <a:lumOff val="65000"/>
+          </a:schemeClr>
+        </a:solidFill>
+        <a:round/>
+      </a:ln>
+    </cs:spPr>
+  </cs:seriesLine>
+  <cs:title>
+    <cs:lnRef idx="0"/>
+    <cs:fillRef idx="0"/>
+    <cs:effectRef idx="0"/>
+    <cs:fontRef idx="minor">
+      <a:schemeClr val="tx1">
+        <a:lumMod val="65000"/>
+        <a:lumOff val="35000"/>
+      </a:schemeClr>
+    </cs:fontRef>
+    <cs:defRPr sz="1862" b="0" kern="1200" spc="0" baseline="0"/>
+  </cs:title>
+  <cs:trendline>
+    <cs:lnRef idx="0">
+      <cs:styleClr val="auto"/>
+    </cs:lnRef>
+    <cs:fillRef idx="0"/>
+    <cs:effectRef idx="0"/>
+    <cs:fontRef idx="minor">
+      <a:schemeClr val="tx1"/>
+    </cs:fontRef>
+    <cs:spPr>
+      <a:ln w="19050" cap="rnd">
+        <a:solidFill>
+          <a:schemeClr val="phClr"/>
+        </a:solidFill>
+        <a:prstDash val="sysDot"/>
+      </a:ln>
+    </cs:spPr>
+  </cs:trendline>
+  <cs:trendlineLabel>
+    <cs:lnRef idx="0"/>
+    <cs:fillRef idx="0"/>
+    <cs:effectRef idx="0"/>
+    <cs:fontRef idx="minor">
+      <a:schemeClr val="tx1">
+        <a:lumMod val="65000"/>
+        <a:lumOff val="35000"/>
+      </a:schemeClr>
+    </cs:fontRef>
+    <cs:defRPr sz="1197" kern="1200"/>
+  </cs:trendlineLabel>
+  <cs:upBar>
+    <cs:lnRef idx="0"/>
+    <cs:fillRef idx="0"/>
+    <cs:effectRef idx="0"/>
+    <cs:fontRef idx="minor">
+      <a:schemeClr val="dk1"/>
+    </cs:fontRef>
+    <cs:spPr>
+      <a:solidFill>
+        <a:schemeClr val="lt1"/>
+      </a:solidFill>
+      <a:ln w="9525">
+        <a:solidFill>
+          <a:schemeClr val="tx1">
+            <a:lumMod val="15000"/>
+            <a:lumOff val="85000"/>
+          </a:schemeClr>
+        </a:solidFill>
+      </a:ln>
+    </cs:spPr>
+  </cs:upBar>
+  <cs:valueAxis>
+    <cs:lnRef idx="0"/>
+    <cs:fillRef idx="0"/>
+    <cs:effectRef idx="0"/>
+    <cs:fontRef idx="minor">
+      <a:schemeClr val="tx1">
+        <a:lumMod val="65000"/>
+        <a:lumOff val="35000"/>
+      </a:schemeClr>
+    </cs:fontRef>
+    <cs:defRPr sz="1197" kern="1200"/>
+  </cs:valueAxis>
+  <cs:wall>
+    <cs:lnRef idx="0"/>
+    <cs:fillRef idx="0"/>
+    <cs:effectRef idx="0"/>
+    <cs:fontRef idx="minor">
+      <a:schemeClr val="tx1"/>
+    </cs:fontRef>
+    <cs:spPr>
+      <a:noFill/>
+      <a:ln>
+        <a:noFill/>
+      </a:ln>
+    </cs:spPr>
+  </cs:wall>
+</cs:chartStyle>
+</file>
+
+<file path=ppt/charts/style2.xml><?xml version="1.0" encoding="utf-8"?>
+<cs:chartStyle xmlns:cs="http://schemas.microsoft.com/office/drawing/2012/chartStyle" xmlns:a="http://schemas.openxmlformats.org/drawingml/2006/main" id="201">
+  <cs:axisTitle>
+    <cs:lnRef idx="0"/>
+    <cs:fillRef idx="0"/>
+    <cs:effectRef idx="0"/>
+    <cs:fontRef idx="minor">
+      <a:schemeClr val="tx1">
+        <a:lumMod val="65000"/>
+        <a:lumOff val="35000"/>
+      </a:schemeClr>
+    </cs:fontRef>
+    <cs:defRPr sz="1330" kern="1200"/>
+  </cs:axisTitle>
+  <cs:categoryAxis>
+    <cs:lnRef idx="0"/>
+    <cs:fillRef idx="0"/>
+    <cs:effectRef idx="0"/>
+    <cs:fontRef idx="minor">
+      <a:schemeClr val="tx1">
+        <a:lumMod val="65000"/>
+        <a:lumOff val="35000"/>
+      </a:schemeClr>
+    </cs:fontRef>
+    <cs:spPr>
+      <a:ln w="9525" cap="flat" cmpd="sng" algn="ctr">
+        <a:solidFill>
+          <a:schemeClr val="tx1">
+            <a:lumMod val="15000"/>
+            <a:lumOff val="85000"/>
+          </a:schemeClr>
+        </a:solidFill>
+        <a:round/>
+      </a:ln>
+    </cs:spPr>
+    <cs:defRPr sz="1197" kern="1200"/>
+  </cs:categoryAxis>
+  <cs:chartArea mods="allowNoFillOverride allowNoLineOverride">
+    <cs:lnRef idx="0"/>
+    <cs:fillRef idx="0"/>
+    <cs:effectRef idx="0"/>
+    <cs:fontRef idx="minor">
+      <a:schemeClr val="tx1"/>
+    </cs:fontRef>
+    <cs:spPr>
+      <a:solidFill>
+        <a:schemeClr val="bg1"/>
+      </a:solidFill>
+      <a:ln w="9525" cap="flat" cmpd="sng" algn="ctr">
+        <a:solidFill>
+          <a:schemeClr val="tx1">
+            <a:lumMod val="15000"/>
+            <a:lumOff val="85000"/>
+          </a:schemeClr>
+        </a:solidFill>
+        <a:round/>
+      </a:ln>
+    </cs:spPr>
+    <cs:defRPr sz="1330" kern="1200"/>
+  </cs:chartArea>
+  <cs:dataLabel>
+    <cs:lnRef idx="0"/>
+    <cs:fillRef idx="0"/>
+    <cs:effectRef idx="0"/>
+    <cs:fontRef idx="minor">
+      <a:schemeClr val="tx1">
+        <a:lumMod val="75000"/>
+        <a:lumOff val="25000"/>
+      </a:schemeClr>
+    </cs:fontRef>
+    <cs:defRPr sz="1197" kern="1200"/>
+  </cs:dataLabel>
+  <cs:dataLabelCallout>
+    <cs:lnRef idx="0"/>
+    <cs:fillRef idx="0"/>
+    <cs:effectRef idx="0"/>
+    <cs:fontRef idx="minor">
+      <a:schemeClr val="dk1">
+        <a:lumMod val="65000"/>
+        <a:lumOff val="35000"/>
+      </a:schemeClr>
+    </cs:fontRef>
+    <cs:spPr>
+      <a:solidFill>
+        <a:schemeClr val="lt1"/>
+      </a:solidFill>
+      <a:ln>
+        <a:solidFill>
+          <a:schemeClr val="dk1">
+            <a:lumMod val="25000"/>
+            <a:lumOff val="75000"/>
+          </a:schemeClr>
+        </a:solidFill>
+      </a:ln>
+    </cs:spPr>
+    <cs:defRPr sz="1197" kern="1200"/>
+    <cs:bodyPr rot="0" spcFirstLastPara="1" vertOverflow="clip" horzOverflow="clip" vert="horz" wrap="square" lIns="36576" tIns="18288" rIns="36576" bIns="18288" anchor="ctr" anchorCtr="1">
+      <a:spAutoFit/>
+    </cs:bodyPr>
+  </cs:dataLabelCallout>
+  <cs:dataPoint>
+    <cs:lnRef idx="0"/>
+    <cs:fillRef idx="1">
+      <cs:styleClr val="auto"/>
+    </cs:fillRef>
+    <cs:effectRef idx="0"/>
+    <cs:fontRef idx="minor">
+      <a:schemeClr val="tx1"/>
+    </cs:fontRef>
+  </cs:dataPoint>
+  <cs:dataPoint3D>
+    <cs:lnRef idx="0"/>
+    <cs:fillRef idx="1">
+      <cs:styleClr val="auto"/>
+    </cs:fillRef>
+    <cs:effectRef idx="0"/>
+    <cs:fontRef idx="minor">
+      <a:schemeClr val="tx1"/>
+    </cs:fontRef>
+  </cs:dataPoint3D>
+  <cs:dataPointLine>
+    <cs:lnRef idx="0">
+      <cs:styleClr val="auto"/>
+    </cs:lnRef>
+    <cs:fillRef idx="1"/>
+    <cs:effectRef idx="0"/>
+    <cs:fontRef idx="minor">
+      <a:schemeClr val="tx1"/>
+    </cs:fontRef>
+    <cs:spPr>
+      <a:ln w="28575" cap="rnd">
+        <a:solidFill>
+          <a:schemeClr val="phClr"/>
+        </a:solidFill>
+        <a:round/>
+      </a:ln>
+    </cs:spPr>
+  </cs:dataPointLine>
+  <cs:dataPointMarker>
+    <cs:lnRef idx="0">
+      <cs:styleClr val="auto"/>
+    </cs:lnRef>
+    <cs:fillRef idx="1">
+      <cs:styleClr val="auto"/>
+    </cs:fillRef>
+    <cs:effectRef idx="0"/>
+    <cs:fontRef idx="minor">
+      <a:schemeClr val="tx1"/>
+    </cs:fontRef>
+    <cs:spPr>
+      <a:ln w="9525">
+        <a:solidFill>
+          <a:schemeClr val="phClr"/>
+        </a:solidFill>
+      </a:ln>
+    </cs:spPr>
+  </cs:dataPointMarker>
+  <cs:dataPointMarkerLayout symbol="circle" size="5"/>
+  <cs:dataPointWireframe>
+    <cs:lnRef idx="0">
+      <cs:styleClr val="auto"/>
+    </cs:lnRef>
+    <cs:fillRef idx="1"/>
+    <cs:effectRef idx="0"/>
+    <cs:fontRef idx="minor">
+      <a:schemeClr val="tx1"/>
+    </cs:fontRef>
+    <cs:spPr>
+      <a:ln w="9525" cap="rnd">
+        <a:solidFill>
+          <a:schemeClr val="phClr"/>
+        </a:solidFill>
+        <a:round/>
+      </a:ln>
+    </cs:spPr>
+  </cs:dataPointWireframe>
+  <cs:dataTable>
+    <cs:lnRef idx="0"/>
+    <cs:fillRef idx="0"/>
+    <cs:effectRef idx="0"/>
+    <cs:fontRef idx="minor">
+      <a:schemeClr val="tx1">
+        <a:lumMod val="65000"/>
+        <a:lumOff val="35000"/>
+      </a:schemeClr>
+    </cs:fontRef>
+    <cs:spPr>
+      <a:noFill/>
+      <a:ln w="9525" cap="flat" cmpd="sng" algn="ctr">
+        <a:solidFill>
+          <a:schemeClr val="tx1">
+            <a:lumMod val="15000"/>
+            <a:lumOff val="85000"/>
+          </a:schemeClr>
+        </a:solidFill>
+        <a:round/>
+      </a:ln>
+    </cs:spPr>
+    <cs:defRPr sz="1197" kern="1200"/>
+  </cs:dataTable>
+  <cs:downBar>
+    <cs:lnRef idx="0"/>
+    <cs:fillRef idx="0"/>
+    <cs:effectRef idx="0"/>
+    <cs:fontRef idx="minor">
+      <a:schemeClr val="dk1"/>
+    </cs:fontRef>
+    <cs:spPr>
+      <a:solidFill>
+        <a:schemeClr val="dk1">
+          <a:lumMod val="65000"/>
+          <a:lumOff val="35000"/>
+        </a:schemeClr>
+      </a:solidFill>
+      <a:ln w="9525">
+        <a:solidFill>
+          <a:schemeClr val="tx1">
+            <a:lumMod val="65000"/>
+            <a:lumOff val="35000"/>
+          </a:schemeClr>
+        </a:solidFill>
+      </a:ln>
+    </cs:spPr>
+  </cs:downBar>
+  <cs:dropLine>
+    <cs:lnRef idx="0"/>
+    <cs:fillRef idx="0"/>
+    <cs:effectRef idx="0"/>
+    <cs:fontRef idx="minor">
+      <a:schemeClr val="tx1"/>
+    </cs:fontRef>
+    <cs:spPr>
+      <a:ln w="9525" cap="flat" cmpd="sng" algn="ctr">
+        <a:solidFill>
+          <a:schemeClr val="tx1">
+            <a:lumMod val="35000"/>
+            <a:lumOff val="65000"/>
+          </a:schemeClr>
+        </a:solidFill>
+        <a:round/>
+      </a:ln>
+    </cs:spPr>
+  </cs:dropLine>
+  <cs:errorBar>
+    <cs:lnRef idx="0"/>
+    <cs:fillRef idx="0"/>
+    <cs:effectRef idx="0"/>
+    <cs:fontRef idx="minor">
+      <a:schemeClr val="tx1"/>
+    </cs:fontRef>
+    <cs:spPr>
+      <a:ln w="9525" cap="flat" cmpd="sng" algn="ctr">
+        <a:solidFill>
+          <a:schemeClr val="tx1">
+            <a:lumMod val="65000"/>
+            <a:lumOff val="35000"/>
+          </a:schemeClr>
+        </a:solidFill>
+        <a:round/>
+      </a:ln>
+    </cs:spPr>
+  </cs:errorBar>
+  <cs:floor>
+    <cs:lnRef idx="0"/>
+    <cs:fillRef idx="0"/>
+    <cs:effectRef idx="0"/>
+    <cs:fontRef idx="minor">
+      <a:schemeClr val="tx1"/>
+    </cs:fontRef>
+    <cs:spPr>
+      <a:noFill/>
+      <a:ln>
+        <a:noFill/>
+      </a:ln>
+    </cs:spPr>
+  </cs:floor>
+  <cs:gridlineMajor>
+    <cs:lnRef idx="0"/>
+    <cs:fillRef idx="0"/>
+    <cs:effectRef idx="0"/>
+    <cs:fontRef idx="minor">
+      <a:schemeClr val="tx1"/>
+    </cs:fontRef>
+    <cs:spPr>
+      <a:ln w="9525" cap="flat" cmpd="sng" algn="ctr">
+        <a:solidFill>
+          <a:schemeClr val="tx1">
+            <a:lumMod val="15000"/>
+            <a:lumOff val="85000"/>
+          </a:schemeClr>
+        </a:solidFill>
+        <a:round/>
+      </a:ln>
+    </cs:spPr>
+  </cs:gridlineMajor>
+  <cs:gridlineMinor>
+    <cs:lnRef idx="0"/>
+    <cs:fillRef idx="0"/>
+    <cs:effectRef idx="0"/>
+    <cs:fontRef idx="minor">
+      <a:schemeClr val="tx1"/>
+    </cs:fontRef>
+    <cs:spPr>
+      <a:ln w="9525" cap="flat" cmpd="sng" algn="ctr">
+        <a:solidFill>
+          <a:schemeClr val="tx1">
+            <a:lumMod val="5000"/>
+            <a:lumOff val="95000"/>
+          </a:schemeClr>
+        </a:solidFill>
+        <a:round/>
+      </a:ln>
+    </cs:spPr>
+  </cs:gridlineMinor>
+  <cs:hiLoLine>
+    <cs:lnRef idx="0"/>
+    <cs:fillRef idx="0"/>
+    <cs:effectRef idx="0"/>
+    <cs:fontRef idx="minor">
+      <a:schemeClr val="tx1"/>
+    </cs:fontRef>
+    <cs:spPr>
+      <a:ln w="9525" cap="flat" cmpd="sng" algn="ctr">
+        <a:solidFill>
+          <a:schemeClr val="tx1">
+            <a:lumMod val="75000"/>
+            <a:lumOff val="25000"/>
+          </a:schemeClr>
+        </a:solidFill>
+        <a:round/>
+      </a:ln>
+    </cs:spPr>
+  </cs:hiLoLine>
+  <cs:leaderLine>
+    <cs:lnRef idx="0"/>
+    <cs:fillRef idx="0"/>
+    <cs:effectRef idx="0"/>
+    <cs:fontRef idx="minor">
+      <a:schemeClr val="tx1"/>
+    </cs:fontRef>
+    <cs:spPr>
+      <a:ln w="9525" cap="flat" cmpd="sng" algn="ctr">
+        <a:solidFill>
+          <a:schemeClr val="tx1">
+            <a:lumMod val="35000"/>
+            <a:lumOff val="65000"/>
+          </a:schemeClr>
+        </a:solidFill>
+        <a:round/>
+      </a:ln>
+    </cs:spPr>
+  </cs:leaderLine>
+  <cs:legend>
+    <cs:lnRef idx="0"/>
+    <cs:fillRef idx="0"/>
+    <cs:effectRef idx="0"/>
+    <cs:fontRef idx="minor">
+      <a:schemeClr val="tx1">
+        <a:lumMod val="65000"/>
+        <a:lumOff val="35000"/>
+      </a:schemeClr>
+    </cs:fontRef>
+    <cs:defRPr sz="1197" kern="1200"/>
+  </cs:legend>
+  <cs:plotArea mods="allowNoFillOverride allowNoLineOverride">
+    <cs:lnRef idx="0"/>
+    <cs:fillRef idx="0"/>
+    <cs:effectRef idx="0"/>
+    <cs:fontRef idx="minor">
+      <a:schemeClr val="tx1"/>
+    </cs:fontRef>
+  </cs:plotArea>
+  <cs:plotArea3D mods="allowNoFillOverride allowNoLineOverride">
+    <cs:lnRef idx="0"/>
+    <cs:fillRef idx="0"/>
+    <cs:effectRef idx="0"/>
+    <cs:fontRef idx="minor">
+      <a:schemeClr val="tx1"/>
+    </cs:fontRef>
+  </cs:plotArea3D>
+  <cs:seriesAxis>
+    <cs:lnRef idx="0"/>
+    <cs:fillRef idx="0"/>
+    <cs:effectRef idx="0"/>
+    <cs:fontRef idx="minor">
+      <a:schemeClr val="tx1">
+        <a:lumMod val="65000"/>
+        <a:lumOff val="35000"/>
+      </a:schemeClr>
+    </cs:fontRef>
+    <cs:defRPr sz="1197" kern="1200"/>
+  </cs:seriesAxis>
+  <cs:seriesLine>
+    <cs:lnRef idx="0"/>
+    <cs:fillRef idx="0"/>
+    <cs:effectRef idx="0"/>
+    <cs:fontRef idx="minor">
+      <a:schemeClr val="tx1"/>
+    </cs:fontRef>
+    <cs:spPr>
+      <a:ln w="9525" cap="flat" cmpd="sng" algn="ctr">
+        <a:solidFill>
+          <a:schemeClr val="tx1">
+            <a:lumMod val="35000"/>
+            <a:lumOff val="65000"/>
+          </a:schemeClr>
+        </a:solidFill>
+        <a:round/>
+      </a:ln>
+    </cs:spPr>
+  </cs:seriesLine>
+  <cs:title>
+    <cs:lnRef idx="0"/>
+    <cs:fillRef idx="0"/>
+    <cs:effectRef idx="0"/>
+    <cs:fontRef idx="minor">
+      <a:schemeClr val="tx1">
+        <a:lumMod val="65000"/>
+        <a:lumOff val="35000"/>
+      </a:schemeClr>
+    </cs:fontRef>
+    <cs:defRPr sz="1862" b="0" kern="1200" spc="0" baseline="0"/>
+  </cs:title>
+  <cs:trendline>
+    <cs:lnRef idx="0">
+      <cs:styleClr val="auto"/>
+    </cs:lnRef>
+    <cs:fillRef idx="0"/>
+    <cs:effectRef idx="0"/>
+    <cs:fontRef idx="minor">
+      <a:schemeClr val="tx1"/>
+    </cs:fontRef>
+    <cs:spPr>
+      <a:ln w="19050" cap="rnd">
+        <a:solidFill>
+          <a:schemeClr val="phClr"/>
+        </a:solidFill>
+        <a:prstDash val="sysDot"/>
+      </a:ln>
+    </cs:spPr>
+  </cs:trendline>
+  <cs:trendlineLabel>
+    <cs:lnRef idx="0"/>
+    <cs:fillRef idx="0"/>
+    <cs:effectRef idx="0"/>
+    <cs:fontRef idx="minor">
+      <a:schemeClr val="tx1">
+        <a:lumMod val="65000"/>
+        <a:lumOff val="35000"/>
+      </a:schemeClr>
+    </cs:fontRef>
+    <cs:defRPr sz="1197" kern="1200"/>
+  </cs:trendlineLabel>
+  <cs:upBar>
+    <cs:lnRef idx="0"/>
+    <cs:fillRef idx="0"/>
+    <cs:effectRef idx="0"/>
+    <cs:fontRef idx="minor">
+      <a:schemeClr val="dk1"/>
+    </cs:fontRef>
+    <cs:spPr>
+      <a:solidFill>
+        <a:schemeClr val="lt1"/>
+      </a:solidFill>
+      <a:ln w="9525">
+        <a:solidFill>
+          <a:schemeClr val="tx1">
+            <a:lumMod val="15000"/>
+            <a:lumOff val="85000"/>
+          </a:schemeClr>
+        </a:solidFill>
+      </a:ln>
+    </cs:spPr>
+  </cs:upBar>
+  <cs:valueAxis>
+    <cs:lnRef idx="0"/>
+    <cs:fillRef idx="0"/>
+    <cs:effectRef idx="0"/>
+    <cs:fontRef idx="minor">
+      <a:schemeClr val="tx1">
+        <a:lumMod val="65000"/>
+        <a:lumOff val="35000"/>
+      </a:schemeClr>
+    </cs:fontRef>
+    <cs:defRPr sz="1197" kern="1200"/>
+  </cs:valueAxis>
+  <cs:wall>
+    <cs:lnRef idx="0"/>
+    <cs:fillRef idx="0"/>
+    <cs:effectRef idx="0"/>
+    <cs:fontRef idx="minor">
+      <a:schemeClr val="tx1"/>
+    </cs:fontRef>
+    <cs:spPr>
+      <a:noFill/>
+      <a:ln>
+        <a:noFill/>
+      </a:ln>
+    </cs:spPr>
+  </cs:wall>
+</cs:chartStyle>
 </file>
 
 <file path=ppt/slideLayouts/slideLayout1.xml><?xml version="1.0" encoding="utf-8"?>
@@ -3251,8 +4979,20 @@
                 <a:tableStyleId>{2D5ABB26-0587-4C30-8999-92F81FD0307C}</a:tableStyleId>
               </a:tblPr>
               <a:tblGrid>
-                <a:gridCol w="1802651"/>
-                <a:gridCol w="1802651"/>
+                <a:gridCol w="1802651">
+                  <a:extLst>
+                    <a:ext uri="{9D8B030D-6E8A-4147-A177-3AD203B41FA5}">
+                      <a16:colId xmlns:a16="http://schemas.microsoft.com/office/drawing/2014/main" val="20000"/>
+                    </a:ext>
+                  </a:extLst>
+                </a:gridCol>
+                <a:gridCol w="1802651">
+                  <a:extLst>
+                    <a:ext uri="{9D8B030D-6E8A-4147-A177-3AD203B41FA5}">
+                      <a16:colId xmlns:a16="http://schemas.microsoft.com/office/drawing/2014/main" val="20001"/>
+                    </a:ext>
+                  </a:extLst>
+                </a:gridCol>
               </a:tblGrid>
               <a:tr h="1015397">
                 <a:tc>
@@ -3329,6 +5069,11 @@
                     </a:lnL>
                   </a:tcPr>
                 </a:tc>
+                <a:extLst>
+                  <a:ext uri="{0D108BD9-81ED-4DB2-BD59-A6C34878D82A}">
+                    <a16:rowId xmlns:a16="http://schemas.microsoft.com/office/drawing/2014/main" val="10000"/>
+                  </a:ext>
+                </a:extLst>
               </a:tr>
               <a:tr h="1015397">
                 <a:tc>
@@ -3405,6 +5150,11 @@
                     </a:lnL>
                   </a:tcPr>
                 </a:tc>
+                <a:extLst>
+                  <a:ext uri="{0D108BD9-81ED-4DB2-BD59-A6C34878D82A}">
+                    <a16:rowId xmlns:a16="http://schemas.microsoft.com/office/drawing/2014/main" val="10001"/>
+                  </a:ext>
+                </a:extLst>
               </a:tr>
               <a:tr h="1015397">
                 <a:tc>
@@ -3481,6 +5231,11 @@
                     </a:lnL>
                   </a:tcPr>
                 </a:tc>
+                <a:extLst>
+                  <a:ext uri="{0D108BD9-81ED-4DB2-BD59-A6C34878D82A}">
+                    <a16:rowId xmlns:a16="http://schemas.microsoft.com/office/drawing/2014/main" val="10002"/>
+                  </a:ext>
+                </a:extLst>
               </a:tr>
               <a:tr h="1015397">
                 <a:tc>
@@ -3557,6 +5312,11 @@
                     </a:lnL>
                   </a:tcPr>
                 </a:tc>
+                <a:extLst>
+                  <a:ext uri="{0D108BD9-81ED-4DB2-BD59-A6C34878D82A}">
+                    <a16:rowId xmlns:a16="http://schemas.microsoft.com/office/drawing/2014/main" val="10003"/>
+                  </a:ext>
+                </a:extLst>
               </a:tr>
               <a:tr h="1015397">
                 <a:tc>
@@ -3633,6 +5393,11 @@
                     </a:lnL>
                   </a:tcPr>
                 </a:tc>
+                <a:extLst>
+                  <a:ext uri="{0D108BD9-81ED-4DB2-BD59-A6C34878D82A}">
+                    <a16:rowId xmlns:a16="http://schemas.microsoft.com/office/drawing/2014/main" val="10004"/>
+                  </a:ext>
+                </a:extLst>
               </a:tr>
             </a:tbl>
           </a:graphicData>
@@ -3944,15 +5709,6 @@
               </a:rPr>
               <a:t>8 GB RAM</a:t>
             </a:r>
-            <a:endParaRPr lang="de-DE" dirty="0" smtClean="0">
-              <a:solidFill>
-                <a:schemeClr val="bg1">
-                  <a:lumMod val="50000"/>
-                </a:schemeClr>
-              </a:solidFill>
-              <a:latin typeface="Segoe UI Light" panose="020B0502040204020203" pitchFamily="34" charset="0"/>
-              <a:cs typeface="Segoe UI Light" panose="020B0502040204020203" pitchFamily="34" charset="0"/>
-            </a:endParaRPr>
           </a:p>
           <a:p>
             <a:pPr algn="r"/>
@@ -4080,6 +5836,28 @@
           </a:p>
         </p:txBody>
       </p:sp>
+      <p:graphicFrame>
+        <p:nvGraphicFramePr>
+          <p:cNvPr id="21" name="Diagramm 20"/>
+          <p:cNvGraphicFramePr/>
+          <p:nvPr>
+            <p:extLst>
+              <p:ext uri="{D42A27DB-BD31-4B8C-83A1-F6EECF244321}">
+                <p14:modId xmlns:p14="http://schemas.microsoft.com/office/powerpoint/2010/main" val="548462063"/>
+              </p:ext>
+            </p:extLst>
+          </p:nvPr>
+        </p:nvGraphicFramePr>
+        <p:xfrm>
+          <a:off x="8613451" y="908053"/>
+          <a:ext cx="3027164" cy="3823809"/>
+        </p:xfrm>
+        <a:graphic>
+          <a:graphicData uri="http://schemas.openxmlformats.org/drawingml/2006/chart">
+            <c:chart xmlns:c="http://schemas.openxmlformats.org/drawingml/2006/chart" xmlns:r="http://schemas.openxmlformats.org/officeDocument/2006/relationships" r:id="rId2"/>
+          </a:graphicData>
+        </a:graphic>
+      </p:graphicFrame>
     </p:spTree>
     <p:extLst>
       <p:ext uri="{BB962C8B-B14F-4D97-AF65-F5344CB8AC3E}">
@@ -4216,11 +5994,11 @@
           <a:p>
             <a:pPr algn="ctr"/>
             <a:r>
-              <a:rPr lang="de-DE" sz="4800" dirty="0" smtClean="0">
+              <a:rPr lang="de-DE" sz="4800" dirty="0">
                 <a:latin typeface="Segoe UI Light" panose="020B0502040204020203" pitchFamily="34" charset="0"/>
                 <a:cs typeface="Segoe UI Light" panose="020B0502040204020203" pitchFamily="34" charset="0"/>
               </a:rPr>
-              <a:t>t</a:t>
+              <a:t>0</a:t>
             </a:r>
             <a:endParaRPr lang="de-DE" sz="4800" dirty="0">
               <a:latin typeface="Segoe UI Light" panose="020B0502040204020203" pitchFamily="34" charset="0"/>
@@ -4272,6 +6050,1349 @@
           <a:p>
             <a:pPr algn="ctr"/>
             <a:r>
+              <a:rPr lang="de-DE" sz="4800" dirty="0" smtClean="0">
+                <a:latin typeface="Segoe UI Light" panose="020B0502040204020203" pitchFamily="34" charset="0"/>
+                <a:cs typeface="Segoe UI Light" panose="020B0502040204020203" pitchFamily="34" charset="0"/>
+              </a:rPr>
+              <a:t>10,6</a:t>
+            </a:r>
+            <a:endParaRPr lang="de-DE" sz="4800" dirty="0">
+              <a:latin typeface="Segoe UI Light" panose="020B0502040204020203" pitchFamily="34" charset="0"/>
+              <a:cs typeface="Segoe UI Light" panose="020B0502040204020203" pitchFamily="34" charset="0"/>
+            </a:endParaRPr>
+          </a:p>
+        </p:txBody>
+      </p:sp>
+      <p:sp>
+        <p:nvSpPr>
+          <p:cNvPr id="11" name="Textfeld 10"/>
+          <p:cNvSpPr txBox="1"/>
+          <p:nvPr/>
+        </p:nvSpPr>
+        <p:spPr>
+          <a:xfrm>
+            <a:off x="1053255" y="3779090"/>
+            <a:ext cx="1440160" cy="276999"/>
+          </a:xfrm>
+          <a:prstGeom prst="rect">
+            <a:avLst/>
+          </a:prstGeom>
+          <a:noFill/>
+        </p:spPr>
+        <p:txBody>
+          <a:bodyPr wrap="square" rtlCol="0">
+            <a:spAutoFit/>
+          </a:bodyPr>
+          <a:lstStyle/>
+          <a:p>
+            <a:pPr algn="ctr"/>
+            <a:r>
+              <a:rPr lang="de-DE" sz="1200" dirty="0" err="1" smtClean="0">
+                <a:solidFill>
+                  <a:schemeClr val="bg1"/>
+                </a:solidFill>
+                <a:latin typeface="Segoe UI Light" panose="020B0502040204020203" pitchFamily="34" charset="0"/>
+                <a:cs typeface="Segoe UI Light" panose="020B0502040204020203" pitchFamily="34" charset="0"/>
+              </a:rPr>
+              <a:t>ms</a:t>
+            </a:r>
+            <a:r>
+              <a:rPr lang="de-DE" sz="1200" dirty="0" smtClean="0">
+                <a:solidFill>
+                  <a:schemeClr val="bg1"/>
+                </a:solidFill>
+                <a:latin typeface="Segoe UI Light" panose="020B0502040204020203" pitchFamily="34" charset="0"/>
+                <a:cs typeface="Segoe UI Light" panose="020B0502040204020203" pitchFamily="34" charset="0"/>
+              </a:rPr>
+              <a:t> </a:t>
+            </a:r>
+            <a:r>
+              <a:rPr lang="de-DE" sz="1200" dirty="0" err="1" smtClean="0">
+                <a:solidFill>
+                  <a:schemeClr val="bg1"/>
+                </a:solidFill>
+                <a:latin typeface="Segoe UI Light" panose="020B0502040204020203" pitchFamily="34" charset="0"/>
+                <a:cs typeface="Segoe UI Light" panose="020B0502040204020203" pitchFamily="34" charset="0"/>
+              </a:rPr>
+              <a:t>forced</a:t>
+            </a:r>
+            <a:r>
+              <a:rPr lang="de-DE" sz="1200" dirty="0" smtClean="0">
+                <a:solidFill>
+                  <a:schemeClr val="bg1"/>
+                </a:solidFill>
+                <a:latin typeface="Segoe UI Light" panose="020B0502040204020203" pitchFamily="34" charset="0"/>
+                <a:cs typeface="Segoe UI Light" panose="020B0502040204020203" pitchFamily="34" charset="0"/>
+              </a:rPr>
+              <a:t> </a:t>
+            </a:r>
+            <a:r>
+              <a:rPr lang="de-DE" sz="1200" dirty="0" err="1" smtClean="0">
+                <a:solidFill>
+                  <a:schemeClr val="bg1"/>
+                </a:solidFill>
+                <a:latin typeface="Segoe UI Light" panose="020B0502040204020203" pitchFamily="34" charset="0"/>
+                <a:cs typeface="Segoe UI Light" panose="020B0502040204020203" pitchFamily="34" charset="0"/>
+              </a:rPr>
+              <a:t>delay</a:t>
+            </a:r>
+            <a:r>
+              <a:rPr lang="de-DE" sz="1200" dirty="0" smtClean="0">
+                <a:solidFill>
+                  <a:schemeClr val="bg1"/>
+                </a:solidFill>
+                <a:latin typeface="Segoe UI Light" panose="020B0502040204020203" pitchFamily="34" charset="0"/>
+                <a:cs typeface="Segoe UI Light" panose="020B0502040204020203" pitchFamily="34" charset="0"/>
+              </a:rPr>
+              <a:t> (t)</a:t>
+            </a:r>
+            <a:endParaRPr lang="de-DE" sz="1200" dirty="0">
+              <a:solidFill>
+                <a:schemeClr val="bg1"/>
+              </a:solidFill>
+              <a:latin typeface="Segoe UI Light" panose="020B0502040204020203" pitchFamily="34" charset="0"/>
+              <a:cs typeface="Segoe UI Light" panose="020B0502040204020203" pitchFamily="34" charset="0"/>
+            </a:endParaRPr>
+          </a:p>
+        </p:txBody>
+      </p:sp>
+      <p:graphicFrame>
+        <p:nvGraphicFramePr>
+          <p:cNvPr id="12" name="Tabelle 11"/>
+          <p:cNvGraphicFramePr>
+            <a:graphicFrameLocks noGrp="1"/>
+          </p:cNvGraphicFramePr>
+          <p:nvPr>
+            <p:extLst>
+              <p:ext uri="{D42A27DB-BD31-4B8C-83A1-F6EECF244321}">
+                <p14:modId xmlns:p14="http://schemas.microsoft.com/office/powerpoint/2010/main" val="4199661656"/>
+              </p:ext>
+            </p:extLst>
+          </p:nvPr>
+        </p:nvGraphicFramePr>
+        <p:xfrm>
+          <a:off x="4650938" y="908719"/>
+          <a:ext cx="3605302" cy="5076984"/>
+        </p:xfrm>
+        <a:graphic>
+          <a:graphicData uri="http://schemas.openxmlformats.org/drawingml/2006/table">
+            <a:tbl>
+              <a:tblPr firstRow="1" bandRow="1">
+                <a:tableStyleId>{2D5ABB26-0587-4C30-8999-92F81FD0307C}</a:tableStyleId>
+              </a:tblPr>
+              <a:tblGrid>
+                <a:gridCol w="1802651">
+                  <a:extLst>
+                    <a:ext uri="{9D8B030D-6E8A-4147-A177-3AD203B41FA5}">
+                      <a16:colId xmlns:a16="http://schemas.microsoft.com/office/drawing/2014/main" val="20000"/>
+                    </a:ext>
+                  </a:extLst>
+                </a:gridCol>
+                <a:gridCol w="1802651">
+                  <a:extLst>
+                    <a:ext uri="{9D8B030D-6E8A-4147-A177-3AD203B41FA5}">
+                      <a16:colId xmlns:a16="http://schemas.microsoft.com/office/drawing/2014/main" val="20001"/>
+                    </a:ext>
+                  </a:extLst>
+                </a:gridCol>
+              </a:tblGrid>
+              <a:tr h="846164">
+                <a:tc>
+                  <a:txBody>
+                    <a:bodyPr/>
+                    <a:lstStyle/>
+                    <a:p>
+                      <a:pPr algn="r"/>
+                      <a:r>
+                        <a:rPr lang="de-DE" sz="3200" dirty="0" smtClean="0">
+                          <a:latin typeface="Segoe UI Light" panose="020B0502040204020203" pitchFamily="34" charset="0"/>
+                          <a:cs typeface="Segoe UI Light" panose="020B0502040204020203" pitchFamily="34" charset="0"/>
+                        </a:rPr>
+                        <a:t>Q1</a:t>
+                      </a:r>
+                      <a:endParaRPr lang="de-DE" sz="3200" b="0" dirty="0">
+                        <a:solidFill>
+                          <a:schemeClr val="tx1">
+                            <a:lumMod val="85000"/>
+                            <a:lumOff val="15000"/>
+                          </a:schemeClr>
+                        </a:solidFill>
+                        <a:latin typeface="Segoe UI Light" panose="020B0502040204020203" pitchFamily="34" charset="0"/>
+                        <a:cs typeface="Segoe UI Light" panose="020B0502040204020203" pitchFamily="34" charset="0"/>
+                      </a:endParaRPr>
+                    </a:p>
+                  </a:txBody>
+                  <a:tcPr anchor="ctr">
+                    <a:lnR w="12700" cap="flat" cmpd="sng" algn="ctr">
+                      <a:solidFill>
+                        <a:schemeClr val="tx1"/>
+                      </a:solidFill>
+                      <a:prstDash val="solid"/>
+                      <a:round/>
+                      <a:headEnd type="none" w="med" len="med"/>
+                      <a:tailEnd type="none" w="med" len="med"/>
+                    </a:lnR>
+                  </a:tcPr>
+                </a:tc>
+                <a:tc>
+                  <a:txBody>
+                    <a:bodyPr/>
+                    <a:lstStyle/>
+                    <a:p>
+                      <a:pPr algn="l"/>
+                      <a:r>
+                        <a:rPr lang="de-DE" sz="3200" dirty="0" smtClean="0">
+                          <a:latin typeface="Segoe UI Light" panose="020B0502040204020203" pitchFamily="34" charset="0"/>
+                          <a:cs typeface="Segoe UI Light" panose="020B0502040204020203" pitchFamily="34" charset="0"/>
+                        </a:rPr>
+                        <a:t>202ms</a:t>
+                      </a:r>
+                      <a:endParaRPr lang="de-DE" sz="3200" b="0" dirty="0">
+                        <a:solidFill>
+                          <a:schemeClr val="tx1">
+                            <a:lumMod val="85000"/>
+                            <a:lumOff val="15000"/>
+                          </a:schemeClr>
+                        </a:solidFill>
+                        <a:latin typeface="Segoe UI Light" panose="020B0502040204020203" pitchFamily="34" charset="0"/>
+                        <a:cs typeface="Segoe UI Light" panose="020B0502040204020203" pitchFamily="34" charset="0"/>
+                      </a:endParaRPr>
+                    </a:p>
+                  </a:txBody>
+                  <a:tcPr anchor="ctr">
+                    <a:lnL w="12700" cap="flat" cmpd="sng" algn="ctr">
+                      <a:solidFill>
+                        <a:schemeClr val="tx1"/>
+                      </a:solidFill>
+                      <a:prstDash val="solid"/>
+                      <a:round/>
+                      <a:headEnd type="none" w="med" len="med"/>
+                      <a:tailEnd type="none" w="med" len="med"/>
+                    </a:lnL>
+                  </a:tcPr>
+                </a:tc>
+                <a:extLst>
+                  <a:ext uri="{0D108BD9-81ED-4DB2-BD59-A6C34878D82A}">
+                    <a16:rowId xmlns:a16="http://schemas.microsoft.com/office/drawing/2014/main" val="10000"/>
+                  </a:ext>
+                </a:extLst>
+              </a:tr>
+              <a:tr h="846164">
+                <a:tc>
+                  <a:txBody>
+                    <a:bodyPr/>
+                    <a:lstStyle/>
+                    <a:p>
+                      <a:pPr algn="r"/>
+                      <a:r>
+                        <a:rPr lang="de-DE" sz="3200" dirty="0" smtClean="0">
+                          <a:latin typeface="Segoe UI Light" panose="020B0502040204020203" pitchFamily="34" charset="0"/>
+                          <a:cs typeface="Segoe UI Light" panose="020B0502040204020203" pitchFamily="34" charset="0"/>
+                        </a:rPr>
+                        <a:t>Q2</a:t>
+                      </a:r>
+                      <a:endParaRPr lang="de-DE" sz="3200" b="0" dirty="0">
+                        <a:solidFill>
+                          <a:schemeClr val="tx1">
+                            <a:lumMod val="85000"/>
+                            <a:lumOff val="15000"/>
+                          </a:schemeClr>
+                        </a:solidFill>
+                        <a:latin typeface="Segoe UI Light" panose="020B0502040204020203" pitchFamily="34" charset="0"/>
+                        <a:cs typeface="Segoe UI Light" panose="020B0502040204020203" pitchFamily="34" charset="0"/>
+                      </a:endParaRPr>
+                    </a:p>
+                  </a:txBody>
+                  <a:tcPr anchor="ctr">
+                    <a:lnR w="12700" cap="flat" cmpd="sng" algn="ctr">
+                      <a:solidFill>
+                        <a:schemeClr val="tx1"/>
+                      </a:solidFill>
+                      <a:prstDash val="solid"/>
+                      <a:round/>
+                      <a:headEnd type="none" w="med" len="med"/>
+                      <a:tailEnd type="none" w="med" len="med"/>
+                    </a:lnR>
+                  </a:tcPr>
+                </a:tc>
+                <a:tc>
+                  <a:txBody>
+                    <a:bodyPr/>
+                    <a:lstStyle/>
+                    <a:p>
+                      <a:pPr algn="l"/>
+                      <a:r>
+                        <a:rPr lang="de-DE" sz="3200" dirty="0" smtClean="0">
+                          <a:latin typeface="Segoe UI Light" panose="020B0502040204020203" pitchFamily="34" charset="0"/>
+                          <a:cs typeface="Segoe UI Light" panose="020B0502040204020203" pitchFamily="34" charset="0"/>
+                        </a:rPr>
+                        <a:t>420ms</a:t>
+                      </a:r>
+                      <a:endParaRPr lang="de-DE" sz="3200" b="0" dirty="0">
+                        <a:solidFill>
+                          <a:schemeClr val="tx1">
+                            <a:lumMod val="85000"/>
+                            <a:lumOff val="15000"/>
+                          </a:schemeClr>
+                        </a:solidFill>
+                        <a:latin typeface="Segoe UI Light" panose="020B0502040204020203" pitchFamily="34" charset="0"/>
+                        <a:cs typeface="Segoe UI Light" panose="020B0502040204020203" pitchFamily="34" charset="0"/>
+                      </a:endParaRPr>
+                    </a:p>
+                  </a:txBody>
+                  <a:tcPr anchor="ctr">
+                    <a:lnL w="12700" cap="flat" cmpd="sng" algn="ctr">
+                      <a:solidFill>
+                        <a:schemeClr val="tx1"/>
+                      </a:solidFill>
+                      <a:prstDash val="solid"/>
+                      <a:round/>
+                      <a:headEnd type="none" w="med" len="med"/>
+                      <a:tailEnd type="none" w="med" len="med"/>
+                    </a:lnL>
+                  </a:tcPr>
+                </a:tc>
+                <a:extLst>
+                  <a:ext uri="{0D108BD9-81ED-4DB2-BD59-A6C34878D82A}">
+                    <a16:rowId xmlns:a16="http://schemas.microsoft.com/office/drawing/2014/main" val="10001"/>
+                  </a:ext>
+                </a:extLst>
+              </a:tr>
+              <a:tr h="846164">
+                <a:tc>
+                  <a:txBody>
+                    <a:bodyPr/>
+                    <a:lstStyle/>
+                    <a:p>
+                      <a:pPr algn="r"/>
+                      <a:r>
+                        <a:rPr lang="de-DE" sz="3200" dirty="0" smtClean="0">
+                          <a:latin typeface="Segoe UI Light" panose="020B0502040204020203" pitchFamily="34" charset="0"/>
+                          <a:cs typeface="Segoe UI Light" panose="020B0502040204020203" pitchFamily="34" charset="0"/>
+                        </a:rPr>
+                        <a:t>Q3</a:t>
+                      </a:r>
+                      <a:endParaRPr lang="de-DE" sz="3200" b="0" dirty="0">
+                        <a:solidFill>
+                          <a:schemeClr val="tx1">
+                            <a:lumMod val="85000"/>
+                            <a:lumOff val="15000"/>
+                          </a:schemeClr>
+                        </a:solidFill>
+                        <a:latin typeface="Segoe UI Light" panose="020B0502040204020203" pitchFamily="34" charset="0"/>
+                        <a:cs typeface="Segoe UI Light" panose="020B0502040204020203" pitchFamily="34" charset="0"/>
+                      </a:endParaRPr>
+                    </a:p>
+                  </a:txBody>
+                  <a:tcPr anchor="ctr">
+                    <a:lnR w="12700" cap="flat" cmpd="sng" algn="ctr">
+                      <a:solidFill>
+                        <a:schemeClr val="tx1"/>
+                      </a:solidFill>
+                      <a:prstDash val="solid"/>
+                      <a:round/>
+                      <a:headEnd type="none" w="med" len="med"/>
+                      <a:tailEnd type="none" w="med" len="med"/>
+                    </a:lnR>
+                  </a:tcPr>
+                </a:tc>
+                <a:tc>
+                  <a:txBody>
+                    <a:bodyPr/>
+                    <a:lstStyle/>
+                    <a:p>
+                      <a:pPr algn="l"/>
+                      <a:r>
+                        <a:rPr lang="de-DE" sz="3200" dirty="0" smtClean="0">
+                          <a:latin typeface="Segoe UI Light" panose="020B0502040204020203" pitchFamily="34" charset="0"/>
+                          <a:cs typeface="Segoe UI Light" panose="020B0502040204020203" pitchFamily="34" charset="0"/>
+                        </a:rPr>
+                        <a:t>153ms</a:t>
+                      </a:r>
+                      <a:endParaRPr lang="de-DE" sz="3200" b="0" dirty="0">
+                        <a:solidFill>
+                          <a:schemeClr val="tx1">
+                            <a:lumMod val="85000"/>
+                            <a:lumOff val="15000"/>
+                          </a:schemeClr>
+                        </a:solidFill>
+                        <a:latin typeface="Segoe UI Light" panose="020B0502040204020203" pitchFamily="34" charset="0"/>
+                        <a:cs typeface="Segoe UI Light" panose="020B0502040204020203" pitchFamily="34" charset="0"/>
+                      </a:endParaRPr>
+                    </a:p>
+                  </a:txBody>
+                  <a:tcPr anchor="ctr">
+                    <a:lnL w="12700" cap="flat" cmpd="sng" algn="ctr">
+                      <a:solidFill>
+                        <a:schemeClr val="tx1"/>
+                      </a:solidFill>
+                      <a:prstDash val="solid"/>
+                      <a:round/>
+                      <a:headEnd type="none" w="med" len="med"/>
+                      <a:tailEnd type="none" w="med" len="med"/>
+                    </a:lnL>
+                  </a:tcPr>
+                </a:tc>
+                <a:extLst>
+                  <a:ext uri="{0D108BD9-81ED-4DB2-BD59-A6C34878D82A}">
+                    <a16:rowId xmlns:a16="http://schemas.microsoft.com/office/drawing/2014/main" val="10002"/>
+                  </a:ext>
+                </a:extLst>
+              </a:tr>
+              <a:tr h="846164">
+                <a:tc>
+                  <a:txBody>
+                    <a:bodyPr/>
+                    <a:lstStyle/>
+                    <a:p>
+                      <a:pPr algn="r"/>
+                      <a:r>
+                        <a:rPr lang="de-DE" sz="3200" dirty="0" smtClean="0">
+                          <a:latin typeface="Segoe UI Light" panose="020B0502040204020203" pitchFamily="34" charset="0"/>
+                          <a:cs typeface="Segoe UI Light" panose="020B0502040204020203" pitchFamily="34" charset="0"/>
+                        </a:rPr>
+                        <a:t>Q4</a:t>
+                      </a:r>
+                      <a:endParaRPr lang="de-DE" sz="3200" b="0" dirty="0">
+                        <a:solidFill>
+                          <a:schemeClr val="tx1">
+                            <a:lumMod val="85000"/>
+                            <a:lumOff val="15000"/>
+                          </a:schemeClr>
+                        </a:solidFill>
+                        <a:latin typeface="Segoe UI Light" panose="020B0502040204020203" pitchFamily="34" charset="0"/>
+                        <a:cs typeface="Segoe UI Light" panose="020B0502040204020203" pitchFamily="34" charset="0"/>
+                      </a:endParaRPr>
+                    </a:p>
+                  </a:txBody>
+                  <a:tcPr anchor="ctr">
+                    <a:lnR w="12700" cap="flat" cmpd="sng" algn="ctr">
+                      <a:solidFill>
+                        <a:schemeClr val="tx1"/>
+                      </a:solidFill>
+                      <a:prstDash val="solid"/>
+                      <a:round/>
+                      <a:headEnd type="none" w="med" len="med"/>
+                      <a:tailEnd type="none" w="med" len="med"/>
+                    </a:lnR>
+                  </a:tcPr>
+                </a:tc>
+                <a:tc>
+                  <a:txBody>
+                    <a:bodyPr/>
+                    <a:lstStyle/>
+                    <a:p>
+                      <a:pPr algn="l"/>
+                      <a:r>
+                        <a:rPr lang="de-DE" sz="3200" dirty="0" smtClean="0">
+                          <a:latin typeface="Segoe UI Light" panose="020B0502040204020203" pitchFamily="34" charset="0"/>
+                          <a:cs typeface="Segoe UI Light" panose="020B0502040204020203" pitchFamily="34" charset="0"/>
+                        </a:rPr>
+                        <a:t>705ms</a:t>
+                      </a:r>
+                      <a:endParaRPr lang="de-DE" sz="3200" b="0" dirty="0">
+                        <a:solidFill>
+                          <a:schemeClr val="tx1">
+                            <a:lumMod val="85000"/>
+                            <a:lumOff val="15000"/>
+                          </a:schemeClr>
+                        </a:solidFill>
+                        <a:latin typeface="Segoe UI Light" panose="020B0502040204020203" pitchFamily="34" charset="0"/>
+                        <a:cs typeface="Segoe UI Light" panose="020B0502040204020203" pitchFamily="34" charset="0"/>
+                      </a:endParaRPr>
+                    </a:p>
+                  </a:txBody>
+                  <a:tcPr anchor="ctr">
+                    <a:lnL w="12700" cap="flat" cmpd="sng" algn="ctr">
+                      <a:solidFill>
+                        <a:schemeClr val="tx1"/>
+                      </a:solidFill>
+                      <a:prstDash val="solid"/>
+                      <a:round/>
+                      <a:headEnd type="none" w="med" len="med"/>
+                      <a:tailEnd type="none" w="med" len="med"/>
+                    </a:lnL>
+                  </a:tcPr>
+                </a:tc>
+                <a:extLst>
+                  <a:ext uri="{0D108BD9-81ED-4DB2-BD59-A6C34878D82A}">
+                    <a16:rowId xmlns:a16="http://schemas.microsoft.com/office/drawing/2014/main" val="10003"/>
+                  </a:ext>
+                </a:extLst>
+              </a:tr>
+              <a:tr h="846164">
+                <a:tc>
+                  <a:txBody>
+                    <a:bodyPr/>
+                    <a:lstStyle/>
+                    <a:p>
+                      <a:pPr algn="r"/>
+                      <a:r>
+                        <a:rPr lang="de-DE" sz="3200" dirty="0" smtClean="0">
+                          <a:latin typeface="Segoe UI Light" panose="020B0502040204020203" pitchFamily="34" charset="0"/>
+                          <a:cs typeface="Segoe UI Light" panose="020B0502040204020203" pitchFamily="34" charset="0"/>
+                        </a:rPr>
+                        <a:t>Q5</a:t>
+                      </a:r>
+                      <a:endParaRPr lang="de-DE" sz="3200" b="0" dirty="0">
+                        <a:solidFill>
+                          <a:schemeClr val="tx1">
+                            <a:lumMod val="85000"/>
+                            <a:lumOff val="15000"/>
+                          </a:schemeClr>
+                        </a:solidFill>
+                        <a:latin typeface="Segoe UI Light" panose="020B0502040204020203" pitchFamily="34" charset="0"/>
+                        <a:cs typeface="Segoe UI Light" panose="020B0502040204020203" pitchFamily="34" charset="0"/>
+                      </a:endParaRPr>
+                    </a:p>
+                  </a:txBody>
+                  <a:tcPr anchor="ctr">
+                    <a:lnR w="12700" cap="flat" cmpd="sng" algn="ctr">
+                      <a:solidFill>
+                        <a:schemeClr val="tx1"/>
+                      </a:solidFill>
+                      <a:prstDash val="solid"/>
+                      <a:round/>
+                      <a:headEnd type="none" w="med" len="med"/>
+                      <a:tailEnd type="none" w="med" len="med"/>
+                    </a:lnR>
+                  </a:tcPr>
+                </a:tc>
+                <a:tc>
+                  <a:txBody>
+                    <a:bodyPr/>
+                    <a:lstStyle/>
+                    <a:p>
+                      <a:pPr algn="l"/>
+                      <a:r>
+                        <a:rPr lang="de-DE" sz="3200" dirty="0" smtClean="0">
+                          <a:latin typeface="Segoe UI Light" panose="020B0502040204020203" pitchFamily="34" charset="0"/>
+                          <a:cs typeface="Segoe UI Light" panose="020B0502040204020203" pitchFamily="34" charset="0"/>
+                        </a:rPr>
+                        <a:t>170ms</a:t>
+                      </a:r>
+                      <a:endParaRPr lang="de-DE" sz="3200" b="0" dirty="0">
+                        <a:solidFill>
+                          <a:schemeClr val="tx1">
+                            <a:lumMod val="85000"/>
+                            <a:lumOff val="15000"/>
+                          </a:schemeClr>
+                        </a:solidFill>
+                        <a:latin typeface="Segoe UI Light" panose="020B0502040204020203" pitchFamily="34" charset="0"/>
+                        <a:cs typeface="Segoe UI Light" panose="020B0502040204020203" pitchFamily="34" charset="0"/>
+                      </a:endParaRPr>
+                    </a:p>
+                  </a:txBody>
+                  <a:tcPr anchor="ctr">
+                    <a:lnL w="12700" cap="flat" cmpd="sng" algn="ctr">
+                      <a:solidFill>
+                        <a:schemeClr val="tx1"/>
+                      </a:solidFill>
+                      <a:prstDash val="solid"/>
+                      <a:round/>
+                      <a:headEnd type="none" w="med" len="med"/>
+                      <a:tailEnd type="none" w="med" len="med"/>
+                    </a:lnL>
+                  </a:tcPr>
+                </a:tc>
+                <a:extLst>
+                  <a:ext uri="{0D108BD9-81ED-4DB2-BD59-A6C34878D82A}">
+                    <a16:rowId xmlns:a16="http://schemas.microsoft.com/office/drawing/2014/main" val="10004"/>
+                  </a:ext>
+                </a:extLst>
+              </a:tr>
+              <a:tr h="846164">
+                <a:tc>
+                  <a:txBody>
+                    <a:bodyPr/>
+                    <a:lstStyle/>
+                    <a:p>
+                      <a:pPr algn="r"/>
+                      <a:r>
+                        <a:rPr lang="de-DE" sz="3200" b="0" dirty="0" smtClean="0">
+                          <a:solidFill>
+                            <a:schemeClr val="tx1">
+                              <a:lumMod val="85000"/>
+                              <a:lumOff val="15000"/>
+                            </a:schemeClr>
+                          </a:solidFill>
+                          <a:latin typeface="Segoe UI Light" panose="020B0502040204020203" pitchFamily="34" charset="0"/>
+                          <a:cs typeface="Segoe UI Light" panose="020B0502040204020203" pitchFamily="34" charset="0"/>
+                        </a:rPr>
+                        <a:t>Q6</a:t>
+                      </a:r>
+                      <a:endParaRPr lang="de-DE" sz="3200" b="0" dirty="0">
+                        <a:solidFill>
+                          <a:schemeClr val="tx1">
+                            <a:lumMod val="85000"/>
+                            <a:lumOff val="15000"/>
+                          </a:schemeClr>
+                        </a:solidFill>
+                        <a:latin typeface="Segoe UI Light" panose="020B0502040204020203" pitchFamily="34" charset="0"/>
+                        <a:cs typeface="Segoe UI Light" panose="020B0502040204020203" pitchFamily="34" charset="0"/>
+                      </a:endParaRPr>
+                    </a:p>
+                  </a:txBody>
+                  <a:tcPr anchor="ctr">
+                    <a:lnR w="12700" cap="flat" cmpd="sng" algn="ctr">
+                      <a:solidFill>
+                        <a:schemeClr val="tx1"/>
+                      </a:solidFill>
+                      <a:prstDash val="solid"/>
+                      <a:round/>
+                      <a:headEnd type="none" w="med" len="med"/>
+                      <a:tailEnd type="none" w="med" len="med"/>
+                    </a:lnR>
+                  </a:tcPr>
+                </a:tc>
+                <a:tc>
+                  <a:txBody>
+                    <a:bodyPr/>
+                    <a:lstStyle/>
+                    <a:p>
+                      <a:pPr algn="l"/>
+                      <a:r>
+                        <a:rPr lang="de-DE" sz="3200" b="0" dirty="0" smtClean="0">
+                          <a:solidFill>
+                            <a:schemeClr val="tx1">
+                              <a:lumMod val="85000"/>
+                              <a:lumOff val="15000"/>
+                            </a:schemeClr>
+                          </a:solidFill>
+                          <a:latin typeface="Segoe UI Light" panose="020B0502040204020203" pitchFamily="34" charset="0"/>
+                          <a:cs typeface="Segoe UI Light" panose="020B0502040204020203" pitchFamily="34" charset="0"/>
+                        </a:rPr>
+                        <a:t>180ms</a:t>
+                      </a:r>
+                      <a:endParaRPr lang="de-DE" sz="3200" b="0" dirty="0">
+                        <a:solidFill>
+                          <a:schemeClr val="tx1">
+                            <a:lumMod val="85000"/>
+                            <a:lumOff val="15000"/>
+                          </a:schemeClr>
+                        </a:solidFill>
+                        <a:latin typeface="Segoe UI Light" panose="020B0502040204020203" pitchFamily="34" charset="0"/>
+                        <a:cs typeface="Segoe UI Light" panose="020B0502040204020203" pitchFamily="34" charset="0"/>
+                      </a:endParaRPr>
+                    </a:p>
+                  </a:txBody>
+                  <a:tcPr anchor="ctr">
+                    <a:lnL w="12700" cap="flat" cmpd="sng" algn="ctr">
+                      <a:solidFill>
+                        <a:schemeClr val="tx1"/>
+                      </a:solidFill>
+                      <a:prstDash val="solid"/>
+                      <a:round/>
+                      <a:headEnd type="none" w="med" len="med"/>
+                      <a:tailEnd type="none" w="med" len="med"/>
+                    </a:lnL>
+                  </a:tcPr>
+                </a:tc>
+                <a:extLst>
+                  <a:ext uri="{0D108BD9-81ED-4DB2-BD59-A6C34878D82A}">
+                    <a16:rowId xmlns:a16="http://schemas.microsoft.com/office/drawing/2014/main" val="10005"/>
+                  </a:ext>
+                </a:extLst>
+              </a:tr>
+            </a:tbl>
+          </a:graphicData>
+        </a:graphic>
+      </p:graphicFrame>
+      <p:sp>
+        <p:nvSpPr>
+          <p:cNvPr id="13" name="Rechteck 12"/>
+          <p:cNvSpPr/>
+          <p:nvPr/>
+        </p:nvSpPr>
+        <p:spPr>
+          <a:xfrm>
+            <a:off x="2850627" y="2708262"/>
+            <a:ext cx="1440160" cy="1440160"/>
+          </a:xfrm>
+          <a:prstGeom prst="rect">
+            <a:avLst/>
+          </a:prstGeom>
+          <a:solidFill>
+            <a:srgbClr val="2196F2"/>
+          </a:solidFill>
+          <a:ln>
+            <a:noFill/>
+          </a:ln>
+        </p:spPr>
+        <p:style>
+          <a:lnRef idx="2">
+            <a:schemeClr val="accent1">
+              <a:shade val="50000"/>
+            </a:schemeClr>
+          </a:lnRef>
+          <a:fillRef idx="1">
+            <a:schemeClr val="accent1"/>
+          </a:fillRef>
+          <a:effectRef idx="0">
+            <a:schemeClr val="accent1"/>
+          </a:effectRef>
+          <a:fontRef idx="minor">
+            <a:schemeClr val="lt1"/>
+          </a:fontRef>
+        </p:style>
+        <p:txBody>
+          <a:bodyPr rtlCol="0" anchor="ctr"/>
+          <a:lstStyle/>
+          <a:p>
+            <a:pPr algn="ctr"/>
+            <a:r>
+              <a:rPr lang="de-DE" sz="4800" dirty="0">
+                <a:latin typeface="Segoe UI Light" panose="020B0502040204020203" pitchFamily="34" charset="0"/>
+                <a:cs typeface="Segoe UI Light" panose="020B0502040204020203" pitchFamily="34" charset="0"/>
+              </a:rPr>
+              <a:t>6</a:t>
+            </a:r>
+            <a:endParaRPr lang="de-DE" sz="4800" dirty="0">
+              <a:latin typeface="Segoe UI Light" panose="020B0502040204020203" pitchFamily="34" charset="0"/>
+              <a:cs typeface="Segoe UI Light" panose="020B0502040204020203" pitchFamily="34" charset="0"/>
+            </a:endParaRPr>
+          </a:p>
+        </p:txBody>
+      </p:sp>
+      <p:sp>
+        <p:nvSpPr>
+          <p:cNvPr id="14" name="Textfeld 13"/>
+          <p:cNvSpPr txBox="1"/>
+          <p:nvPr/>
+        </p:nvSpPr>
+        <p:spPr>
+          <a:xfrm>
+            <a:off x="2848667" y="3779090"/>
+            <a:ext cx="1440160" cy="276999"/>
+          </a:xfrm>
+          <a:prstGeom prst="rect">
+            <a:avLst/>
+          </a:prstGeom>
+          <a:noFill/>
+        </p:spPr>
+        <p:txBody>
+          <a:bodyPr wrap="square" rtlCol="0">
+            <a:spAutoFit/>
+          </a:bodyPr>
+          <a:lstStyle/>
+          <a:p>
+            <a:pPr algn="ctr"/>
+            <a:r>
+              <a:rPr lang="de-DE" sz="1200" dirty="0" err="1" smtClean="0">
+                <a:solidFill>
+                  <a:schemeClr val="bg1"/>
+                </a:solidFill>
+                <a:latin typeface="Segoe UI Light" panose="020B0502040204020203" pitchFamily="34" charset="0"/>
+                <a:cs typeface="Segoe UI Light" panose="020B0502040204020203" pitchFamily="34" charset="0"/>
+              </a:rPr>
+              <a:t>ms</a:t>
+            </a:r>
+            <a:r>
+              <a:rPr lang="de-DE" sz="1200" dirty="0" smtClean="0">
+                <a:solidFill>
+                  <a:schemeClr val="bg1"/>
+                </a:solidFill>
+                <a:latin typeface="Segoe UI Light" panose="020B0502040204020203" pitchFamily="34" charset="0"/>
+                <a:cs typeface="Segoe UI Light" panose="020B0502040204020203" pitchFamily="34" charset="0"/>
+              </a:rPr>
+              <a:t> real </a:t>
+            </a:r>
+            <a:r>
+              <a:rPr lang="de-DE" sz="1200" dirty="0" err="1" smtClean="0">
+                <a:solidFill>
+                  <a:schemeClr val="bg1"/>
+                </a:solidFill>
+                <a:latin typeface="Segoe UI Light" panose="020B0502040204020203" pitchFamily="34" charset="0"/>
+                <a:cs typeface="Segoe UI Light" panose="020B0502040204020203" pitchFamily="34" charset="0"/>
+              </a:rPr>
+              <a:t>delay</a:t>
+            </a:r>
+            <a:endParaRPr lang="de-DE" sz="1200" dirty="0">
+              <a:solidFill>
+                <a:schemeClr val="bg1"/>
+              </a:solidFill>
+              <a:latin typeface="Segoe UI Light" panose="020B0502040204020203" pitchFamily="34" charset="0"/>
+              <a:cs typeface="Segoe UI Light" panose="020B0502040204020203" pitchFamily="34" charset="0"/>
+            </a:endParaRPr>
+          </a:p>
+        </p:txBody>
+      </p:sp>
+      <p:sp>
+        <p:nvSpPr>
+          <p:cNvPr id="15" name="Textfeld 14"/>
+          <p:cNvSpPr txBox="1"/>
+          <p:nvPr/>
+        </p:nvSpPr>
+        <p:spPr>
+          <a:xfrm>
+            <a:off x="1084730" y="5616372"/>
+            <a:ext cx="1440160" cy="276999"/>
+          </a:xfrm>
+          <a:prstGeom prst="rect">
+            <a:avLst/>
+          </a:prstGeom>
+          <a:noFill/>
+        </p:spPr>
+        <p:txBody>
+          <a:bodyPr wrap="square" rtlCol="0">
+            <a:spAutoFit/>
+          </a:bodyPr>
+          <a:lstStyle/>
+          <a:p>
+            <a:pPr algn="ctr"/>
+            <a:r>
+              <a:rPr lang="de-DE" sz="1200" dirty="0" smtClean="0">
+                <a:solidFill>
+                  <a:schemeClr val="bg1"/>
+                </a:solidFill>
+                <a:latin typeface="Segoe UI Light" panose="020B0502040204020203" pitchFamily="34" charset="0"/>
+                <a:cs typeface="Segoe UI Light" panose="020B0502040204020203" pitchFamily="34" charset="0"/>
+              </a:rPr>
+              <a:t>min </a:t>
+            </a:r>
+            <a:r>
+              <a:rPr lang="de-DE" sz="1200" dirty="0" err="1" smtClean="0">
+                <a:solidFill>
+                  <a:schemeClr val="bg1"/>
+                </a:solidFill>
+                <a:latin typeface="Segoe UI Light" panose="020B0502040204020203" pitchFamily="34" charset="0"/>
+                <a:cs typeface="Segoe UI Light" panose="020B0502040204020203" pitchFamily="34" charset="0"/>
+              </a:rPr>
+              <a:t>runtime</a:t>
+            </a:r>
+            <a:endParaRPr lang="de-DE" sz="1200" dirty="0">
+              <a:solidFill>
+                <a:schemeClr val="bg1"/>
+              </a:solidFill>
+              <a:latin typeface="Segoe UI Light" panose="020B0502040204020203" pitchFamily="34" charset="0"/>
+              <a:cs typeface="Segoe UI Light" panose="020B0502040204020203" pitchFamily="34" charset="0"/>
+            </a:endParaRPr>
+          </a:p>
+        </p:txBody>
+      </p:sp>
+      <p:sp>
+        <p:nvSpPr>
+          <p:cNvPr id="16" name="Rechteck 15"/>
+          <p:cNvSpPr/>
+          <p:nvPr/>
+        </p:nvSpPr>
+        <p:spPr>
+          <a:xfrm>
+            <a:off x="2853567" y="4545544"/>
+            <a:ext cx="1440160" cy="1440160"/>
+          </a:xfrm>
+          <a:prstGeom prst="rect">
+            <a:avLst/>
+          </a:prstGeom>
+          <a:solidFill>
+            <a:srgbClr val="2196F2"/>
+          </a:solidFill>
+          <a:ln>
+            <a:noFill/>
+          </a:ln>
+        </p:spPr>
+        <p:style>
+          <a:lnRef idx="2">
+            <a:schemeClr val="accent1">
+              <a:shade val="50000"/>
+            </a:schemeClr>
+          </a:lnRef>
+          <a:fillRef idx="1">
+            <a:schemeClr val="accent1"/>
+          </a:fillRef>
+          <a:effectRef idx="0">
+            <a:schemeClr val="accent1"/>
+          </a:effectRef>
+          <a:fontRef idx="minor">
+            <a:schemeClr val="lt1"/>
+          </a:fontRef>
+        </p:style>
+        <p:txBody>
+          <a:bodyPr rtlCol="0" anchor="ctr"/>
+          <a:lstStyle/>
+          <a:p>
+            <a:pPr algn="ctr"/>
+            <a:r>
+              <a:rPr lang="de-DE" sz="4000" dirty="0" smtClean="0">
+                <a:latin typeface="Segoe UI Light" panose="020B0502040204020203" pitchFamily="34" charset="0"/>
+                <a:cs typeface="Segoe UI Light" panose="020B0502040204020203" pitchFamily="34" charset="0"/>
+              </a:rPr>
+              <a:t>10078</a:t>
+            </a:r>
+            <a:endParaRPr lang="de-DE" sz="4000" dirty="0">
+              <a:latin typeface="Segoe UI Light" panose="020B0502040204020203" pitchFamily="34" charset="0"/>
+              <a:cs typeface="Segoe UI Light" panose="020B0502040204020203" pitchFamily="34" charset="0"/>
+            </a:endParaRPr>
+          </a:p>
+        </p:txBody>
+      </p:sp>
+      <p:sp>
+        <p:nvSpPr>
+          <p:cNvPr id="17" name="Textfeld 16"/>
+          <p:cNvSpPr txBox="1"/>
+          <p:nvPr/>
+        </p:nvSpPr>
+        <p:spPr>
+          <a:xfrm>
+            <a:off x="2850627" y="5616372"/>
+            <a:ext cx="1440160" cy="276999"/>
+          </a:xfrm>
+          <a:prstGeom prst="rect">
+            <a:avLst/>
+          </a:prstGeom>
+          <a:noFill/>
+        </p:spPr>
+        <p:txBody>
+          <a:bodyPr wrap="square" rtlCol="0">
+            <a:spAutoFit/>
+          </a:bodyPr>
+          <a:lstStyle/>
+          <a:p>
+            <a:pPr algn="ctr"/>
+            <a:r>
+              <a:rPr lang="de-DE" sz="1200" dirty="0" err="1" smtClean="0">
+                <a:solidFill>
+                  <a:schemeClr val="bg1"/>
+                </a:solidFill>
+                <a:latin typeface="Segoe UI Light" panose="020B0502040204020203" pitchFamily="34" charset="0"/>
+                <a:cs typeface="Segoe UI Light" panose="020B0502040204020203" pitchFamily="34" charset="0"/>
+              </a:rPr>
+              <a:t>requests</a:t>
+            </a:r>
+            <a:endParaRPr lang="de-DE" sz="1200" dirty="0">
+              <a:solidFill>
+                <a:schemeClr val="bg1"/>
+              </a:solidFill>
+              <a:latin typeface="Segoe UI Light" panose="020B0502040204020203" pitchFamily="34" charset="0"/>
+              <a:cs typeface="Segoe UI Light" panose="020B0502040204020203" pitchFamily="34" charset="0"/>
+            </a:endParaRPr>
+          </a:p>
+        </p:txBody>
+      </p:sp>
+      <p:sp>
+        <p:nvSpPr>
+          <p:cNvPr id="18" name="Textfeld 17"/>
+          <p:cNvSpPr txBox="1"/>
+          <p:nvPr/>
+        </p:nvSpPr>
+        <p:spPr>
+          <a:xfrm>
+            <a:off x="8256240" y="5339373"/>
+            <a:ext cx="3384375" cy="646331"/>
+          </a:xfrm>
+          <a:prstGeom prst="rect">
+            <a:avLst/>
+          </a:prstGeom>
+          <a:noFill/>
+        </p:spPr>
+        <p:txBody>
+          <a:bodyPr wrap="square" rtlCol="0">
+            <a:spAutoFit/>
+          </a:bodyPr>
+          <a:lstStyle/>
+          <a:p>
+            <a:pPr algn="r"/>
+            <a:r>
+              <a:rPr lang="de-DE" dirty="0" smtClean="0">
+                <a:solidFill>
+                  <a:schemeClr val="bg1">
+                    <a:lumMod val="50000"/>
+                  </a:schemeClr>
+                </a:solidFill>
+                <a:latin typeface="Segoe UI Light" panose="020B0502040204020203" pitchFamily="34" charset="0"/>
+                <a:cs typeface="Segoe UI Light" panose="020B0502040204020203" pitchFamily="34" charset="0"/>
+              </a:rPr>
+              <a:t>8 GB RAM</a:t>
+            </a:r>
+          </a:p>
+          <a:p>
+            <a:pPr algn="r"/>
+            <a:r>
+              <a:rPr lang="de-DE" dirty="0" smtClean="0">
+                <a:solidFill>
+                  <a:schemeClr val="bg1">
+                    <a:lumMod val="50000"/>
+                  </a:schemeClr>
+                </a:solidFill>
+                <a:latin typeface="Segoe UI Light" panose="020B0502040204020203" pitchFamily="34" charset="0"/>
+                <a:cs typeface="Segoe UI Light" panose="020B0502040204020203" pitchFamily="34" charset="0"/>
+              </a:rPr>
+              <a:t>Intel Core </a:t>
+            </a:r>
+            <a:r>
+              <a:rPr lang="de-DE" dirty="0" smtClean="0">
+                <a:solidFill>
+                  <a:schemeClr val="bg1">
+                    <a:lumMod val="50000"/>
+                  </a:schemeClr>
+                </a:solidFill>
+                <a:latin typeface="Segoe UI Light" panose="020B0502040204020203" pitchFamily="34" charset="0"/>
+                <a:cs typeface="Segoe UI Light" panose="020B0502040204020203" pitchFamily="34" charset="0"/>
+              </a:rPr>
+              <a:t>i5-4200U </a:t>
+            </a:r>
+            <a:r>
+              <a:rPr lang="de-DE" dirty="0" smtClean="0">
+                <a:solidFill>
+                  <a:schemeClr val="bg1">
+                    <a:lumMod val="50000"/>
+                  </a:schemeClr>
+                </a:solidFill>
+                <a:latin typeface="Segoe UI Light" panose="020B0502040204020203" pitchFamily="34" charset="0"/>
+                <a:cs typeface="Segoe UI Light" panose="020B0502040204020203" pitchFamily="34" charset="0"/>
+              </a:rPr>
+              <a:t>@ </a:t>
+            </a:r>
+            <a:r>
+              <a:rPr lang="de-DE" dirty="0" smtClean="0">
+                <a:solidFill>
+                  <a:schemeClr val="bg1">
+                    <a:lumMod val="50000"/>
+                  </a:schemeClr>
+                </a:solidFill>
+                <a:latin typeface="Segoe UI Light" panose="020B0502040204020203" pitchFamily="34" charset="0"/>
+                <a:cs typeface="Segoe UI Light" panose="020B0502040204020203" pitchFamily="34" charset="0"/>
+              </a:rPr>
+              <a:t>2.30 </a:t>
+            </a:r>
+            <a:r>
+              <a:rPr lang="de-DE" dirty="0" smtClean="0">
+                <a:solidFill>
+                  <a:schemeClr val="bg1">
+                    <a:lumMod val="50000"/>
+                  </a:schemeClr>
+                </a:solidFill>
+                <a:latin typeface="Segoe UI Light" panose="020B0502040204020203" pitchFamily="34" charset="0"/>
+                <a:cs typeface="Segoe UI Light" panose="020B0502040204020203" pitchFamily="34" charset="0"/>
+              </a:rPr>
+              <a:t>GHz</a:t>
+            </a:r>
+          </a:p>
+        </p:txBody>
+      </p:sp>
+      <p:sp>
+        <p:nvSpPr>
+          <p:cNvPr id="19" name="Rechteck 18"/>
+          <p:cNvSpPr/>
+          <p:nvPr/>
+        </p:nvSpPr>
+        <p:spPr>
+          <a:xfrm>
+            <a:off x="2848667" y="908053"/>
+            <a:ext cx="1440160" cy="1440160"/>
+          </a:xfrm>
+          <a:prstGeom prst="rect">
+            <a:avLst/>
+          </a:prstGeom>
+          <a:solidFill>
+            <a:srgbClr val="2196F2"/>
+          </a:solidFill>
+          <a:ln>
+            <a:noFill/>
+          </a:ln>
+        </p:spPr>
+        <p:style>
+          <a:lnRef idx="2">
+            <a:schemeClr val="accent1">
+              <a:shade val="50000"/>
+            </a:schemeClr>
+          </a:lnRef>
+          <a:fillRef idx="1">
+            <a:schemeClr val="accent1"/>
+          </a:fillRef>
+          <a:effectRef idx="0">
+            <a:schemeClr val="accent1"/>
+          </a:effectRef>
+          <a:fontRef idx="minor">
+            <a:schemeClr val="lt1"/>
+          </a:fontRef>
+        </p:style>
+        <p:txBody>
+          <a:bodyPr rtlCol="0" anchor="ctr"/>
+          <a:lstStyle/>
+          <a:p>
+            <a:pPr algn="ctr"/>
+            <a:r>
+              <a:rPr lang="de-DE" sz="4800" dirty="0">
+                <a:latin typeface="Segoe UI Light" panose="020B0502040204020203" pitchFamily="34" charset="0"/>
+                <a:cs typeface="Segoe UI Light" panose="020B0502040204020203" pitchFamily="34" charset="0"/>
+              </a:rPr>
+              <a:t>4</a:t>
+            </a:r>
+            <a:endParaRPr lang="de-DE" sz="4800" dirty="0">
+              <a:latin typeface="Segoe UI Light" panose="020B0502040204020203" pitchFamily="34" charset="0"/>
+              <a:cs typeface="Segoe UI Light" panose="020B0502040204020203" pitchFamily="34" charset="0"/>
+            </a:endParaRPr>
+          </a:p>
+        </p:txBody>
+      </p:sp>
+      <p:sp>
+        <p:nvSpPr>
+          <p:cNvPr id="20" name="Textfeld 19"/>
+          <p:cNvSpPr txBox="1"/>
+          <p:nvPr/>
+        </p:nvSpPr>
+        <p:spPr>
+          <a:xfrm>
+            <a:off x="2848666" y="1988840"/>
+            <a:ext cx="1440160" cy="276999"/>
+          </a:xfrm>
+          <a:prstGeom prst="rect">
+            <a:avLst/>
+          </a:prstGeom>
+          <a:noFill/>
+        </p:spPr>
+        <p:txBody>
+          <a:bodyPr wrap="square" rtlCol="0">
+            <a:spAutoFit/>
+          </a:bodyPr>
+          <a:lstStyle/>
+          <a:p>
+            <a:pPr algn="ctr"/>
+            <a:r>
+              <a:rPr lang="de-DE" sz="1200" dirty="0" err="1" smtClean="0">
+                <a:solidFill>
+                  <a:schemeClr val="bg1"/>
+                </a:solidFill>
+                <a:latin typeface="Segoe UI Light" panose="020B0502040204020203" pitchFamily="34" charset="0"/>
+                <a:cs typeface="Segoe UI Light" panose="020B0502040204020203" pitchFamily="34" charset="0"/>
+              </a:rPr>
+              <a:t>Actors</a:t>
+            </a:r>
+            <a:r>
+              <a:rPr lang="de-DE" sz="1200" dirty="0" smtClean="0">
+                <a:solidFill>
+                  <a:schemeClr val="bg1"/>
+                </a:solidFill>
+                <a:latin typeface="Segoe UI Light" panose="020B0502040204020203" pitchFamily="34" charset="0"/>
+                <a:cs typeface="Segoe UI Light" panose="020B0502040204020203" pitchFamily="34" charset="0"/>
+              </a:rPr>
+              <a:t> (n)</a:t>
+            </a:r>
+            <a:endParaRPr lang="de-DE" sz="1200" dirty="0">
+              <a:solidFill>
+                <a:schemeClr val="bg1"/>
+              </a:solidFill>
+              <a:latin typeface="Segoe UI Light" panose="020B0502040204020203" pitchFamily="34" charset="0"/>
+              <a:cs typeface="Segoe UI Light" panose="020B0502040204020203" pitchFamily="34" charset="0"/>
+            </a:endParaRPr>
+          </a:p>
+        </p:txBody>
+      </p:sp>
+      <p:graphicFrame>
+        <p:nvGraphicFramePr>
+          <p:cNvPr id="4" name="Diagramm 3"/>
+          <p:cNvGraphicFramePr/>
+          <p:nvPr>
+            <p:extLst>
+              <p:ext uri="{D42A27DB-BD31-4B8C-83A1-F6EECF244321}">
+                <p14:modId xmlns:p14="http://schemas.microsoft.com/office/powerpoint/2010/main" val="1586488852"/>
+              </p:ext>
+            </p:extLst>
+          </p:nvPr>
+        </p:nvGraphicFramePr>
+        <p:xfrm>
+          <a:off x="8613451" y="908053"/>
+          <a:ext cx="3027164" cy="3823809"/>
+        </p:xfrm>
+        <a:graphic>
+          <a:graphicData uri="http://schemas.openxmlformats.org/drawingml/2006/chart">
+            <c:chart xmlns:c="http://schemas.openxmlformats.org/drawingml/2006/chart" xmlns:r="http://schemas.openxmlformats.org/officeDocument/2006/relationships" r:id="rId2"/>
+          </a:graphicData>
+        </a:graphic>
+      </p:graphicFrame>
+    </p:spTree>
+    <p:extLst>
+      <p:ext uri="{BB962C8B-B14F-4D97-AF65-F5344CB8AC3E}">
+        <p14:creationId xmlns:p14="http://schemas.microsoft.com/office/powerpoint/2010/main" val="1146757288"/>
+      </p:ext>
+    </p:extLst>
+  </p:cSld>
+  <p:clrMapOvr>
+    <a:masterClrMapping/>
+  </p:clrMapOvr>
+  <p:timing>
+    <p:tnLst>
+      <p:par>
+        <p:cTn id="1" dur="indefinite" restart="never" nodeType="tmRoot"/>
+      </p:par>
+    </p:tnLst>
+  </p:timing>
+</p:sld>
+</file>
+
+<file path=ppt/slides/slide3.xml><?xml version="1.0" encoding="utf-8"?>
+<p:sld xmlns:a="http://schemas.openxmlformats.org/drawingml/2006/main" xmlns:r="http://schemas.openxmlformats.org/officeDocument/2006/relationships" xmlns:p="http://schemas.openxmlformats.org/presentationml/2006/main">
+  <p:cSld>
+    <p:spTree>
+      <p:nvGrpSpPr>
+        <p:cNvPr id="1" name=""/>
+        <p:cNvGrpSpPr/>
+        <p:nvPr/>
+      </p:nvGrpSpPr>
+      <p:grpSpPr>
+        <a:xfrm>
+          <a:off x="0" y="0"/>
+          <a:ext cx="0" cy="0"/>
+          <a:chOff x="0" y="0"/>
+          <a:chExt cx="0" cy="0"/>
+        </a:xfrm>
+      </p:grpSpPr>
+      <p:sp>
+        <p:nvSpPr>
+          <p:cNvPr id="5" name="Rechteck 4"/>
+          <p:cNvSpPr/>
+          <p:nvPr/>
+        </p:nvSpPr>
+        <p:spPr>
+          <a:xfrm>
+            <a:off x="1051295" y="908720"/>
+            <a:ext cx="1440160" cy="1440160"/>
+          </a:xfrm>
+          <a:prstGeom prst="rect">
+            <a:avLst/>
+          </a:prstGeom>
+          <a:solidFill>
+            <a:srgbClr val="2196F2"/>
+          </a:solidFill>
+          <a:ln>
+            <a:noFill/>
+          </a:ln>
+        </p:spPr>
+        <p:style>
+          <a:lnRef idx="2">
+            <a:schemeClr val="accent1">
+              <a:shade val="50000"/>
+            </a:schemeClr>
+          </a:lnRef>
+          <a:fillRef idx="1">
+            <a:schemeClr val="accent1"/>
+          </a:fillRef>
+          <a:effectRef idx="0">
+            <a:schemeClr val="accent1"/>
+          </a:effectRef>
+          <a:fontRef idx="minor">
+            <a:schemeClr val="lt1"/>
+          </a:fontRef>
+        </p:style>
+        <p:txBody>
+          <a:bodyPr rtlCol="0" anchor="ctr"/>
+          <a:lstStyle/>
+          <a:p>
+            <a:pPr algn="ctr"/>
+            <a:r>
+              <a:rPr lang="de-DE" sz="4800" dirty="0" smtClean="0">
+                <a:latin typeface="Segoe UI Light" panose="020B0502040204020203" pitchFamily="34" charset="0"/>
+                <a:cs typeface="Segoe UI Light" panose="020B0502040204020203" pitchFamily="34" charset="0"/>
+              </a:rPr>
+              <a:t>#2</a:t>
+            </a:r>
+            <a:endParaRPr lang="de-DE" sz="4800" dirty="0">
+              <a:latin typeface="Segoe UI Light" panose="020B0502040204020203" pitchFamily="34" charset="0"/>
+              <a:cs typeface="Segoe UI Light" panose="020B0502040204020203" pitchFamily="34" charset="0"/>
+            </a:endParaRPr>
+          </a:p>
+        </p:txBody>
+      </p:sp>
+      <p:sp>
+        <p:nvSpPr>
+          <p:cNvPr id="6" name="Rechteck 5"/>
+          <p:cNvSpPr/>
+          <p:nvPr/>
+        </p:nvSpPr>
+        <p:spPr>
+          <a:xfrm>
+            <a:off x="1051295" y="2708262"/>
+            <a:ext cx="1440160" cy="1440160"/>
+          </a:xfrm>
+          <a:prstGeom prst="rect">
+            <a:avLst/>
+          </a:prstGeom>
+          <a:solidFill>
+            <a:srgbClr val="2196F2"/>
+          </a:solidFill>
+          <a:ln>
+            <a:noFill/>
+          </a:ln>
+        </p:spPr>
+        <p:style>
+          <a:lnRef idx="2">
+            <a:schemeClr val="accent1">
+              <a:shade val="50000"/>
+            </a:schemeClr>
+          </a:lnRef>
+          <a:fillRef idx="1">
+            <a:schemeClr val="accent1"/>
+          </a:fillRef>
+          <a:effectRef idx="0">
+            <a:schemeClr val="accent1"/>
+          </a:effectRef>
+          <a:fontRef idx="minor">
+            <a:schemeClr val="lt1"/>
+          </a:fontRef>
+        </p:style>
+        <p:txBody>
+          <a:bodyPr rtlCol="0" anchor="ctr"/>
+          <a:lstStyle/>
+          <a:p>
+            <a:pPr algn="ctr"/>
+            <a:r>
+              <a:rPr lang="de-DE" sz="4800" dirty="0" smtClean="0">
+                <a:latin typeface="Segoe UI Light" panose="020B0502040204020203" pitchFamily="34" charset="0"/>
+                <a:cs typeface="Segoe UI Light" panose="020B0502040204020203" pitchFamily="34" charset="0"/>
+              </a:rPr>
+              <a:t>t</a:t>
+            </a:r>
+            <a:endParaRPr lang="de-DE" sz="4800" dirty="0">
+              <a:latin typeface="Segoe UI Light" panose="020B0502040204020203" pitchFamily="34" charset="0"/>
+              <a:cs typeface="Segoe UI Light" panose="020B0502040204020203" pitchFamily="34" charset="0"/>
+            </a:endParaRPr>
+          </a:p>
+        </p:txBody>
+      </p:sp>
+      <p:sp>
+        <p:nvSpPr>
+          <p:cNvPr id="8" name="Rechteck 7"/>
+          <p:cNvSpPr/>
+          <p:nvPr/>
+        </p:nvSpPr>
+        <p:spPr>
+          <a:xfrm>
+            <a:off x="1051295" y="4545544"/>
+            <a:ext cx="1440160" cy="1440160"/>
+          </a:xfrm>
+          <a:prstGeom prst="rect">
+            <a:avLst/>
+          </a:prstGeom>
+          <a:solidFill>
+            <a:srgbClr val="2196F2"/>
+          </a:solidFill>
+          <a:ln>
+            <a:noFill/>
+          </a:ln>
+        </p:spPr>
+        <p:style>
+          <a:lnRef idx="2">
+            <a:schemeClr val="accent1">
+              <a:shade val="50000"/>
+            </a:schemeClr>
+          </a:lnRef>
+          <a:fillRef idx="1">
+            <a:schemeClr val="accent1"/>
+          </a:fillRef>
+          <a:effectRef idx="0">
+            <a:schemeClr val="accent1"/>
+          </a:effectRef>
+          <a:fontRef idx="minor">
+            <a:schemeClr val="lt1"/>
+          </a:fontRef>
+        </p:style>
+        <p:txBody>
+          <a:bodyPr rtlCol="0" anchor="ctr"/>
+          <a:lstStyle/>
+          <a:p>
+            <a:pPr algn="ctr"/>
+            <a:r>
               <a:rPr lang="el-GR" sz="4800" dirty="0" smtClean="0">
                 <a:latin typeface="Segoe UI Light" panose="020B0502040204020203" pitchFamily="34" charset="0"/>
                 <a:cs typeface="Segoe UI Light" panose="020B0502040204020203" pitchFamily="34" charset="0"/>
@@ -4403,8 +7524,20 @@
                 <a:tableStyleId>{2D5ABB26-0587-4C30-8999-92F81FD0307C}</a:tableStyleId>
               </a:tblPr>
               <a:tblGrid>
-                <a:gridCol w="1802651"/>
-                <a:gridCol w="1802651"/>
+                <a:gridCol w="1802651">
+                  <a:extLst>
+                    <a:ext uri="{9D8B030D-6E8A-4147-A177-3AD203B41FA5}">
+                      <a16:colId xmlns:a16="http://schemas.microsoft.com/office/drawing/2014/main" val="20000"/>
+                    </a:ext>
+                  </a:extLst>
+                </a:gridCol>
+                <a:gridCol w="1802651">
+                  <a:extLst>
+                    <a:ext uri="{9D8B030D-6E8A-4147-A177-3AD203B41FA5}">
+                      <a16:colId xmlns:a16="http://schemas.microsoft.com/office/drawing/2014/main" val="20001"/>
+                    </a:ext>
+                  </a:extLst>
+                </a:gridCol>
               </a:tblGrid>
               <a:tr h="846164">
                 <a:tc>
@@ -4481,6 +7614,11 @@
                     </a:lnL>
                   </a:tcPr>
                 </a:tc>
+                <a:extLst>
+                  <a:ext uri="{0D108BD9-81ED-4DB2-BD59-A6C34878D82A}">
+                    <a16:rowId xmlns:a16="http://schemas.microsoft.com/office/drawing/2014/main" val="10000"/>
+                  </a:ext>
+                </a:extLst>
               </a:tr>
               <a:tr h="846164">
                 <a:tc>
@@ -4557,6 +7695,11 @@
                     </a:lnL>
                   </a:tcPr>
                 </a:tc>
+                <a:extLst>
+                  <a:ext uri="{0D108BD9-81ED-4DB2-BD59-A6C34878D82A}">
+                    <a16:rowId xmlns:a16="http://schemas.microsoft.com/office/drawing/2014/main" val="10001"/>
+                  </a:ext>
+                </a:extLst>
               </a:tr>
               <a:tr h="846164">
                 <a:tc>
@@ -4633,6 +7776,11 @@
                     </a:lnL>
                   </a:tcPr>
                 </a:tc>
+                <a:extLst>
+                  <a:ext uri="{0D108BD9-81ED-4DB2-BD59-A6C34878D82A}">
+                    <a16:rowId xmlns:a16="http://schemas.microsoft.com/office/drawing/2014/main" val="10002"/>
+                  </a:ext>
+                </a:extLst>
               </a:tr>
               <a:tr h="846164">
                 <a:tc>
@@ -4709,6 +7857,11 @@
                     </a:lnL>
                   </a:tcPr>
                 </a:tc>
+                <a:extLst>
+                  <a:ext uri="{0D108BD9-81ED-4DB2-BD59-A6C34878D82A}">
+                    <a16:rowId xmlns:a16="http://schemas.microsoft.com/office/drawing/2014/main" val="10003"/>
+                  </a:ext>
+                </a:extLst>
               </a:tr>
               <a:tr h="846164">
                 <a:tc>
@@ -4785,6 +7938,11 @@
                     </a:lnL>
                   </a:tcPr>
                 </a:tc>
+                <a:extLst>
+                  <a:ext uri="{0D108BD9-81ED-4DB2-BD59-A6C34878D82A}">
+                    <a16:rowId xmlns:a16="http://schemas.microsoft.com/office/drawing/2014/main" val="10004"/>
+                  </a:ext>
+                </a:extLst>
               </a:tr>
               <a:tr h="846164">
                 <a:tc>
@@ -4873,6 +8031,11 @@
                     </a:lnL>
                   </a:tcPr>
                 </a:tc>
+                <a:extLst>
+                  <a:ext uri="{0D108BD9-81ED-4DB2-BD59-A6C34878D82A}">
+                    <a16:rowId xmlns:a16="http://schemas.microsoft.com/office/drawing/2014/main" val="10005"/>
+                  </a:ext>
+                </a:extLst>
               </a:tr>
             </a:tbl>
           </a:graphicData>
@@ -5180,15 +8343,6 @@
               </a:rPr>
               <a:t>8 GB RAM</a:t>
             </a:r>
-            <a:endParaRPr lang="de-DE" dirty="0" smtClean="0">
-              <a:solidFill>
-                <a:schemeClr val="bg1">
-                  <a:lumMod val="50000"/>
-                </a:schemeClr>
-              </a:solidFill>
-              <a:latin typeface="Segoe UI Light" panose="020B0502040204020203" pitchFamily="34" charset="0"/>
-              <a:cs typeface="Segoe UI Light" panose="020B0502040204020203" pitchFamily="34" charset="0"/>
-            </a:endParaRPr>
           </a:p>
           <a:p>
             <a:pPr algn="r"/>
@@ -5319,7 +8473,7 @@
     </p:spTree>
     <p:extLst>
       <p:ext uri="{BB962C8B-B14F-4D97-AF65-F5344CB8AC3E}">
-        <p14:creationId xmlns:p14="http://schemas.microsoft.com/office/powerpoint/2010/main" val="1146757288"/>
+        <p14:creationId xmlns:p14="http://schemas.microsoft.com/office/powerpoint/2010/main" val="3155243051"/>
       </p:ext>
     </p:extLst>
   </p:cSld>

--- a/u07/Results.pptx
+++ b/u07/Results.pptx
@@ -8,6 +8,7 @@
     <p:sldId id="256" r:id="rId2"/>
     <p:sldId id="257" r:id="rId3"/>
     <p:sldId id="258" r:id="rId4"/>
+    <p:sldId id="259" r:id="rId5"/>
   </p:sldIdLst>
   <p:sldSz cx="12192000" cy="6858000"/>
   <p:notesSz cx="6858000" cy="9144000"/>
@@ -115,7 +116,7 @@
 </file>
 
 <file path=ppt/charts/chart1.xml><?xml version="1.0" encoding="utf-8"?>
-<c:chartSpace xmlns:c="http://schemas.openxmlformats.org/drawingml/2006/chart" xmlns:a="http://schemas.openxmlformats.org/drawingml/2006/main" xmlns:r="http://schemas.openxmlformats.org/officeDocument/2006/relationships" xmlns:c16r2="http://schemas.microsoft.com/office/drawing/2015/06/chart">
+<c:chartSpace xmlns:c="http://schemas.openxmlformats.org/drawingml/2006/chart" xmlns:a="http://schemas.openxmlformats.org/drawingml/2006/main" xmlns:r="http://schemas.openxmlformats.org/officeDocument/2006/relationships">
   <c:date1904 val="0"/>
   <c:lang val="de-DE"/>
   <c:roundedCorners val="0"/>
@@ -237,7 +238,7 @@
               </c:numCache>
             </c:numRef>
           </c:val>
-          <c:extLst>
+          <c:extLst xmlns:c16r2="http://schemas.microsoft.com/office/drawing/2015/06/chart">
             <c:ext xmlns:c16="http://schemas.microsoft.com/office/drawing/2014/chart" uri="{C3380CC4-5D6E-409C-BE32-E72D297353CC}">
               <c16:uniqueId val="{00000000-AA2E-4748-B797-735B81611EAD}"/>
             </c:ext>
@@ -252,11 +253,11 @@
           <c:showBubbleSize val="0"/>
         </c:dLbls>
         <c:gapWidth val="25"/>
-        <c:axId val="372351184"/>
-        <c:axId val="372346264"/>
+        <c:axId val="2060759136"/>
+        <c:axId val="2060759680"/>
       </c:barChart>
       <c:catAx>
-        <c:axId val="372351184"/>
+        <c:axId val="2060759136"/>
         <c:scaling>
           <c:orientation val="minMax"/>
         </c:scaling>
@@ -299,7 +300,7 @@
             <a:endParaRPr lang="de-DE"/>
           </a:p>
         </c:txPr>
-        <c:crossAx val="372346264"/>
+        <c:crossAx val="2060759680"/>
         <c:crosses val="autoZero"/>
         <c:auto val="1"/>
         <c:lblAlgn val="ctr"/>
@@ -307,9 +308,10 @@
         <c:noMultiLvlLbl val="0"/>
       </c:catAx>
       <c:valAx>
-        <c:axId val="372346264"/>
+        <c:axId val="2060759680"/>
         <c:scaling>
           <c:orientation val="minMax"/>
+          <c:max val="1000"/>
         </c:scaling>
         <c:delete val="0"/>
         <c:axPos val="l"/>
@@ -358,7 +360,7 @@
             <a:endParaRPr lang="de-DE"/>
           </a:p>
         </c:txPr>
-        <c:crossAx val="372351184"/>
+        <c:crossAx val="2060759136"/>
         <c:crosses val="autoZero"/>
         <c:crossBetween val="between"/>
       </c:valAx>
@@ -430,7 +432,7 @@
 </file>
 
 <file path=ppt/charts/chart2.xml><?xml version="1.0" encoding="utf-8"?>
-<c:chartSpace xmlns:c="http://schemas.openxmlformats.org/drawingml/2006/chart" xmlns:a="http://schemas.openxmlformats.org/drawingml/2006/main" xmlns:r="http://schemas.openxmlformats.org/officeDocument/2006/relationships" xmlns:c16r2="http://schemas.microsoft.com/office/drawing/2015/06/chart">
+<c:chartSpace xmlns:c="http://schemas.openxmlformats.org/drawingml/2006/chart" xmlns:a="http://schemas.openxmlformats.org/drawingml/2006/main" xmlns:r="http://schemas.openxmlformats.org/officeDocument/2006/relationships">
   <c:date1904 val="0"/>
   <c:lang val="de-DE"/>
   <c:roundedCorners val="0"/>
@@ -558,7 +560,7 @@
               </c:numCache>
             </c:numRef>
           </c:val>
-          <c:extLst>
+          <c:extLst xmlns:c16r2="http://schemas.microsoft.com/office/drawing/2015/06/chart">
             <c:ext xmlns:c16="http://schemas.microsoft.com/office/drawing/2014/chart" uri="{C3380CC4-5D6E-409C-BE32-E72D297353CC}">
               <c16:uniqueId val="{00000000-D720-4E6C-9DA0-D502184478F0}"/>
             </c:ext>
@@ -573,11 +575,11 @@
           <c:showBubbleSize val="0"/>
         </c:dLbls>
         <c:gapWidth val="25"/>
-        <c:axId val="372351184"/>
-        <c:axId val="372346264"/>
+        <c:axId val="115100688"/>
+        <c:axId val="115105584"/>
       </c:barChart>
       <c:catAx>
-        <c:axId val="372351184"/>
+        <c:axId val="115100688"/>
         <c:scaling>
           <c:orientation val="minMax"/>
         </c:scaling>
@@ -620,7 +622,7 @@
             <a:endParaRPr lang="de-DE"/>
           </a:p>
         </c:txPr>
-        <c:crossAx val="372346264"/>
+        <c:crossAx val="115105584"/>
         <c:crosses val="autoZero"/>
         <c:auto val="1"/>
         <c:lblAlgn val="ctr"/>
@@ -628,9 +630,10 @@
         <c:noMultiLvlLbl val="0"/>
       </c:catAx>
       <c:valAx>
-        <c:axId val="372346264"/>
+        <c:axId val="115105584"/>
         <c:scaling>
           <c:orientation val="minMax"/>
+          <c:max val="1000"/>
         </c:scaling>
         <c:delete val="0"/>
         <c:axPos val="l"/>
@@ -679,7 +682,326 @@
             <a:endParaRPr lang="de-DE"/>
           </a:p>
         </c:txPr>
-        <c:crossAx val="372351184"/>
+        <c:crossAx val="115100688"/>
+        <c:crosses val="autoZero"/>
+        <c:crossBetween val="between"/>
+      </c:valAx>
+      <c:spPr>
+        <a:noFill/>
+        <a:ln>
+          <a:noFill/>
+        </a:ln>
+        <a:effectLst/>
+      </c:spPr>
+    </c:plotArea>
+    <c:legend>
+      <c:legendPos val="b"/>
+      <c:layout/>
+      <c:overlay val="0"/>
+      <c:spPr>
+        <a:noFill/>
+        <a:ln>
+          <a:noFill/>
+        </a:ln>
+        <a:effectLst/>
+      </c:spPr>
+      <c:txPr>
+        <a:bodyPr rot="0" spcFirstLastPara="1" vertOverflow="ellipsis" vert="horz" wrap="square" anchor="ctr" anchorCtr="1"/>
+        <a:lstStyle/>
+        <a:p>
+          <a:pPr>
+            <a:defRPr sz="1197" b="0" i="0" u="none" strike="noStrike" kern="1200" baseline="0">
+              <a:solidFill>
+                <a:schemeClr val="tx1">
+                  <a:lumMod val="65000"/>
+                  <a:lumOff val="35000"/>
+                </a:schemeClr>
+              </a:solidFill>
+              <a:latin typeface="+mn-lt"/>
+              <a:ea typeface="+mn-ea"/>
+              <a:cs typeface="+mn-cs"/>
+            </a:defRPr>
+          </a:pPr>
+          <a:endParaRPr lang="de-DE"/>
+        </a:p>
+      </c:txPr>
+    </c:legend>
+    <c:plotVisOnly val="1"/>
+    <c:dispBlanksAs val="gap"/>
+    <c:showDLblsOverMax val="0"/>
+  </c:chart>
+  <c:spPr>
+    <a:noFill/>
+    <a:ln>
+      <a:noFill/>
+    </a:ln>
+    <a:effectLst/>
+  </c:spPr>
+  <c:txPr>
+    <a:bodyPr/>
+    <a:lstStyle/>
+    <a:p>
+      <a:pPr>
+        <a:defRPr/>
+      </a:pPr>
+      <a:endParaRPr lang="de-DE"/>
+    </a:p>
+  </c:txPr>
+  <c:externalData r:id="rId3">
+    <c:autoUpdate val="0"/>
+  </c:externalData>
+</c:chartSpace>
+</file>
+
+<file path=ppt/charts/chart3.xml><?xml version="1.0" encoding="utf-8"?>
+<c:chartSpace xmlns:c="http://schemas.openxmlformats.org/drawingml/2006/chart" xmlns:a="http://schemas.openxmlformats.org/drawingml/2006/main" xmlns:r="http://schemas.openxmlformats.org/officeDocument/2006/relationships">
+  <c:date1904 val="0"/>
+  <c:lang val="de-DE"/>
+  <c:roundedCorners val="0"/>
+  <mc:AlternateContent xmlns:mc="http://schemas.openxmlformats.org/markup-compatibility/2006">
+    <mc:Choice xmlns:c14="http://schemas.microsoft.com/office/drawing/2007/8/2/chart" Requires="c14">
+      <c14:style val="102"/>
+    </mc:Choice>
+    <mc:Fallback>
+      <c:style val="2"/>
+    </mc:Fallback>
+  </mc:AlternateContent>
+  <c:chart>
+    <c:title>
+      <c:layout/>
+      <c:overlay val="0"/>
+      <c:spPr>
+        <a:noFill/>
+        <a:ln>
+          <a:noFill/>
+        </a:ln>
+        <a:effectLst/>
+      </c:spPr>
+      <c:txPr>
+        <a:bodyPr rot="0" spcFirstLastPara="1" vertOverflow="ellipsis" vert="horz" wrap="square" anchor="ctr" anchorCtr="1"/>
+        <a:lstStyle/>
+        <a:p>
+          <a:pPr>
+            <a:defRPr sz="1862" b="0" i="0" u="none" strike="noStrike" kern="1200" spc="0" baseline="0">
+              <a:solidFill>
+                <a:schemeClr val="tx1">
+                  <a:lumMod val="65000"/>
+                  <a:lumOff val="35000"/>
+                </a:schemeClr>
+              </a:solidFill>
+              <a:latin typeface="+mn-lt"/>
+              <a:ea typeface="+mn-ea"/>
+              <a:cs typeface="+mn-cs"/>
+            </a:defRPr>
+          </a:pPr>
+          <a:endParaRPr lang="de-DE"/>
+        </a:p>
+      </c:txPr>
+    </c:title>
+    <c:autoTitleDeleted val="0"/>
+    <c:plotArea>
+      <c:layout/>
+      <c:barChart>
+        <c:barDir val="col"/>
+        <c:grouping val="clustered"/>
+        <c:varyColors val="0"/>
+        <c:ser>
+          <c:idx val="0"/>
+          <c:order val="0"/>
+          <c:tx>
+            <c:strRef>
+              <c:f>Tabelle1!$B$1</c:f>
+              <c:strCache>
+                <c:ptCount val="1"/>
+                <c:pt idx="0">
+                  <c:v>Avg. Response time</c:v>
+                </c:pt>
+              </c:strCache>
+            </c:strRef>
+          </c:tx>
+          <c:spPr>
+            <a:solidFill>
+              <a:srgbClr val="2196F2"/>
+            </a:solidFill>
+            <a:ln>
+              <a:noFill/>
+            </a:ln>
+            <a:effectLst/>
+          </c:spPr>
+          <c:invertIfNegative val="0"/>
+          <c:cat>
+            <c:strRef>
+              <c:f>Tabelle1!$A$2:$A$7</c:f>
+              <c:strCache>
+                <c:ptCount val="6"/>
+                <c:pt idx="0">
+                  <c:v>Q1</c:v>
+                </c:pt>
+                <c:pt idx="1">
+                  <c:v>Q2</c:v>
+                </c:pt>
+                <c:pt idx="2">
+                  <c:v>Q3</c:v>
+                </c:pt>
+                <c:pt idx="3">
+                  <c:v>Q4</c:v>
+                </c:pt>
+                <c:pt idx="4">
+                  <c:v>Q5</c:v>
+                </c:pt>
+                <c:pt idx="5">
+                  <c:v>Q6</c:v>
+                </c:pt>
+              </c:strCache>
+            </c:strRef>
+          </c:cat>
+          <c:val>
+            <c:numRef>
+              <c:f>Tabelle1!$B$2:$B$7</c:f>
+              <c:numCache>
+                <c:formatCode>General</c:formatCode>
+                <c:ptCount val="6"/>
+                <c:pt idx="0">
+                  <c:v>276</c:v>
+                </c:pt>
+                <c:pt idx="1">
+                  <c:v>335</c:v>
+                </c:pt>
+                <c:pt idx="2">
+                  <c:v>276</c:v>
+                </c:pt>
+                <c:pt idx="3">
+                  <c:v>317</c:v>
+                </c:pt>
+                <c:pt idx="4">
+                  <c:v>241</c:v>
+                </c:pt>
+              </c:numCache>
+            </c:numRef>
+          </c:val>
+          <c:extLst xmlns:c16r2="http://schemas.microsoft.com/office/drawing/2015/06/chart">
+            <c:ext xmlns:c16="http://schemas.microsoft.com/office/drawing/2014/chart" uri="{C3380CC4-5D6E-409C-BE32-E72D297353CC}">
+              <c16:uniqueId val="{00000000-D720-4E6C-9DA0-D502184478F0}"/>
+            </c:ext>
+          </c:extLst>
+        </c:ser>
+        <c:dLbls>
+          <c:showLegendKey val="0"/>
+          <c:showVal val="0"/>
+          <c:showCatName val="0"/>
+          <c:showSerName val="0"/>
+          <c:showPercent val="0"/>
+          <c:showBubbleSize val="0"/>
+        </c:dLbls>
+        <c:gapWidth val="25"/>
+        <c:axId val="115105040"/>
+        <c:axId val="115102864"/>
+      </c:barChart>
+      <c:catAx>
+        <c:axId val="115105040"/>
+        <c:scaling>
+          <c:orientation val="minMax"/>
+        </c:scaling>
+        <c:delete val="0"/>
+        <c:axPos val="b"/>
+        <c:numFmt formatCode="General" sourceLinked="1"/>
+        <c:majorTickMark val="none"/>
+        <c:minorTickMark val="none"/>
+        <c:tickLblPos val="nextTo"/>
+        <c:spPr>
+          <a:noFill/>
+          <a:ln w="9525" cap="flat" cmpd="sng" algn="ctr">
+            <a:solidFill>
+              <a:schemeClr val="tx1">
+                <a:lumMod val="15000"/>
+                <a:lumOff val="85000"/>
+              </a:schemeClr>
+            </a:solidFill>
+            <a:round/>
+          </a:ln>
+          <a:effectLst/>
+        </c:spPr>
+        <c:txPr>
+          <a:bodyPr rot="-60000000" spcFirstLastPara="1" vertOverflow="ellipsis" vert="horz" wrap="square" anchor="ctr" anchorCtr="1"/>
+          <a:lstStyle/>
+          <a:p>
+            <a:pPr>
+              <a:defRPr sz="1197" b="0" i="0" u="none" strike="noStrike" kern="1200" baseline="0">
+                <a:solidFill>
+                  <a:schemeClr val="tx1">
+                    <a:lumMod val="65000"/>
+                    <a:lumOff val="35000"/>
+                  </a:schemeClr>
+                </a:solidFill>
+                <a:latin typeface="+mn-lt"/>
+                <a:ea typeface="+mn-ea"/>
+                <a:cs typeface="+mn-cs"/>
+              </a:defRPr>
+            </a:pPr>
+            <a:endParaRPr lang="de-DE"/>
+          </a:p>
+        </c:txPr>
+        <c:crossAx val="115102864"/>
+        <c:crosses val="autoZero"/>
+        <c:auto val="1"/>
+        <c:lblAlgn val="ctr"/>
+        <c:lblOffset val="100"/>
+        <c:noMultiLvlLbl val="0"/>
+      </c:catAx>
+      <c:valAx>
+        <c:axId val="115102864"/>
+        <c:scaling>
+          <c:orientation val="minMax"/>
+          <c:max val="1000"/>
+        </c:scaling>
+        <c:delete val="0"/>
+        <c:axPos val="l"/>
+        <c:majorGridlines>
+          <c:spPr>
+            <a:ln w="9525" cap="flat" cmpd="sng" algn="ctr">
+              <a:solidFill>
+                <a:schemeClr val="tx1">
+                  <a:lumMod val="15000"/>
+                  <a:lumOff val="85000"/>
+                </a:schemeClr>
+              </a:solidFill>
+              <a:round/>
+            </a:ln>
+            <a:effectLst/>
+          </c:spPr>
+        </c:majorGridlines>
+        <c:numFmt formatCode="General" sourceLinked="1"/>
+        <c:majorTickMark val="none"/>
+        <c:minorTickMark val="none"/>
+        <c:tickLblPos val="nextTo"/>
+        <c:spPr>
+          <a:noFill/>
+          <a:ln>
+            <a:noFill/>
+          </a:ln>
+          <a:effectLst/>
+        </c:spPr>
+        <c:txPr>
+          <a:bodyPr rot="-60000000" spcFirstLastPara="1" vertOverflow="ellipsis" vert="horz" wrap="square" anchor="ctr" anchorCtr="1"/>
+          <a:lstStyle/>
+          <a:p>
+            <a:pPr>
+              <a:defRPr sz="1197" b="0" i="0" u="none" strike="noStrike" kern="1200" baseline="0">
+                <a:solidFill>
+                  <a:schemeClr val="tx1">
+                    <a:lumMod val="65000"/>
+                    <a:lumOff val="35000"/>
+                  </a:schemeClr>
+                </a:solidFill>
+                <a:latin typeface="+mn-lt"/>
+                <a:ea typeface="+mn-ea"/>
+                <a:cs typeface="+mn-cs"/>
+              </a:defRPr>
+            </a:pPr>
+            <a:endParaRPr lang="de-DE"/>
+          </a:p>
+        </c:txPr>
+        <c:crossAx val="115105040"/>
         <c:crosses val="autoZero"/>
         <c:crossBetween val="between"/>
       </c:valAx>
@@ -791,6 +1113,46 @@
 </file>
 
 <file path=ppt/charts/colors2.xml><?xml version="1.0" encoding="utf-8"?>
+<cs:colorStyle xmlns:cs="http://schemas.microsoft.com/office/drawing/2012/chartStyle" xmlns:a="http://schemas.openxmlformats.org/drawingml/2006/main" meth="cycle" id="10">
+  <a:schemeClr val="accent1"/>
+  <a:schemeClr val="accent2"/>
+  <a:schemeClr val="accent3"/>
+  <a:schemeClr val="accent4"/>
+  <a:schemeClr val="accent5"/>
+  <a:schemeClr val="accent6"/>
+  <cs:variation/>
+  <cs:variation>
+    <a:lumMod val="60000"/>
+  </cs:variation>
+  <cs:variation>
+    <a:lumMod val="80000"/>
+    <a:lumOff val="20000"/>
+  </cs:variation>
+  <cs:variation>
+    <a:lumMod val="80000"/>
+  </cs:variation>
+  <cs:variation>
+    <a:lumMod val="60000"/>
+    <a:lumOff val="40000"/>
+  </cs:variation>
+  <cs:variation>
+    <a:lumMod val="50000"/>
+  </cs:variation>
+  <cs:variation>
+    <a:lumMod val="70000"/>
+    <a:lumOff val="30000"/>
+  </cs:variation>
+  <cs:variation>
+    <a:lumMod val="70000"/>
+  </cs:variation>
+  <cs:variation>
+    <a:lumMod val="50000"/>
+    <a:lumOff val="50000"/>
+  </cs:variation>
+</cs:colorStyle>
+</file>
+
+<file path=ppt/charts/colors3.xml><?xml version="1.0" encoding="utf-8"?>
 <cs:colorStyle xmlns:cs="http://schemas.microsoft.com/office/drawing/2012/chartStyle" xmlns:a="http://schemas.openxmlformats.org/drawingml/2006/main" meth="cycle" id="10">
   <a:schemeClr val="accent1"/>
   <a:schemeClr val="accent2"/>
@@ -1836,6 +2198,509 @@
 </cs:chartStyle>
 </file>
 
+<file path=ppt/charts/style3.xml><?xml version="1.0" encoding="utf-8"?>
+<cs:chartStyle xmlns:cs="http://schemas.microsoft.com/office/drawing/2012/chartStyle" xmlns:a="http://schemas.openxmlformats.org/drawingml/2006/main" id="201">
+  <cs:axisTitle>
+    <cs:lnRef idx="0"/>
+    <cs:fillRef idx="0"/>
+    <cs:effectRef idx="0"/>
+    <cs:fontRef idx="minor">
+      <a:schemeClr val="tx1">
+        <a:lumMod val="65000"/>
+        <a:lumOff val="35000"/>
+      </a:schemeClr>
+    </cs:fontRef>
+    <cs:defRPr sz="1330" kern="1200"/>
+  </cs:axisTitle>
+  <cs:categoryAxis>
+    <cs:lnRef idx="0"/>
+    <cs:fillRef idx="0"/>
+    <cs:effectRef idx="0"/>
+    <cs:fontRef idx="minor">
+      <a:schemeClr val="tx1">
+        <a:lumMod val="65000"/>
+        <a:lumOff val="35000"/>
+      </a:schemeClr>
+    </cs:fontRef>
+    <cs:spPr>
+      <a:ln w="9525" cap="flat" cmpd="sng" algn="ctr">
+        <a:solidFill>
+          <a:schemeClr val="tx1">
+            <a:lumMod val="15000"/>
+            <a:lumOff val="85000"/>
+          </a:schemeClr>
+        </a:solidFill>
+        <a:round/>
+      </a:ln>
+    </cs:spPr>
+    <cs:defRPr sz="1197" kern="1200"/>
+  </cs:categoryAxis>
+  <cs:chartArea mods="allowNoFillOverride allowNoLineOverride">
+    <cs:lnRef idx="0"/>
+    <cs:fillRef idx="0"/>
+    <cs:effectRef idx="0"/>
+    <cs:fontRef idx="minor">
+      <a:schemeClr val="tx1"/>
+    </cs:fontRef>
+    <cs:spPr>
+      <a:solidFill>
+        <a:schemeClr val="bg1"/>
+      </a:solidFill>
+      <a:ln w="9525" cap="flat" cmpd="sng" algn="ctr">
+        <a:solidFill>
+          <a:schemeClr val="tx1">
+            <a:lumMod val="15000"/>
+            <a:lumOff val="85000"/>
+          </a:schemeClr>
+        </a:solidFill>
+        <a:round/>
+      </a:ln>
+    </cs:spPr>
+    <cs:defRPr sz="1330" kern="1200"/>
+  </cs:chartArea>
+  <cs:dataLabel>
+    <cs:lnRef idx="0"/>
+    <cs:fillRef idx="0"/>
+    <cs:effectRef idx="0"/>
+    <cs:fontRef idx="minor">
+      <a:schemeClr val="tx1">
+        <a:lumMod val="75000"/>
+        <a:lumOff val="25000"/>
+      </a:schemeClr>
+    </cs:fontRef>
+    <cs:defRPr sz="1197" kern="1200"/>
+  </cs:dataLabel>
+  <cs:dataLabelCallout>
+    <cs:lnRef idx="0"/>
+    <cs:fillRef idx="0"/>
+    <cs:effectRef idx="0"/>
+    <cs:fontRef idx="minor">
+      <a:schemeClr val="dk1">
+        <a:lumMod val="65000"/>
+        <a:lumOff val="35000"/>
+      </a:schemeClr>
+    </cs:fontRef>
+    <cs:spPr>
+      <a:solidFill>
+        <a:schemeClr val="lt1"/>
+      </a:solidFill>
+      <a:ln>
+        <a:solidFill>
+          <a:schemeClr val="dk1">
+            <a:lumMod val="25000"/>
+            <a:lumOff val="75000"/>
+          </a:schemeClr>
+        </a:solidFill>
+      </a:ln>
+    </cs:spPr>
+    <cs:defRPr sz="1197" kern="1200"/>
+    <cs:bodyPr rot="0" spcFirstLastPara="1" vertOverflow="clip" horzOverflow="clip" vert="horz" wrap="square" lIns="36576" tIns="18288" rIns="36576" bIns="18288" anchor="ctr" anchorCtr="1">
+      <a:spAutoFit/>
+    </cs:bodyPr>
+  </cs:dataLabelCallout>
+  <cs:dataPoint>
+    <cs:lnRef idx="0"/>
+    <cs:fillRef idx="1">
+      <cs:styleClr val="auto"/>
+    </cs:fillRef>
+    <cs:effectRef idx="0"/>
+    <cs:fontRef idx="minor">
+      <a:schemeClr val="tx1"/>
+    </cs:fontRef>
+  </cs:dataPoint>
+  <cs:dataPoint3D>
+    <cs:lnRef idx="0"/>
+    <cs:fillRef idx="1">
+      <cs:styleClr val="auto"/>
+    </cs:fillRef>
+    <cs:effectRef idx="0"/>
+    <cs:fontRef idx="minor">
+      <a:schemeClr val="tx1"/>
+    </cs:fontRef>
+  </cs:dataPoint3D>
+  <cs:dataPointLine>
+    <cs:lnRef idx="0">
+      <cs:styleClr val="auto"/>
+    </cs:lnRef>
+    <cs:fillRef idx="1"/>
+    <cs:effectRef idx="0"/>
+    <cs:fontRef idx="minor">
+      <a:schemeClr val="tx1"/>
+    </cs:fontRef>
+    <cs:spPr>
+      <a:ln w="28575" cap="rnd">
+        <a:solidFill>
+          <a:schemeClr val="phClr"/>
+        </a:solidFill>
+        <a:round/>
+      </a:ln>
+    </cs:spPr>
+  </cs:dataPointLine>
+  <cs:dataPointMarker>
+    <cs:lnRef idx="0">
+      <cs:styleClr val="auto"/>
+    </cs:lnRef>
+    <cs:fillRef idx="1">
+      <cs:styleClr val="auto"/>
+    </cs:fillRef>
+    <cs:effectRef idx="0"/>
+    <cs:fontRef idx="minor">
+      <a:schemeClr val="tx1"/>
+    </cs:fontRef>
+    <cs:spPr>
+      <a:ln w="9525">
+        <a:solidFill>
+          <a:schemeClr val="phClr"/>
+        </a:solidFill>
+      </a:ln>
+    </cs:spPr>
+  </cs:dataPointMarker>
+  <cs:dataPointMarkerLayout symbol="circle" size="5"/>
+  <cs:dataPointWireframe>
+    <cs:lnRef idx="0">
+      <cs:styleClr val="auto"/>
+    </cs:lnRef>
+    <cs:fillRef idx="1"/>
+    <cs:effectRef idx="0"/>
+    <cs:fontRef idx="minor">
+      <a:schemeClr val="tx1"/>
+    </cs:fontRef>
+    <cs:spPr>
+      <a:ln w="9525" cap="rnd">
+        <a:solidFill>
+          <a:schemeClr val="phClr"/>
+        </a:solidFill>
+        <a:round/>
+      </a:ln>
+    </cs:spPr>
+  </cs:dataPointWireframe>
+  <cs:dataTable>
+    <cs:lnRef idx="0"/>
+    <cs:fillRef idx="0"/>
+    <cs:effectRef idx="0"/>
+    <cs:fontRef idx="minor">
+      <a:schemeClr val="tx1">
+        <a:lumMod val="65000"/>
+        <a:lumOff val="35000"/>
+      </a:schemeClr>
+    </cs:fontRef>
+    <cs:spPr>
+      <a:noFill/>
+      <a:ln w="9525" cap="flat" cmpd="sng" algn="ctr">
+        <a:solidFill>
+          <a:schemeClr val="tx1">
+            <a:lumMod val="15000"/>
+            <a:lumOff val="85000"/>
+          </a:schemeClr>
+        </a:solidFill>
+        <a:round/>
+      </a:ln>
+    </cs:spPr>
+    <cs:defRPr sz="1197" kern="1200"/>
+  </cs:dataTable>
+  <cs:downBar>
+    <cs:lnRef idx="0"/>
+    <cs:fillRef idx="0"/>
+    <cs:effectRef idx="0"/>
+    <cs:fontRef idx="minor">
+      <a:schemeClr val="dk1"/>
+    </cs:fontRef>
+    <cs:spPr>
+      <a:solidFill>
+        <a:schemeClr val="dk1">
+          <a:lumMod val="65000"/>
+          <a:lumOff val="35000"/>
+        </a:schemeClr>
+      </a:solidFill>
+      <a:ln w="9525">
+        <a:solidFill>
+          <a:schemeClr val="tx1">
+            <a:lumMod val="65000"/>
+            <a:lumOff val="35000"/>
+          </a:schemeClr>
+        </a:solidFill>
+      </a:ln>
+    </cs:spPr>
+  </cs:downBar>
+  <cs:dropLine>
+    <cs:lnRef idx="0"/>
+    <cs:fillRef idx="0"/>
+    <cs:effectRef idx="0"/>
+    <cs:fontRef idx="minor">
+      <a:schemeClr val="tx1"/>
+    </cs:fontRef>
+    <cs:spPr>
+      <a:ln w="9525" cap="flat" cmpd="sng" algn="ctr">
+        <a:solidFill>
+          <a:schemeClr val="tx1">
+            <a:lumMod val="35000"/>
+            <a:lumOff val="65000"/>
+          </a:schemeClr>
+        </a:solidFill>
+        <a:round/>
+      </a:ln>
+    </cs:spPr>
+  </cs:dropLine>
+  <cs:errorBar>
+    <cs:lnRef idx="0"/>
+    <cs:fillRef idx="0"/>
+    <cs:effectRef idx="0"/>
+    <cs:fontRef idx="minor">
+      <a:schemeClr val="tx1"/>
+    </cs:fontRef>
+    <cs:spPr>
+      <a:ln w="9525" cap="flat" cmpd="sng" algn="ctr">
+        <a:solidFill>
+          <a:schemeClr val="tx1">
+            <a:lumMod val="65000"/>
+            <a:lumOff val="35000"/>
+          </a:schemeClr>
+        </a:solidFill>
+        <a:round/>
+      </a:ln>
+    </cs:spPr>
+  </cs:errorBar>
+  <cs:floor>
+    <cs:lnRef idx="0"/>
+    <cs:fillRef idx="0"/>
+    <cs:effectRef idx="0"/>
+    <cs:fontRef idx="minor">
+      <a:schemeClr val="tx1"/>
+    </cs:fontRef>
+    <cs:spPr>
+      <a:noFill/>
+      <a:ln>
+        <a:noFill/>
+      </a:ln>
+    </cs:spPr>
+  </cs:floor>
+  <cs:gridlineMajor>
+    <cs:lnRef idx="0"/>
+    <cs:fillRef idx="0"/>
+    <cs:effectRef idx="0"/>
+    <cs:fontRef idx="minor">
+      <a:schemeClr val="tx1"/>
+    </cs:fontRef>
+    <cs:spPr>
+      <a:ln w="9525" cap="flat" cmpd="sng" algn="ctr">
+        <a:solidFill>
+          <a:schemeClr val="tx1">
+            <a:lumMod val="15000"/>
+            <a:lumOff val="85000"/>
+          </a:schemeClr>
+        </a:solidFill>
+        <a:round/>
+      </a:ln>
+    </cs:spPr>
+  </cs:gridlineMajor>
+  <cs:gridlineMinor>
+    <cs:lnRef idx="0"/>
+    <cs:fillRef idx="0"/>
+    <cs:effectRef idx="0"/>
+    <cs:fontRef idx="minor">
+      <a:schemeClr val="tx1"/>
+    </cs:fontRef>
+    <cs:spPr>
+      <a:ln w="9525" cap="flat" cmpd="sng" algn="ctr">
+        <a:solidFill>
+          <a:schemeClr val="tx1">
+            <a:lumMod val="5000"/>
+            <a:lumOff val="95000"/>
+          </a:schemeClr>
+        </a:solidFill>
+        <a:round/>
+      </a:ln>
+    </cs:spPr>
+  </cs:gridlineMinor>
+  <cs:hiLoLine>
+    <cs:lnRef idx="0"/>
+    <cs:fillRef idx="0"/>
+    <cs:effectRef idx="0"/>
+    <cs:fontRef idx="minor">
+      <a:schemeClr val="tx1"/>
+    </cs:fontRef>
+    <cs:spPr>
+      <a:ln w="9525" cap="flat" cmpd="sng" algn="ctr">
+        <a:solidFill>
+          <a:schemeClr val="tx1">
+            <a:lumMod val="75000"/>
+            <a:lumOff val="25000"/>
+          </a:schemeClr>
+        </a:solidFill>
+        <a:round/>
+      </a:ln>
+    </cs:spPr>
+  </cs:hiLoLine>
+  <cs:leaderLine>
+    <cs:lnRef idx="0"/>
+    <cs:fillRef idx="0"/>
+    <cs:effectRef idx="0"/>
+    <cs:fontRef idx="minor">
+      <a:schemeClr val="tx1"/>
+    </cs:fontRef>
+    <cs:spPr>
+      <a:ln w="9525" cap="flat" cmpd="sng" algn="ctr">
+        <a:solidFill>
+          <a:schemeClr val="tx1">
+            <a:lumMod val="35000"/>
+            <a:lumOff val="65000"/>
+          </a:schemeClr>
+        </a:solidFill>
+        <a:round/>
+      </a:ln>
+    </cs:spPr>
+  </cs:leaderLine>
+  <cs:legend>
+    <cs:lnRef idx="0"/>
+    <cs:fillRef idx="0"/>
+    <cs:effectRef idx="0"/>
+    <cs:fontRef idx="minor">
+      <a:schemeClr val="tx1">
+        <a:lumMod val="65000"/>
+        <a:lumOff val="35000"/>
+      </a:schemeClr>
+    </cs:fontRef>
+    <cs:defRPr sz="1197" kern="1200"/>
+  </cs:legend>
+  <cs:plotArea mods="allowNoFillOverride allowNoLineOverride">
+    <cs:lnRef idx="0"/>
+    <cs:fillRef idx="0"/>
+    <cs:effectRef idx="0"/>
+    <cs:fontRef idx="minor">
+      <a:schemeClr val="tx1"/>
+    </cs:fontRef>
+  </cs:plotArea>
+  <cs:plotArea3D mods="allowNoFillOverride allowNoLineOverride">
+    <cs:lnRef idx="0"/>
+    <cs:fillRef idx="0"/>
+    <cs:effectRef idx="0"/>
+    <cs:fontRef idx="minor">
+      <a:schemeClr val="tx1"/>
+    </cs:fontRef>
+  </cs:plotArea3D>
+  <cs:seriesAxis>
+    <cs:lnRef idx="0"/>
+    <cs:fillRef idx="0"/>
+    <cs:effectRef idx="0"/>
+    <cs:fontRef idx="minor">
+      <a:schemeClr val="tx1">
+        <a:lumMod val="65000"/>
+        <a:lumOff val="35000"/>
+      </a:schemeClr>
+    </cs:fontRef>
+    <cs:defRPr sz="1197" kern="1200"/>
+  </cs:seriesAxis>
+  <cs:seriesLine>
+    <cs:lnRef idx="0"/>
+    <cs:fillRef idx="0"/>
+    <cs:effectRef idx="0"/>
+    <cs:fontRef idx="minor">
+      <a:schemeClr val="tx1"/>
+    </cs:fontRef>
+    <cs:spPr>
+      <a:ln w="9525" cap="flat" cmpd="sng" algn="ctr">
+        <a:solidFill>
+          <a:schemeClr val="tx1">
+            <a:lumMod val="35000"/>
+            <a:lumOff val="65000"/>
+          </a:schemeClr>
+        </a:solidFill>
+        <a:round/>
+      </a:ln>
+    </cs:spPr>
+  </cs:seriesLine>
+  <cs:title>
+    <cs:lnRef idx="0"/>
+    <cs:fillRef idx="0"/>
+    <cs:effectRef idx="0"/>
+    <cs:fontRef idx="minor">
+      <a:schemeClr val="tx1">
+        <a:lumMod val="65000"/>
+        <a:lumOff val="35000"/>
+      </a:schemeClr>
+    </cs:fontRef>
+    <cs:defRPr sz="1862" b="0" kern="1200" spc="0" baseline="0"/>
+  </cs:title>
+  <cs:trendline>
+    <cs:lnRef idx="0">
+      <cs:styleClr val="auto"/>
+    </cs:lnRef>
+    <cs:fillRef idx="0"/>
+    <cs:effectRef idx="0"/>
+    <cs:fontRef idx="minor">
+      <a:schemeClr val="tx1"/>
+    </cs:fontRef>
+    <cs:spPr>
+      <a:ln w="19050" cap="rnd">
+        <a:solidFill>
+          <a:schemeClr val="phClr"/>
+        </a:solidFill>
+        <a:prstDash val="sysDot"/>
+      </a:ln>
+    </cs:spPr>
+  </cs:trendline>
+  <cs:trendlineLabel>
+    <cs:lnRef idx="0"/>
+    <cs:fillRef idx="0"/>
+    <cs:effectRef idx="0"/>
+    <cs:fontRef idx="minor">
+      <a:schemeClr val="tx1">
+        <a:lumMod val="65000"/>
+        <a:lumOff val="35000"/>
+      </a:schemeClr>
+    </cs:fontRef>
+    <cs:defRPr sz="1197" kern="1200"/>
+  </cs:trendlineLabel>
+  <cs:upBar>
+    <cs:lnRef idx="0"/>
+    <cs:fillRef idx="0"/>
+    <cs:effectRef idx="0"/>
+    <cs:fontRef idx="minor">
+      <a:schemeClr val="dk1"/>
+    </cs:fontRef>
+    <cs:spPr>
+      <a:solidFill>
+        <a:schemeClr val="lt1"/>
+      </a:solidFill>
+      <a:ln w="9525">
+        <a:solidFill>
+          <a:schemeClr val="tx1">
+            <a:lumMod val="15000"/>
+            <a:lumOff val="85000"/>
+          </a:schemeClr>
+        </a:solidFill>
+      </a:ln>
+    </cs:spPr>
+  </cs:upBar>
+  <cs:valueAxis>
+    <cs:lnRef idx="0"/>
+    <cs:fillRef idx="0"/>
+    <cs:effectRef idx="0"/>
+    <cs:fontRef idx="minor">
+      <a:schemeClr val="tx1">
+        <a:lumMod val="65000"/>
+        <a:lumOff val="35000"/>
+      </a:schemeClr>
+    </cs:fontRef>
+    <cs:defRPr sz="1197" kern="1200"/>
+  </cs:valueAxis>
+  <cs:wall>
+    <cs:lnRef idx="0"/>
+    <cs:fillRef idx="0"/>
+    <cs:effectRef idx="0"/>
+    <cs:fontRef idx="minor">
+      <a:schemeClr val="tx1"/>
+    </cs:fontRef>
+    <cs:spPr>
+      <a:noFill/>
+      <a:ln>
+        <a:noFill/>
+      </a:ln>
+    </cs:spPr>
+  </cs:wall>
+</cs:chartStyle>
+</file>
+
 <file path=ppt/slideLayouts/slideLayout1.xml><?xml version="1.0" encoding="utf-8"?>
 <p:sldLayout xmlns:a="http://schemas.openxmlformats.org/drawingml/2006/main" xmlns:r="http://schemas.openxmlformats.org/officeDocument/2006/relationships" xmlns:p="http://schemas.openxmlformats.org/presentationml/2006/main" type="title" preserve="1">
   <p:cSld name="Titelfolie">
@@ -4701,7 +5566,7 @@
         </p:nvSpPr>
         <p:spPr>
           <a:xfrm>
-            <a:off x="1051295" y="908720"/>
+            <a:off x="767408" y="908720"/>
             <a:ext cx="1440160" cy="1440160"/>
           </a:xfrm>
           <a:prstGeom prst="rect">
@@ -4757,7 +5622,7 @@
         </p:nvSpPr>
         <p:spPr>
           <a:xfrm>
-            <a:off x="1051295" y="2708262"/>
+            <a:off x="767408" y="2708262"/>
             <a:ext cx="1440160" cy="1440160"/>
           </a:xfrm>
           <a:prstGeom prst="rect">
@@ -4813,7 +5678,7 @@
         </p:nvSpPr>
         <p:spPr>
           <a:xfrm>
-            <a:off x="1051295" y="4545544"/>
+            <a:off x="767408" y="4545544"/>
             <a:ext cx="1440160" cy="1440160"/>
           </a:xfrm>
           <a:prstGeom prst="rect">
@@ -4869,7 +5734,7 @@
         </p:nvSpPr>
         <p:spPr>
           <a:xfrm>
-            <a:off x="1053255" y="3779090"/>
+            <a:off x="769368" y="3779090"/>
             <a:ext cx="1440160" cy="276999"/>
           </a:xfrm>
           <a:prstGeom prst="rect">
@@ -4963,13 +5828,13 @@
           <p:nvPr>
             <p:extLst>
               <p:ext uri="{D42A27DB-BD31-4B8C-83A1-F6EECF244321}">
-                <p14:modId xmlns:p14="http://schemas.microsoft.com/office/powerpoint/2010/main" val="293437417"/>
+                <p14:modId xmlns:p14="http://schemas.microsoft.com/office/powerpoint/2010/main" val="814249210"/>
               </p:ext>
             </p:extLst>
           </p:nvPr>
         </p:nvGraphicFramePr>
         <p:xfrm>
-          <a:off x="4650938" y="908719"/>
+          <a:off x="4367051" y="908719"/>
           <a:ext cx="3605302" cy="5076985"/>
         </p:xfrm>
         <a:graphic>
@@ -4982,14 +5847,14 @@
                 <a:gridCol w="1802651">
                   <a:extLst>
                     <a:ext uri="{9D8B030D-6E8A-4147-A177-3AD203B41FA5}">
-                      <a16:colId xmlns:a16="http://schemas.microsoft.com/office/drawing/2014/main" val="20000"/>
+                      <a16:colId xmlns="" xmlns:a16="http://schemas.microsoft.com/office/drawing/2014/main" val="20000"/>
                     </a:ext>
                   </a:extLst>
                 </a:gridCol>
                 <a:gridCol w="1802651">
                   <a:extLst>
                     <a:ext uri="{9D8B030D-6E8A-4147-A177-3AD203B41FA5}">
-                      <a16:colId xmlns:a16="http://schemas.microsoft.com/office/drawing/2014/main" val="20001"/>
+                      <a16:colId xmlns="" xmlns:a16="http://schemas.microsoft.com/office/drawing/2014/main" val="20001"/>
                     </a:ext>
                   </a:extLst>
                 </a:gridCol>
@@ -5071,7 +5936,7 @@
                 </a:tc>
                 <a:extLst>
                   <a:ext uri="{0D108BD9-81ED-4DB2-BD59-A6C34878D82A}">
-                    <a16:rowId xmlns:a16="http://schemas.microsoft.com/office/drawing/2014/main" val="10000"/>
+                    <a16:rowId xmlns="" xmlns:a16="http://schemas.microsoft.com/office/drawing/2014/main" val="10000"/>
                   </a:ext>
                 </a:extLst>
               </a:tr>
@@ -5152,7 +6017,7 @@
                 </a:tc>
                 <a:extLst>
                   <a:ext uri="{0D108BD9-81ED-4DB2-BD59-A6C34878D82A}">
-                    <a16:rowId xmlns:a16="http://schemas.microsoft.com/office/drawing/2014/main" val="10001"/>
+                    <a16:rowId xmlns="" xmlns:a16="http://schemas.microsoft.com/office/drawing/2014/main" val="10001"/>
                   </a:ext>
                 </a:extLst>
               </a:tr>
@@ -5233,7 +6098,7 @@
                 </a:tc>
                 <a:extLst>
                   <a:ext uri="{0D108BD9-81ED-4DB2-BD59-A6C34878D82A}">
-                    <a16:rowId xmlns:a16="http://schemas.microsoft.com/office/drawing/2014/main" val="10002"/>
+                    <a16:rowId xmlns="" xmlns:a16="http://schemas.microsoft.com/office/drawing/2014/main" val="10002"/>
                   </a:ext>
                 </a:extLst>
               </a:tr>
@@ -5314,7 +6179,7 @@
                 </a:tc>
                 <a:extLst>
                   <a:ext uri="{0D108BD9-81ED-4DB2-BD59-A6C34878D82A}">
-                    <a16:rowId xmlns:a16="http://schemas.microsoft.com/office/drawing/2014/main" val="10003"/>
+                    <a16:rowId xmlns="" xmlns:a16="http://schemas.microsoft.com/office/drawing/2014/main" val="10003"/>
                   </a:ext>
                 </a:extLst>
               </a:tr>
@@ -5395,7 +6260,7 @@
                 </a:tc>
                 <a:extLst>
                   <a:ext uri="{0D108BD9-81ED-4DB2-BD59-A6C34878D82A}">
-                    <a16:rowId xmlns:a16="http://schemas.microsoft.com/office/drawing/2014/main" val="10004"/>
+                    <a16:rowId xmlns="" xmlns:a16="http://schemas.microsoft.com/office/drawing/2014/main" val="10004"/>
                   </a:ext>
                 </a:extLst>
               </a:tr>
@@ -5411,7 +6276,7 @@
         </p:nvSpPr>
         <p:spPr>
           <a:xfrm>
-            <a:off x="2850627" y="2708262"/>
+            <a:off x="2566740" y="2708262"/>
             <a:ext cx="1440160" cy="1440160"/>
           </a:xfrm>
           <a:prstGeom prst="rect">
@@ -5467,7 +6332,7 @@
         </p:nvSpPr>
         <p:spPr>
           <a:xfrm>
-            <a:off x="2848667" y="3779090"/>
+            <a:off x="2564780" y="3779090"/>
             <a:ext cx="1440160" cy="276999"/>
           </a:xfrm>
           <a:prstGeom prst="rect">
@@ -5530,7 +6395,7 @@
         </p:nvSpPr>
         <p:spPr>
           <a:xfrm>
-            <a:off x="1084730" y="5616372"/>
+            <a:off x="800843" y="5616372"/>
             <a:ext cx="1440160" cy="276999"/>
           </a:xfrm>
           <a:prstGeom prst="rect">
@@ -5583,7 +6448,7 @@
         </p:nvSpPr>
         <p:spPr>
           <a:xfrm>
-            <a:off x="2853567" y="4545544"/>
+            <a:off x="2569680" y="4545544"/>
             <a:ext cx="1440160" cy="1440160"/>
           </a:xfrm>
           <a:prstGeom prst="rect">
@@ -5639,7 +6504,7 @@
         </p:nvSpPr>
         <p:spPr>
           <a:xfrm>
-            <a:off x="2850627" y="5616372"/>
+            <a:off x="2566740" y="5616372"/>
             <a:ext cx="1440160" cy="276999"/>
           </a:xfrm>
           <a:prstGeom prst="rect">
@@ -5682,7 +6547,7 @@
         </p:nvSpPr>
         <p:spPr>
           <a:xfrm>
-            <a:off x="8256240" y="5339373"/>
+            <a:off x="7972353" y="5339373"/>
             <a:ext cx="3384375" cy="646331"/>
           </a:xfrm>
           <a:prstGeom prst="rect">
@@ -5735,7 +6600,7 @@
         </p:nvSpPr>
         <p:spPr>
           <a:xfrm>
-            <a:off x="2848667" y="908053"/>
+            <a:off x="2564780" y="908053"/>
             <a:ext cx="1440160" cy="1440160"/>
           </a:xfrm>
           <a:prstGeom prst="rect">
@@ -5791,7 +6656,7 @@
         </p:nvSpPr>
         <p:spPr>
           <a:xfrm>
-            <a:off x="2848666" y="1988840"/>
+            <a:off x="2564779" y="1988840"/>
             <a:ext cx="1440160" cy="276999"/>
           </a:xfrm>
           <a:prstGeom prst="rect">
@@ -5843,13 +6708,13 @@
           <p:nvPr>
             <p:extLst>
               <p:ext uri="{D42A27DB-BD31-4B8C-83A1-F6EECF244321}">
-                <p14:modId xmlns:p14="http://schemas.microsoft.com/office/powerpoint/2010/main" val="548462063"/>
+                <p14:modId xmlns:p14="http://schemas.microsoft.com/office/powerpoint/2010/main" val="3923964929"/>
               </p:ext>
             </p:extLst>
           </p:nvPr>
         </p:nvGraphicFramePr>
         <p:xfrm>
-          <a:off x="8613451" y="908053"/>
+          <a:off x="8329564" y="908053"/>
           <a:ext cx="3027164" cy="3823809"/>
         </p:xfrm>
         <a:graphic>
@@ -5903,7 +6768,7 @@
         </p:nvSpPr>
         <p:spPr>
           <a:xfrm>
-            <a:off x="1051295" y="908720"/>
+            <a:off x="767408" y="908720"/>
             <a:ext cx="1440160" cy="1440160"/>
           </a:xfrm>
           <a:prstGeom prst="rect">
@@ -5959,7 +6824,7 @@
         </p:nvSpPr>
         <p:spPr>
           <a:xfrm>
-            <a:off x="1051295" y="2708262"/>
+            <a:off x="767408" y="2708262"/>
             <a:ext cx="1440160" cy="1440160"/>
           </a:xfrm>
           <a:prstGeom prst="rect">
@@ -6000,10 +6865,6 @@
               </a:rPr>
               <a:t>0</a:t>
             </a:r>
-            <a:endParaRPr lang="de-DE" sz="4800" dirty="0">
-              <a:latin typeface="Segoe UI Light" panose="020B0502040204020203" pitchFamily="34" charset="0"/>
-              <a:cs typeface="Segoe UI Light" panose="020B0502040204020203" pitchFamily="34" charset="0"/>
-            </a:endParaRPr>
           </a:p>
         </p:txBody>
       </p:sp>
@@ -6015,7 +6876,7 @@
         </p:nvSpPr>
         <p:spPr>
           <a:xfrm>
-            <a:off x="1051295" y="4545544"/>
+            <a:off x="767408" y="4545544"/>
             <a:ext cx="1440160" cy="1440160"/>
           </a:xfrm>
           <a:prstGeom prst="rect">
@@ -6071,7 +6932,7 @@
         </p:nvSpPr>
         <p:spPr>
           <a:xfrm>
-            <a:off x="1053255" y="3779090"/>
+            <a:off x="769368" y="3779090"/>
             <a:ext cx="1440160" cy="276999"/>
           </a:xfrm>
           <a:prstGeom prst="rect">
@@ -6165,13 +7026,13 @@
           <p:nvPr>
             <p:extLst>
               <p:ext uri="{D42A27DB-BD31-4B8C-83A1-F6EECF244321}">
-                <p14:modId xmlns:p14="http://schemas.microsoft.com/office/powerpoint/2010/main" val="4199661656"/>
+                <p14:modId xmlns:p14="http://schemas.microsoft.com/office/powerpoint/2010/main" val="4065290216"/>
               </p:ext>
             </p:extLst>
           </p:nvPr>
         </p:nvGraphicFramePr>
         <p:xfrm>
-          <a:off x="4650938" y="908719"/>
+          <a:off x="4367051" y="908719"/>
           <a:ext cx="3605302" cy="5076984"/>
         </p:xfrm>
         <a:graphic>
@@ -6184,14 +7045,14 @@
                 <a:gridCol w="1802651">
                   <a:extLst>
                     <a:ext uri="{9D8B030D-6E8A-4147-A177-3AD203B41FA5}">
-                      <a16:colId xmlns:a16="http://schemas.microsoft.com/office/drawing/2014/main" val="20000"/>
+                      <a16:colId xmlns="" xmlns:a16="http://schemas.microsoft.com/office/drawing/2014/main" val="20000"/>
                     </a:ext>
                   </a:extLst>
                 </a:gridCol>
                 <a:gridCol w="1802651">
                   <a:extLst>
                     <a:ext uri="{9D8B030D-6E8A-4147-A177-3AD203B41FA5}">
-                      <a16:colId xmlns:a16="http://schemas.microsoft.com/office/drawing/2014/main" val="20001"/>
+                      <a16:colId xmlns="" xmlns:a16="http://schemas.microsoft.com/office/drawing/2014/main" val="20001"/>
                     </a:ext>
                   </a:extLst>
                 </a:gridCol>
@@ -6273,7 +7134,7 @@
                 </a:tc>
                 <a:extLst>
                   <a:ext uri="{0D108BD9-81ED-4DB2-BD59-A6C34878D82A}">
-                    <a16:rowId xmlns:a16="http://schemas.microsoft.com/office/drawing/2014/main" val="10000"/>
+                    <a16:rowId xmlns="" xmlns:a16="http://schemas.microsoft.com/office/drawing/2014/main" val="10000"/>
                   </a:ext>
                 </a:extLst>
               </a:tr>
@@ -6354,7 +7215,7 @@
                 </a:tc>
                 <a:extLst>
                   <a:ext uri="{0D108BD9-81ED-4DB2-BD59-A6C34878D82A}">
-                    <a16:rowId xmlns:a16="http://schemas.microsoft.com/office/drawing/2014/main" val="10001"/>
+                    <a16:rowId xmlns="" xmlns:a16="http://schemas.microsoft.com/office/drawing/2014/main" val="10001"/>
                   </a:ext>
                 </a:extLst>
               </a:tr>
@@ -6435,7 +7296,7 @@
                 </a:tc>
                 <a:extLst>
                   <a:ext uri="{0D108BD9-81ED-4DB2-BD59-A6C34878D82A}">
-                    <a16:rowId xmlns:a16="http://schemas.microsoft.com/office/drawing/2014/main" val="10002"/>
+                    <a16:rowId xmlns="" xmlns:a16="http://schemas.microsoft.com/office/drawing/2014/main" val="10002"/>
                   </a:ext>
                 </a:extLst>
               </a:tr>
@@ -6516,7 +7377,7 @@
                 </a:tc>
                 <a:extLst>
                   <a:ext uri="{0D108BD9-81ED-4DB2-BD59-A6C34878D82A}">
-                    <a16:rowId xmlns:a16="http://schemas.microsoft.com/office/drawing/2014/main" val="10003"/>
+                    <a16:rowId xmlns="" xmlns:a16="http://schemas.microsoft.com/office/drawing/2014/main" val="10003"/>
                   </a:ext>
                 </a:extLst>
               </a:tr>
@@ -6597,7 +7458,7 @@
                 </a:tc>
                 <a:extLst>
                   <a:ext uri="{0D108BD9-81ED-4DB2-BD59-A6C34878D82A}">
-                    <a16:rowId xmlns:a16="http://schemas.microsoft.com/office/drawing/2014/main" val="10004"/>
+                    <a16:rowId xmlns="" xmlns:a16="http://schemas.microsoft.com/office/drawing/2014/main" val="10004"/>
                   </a:ext>
                 </a:extLst>
               </a:tr>
@@ -6690,7 +7551,7 @@
                 </a:tc>
                 <a:extLst>
                   <a:ext uri="{0D108BD9-81ED-4DB2-BD59-A6C34878D82A}">
-                    <a16:rowId xmlns:a16="http://schemas.microsoft.com/office/drawing/2014/main" val="10005"/>
+                    <a16:rowId xmlns="" xmlns:a16="http://schemas.microsoft.com/office/drawing/2014/main" val="10005"/>
                   </a:ext>
                 </a:extLst>
               </a:tr>
@@ -6706,7 +7567,7 @@
         </p:nvSpPr>
         <p:spPr>
           <a:xfrm>
-            <a:off x="2850627" y="2708262"/>
+            <a:off x="2566740" y="2708262"/>
             <a:ext cx="1440160" cy="1440160"/>
           </a:xfrm>
           <a:prstGeom prst="rect">
@@ -6747,10 +7608,6 @@
               </a:rPr>
               <a:t>6</a:t>
             </a:r>
-            <a:endParaRPr lang="de-DE" sz="4800" dirty="0">
-              <a:latin typeface="Segoe UI Light" panose="020B0502040204020203" pitchFamily="34" charset="0"/>
-              <a:cs typeface="Segoe UI Light" panose="020B0502040204020203" pitchFamily="34" charset="0"/>
-            </a:endParaRPr>
           </a:p>
         </p:txBody>
       </p:sp>
@@ -6762,7 +7619,7 @@
         </p:nvSpPr>
         <p:spPr>
           <a:xfrm>
-            <a:off x="2848667" y="3779090"/>
+            <a:off x="2564780" y="3779090"/>
             <a:ext cx="1440160" cy="276999"/>
           </a:xfrm>
           <a:prstGeom prst="rect">
@@ -6825,7 +7682,7 @@
         </p:nvSpPr>
         <p:spPr>
           <a:xfrm>
-            <a:off x="1084730" y="5616372"/>
+            <a:off x="800843" y="5616372"/>
             <a:ext cx="1440160" cy="276999"/>
           </a:xfrm>
           <a:prstGeom prst="rect">
@@ -6878,7 +7735,7 @@
         </p:nvSpPr>
         <p:spPr>
           <a:xfrm>
-            <a:off x="2853567" y="4545544"/>
+            <a:off x="2569680" y="4545544"/>
             <a:ext cx="1440160" cy="1440160"/>
           </a:xfrm>
           <a:prstGeom prst="rect">
@@ -6934,7 +7791,7 @@
         </p:nvSpPr>
         <p:spPr>
           <a:xfrm>
-            <a:off x="2850627" y="5616372"/>
+            <a:off x="2566740" y="5616372"/>
             <a:ext cx="1440160" cy="276999"/>
           </a:xfrm>
           <a:prstGeom prst="rect">
@@ -6977,7 +7834,7 @@
         </p:nvSpPr>
         <p:spPr>
           <a:xfrm>
-            <a:off x="8256240" y="5339373"/>
+            <a:off x="7972353" y="5339373"/>
             <a:ext cx="3384375" cy="646331"/>
           </a:xfrm>
           <a:prstGeom prst="rect">
@@ -7017,55 +7874,7 @@
                 <a:latin typeface="Segoe UI Light" panose="020B0502040204020203" pitchFamily="34" charset="0"/>
                 <a:cs typeface="Segoe UI Light" panose="020B0502040204020203" pitchFamily="34" charset="0"/>
               </a:rPr>
-              <a:t>Intel Core </a:t>
-            </a:r>
-            <a:r>
-              <a:rPr lang="de-DE" dirty="0" smtClean="0">
-                <a:solidFill>
-                  <a:schemeClr val="bg1">
-                    <a:lumMod val="50000"/>
-                  </a:schemeClr>
-                </a:solidFill>
-                <a:latin typeface="Segoe UI Light" panose="020B0502040204020203" pitchFamily="34" charset="0"/>
-                <a:cs typeface="Segoe UI Light" panose="020B0502040204020203" pitchFamily="34" charset="0"/>
-              </a:rPr>
-              <a:t>i5-4200U </a:t>
-            </a:r>
-            <a:r>
-              <a:rPr lang="de-DE" dirty="0" smtClean="0">
-                <a:solidFill>
-                  <a:schemeClr val="bg1">
-                    <a:lumMod val="50000"/>
-                  </a:schemeClr>
-                </a:solidFill>
-                <a:latin typeface="Segoe UI Light" panose="020B0502040204020203" pitchFamily="34" charset="0"/>
-                <a:cs typeface="Segoe UI Light" panose="020B0502040204020203" pitchFamily="34" charset="0"/>
-              </a:rPr>
-              <a:t>@ </a:t>
-            </a:r>
-            <a:r>
-              <a:rPr lang="de-DE" dirty="0" smtClean="0">
-                <a:solidFill>
-                  <a:schemeClr val="bg1">
-                    <a:lumMod val="50000"/>
-                  </a:schemeClr>
-                </a:solidFill>
-                <a:latin typeface="Segoe UI Light" panose="020B0502040204020203" pitchFamily="34" charset="0"/>
-                <a:cs typeface="Segoe UI Light" panose="020B0502040204020203" pitchFamily="34" charset="0"/>
-              </a:rPr>
-              <a:t>2.30 </a:t>
-            </a:r>
-            <a:r>
-              <a:rPr lang="de-DE" dirty="0" smtClean="0">
-                <a:solidFill>
-                  <a:schemeClr val="bg1">
-                    <a:lumMod val="50000"/>
-                  </a:schemeClr>
-                </a:solidFill>
-                <a:latin typeface="Segoe UI Light" panose="020B0502040204020203" pitchFamily="34" charset="0"/>
-                <a:cs typeface="Segoe UI Light" panose="020B0502040204020203" pitchFamily="34" charset="0"/>
-              </a:rPr>
-              <a:t>GHz</a:t>
+              <a:t>Intel Core i5-4200U @ 2.30 GHz</a:t>
             </a:r>
           </a:p>
         </p:txBody>
@@ -7078,7 +7887,7 @@
         </p:nvSpPr>
         <p:spPr>
           <a:xfrm>
-            <a:off x="2848667" y="908053"/>
+            <a:off x="2564780" y="908053"/>
             <a:ext cx="1440160" cy="1440160"/>
           </a:xfrm>
           <a:prstGeom prst="rect">
@@ -7119,10 +7928,6 @@
               </a:rPr>
               <a:t>4</a:t>
             </a:r>
-            <a:endParaRPr lang="de-DE" sz="4800" dirty="0">
-              <a:latin typeface="Segoe UI Light" panose="020B0502040204020203" pitchFamily="34" charset="0"/>
-              <a:cs typeface="Segoe UI Light" panose="020B0502040204020203" pitchFamily="34" charset="0"/>
-            </a:endParaRPr>
           </a:p>
         </p:txBody>
       </p:sp>
@@ -7134,7 +7939,7 @@
         </p:nvSpPr>
         <p:spPr>
           <a:xfrm>
-            <a:off x="2848666" y="1988840"/>
+            <a:off x="2564779" y="1988840"/>
             <a:ext cx="1440160" cy="276999"/>
           </a:xfrm>
           <a:prstGeom prst="rect">
@@ -7186,13 +7991,13 @@
           <p:nvPr>
             <p:extLst>
               <p:ext uri="{D42A27DB-BD31-4B8C-83A1-F6EECF244321}">
-                <p14:modId xmlns:p14="http://schemas.microsoft.com/office/powerpoint/2010/main" val="1586488852"/>
+                <p14:modId xmlns:p14="http://schemas.microsoft.com/office/powerpoint/2010/main" val="1269617643"/>
               </p:ext>
             </p:extLst>
           </p:nvPr>
         </p:nvGraphicFramePr>
         <p:xfrm>
-          <a:off x="8613451" y="908053"/>
+          <a:off x="8329564" y="908053"/>
           <a:ext cx="3027164" cy="3823809"/>
         </p:xfrm>
         <a:graphic>
@@ -7246,7 +8051,7 @@
         </p:nvSpPr>
         <p:spPr>
           <a:xfrm>
-            <a:off x="1051295" y="908720"/>
+            <a:off x="767408" y="908720"/>
             <a:ext cx="1440160" cy="1440160"/>
           </a:xfrm>
           <a:prstGeom prst="rect">
@@ -7285,7 +8090,7 @@
                 <a:latin typeface="Segoe UI Light" panose="020B0502040204020203" pitchFamily="34" charset="0"/>
                 <a:cs typeface="Segoe UI Light" panose="020B0502040204020203" pitchFamily="34" charset="0"/>
               </a:rPr>
-              <a:t>#2</a:t>
+              <a:t>#3</a:t>
             </a:r>
             <a:endParaRPr lang="de-DE" sz="4800" dirty="0">
               <a:latin typeface="Segoe UI Light" panose="020B0502040204020203" pitchFamily="34" charset="0"/>
@@ -7302,7 +8107,7 @@
         </p:nvSpPr>
         <p:spPr>
           <a:xfrm>
-            <a:off x="1051295" y="2708262"/>
+            <a:off x="767408" y="2708262"/>
             <a:ext cx="1440160" cy="1440160"/>
           </a:xfrm>
           <a:prstGeom prst="rect">
@@ -7341,7 +8146,7 @@
                 <a:latin typeface="Segoe UI Light" panose="020B0502040204020203" pitchFamily="34" charset="0"/>
                 <a:cs typeface="Segoe UI Light" panose="020B0502040204020203" pitchFamily="34" charset="0"/>
               </a:rPr>
-              <a:t>t</a:t>
+              <a:t>20</a:t>
             </a:r>
             <a:endParaRPr lang="de-DE" sz="4800" dirty="0">
               <a:latin typeface="Segoe UI Light" panose="020B0502040204020203" pitchFamily="34" charset="0"/>
@@ -7358,7 +8163,7 @@
         </p:nvSpPr>
         <p:spPr>
           <a:xfrm>
-            <a:off x="1051295" y="4545544"/>
+            <a:off x="767408" y="4545544"/>
             <a:ext cx="1440160" cy="1440160"/>
           </a:xfrm>
           <a:prstGeom prst="rect">
@@ -7393,11 +8198,11 @@
           <a:p>
             <a:pPr algn="ctr"/>
             <a:r>
-              <a:rPr lang="el-GR" sz="4800" dirty="0" smtClean="0">
+              <a:rPr lang="de-DE" sz="4800" dirty="0" smtClean="0">
                 <a:latin typeface="Segoe UI Light" panose="020B0502040204020203" pitchFamily="34" charset="0"/>
                 <a:cs typeface="Segoe UI Light" panose="020B0502040204020203" pitchFamily="34" charset="0"/>
               </a:rPr>
-              <a:t>θ</a:t>
+              <a:t>9,8</a:t>
             </a:r>
             <a:endParaRPr lang="de-DE" sz="4800" dirty="0">
               <a:latin typeface="Segoe UI Light" panose="020B0502040204020203" pitchFamily="34" charset="0"/>
@@ -7414,7 +8219,7 @@
         </p:nvSpPr>
         <p:spPr>
           <a:xfrm>
-            <a:off x="1053255" y="3779090"/>
+            <a:off x="769368" y="3779090"/>
             <a:ext cx="1440160" cy="276999"/>
           </a:xfrm>
           <a:prstGeom prst="rect">
@@ -7508,13 +8313,13 @@
           <p:nvPr>
             <p:extLst>
               <p:ext uri="{D42A27DB-BD31-4B8C-83A1-F6EECF244321}">
-                <p14:modId xmlns:p14="http://schemas.microsoft.com/office/powerpoint/2010/main" val="480375205"/>
+                <p14:modId xmlns:p14="http://schemas.microsoft.com/office/powerpoint/2010/main" val="832836189"/>
               </p:ext>
             </p:extLst>
           </p:nvPr>
         </p:nvGraphicFramePr>
         <p:xfrm>
-          <a:off x="4650938" y="908719"/>
+          <a:off x="4367051" y="908719"/>
           <a:ext cx="3605302" cy="5076984"/>
         </p:xfrm>
         <a:graphic>
@@ -7527,14 +8332,14 @@
                 <a:gridCol w="1802651">
                   <a:extLst>
                     <a:ext uri="{9D8B030D-6E8A-4147-A177-3AD203B41FA5}">
-                      <a16:colId xmlns:a16="http://schemas.microsoft.com/office/drawing/2014/main" val="20000"/>
+                      <a16:colId xmlns="" xmlns:a16="http://schemas.microsoft.com/office/drawing/2014/main" val="20000"/>
                     </a:ext>
                   </a:extLst>
                 </a:gridCol>
                 <a:gridCol w="1802651">
                   <a:extLst>
                     <a:ext uri="{9D8B030D-6E8A-4147-A177-3AD203B41FA5}">
-                      <a16:colId xmlns:a16="http://schemas.microsoft.com/office/drawing/2014/main" val="20001"/>
+                      <a16:colId xmlns="" xmlns:a16="http://schemas.microsoft.com/office/drawing/2014/main" val="20001"/>
                     </a:ext>
                   </a:extLst>
                 </a:gridCol>
@@ -7584,11 +8389,11 @@
                     <a:p>
                       <a:pPr algn="l"/>
                       <a:r>
-                        <a:rPr lang="de-DE" sz="3200" dirty="0" err="1" smtClean="0">
+                        <a:rPr lang="de-DE" sz="3200" dirty="0" smtClean="0">
                           <a:latin typeface="Segoe UI Light" panose="020B0502040204020203" pitchFamily="34" charset="0"/>
                           <a:cs typeface="Segoe UI Light" panose="020B0502040204020203" pitchFamily="34" charset="0"/>
                         </a:rPr>
-                        <a:t>Xms</a:t>
+                        <a:t>276ms</a:t>
                       </a:r>
                       <a:endParaRPr lang="de-DE" sz="3200" b="0" dirty="0">
                         <a:solidFill>
@@ -7616,7 +8421,7 @@
                 </a:tc>
                 <a:extLst>
                   <a:ext uri="{0D108BD9-81ED-4DB2-BD59-A6C34878D82A}">
-                    <a16:rowId xmlns:a16="http://schemas.microsoft.com/office/drawing/2014/main" val="10000"/>
+                    <a16:rowId xmlns="" xmlns:a16="http://schemas.microsoft.com/office/drawing/2014/main" val="10000"/>
                   </a:ext>
                 </a:extLst>
               </a:tr>
@@ -7665,11 +8470,11 @@
                     <a:p>
                       <a:pPr algn="l"/>
                       <a:r>
-                        <a:rPr lang="de-DE" sz="3200" dirty="0" err="1" smtClean="0">
+                        <a:rPr lang="de-DE" sz="3200" dirty="0" smtClean="0">
                           <a:latin typeface="Segoe UI Light" panose="020B0502040204020203" pitchFamily="34" charset="0"/>
                           <a:cs typeface="Segoe UI Light" panose="020B0502040204020203" pitchFamily="34" charset="0"/>
                         </a:rPr>
-                        <a:t>Xms</a:t>
+                        <a:t>335ms</a:t>
                       </a:r>
                       <a:endParaRPr lang="de-DE" sz="3200" b="0" dirty="0">
                         <a:solidFill>
@@ -7697,7 +8502,7 @@
                 </a:tc>
                 <a:extLst>
                   <a:ext uri="{0D108BD9-81ED-4DB2-BD59-A6C34878D82A}">
-                    <a16:rowId xmlns:a16="http://schemas.microsoft.com/office/drawing/2014/main" val="10001"/>
+                    <a16:rowId xmlns="" xmlns:a16="http://schemas.microsoft.com/office/drawing/2014/main" val="10001"/>
                   </a:ext>
                 </a:extLst>
               </a:tr>
@@ -7746,11 +8551,11 @@
                     <a:p>
                       <a:pPr algn="l"/>
                       <a:r>
-                        <a:rPr lang="de-DE" sz="3200" dirty="0" err="1" smtClean="0">
+                        <a:rPr lang="de-DE" sz="3200" dirty="0" smtClean="0">
                           <a:latin typeface="Segoe UI Light" panose="020B0502040204020203" pitchFamily="34" charset="0"/>
                           <a:cs typeface="Segoe UI Light" panose="020B0502040204020203" pitchFamily="34" charset="0"/>
                         </a:rPr>
-                        <a:t>Xms</a:t>
+                        <a:t>276ms</a:t>
                       </a:r>
                       <a:endParaRPr lang="de-DE" sz="3200" b="0" dirty="0">
                         <a:solidFill>
@@ -7778,7 +8583,7 @@
                 </a:tc>
                 <a:extLst>
                   <a:ext uri="{0D108BD9-81ED-4DB2-BD59-A6C34878D82A}">
-                    <a16:rowId xmlns:a16="http://schemas.microsoft.com/office/drawing/2014/main" val="10002"/>
+                    <a16:rowId xmlns="" xmlns:a16="http://schemas.microsoft.com/office/drawing/2014/main" val="10002"/>
                   </a:ext>
                 </a:extLst>
               </a:tr>
@@ -7827,11 +8632,11 @@
                     <a:p>
                       <a:pPr algn="l"/>
                       <a:r>
-                        <a:rPr lang="de-DE" sz="3200" dirty="0" err="1" smtClean="0">
+                        <a:rPr lang="de-DE" sz="3200" dirty="0" smtClean="0">
                           <a:latin typeface="Segoe UI Light" panose="020B0502040204020203" pitchFamily="34" charset="0"/>
                           <a:cs typeface="Segoe UI Light" panose="020B0502040204020203" pitchFamily="34" charset="0"/>
                         </a:rPr>
-                        <a:t>Xms</a:t>
+                        <a:t>317ms</a:t>
                       </a:r>
                       <a:endParaRPr lang="de-DE" sz="3200" b="0" dirty="0">
                         <a:solidFill>
@@ -7859,7 +8664,7 @@
                 </a:tc>
                 <a:extLst>
                   <a:ext uri="{0D108BD9-81ED-4DB2-BD59-A6C34878D82A}">
-                    <a16:rowId xmlns:a16="http://schemas.microsoft.com/office/drawing/2014/main" val="10003"/>
+                    <a16:rowId xmlns="" xmlns:a16="http://schemas.microsoft.com/office/drawing/2014/main" val="10003"/>
                   </a:ext>
                 </a:extLst>
               </a:tr>
@@ -7908,11 +8713,11 @@
                     <a:p>
                       <a:pPr algn="l"/>
                       <a:r>
-                        <a:rPr lang="de-DE" sz="3200" dirty="0" err="1" smtClean="0">
+                        <a:rPr lang="de-DE" sz="3200" dirty="0" smtClean="0">
                           <a:latin typeface="Segoe UI Light" panose="020B0502040204020203" pitchFamily="34" charset="0"/>
                           <a:cs typeface="Segoe UI Light" panose="020B0502040204020203" pitchFamily="34" charset="0"/>
                         </a:rPr>
-                        <a:t>Xms</a:t>
+                        <a:t>241ms</a:t>
                       </a:r>
                       <a:endParaRPr lang="de-DE" sz="3200" b="0" dirty="0">
                         <a:solidFill>
@@ -7940,7 +8745,7 @@
                 </a:tc>
                 <a:extLst>
                   <a:ext uri="{0D108BD9-81ED-4DB2-BD59-A6C34878D82A}">
-                    <a16:rowId xmlns:a16="http://schemas.microsoft.com/office/drawing/2014/main" val="10004"/>
+                    <a16:rowId xmlns="" xmlns:a16="http://schemas.microsoft.com/office/drawing/2014/main" val="10004"/>
                   </a:ext>
                 </a:extLst>
               </a:tr>
@@ -8033,7 +8838,7 @@
                 </a:tc>
                 <a:extLst>
                   <a:ext uri="{0D108BD9-81ED-4DB2-BD59-A6C34878D82A}">
-                    <a16:rowId xmlns:a16="http://schemas.microsoft.com/office/drawing/2014/main" val="10005"/>
+                    <a16:rowId xmlns="" xmlns:a16="http://schemas.microsoft.com/office/drawing/2014/main" val="10005"/>
                   </a:ext>
                 </a:extLst>
               </a:tr>
@@ -8049,7 +8854,7 @@
         </p:nvSpPr>
         <p:spPr>
           <a:xfrm>
-            <a:off x="2850627" y="2708262"/>
+            <a:off x="2566740" y="2708262"/>
             <a:ext cx="1440160" cy="1440160"/>
           </a:xfrm>
           <a:prstGeom prst="rect">
@@ -8084,12 +8889,16 @@
           <a:p>
             <a:pPr algn="ctr"/>
             <a:r>
-              <a:rPr lang="de-DE" sz="4800" dirty="0">
+              <a:rPr lang="de-DE" sz="4800" dirty="0" smtClean="0">
                 <a:latin typeface="Segoe UI Light" panose="020B0502040204020203" pitchFamily="34" charset="0"/>
                 <a:cs typeface="Segoe UI Light" panose="020B0502040204020203" pitchFamily="34" charset="0"/>
               </a:rPr>
-              <a:t>Δ</a:t>
-            </a:r>
+              <a:t>97</a:t>
+            </a:r>
+            <a:endParaRPr lang="de-DE" sz="4800" dirty="0">
+              <a:latin typeface="Segoe UI Light" panose="020B0502040204020203" pitchFamily="34" charset="0"/>
+              <a:cs typeface="Segoe UI Light" panose="020B0502040204020203" pitchFamily="34" charset="0"/>
+            </a:endParaRPr>
           </a:p>
         </p:txBody>
       </p:sp>
@@ -8101,7 +8910,7 @@
         </p:nvSpPr>
         <p:spPr>
           <a:xfrm>
-            <a:off x="2848667" y="3779090"/>
+            <a:off x="2564780" y="3779090"/>
             <a:ext cx="1440160" cy="276999"/>
           </a:xfrm>
           <a:prstGeom prst="rect">
@@ -8164,7 +8973,7 @@
         </p:nvSpPr>
         <p:spPr>
           <a:xfrm>
-            <a:off x="1084730" y="5616372"/>
+            <a:off x="800843" y="5616372"/>
             <a:ext cx="1440160" cy="276999"/>
           </a:xfrm>
           <a:prstGeom prst="rect">
@@ -8217,7 +9026,7 @@
         </p:nvSpPr>
         <p:spPr>
           <a:xfrm>
-            <a:off x="2853567" y="4545544"/>
+            <a:off x="2569680" y="4545544"/>
             <a:ext cx="1440160" cy="1440160"/>
           </a:xfrm>
           <a:prstGeom prst="rect">
@@ -8252,11 +9061,11 @@
           <a:p>
             <a:pPr algn="ctr"/>
             <a:r>
-              <a:rPr lang="el-GR" sz="4400" dirty="0" smtClean="0">
+              <a:rPr lang="de-DE" sz="4400" dirty="0" smtClean="0">
                 <a:latin typeface="Segoe UI Light" panose="020B0502040204020203" pitchFamily="34" charset="0"/>
                 <a:cs typeface="Segoe UI Light" panose="020B0502040204020203" pitchFamily="34" charset="0"/>
               </a:rPr>
-              <a:t>α</a:t>
+              <a:t>8812</a:t>
             </a:r>
             <a:endParaRPr lang="de-DE" sz="4400" dirty="0">
               <a:latin typeface="Segoe UI Light" panose="020B0502040204020203" pitchFamily="34" charset="0"/>
@@ -8273,7 +9082,7 @@
         </p:nvSpPr>
         <p:spPr>
           <a:xfrm>
-            <a:off x="2850627" y="5616372"/>
+            <a:off x="2566740" y="5616372"/>
             <a:ext cx="1440160" cy="276999"/>
           </a:xfrm>
           <a:prstGeom prst="rect">
@@ -8316,7 +9125,7 @@
         </p:nvSpPr>
         <p:spPr>
           <a:xfrm>
-            <a:off x="8256240" y="5339373"/>
+            <a:off x="7972353" y="5339373"/>
             <a:ext cx="3384375" cy="646331"/>
           </a:xfrm>
           <a:prstGeom prst="rect">
@@ -8369,7 +9178,7 @@
         </p:nvSpPr>
         <p:spPr>
           <a:xfrm>
-            <a:off x="2848667" y="908053"/>
+            <a:off x="2564780" y="908053"/>
             <a:ext cx="1440160" cy="1440160"/>
           </a:xfrm>
           <a:prstGeom prst="rect">
@@ -8408,7 +9217,7 @@
                 <a:latin typeface="Segoe UI Light" panose="020B0502040204020203" pitchFamily="34" charset="0"/>
                 <a:cs typeface="Segoe UI Light" panose="020B0502040204020203" pitchFamily="34" charset="0"/>
               </a:rPr>
-              <a:t>n</a:t>
+              <a:t>8</a:t>
             </a:r>
             <a:endParaRPr lang="de-DE" sz="4800" dirty="0">
               <a:latin typeface="Segoe UI Light" panose="020B0502040204020203" pitchFamily="34" charset="0"/>
@@ -8425,7 +9234,7 @@
         </p:nvSpPr>
         <p:spPr>
           <a:xfrm>
-            <a:off x="2848666" y="1988840"/>
+            <a:off x="2564779" y="1988840"/>
             <a:ext cx="1440160" cy="276999"/>
           </a:xfrm>
           <a:prstGeom prst="rect">
@@ -8470,10 +9279,1301 @@
           </a:p>
         </p:txBody>
       </p:sp>
+      <p:graphicFrame>
+        <p:nvGraphicFramePr>
+          <p:cNvPr id="21" name="Diagramm 20"/>
+          <p:cNvGraphicFramePr/>
+          <p:nvPr>
+            <p:extLst>
+              <p:ext uri="{D42A27DB-BD31-4B8C-83A1-F6EECF244321}">
+                <p14:modId xmlns:p14="http://schemas.microsoft.com/office/powerpoint/2010/main" val="860088809"/>
+              </p:ext>
+            </p:extLst>
+          </p:nvPr>
+        </p:nvGraphicFramePr>
+        <p:xfrm>
+          <a:off x="8329564" y="908053"/>
+          <a:ext cx="3027164" cy="3823809"/>
+        </p:xfrm>
+        <a:graphic>
+          <a:graphicData uri="http://schemas.openxmlformats.org/drawingml/2006/chart">
+            <c:chart xmlns:c="http://schemas.openxmlformats.org/drawingml/2006/chart" xmlns:r="http://schemas.openxmlformats.org/officeDocument/2006/relationships" r:id="rId2"/>
+          </a:graphicData>
+        </a:graphic>
+      </p:graphicFrame>
     </p:spTree>
     <p:extLst>
       <p:ext uri="{BB962C8B-B14F-4D97-AF65-F5344CB8AC3E}">
         <p14:creationId xmlns:p14="http://schemas.microsoft.com/office/powerpoint/2010/main" val="3155243051"/>
+      </p:ext>
+    </p:extLst>
+  </p:cSld>
+  <p:clrMapOvr>
+    <a:masterClrMapping/>
+  </p:clrMapOvr>
+  <p:timing>
+    <p:tnLst>
+      <p:par>
+        <p:cTn id="1" dur="indefinite" restart="never" nodeType="tmRoot"/>
+      </p:par>
+    </p:tnLst>
+  </p:timing>
+</p:sld>
+</file>
+
+<file path=ppt/slides/slide4.xml><?xml version="1.0" encoding="utf-8"?>
+<p:sld xmlns:a="http://schemas.openxmlformats.org/drawingml/2006/main" xmlns:r="http://schemas.openxmlformats.org/officeDocument/2006/relationships" xmlns:p="http://schemas.openxmlformats.org/presentationml/2006/main">
+  <p:cSld>
+    <p:spTree>
+      <p:nvGrpSpPr>
+        <p:cNvPr id="1" name=""/>
+        <p:cNvGrpSpPr/>
+        <p:nvPr/>
+      </p:nvGrpSpPr>
+      <p:grpSpPr>
+        <a:xfrm>
+          <a:off x="0" y="0"/>
+          <a:ext cx="0" cy="0"/>
+          <a:chOff x="0" y="0"/>
+          <a:chExt cx="0" cy="0"/>
+        </a:xfrm>
+      </p:grpSpPr>
+      <p:sp>
+        <p:nvSpPr>
+          <p:cNvPr id="5" name="Rechteck 4"/>
+          <p:cNvSpPr/>
+          <p:nvPr/>
+        </p:nvSpPr>
+        <p:spPr>
+          <a:xfrm>
+            <a:off x="767408" y="908720"/>
+            <a:ext cx="1440160" cy="1440160"/>
+          </a:xfrm>
+          <a:prstGeom prst="rect">
+            <a:avLst/>
+          </a:prstGeom>
+          <a:solidFill>
+            <a:srgbClr val="2196F2"/>
+          </a:solidFill>
+          <a:ln>
+            <a:noFill/>
+          </a:ln>
+        </p:spPr>
+        <p:style>
+          <a:lnRef idx="2">
+            <a:schemeClr val="accent1">
+              <a:shade val="50000"/>
+            </a:schemeClr>
+          </a:lnRef>
+          <a:fillRef idx="1">
+            <a:schemeClr val="accent1"/>
+          </a:fillRef>
+          <a:effectRef idx="0">
+            <a:schemeClr val="accent1"/>
+          </a:effectRef>
+          <a:fontRef idx="minor">
+            <a:schemeClr val="lt1"/>
+          </a:fontRef>
+        </p:style>
+        <p:txBody>
+          <a:bodyPr rtlCol="0" anchor="ctr"/>
+          <a:lstStyle/>
+          <a:p>
+            <a:pPr algn="ctr"/>
+            <a:r>
+              <a:rPr lang="de-DE" sz="4800" dirty="0" smtClean="0">
+                <a:latin typeface="Segoe UI Light" panose="020B0502040204020203" pitchFamily="34" charset="0"/>
+                <a:cs typeface="Segoe UI Light" panose="020B0502040204020203" pitchFamily="34" charset="0"/>
+              </a:rPr>
+              <a:t>#4</a:t>
+            </a:r>
+            <a:endParaRPr lang="de-DE" sz="4800" dirty="0">
+              <a:latin typeface="Segoe UI Light" panose="020B0502040204020203" pitchFamily="34" charset="0"/>
+              <a:cs typeface="Segoe UI Light" panose="020B0502040204020203" pitchFamily="34" charset="0"/>
+            </a:endParaRPr>
+          </a:p>
+        </p:txBody>
+      </p:sp>
+      <p:sp>
+        <p:nvSpPr>
+          <p:cNvPr id="6" name="Rechteck 5"/>
+          <p:cNvSpPr/>
+          <p:nvPr/>
+        </p:nvSpPr>
+        <p:spPr>
+          <a:xfrm>
+            <a:off x="767408" y="2708262"/>
+            <a:ext cx="1440160" cy="1440160"/>
+          </a:xfrm>
+          <a:prstGeom prst="rect">
+            <a:avLst/>
+          </a:prstGeom>
+          <a:solidFill>
+            <a:srgbClr val="2196F2"/>
+          </a:solidFill>
+          <a:ln>
+            <a:noFill/>
+          </a:ln>
+        </p:spPr>
+        <p:style>
+          <a:lnRef idx="2">
+            <a:schemeClr val="accent1">
+              <a:shade val="50000"/>
+            </a:schemeClr>
+          </a:lnRef>
+          <a:fillRef idx="1">
+            <a:schemeClr val="accent1"/>
+          </a:fillRef>
+          <a:effectRef idx="0">
+            <a:schemeClr val="accent1"/>
+          </a:effectRef>
+          <a:fontRef idx="minor">
+            <a:schemeClr val="lt1"/>
+          </a:fontRef>
+        </p:style>
+        <p:txBody>
+          <a:bodyPr rtlCol="0" anchor="ctr"/>
+          <a:lstStyle/>
+          <a:p>
+            <a:pPr algn="ctr"/>
+            <a:r>
+              <a:rPr lang="de-DE" sz="4800" dirty="0" smtClean="0">
+                <a:latin typeface="Segoe UI Light" panose="020B0502040204020203" pitchFamily="34" charset="0"/>
+                <a:cs typeface="Segoe UI Light" panose="020B0502040204020203" pitchFamily="34" charset="0"/>
+              </a:rPr>
+              <a:t>t</a:t>
+            </a:r>
+            <a:endParaRPr lang="de-DE" sz="4800" dirty="0">
+              <a:latin typeface="Segoe UI Light" panose="020B0502040204020203" pitchFamily="34" charset="0"/>
+              <a:cs typeface="Segoe UI Light" panose="020B0502040204020203" pitchFamily="34" charset="0"/>
+            </a:endParaRPr>
+          </a:p>
+        </p:txBody>
+      </p:sp>
+      <p:sp>
+        <p:nvSpPr>
+          <p:cNvPr id="8" name="Rechteck 7"/>
+          <p:cNvSpPr/>
+          <p:nvPr/>
+        </p:nvSpPr>
+        <p:spPr>
+          <a:xfrm>
+            <a:off x="767408" y="4545544"/>
+            <a:ext cx="1440160" cy="1440160"/>
+          </a:xfrm>
+          <a:prstGeom prst="rect">
+            <a:avLst/>
+          </a:prstGeom>
+          <a:solidFill>
+            <a:srgbClr val="2196F2"/>
+          </a:solidFill>
+          <a:ln>
+            <a:noFill/>
+          </a:ln>
+        </p:spPr>
+        <p:style>
+          <a:lnRef idx="2">
+            <a:schemeClr val="accent1">
+              <a:shade val="50000"/>
+            </a:schemeClr>
+          </a:lnRef>
+          <a:fillRef idx="1">
+            <a:schemeClr val="accent1"/>
+          </a:fillRef>
+          <a:effectRef idx="0">
+            <a:schemeClr val="accent1"/>
+          </a:effectRef>
+          <a:fontRef idx="minor">
+            <a:schemeClr val="lt1"/>
+          </a:fontRef>
+        </p:style>
+        <p:txBody>
+          <a:bodyPr rtlCol="0" anchor="ctr"/>
+          <a:lstStyle/>
+          <a:p>
+            <a:pPr algn="ctr"/>
+            <a:r>
+              <a:rPr lang="el-GR" sz="4800" dirty="0" smtClean="0">
+                <a:latin typeface="Segoe UI Light" panose="020B0502040204020203" pitchFamily="34" charset="0"/>
+                <a:cs typeface="Segoe UI Light" panose="020B0502040204020203" pitchFamily="34" charset="0"/>
+              </a:rPr>
+              <a:t>θ</a:t>
+            </a:r>
+            <a:endParaRPr lang="de-DE" sz="4800" dirty="0">
+              <a:latin typeface="Segoe UI Light" panose="020B0502040204020203" pitchFamily="34" charset="0"/>
+              <a:cs typeface="Segoe UI Light" panose="020B0502040204020203" pitchFamily="34" charset="0"/>
+            </a:endParaRPr>
+          </a:p>
+        </p:txBody>
+      </p:sp>
+      <p:sp>
+        <p:nvSpPr>
+          <p:cNvPr id="11" name="Textfeld 10"/>
+          <p:cNvSpPr txBox="1"/>
+          <p:nvPr/>
+        </p:nvSpPr>
+        <p:spPr>
+          <a:xfrm>
+            <a:off x="769368" y="3779090"/>
+            <a:ext cx="1440160" cy="276999"/>
+          </a:xfrm>
+          <a:prstGeom prst="rect">
+            <a:avLst/>
+          </a:prstGeom>
+          <a:noFill/>
+        </p:spPr>
+        <p:txBody>
+          <a:bodyPr wrap="square" rtlCol="0">
+            <a:spAutoFit/>
+          </a:bodyPr>
+          <a:lstStyle/>
+          <a:p>
+            <a:pPr algn="ctr"/>
+            <a:r>
+              <a:rPr lang="de-DE" sz="1200" dirty="0" err="1" smtClean="0">
+                <a:solidFill>
+                  <a:schemeClr val="bg1"/>
+                </a:solidFill>
+                <a:latin typeface="Segoe UI Light" panose="020B0502040204020203" pitchFamily="34" charset="0"/>
+                <a:cs typeface="Segoe UI Light" panose="020B0502040204020203" pitchFamily="34" charset="0"/>
+              </a:rPr>
+              <a:t>ms</a:t>
+            </a:r>
+            <a:r>
+              <a:rPr lang="de-DE" sz="1200" dirty="0" smtClean="0">
+                <a:solidFill>
+                  <a:schemeClr val="bg1"/>
+                </a:solidFill>
+                <a:latin typeface="Segoe UI Light" panose="020B0502040204020203" pitchFamily="34" charset="0"/>
+                <a:cs typeface="Segoe UI Light" panose="020B0502040204020203" pitchFamily="34" charset="0"/>
+              </a:rPr>
+              <a:t> </a:t>
+            </a:r>
+            <a:r>
+              <a:rPr lang="de-DE" sz="1200" dirty="0" err="1" smtClean="0">
+                <a:solidFill>
+                  <a:schemeClr val="bg1"/>
+                </a:solidFill>
+                <a:latin typeface="Segoe UI Light" panose="020B0502040204020203" pitchFamily="34" charset="0"/>
+                <a:cs typeface="Segoe UI Light" panose="020B0502040204020203" pitchFamily="34" charset="0"/>
+              </a:rPr>
+              <a:t>forced</a:t>
+            </a:r>
+            <a:r>
+              <a:rPr lang="de-DE" sz="1200" dirty="0" smtClean="0">
+                <a:solidFill>
+                  <a:schemeClr val="bg1"/>
+                </a:solidFill>
+                <a:latin typeface="Segoe UI Light" panose="020B0502040204020203" pitchFamily="34" charset="0"/>
+                <a:cs typeface="Segoe UI Light" panose="020B0502040204020203" pitchFamily="34" charset="0"/>
+              </a:rPr>
+              <a:t> </a:t>
+            </a:r>
+            <a:r>
+              <a:rPr lang="de-DE" sz="1200" dirty="0" err="1" smtClean="0">
+                <a:solidFill>
+                  <a:schemeClr val="bg1"/>
+                </a:solidFill>
+                <a:latin typeface="Segoe UI Light" panose="020B0502040204020203" pitchFamily="34" charset="0"/>
+                <a:cs typeface="Segoe UI Light" panose="020B0502040204020203" pitchFamily="34" charset="0"/>
+              </a:rPr>
+              <a:t>delay</a:t>
+            </a:r>
+            <a:r>
+              <a:rPr lang="de-DE" sz="1200" dirty="0" smtClean="0">
+                <a:solidFill>
+                  <a:schemeClr val="bg1"/>
+                </a:solidFill>
+                <a:latin typeface="Segoe UI Light" panose="020B0502040204020203" pitchFamily="34" charset="0"/>
+                <a:cs typeface="Segoe UI Light" panose="020B0502040204020203" pitchFamily="34" charset="0"/>
+              </a:rPr>
+              <a:t> (t)</a:t>
+            </a:r>
+            <a:endParaRPr lang="de-DE" sz="1200" dirty="0">
+              <a:solidFill>
+                <a:schemeClr val="bg1"/>
+              </a:solidFill>
+              <a:latin typeface="Segoe UI Light" panose="020B0502040204020203" pitchFamily="34" charset="0"/>
+              <a:cs typeface="Segoe UI Light" panose="020B0502040204020203" pitchFamily="34" charset="0"/>
+            </a:endParaRPr>
+          </a:p>
+        </p:txBody>
+      </p:sp>
+      <p:graphicFrame>
+        <p:nvGraphicFramePr>
+          <p:cNvPr id="12" name="Tabelle 11"/>
+          <p:cNvGraphicFramePr>
+            <a:graphicFrameLocks noGrp="1"/>
+          </p:cNvGraphicFramePr>
+          <p:nvPr>
+            <p:extLst>
+              <p:ext uri="{D42A27DB-BD31-4B8C-83A1-F6EECF244321}">
+                <p14:modId xmlns:p14="http://schemas.microsoft.com/office/powerpoint/2010/main" val="1524945782"/>
+              </p:ext>
+            </p:extLst>
+          </p:nvPr>
+        </p:nvGraphicFramePr>
+        <p:xfrm>
+          <a:off x="4367051" y="908719"/>
+          <a:ext cx="3605302" cy="5076984"/>
+        </p:xfrm>
+        <a:graphic>
+          <a:graphicData uri="http://schemas.openxmlformats.org/drawingml/2006/table">
+            <a:tbl>
+              <a:tblPr firstRow="1" bandRow="1">
+                <a:tableStyleId>{2D5ABB26-0587-4C30-8999-92F81FD0307C}</a:tableStyleId>
+              </a:tblPr>
+              <a:tblGrid>
+                <a:gridCol w="1802651">
+                  <a:extLst>
+                    <a:ext uri="{9D8B030D-6E8A-4147-A177-3AD203B41FA5}">
+                      <a16:colId xmlns="" xmlns:a16="http://schemas.microsoft.com/office/drawing/2014/main" val="20000"/>
+                    </a:ext>
+                  </a:extLst>
+                </a:gridCol>
+                <a:gridCol w="1802651">
+                  <a:extLst>
+                    <a:ext uri="{9D8B030D-6E8A-4147-A177-3AD203B41FA5}">
+                      <a16:colId xmlns="" xmlns:a16="http://schemas.microsoft.com/office/drawing/2014/main" val="20001"/>
+                    </a:ext>
+                  </a:extLst>
+                </a:gridCol>
+              </a:tblGrid>
+              <a:tr h="846164">
+                <a:tc>
+                  <a:txBody>
+                    <a:bodyPr/>
+                    <a:lstStyle/>
+                    <a:p>
+                      <a:pPr algn="r"/>
+                      <a:r>
+                        <a:rPr lang="de-DE" sz="3200" dirty="0" smtClean="0">
+                          <a:latin typeface="Segoe UI Light" panose="020B0502040204020203" pitchFamily="34" charset="0"/>
+                          <a:cs typeface="Segoe UI Light" panose="020B0502040204020203" pitchFamily="34" charset="0"/>
+                        </a:rPr>
+                        <a:t>Q1</a:t>
+                      </a:r>
+                      <a:endParaRPr lang="de-DE" sz="3200" b="0" dirty="0">
+                        <a:solidFill>
+                          <a:schemeClr val="tx1">
+                            <a:lumMod val="85000"/>
+                            <a:lumOff val="15000"/>
+                          </a:schemeClr>
+                        </a:solidFill>
+                        <a:latin typeface="Segoe UI Light" panose="020B0502040204020203" pitchFamily="34" charset="0"/>
+                        <a:cs typeface="Segoe UI Light" panose="020B0502040204020203" pitchFamily="34" charset="0"/>
+                      </a:endParaRPr>
+                    </a:p>
+                  </a:txBody>
+                  <a:tcPr anchor="ctr">
+                    <a:lnR w="12700" cap="flat" cmpd="sng" algn="ctr">
+                      <a:solidFill>
+                        <a:schemeClr val="tx1"/>
+                      </a:solidFill>
+                      <a:prstDash val="solid"/>
+                      <a:round/>
+                      <a:headEnd type="none" w="med" len="med"/>
+                      <a:tailEnd type="none" w="med" len="med"/>
+                    </a:lnR>
+                  </a:tcPr>
+                </a:tc>
+                <a:tc>
+                  <a:txBody>
+                    <a:bodyPr/>
+                    <a:lstStyle/>
+                    <a:p>
+                      <a:pPr algn="l"/>
+                      <a:r>
+                        <a:rPr lang="de-DE" sz="3200" dirty="0" err="1" smtClean="0">
+                          <a:latin typeface="Segoe UI Light" panose="020B0502040204020203" pitchFamily="34" charset="0"/>
+                          <a:cs typeface="Segoe UI Light" panose="020B0502040204020203" pitchFamily="34" charset="0"/>
+                        </a:rPr>
+                        <a:t>Xms</a:t>
+                      </a:r>
+                      <a:endParaRPr lang="de-DE" sz="3200" b="0" dirty="0">
+                        <a:solidFill>
+                          <a:schemeClr val="tx1">
+                            <a:lumMod val="85000"/>
+                            <a:lumOff val="15000"/>
+                          </a:schemeClr>
+                        </a:solidFill>
+                        <a:latin typeface="Segoe UI Light" panose="020B0502040204020203" pitchFamily="34" charset="0"/>
+                        <a:cs typeface="Segoe UI Light" panose="020B0502040204020203" pitchFamily="34" charset="0"/>
+                      </a:endParaRPr>
+                    </a:p>
+                  </a:txBody>
+                  <a:tcPr anchor="ctr">
+                    <a:lnL w="12700" cap="flat" cmpd="sng" algn="ctr">
+                      <a:solidFill>
+                        <a:schemeClr val="tx1"/>
+                      </a:solidFill>
+                      <a:prstDash val="solid"/>
+                      <a:round/>
+                      <a:headEnd type="none" w="med" len="med"/>
+                      <a:tailEnd type="none" w="med" len="med"/>
+                    </a:lnL>
+                  </a:tcPr>
+                </a:tc>
+                <a:extLst>
+                  <a:ext uri="{0D108BD9-81ED-4DB2-BD59-A6C34878D82A}">
+                    <a16:rowId xmlns="" xmlns:a16="http://schemas.microsoft.com/office/drawing/2014/main" val="10000"/>
+                  </a:ext>
+                </a:extLst>
+              </a:tr>
+              <a:tr h="846164">
+                <a:tc>
+                  <a:txBody>
+                    <a:bodyPr/>
+                    <a:lstStyle/>
+                    <a:p>
+                      <a:pPr algn="r"/>
+                      <a:r>
+                        <a:rPr lang="de-DE" sz="3200" dirty="0" smtClean="0">
+                          <a:latin typeface="Segoe UI Light" panose="020B0502040204020203" pitchFamily="34" charset="0"/>
+                          <a:cs typeface="Segoe UI Light" panose="020B0502040204020203" pitchFamily="34" charset="0"/>
+                        </a:rPr>
+                        <a:t>Q2</a:t>
+                      </a:r>
+                      <a:endParaRPr lang="de-DE" sz="3200" b="0" dirty="0">
+                        <a:solidFill>
+                          <a:schemeClr val="tx1">
+                            <a:lumMod val="85000"/>
+                            <a:lumOff val="15000"/>
+                          </a:schemeClr>
+                        </a:solidFill>
+                        <a:latin typeface="Segoe UI Light" panose="020B0502040204020203" pitchFamily="34" charset="0"/>
+                        <a:cs typeface="Segoe UI Light" panose="020B0502040204020203" pitchFamily="34" charset="0"/>
+                      </a:endParaRPr>
+                    </a:p>
+                  </a:txBody>
+                  <a:tcPr anchor="ctr">
+                    <a:lnR w="12700" cap="flat" cmpd="sng" algn="ctr">
+                      <a:solidFill>
+                        <a:schemeClr val="tx1"/>
+                      </a:solidFill>
+                      <a:prstDash val="solid"/>
+                      <a:round/>
+                      <a:headEnd type="none" w="med" len="med"/>
+                      <a:tailEnd type="none" w="med" len="med"/>
+                    </a:lnR>
+                  </a:tcPr>
+                </a:tc>
+                <a:tc>
+                  <a:txBody>
+                    <a:bodyPr/>
+                    <a:lstStyle/>
+                    <a:p>
+                      <a:pPr algn="l"/>
+                      <a:r>
+                        <a:rPr lang="de-DE" sz="3200" dirty="0" err="1" smtClean="0">
+                          <a:latin typeface="Segoe UI Light" panose="020B0502040204020203" pitchFamily="34" charset="0"/>
+                          <a:cs typeface="Segoe UI Light" panose="020B0502040204020203" pitchFamily="34" charset="0"/>
+                        </a:rPr>
+                        <a:t>Xms</a:t>
+                      </a:r>
+                      <a:endParaRPr lang="de-DE" sz="3200" b="0" dirty="0">
+                        <a:solidFill>
+                          <a:schemeClr val="tx1">
+                            <a:lumMod val="85000"/>
+                            <a:lumOff val="15000"/>
+                          </a:schemeClr>
+                        </a:solidFill>
+                        <a:latin typeface="Segoe UI Light" panose="020B0502040204020203" pitchFamily="34" charset="0"/>
+                        <a:cs typeface="Segoe UI Light" panose="020B0502040204020203" pitchFamily="34" charset="0"/>
+                      </a:endParaRPr>
+                    </a:p>
+                  </a:txBody>
+                  <a:tcPr anchor="ctr">
+                    <a:lnL w="12700" cap="flat" cmpd="sng" algn="ctr">
+                      <a:solidFill>
+                        <a:schemeClr val="tx1"/>
+                      </a:solidFill>
+                      <a:prstDash val="solid"/>
+                      <a:round/>
+                      <a:headEnd type="none" w="med" len="med"/>
+                      <a:tailEnd type="none" w="med" len="med"/>
+                    </a:lnL>
+                  </a:tcPr>
+                </a:tc>
+                <a:extLst>
+                  <a:ext uri="{0D108BD9-81ED-4DB2-BD59-A6C34878D82A}">
+                    <a16:rowId xmlns="" xmlns:a16="http://schemas.microsoft.com/office/drawing/2014/main" val="10001"/>
+                  </a:ext>
+                </a:extLst>
+              </a:tr>
+              <a:tr h="846164">
+                <a:tc>
+                  <a:txBody>
+                    <a:bodyPr/>
+                    <a:lstStyle/>
+                    <a:p>
+                      <a:pPr algn="r"/>
+                      <a:r>
+                        <a:rPr lang="de-DE" sz="3200" dirty="0" smtClean="0">
+                          <a:latin typeface="Segoe UI Light" panose="020B0502040204020203" pitchFamily="34" charset="0"/>
+                          <a:cs typeface="Segoe UI Light" panose="020B0502040204020203" pitchFamily="34" charset="0"/>
+                        </a:rPr>
+                        <a:t>Q3</a:t>
+                      </a:r>
+                      <a:endParaRPr lang="de-DE" sz="3200" b="0" dirty="0">
+                        <a:solidFill>
+                          <a:schemeClr val="tx1">
+                            <a:lumMod val="85000"/>
+                            <a:lumOff val="15000"/>
+                          </a:schemeClr>
+                        </a:solidFill>
+                        <a:latin typeface="Segoe UI Light" panose="020B0502040204020203" pitchFamily="34" charset="0"/>
+                        <a:cs typeface="Segoe UI Light" panose="020B0502040204020203" pitchFamily="34" charset="0"/>
+                      </a:endParaRPr>
+                    </a:p>
+                  </a:txBody>
+                  <a:tcPr anchor="ctr">
+                    <a:lnR w="12700" cap="flat" cmpd="sng" algn="ctr">
+                      <a:solidFill>
+                        <a:schemeClr val="tx1"/>
+                      </a:solidFill>
+                      <a:prstDash val="solid"/>
+                      <a:round/>
+                      <a:headEnd type="none" w="med" len="med"/>
+                      <a:tailEnd type="none" w="med" len="med"/>
+                    </a:lnR>
+                  </a:tcPr>
+                </a:tc>
+                <a:tc>
+                  <a:txBody>
+                    <a:bodyPr/>
+                    <a:lstStyle/>
+                    <a:p>
+                      <a:pPr algn="l"/>
+                      <a:r>
+                        <a:rPr lang="de-DE" sz="3200" dirty="0" err="1" smtClean="0">
+                          <a:latin typeface="Segoe UI Light" panose="020B0502040204020203" pitchFamily="34" charset="0"/>
+                          <a:cs typeface="Segoe UI Light" panose="020B0502040204020203" pitchFamily="34" charset="0"/>
+                        </a:rPr>
+                        <a:t>Xms</a:t>
+                      </a:r>
+                      <a:endParaRPr lang="de-DE" sz="3200" b="0" dirty="0">
+                        <a:solidFill>
+                          <a:schemeClr val="tx1">
+                            <a:lumMod val="85000"/>
+                            <a:lumOff val="15000"/>
+                          </a:schemeClr>
+                        </a:solidFill>
+                        <a:latin typeface="Segoe UI Light" panose="020B0502040204020203" pitchFamily="34" charset="0"/>
+                        <a:cs typeface="Segoe UI Light" panose="020B0502040204020203" pitchFamily="34" charset="0"/>
+                      </a:endParaRPr>
+                    </a:p>
+                  </a:txBody>
+                  <a:tcPr anchor="ctr">
+                    <a:lnL w="12700" cap="flat" cmpd="sng" algn="ctr">
+                      <a:solidFill>
+                        <a:schemeClr val="tx1"/>
+                      </a:solidFill>
+                      <a:prstDash val="solid"/>
+                      <a:round/>
+                      <a:headEnd type="none" w="med" len="med"/>
+                      <a:tailEnd type="none" w="med" len="med"/>
+                    </a:lnL>
+                  </a:tcPr>
+                </a:tc>
+                <a:extLst>
+                  <a:ext uri="{0D108BD9-81ED-4DB2-BD59-A6C34878D82A}">
+                    <a16:rowId xmlns="" xmlns:a16="http://schemas.microsoft.com/office/drawing/2014/main" val="10002"/>
+                  </a:ext>
+                </a:extLst>
+              </a:tr>
+              <a:tr h="846164">
+                <a:tc>
+                  <a:txBody>
+                    <a:bodyPr/>
+                    <a:lstStyle/>
+                    <a:p>
+                      <a:pPr algn="r"/>
+                      <a:r>
+                        <a:rPr lang="de-DE" sz="3200" dirty="0" smtClean="0">
+                          <a:latin typeface="Segoe UI Light" panose="020B0502040204020203" pitchFamily="34" charset="0"/>
+                          <a:cs typeface="Segoe UI Light" panose="020B0502040204020203" pitchFamily="34" charset="0"/>
+                        </a:rPr>
+                        <a:t>Q4</a:t>
+                      </a:r>
+                      <a:endParaRPr lang="de-DE" sz="3200" b="0" dirty="0">
+                        <a:solidFill>
+                          <a:schemeClr val="tx1">
+                            <a:lumMod val="85000"/>
+                            <a:lumOff val="15000"/>
+                          </a:schemeClr>
+                        </a:solidFill>
+                        <a:latin typeface="Segoe UI Light" panose="020B0502040204020203" pitchFamily="34" charset="0"/>
+                        <a:cs typeface="Segoe UI Light" panose="020B0502040204020203" pitchFamily="34" charset="0"/>
+                      </a:endParaRPr>
+                    </a:p>
+                  </a:txBody>
+                  <a:tcPr anchor="ctr">
+                    <a:lnR w="12700" cap="flat" cmpd="sng" algn="ctr">
+                      <a:solidFill>
+                        <a:schemeClr val="tx1"/>
+                      </a:solidFill>
+                      <a:prstDash val="solid"/>
+                      <a:round/>
+                      <a:headEnd type="none" w="med" len="med"/>
+                      <a:tailEnd type="none" w="med" len="med"/>
+                    </a:lnR>
+                  </a:tcPr>
+                </a:tc>
+                <a:tc>
+                  <a:txBody>
+                    <a:bodyPr/>
+                    <a:lstStyle/>
+                    <a:p>
+                      <a:pPr algn="l"/>
+                      <a:r>
+                        <a:rPr lang="de-DE" sz="3200" dirty="0" err="1" smtClean="0">
+                          <a:latin typeface="Segoe UI Light" panose="020B0502040204020203" pitchFamily="34" charset="0"/>
+                          <a:cs typeface="Segoe UI Light" panose="020B0502040204020203" pitchFamily="34" charset="0"/>
+                        </a:rPr>
+                        <a:t>Xms</a:t>
+                      </a:r>
+                      <a:endParaRPr lang="de-DE" sz="3200" b="0" dirty="0">
+                        <a:solidFill>
+                          <a:schemeClr val="tx1">
+                            <a:lumMod val="85000"/>
+                            <a:lumOff val="15000"/>
+                          </a:schemeClr>
+                        </a:solidFill>
+                        <a:latin typeface="Segoe UI Light" panose="020B0502040204020203" pitchFamily="34" charset="0"/>
+                        <a:cs typeface="Segoe UI Light" panose="020B0502040204020203" pitchFamily="34" charset="0"/>
+                      </a:endParaRPr>
+                    </a:p>
+                  </a:txBody>
+                  <a:tcPr anchor="ctr">
+                    <a:lnL w="12700" cap="flat" cmpd="sng" algn="ctr">
+                      <a:solidFill>
+                        <a:schemeClr val="tx1"/>
+                      </a:solidFill>
+                      <a:prstDash val="solid"/>
+                      <a:round/>
+                      <a:headEnd type="none" w="med" len="med"/>
+                      <a:tailEnd type="none" w="med" len="med"/>
+                    </a:lnL>
+                  </a:tcPr>
+                </a:tc>
+                <a:extLst>
+                  <a:ext uri="{0D108BD9-81ED-4DB2-BD59-A6C34878D82A}">
+                    <a16:rowId xmlns="" xmlns:a16="http://schemas.microsoft.com/office/drawing/2014/main" val="10003"/>
+                  </a:ext>
+                </a:extLst>
+              </a:tr>
+              <a:tr h="846164">
+                <a:tc>
+                  <a:txBody>
+                    <a:bodyPr/>
+                    <a:lstStyle/>
+                    <a:p>
+                      <a:pPr algn="r"/>
+                      <a:r>
+                        <a:rPr lang="de-DE" sz="3200" dirty="0" smtClean="0">
+                          <a:latin typeface="Segoe UI Light" panose="020B0502040204020203" pitchFamily="34" charset="0"/>
+                          <a:cs typeface="Segoe UI Light" panose="020B0502040204020203" pitchFamily="34" charset="0"/>
+                        </a:rPr>
+                        <a:t>Q5</a:t>
+                      </a:r>
+                      <a:endParaRPr lang="de-DE" sz="3200" b="0" dirty="0">
+                        <a:solidFill>
+                          <a:schemeClr val="tx1">
+                            <a:lumMod val="85000"/>
+                            <a:lumOff val="15000"/>
+                          </a:schemeClr>
+                        </a:solidFill>
+                        <a:latin typeface="Segoe UI Light" panose="020B0502040204020203" pitchFamily="34" charset="0"/>
+                        <a:cs typeface="Segoe UI Light" panose="020B0502040204020203" pitchFamily="34" charset="0"/>
+                      </a:endParaRPr>
+                    </a:p>
+                  </a:txBody>
+                  <a:tcPr anchor="ctr">
+                    <a:lnR w="12700" cap="flat" cmpd="sng" algn="ctr">
+                      <a:solidFill>
+                        <a:schemeClr val="tx1"/>
+                      </a:solidFill>
+                      <a:prstDash val="solid"/>
+                      <a:round/>
+                      <a:headEnd type="none" w="med" len="med"/>
+                      <a:tailEnd type="none" w="med" len="med"/>
+                    </a:lnR>
+                  </a:tcPr>
+                </a:tc>
+                <a:tc>
+                  <a:txBody>
+                    <a:bodyPr/>
+                    <a:lstStyle/>
+                    <a:p>
+                      <a:pPr algn="l"/>
+                      <a:r>
+                        <a:rPr lang="de-DE" sz="3200" dirty="0" err="1" smtClean="0">
+                          <a:latin typeface="Segoe UI Light" panose="020B0502040204020203" pitchFamily="34" charset="0"/>
+                          <a:cs typeface="Segoe UI Light" panose="020B0502040204020203" pitchFamily="34" charset="0"/>
+                        </a:rPr>
+                        <a:t>Xms</a:t>
+                      </a:r>
+                      <a:endParaRPr lang="de-DE" sz="3200" b="0" dirty="0">
+                        <a:solidFill>
+                          <a:schemeClr val="tx1">
+                            <a:lumMod val="85000"/>
+                            <a:lumOff val="15000"/>
+                          </a:schemeClr>
+                        </a:solidFill>
+                        <a:latin typeface="Segoe UI Light" panose="020B0502040204020203" pitchFamily="34" charset="0"/>
+                        <a:cs typeface="Segoe UI Light" panose="020B0502040204020203" pitchFamily="34" charset="0"/>
+                      </a:endParaRPr>
+                    </a:p>
+                  </a:txBody>
+                  <a:tcPr anchor="ctr">
+                    <a:lnL w="12700" cap="flat" cmpd="sng" algn="ctr">
+                      <a:solidFill>
+                        <a:schemeClr val="tx1"/>
+                      </a:solidFill>
+                      <a:prstDash val="solid"/>
+                      <a:round/>
+                      <a:headEnd type="none" w="med" len="med"/>
+                      <a:tailEnd type="none" w="med" len="med"/>
+                    </a:lnL>
+                  </a:tcPr>
+                </a:tc>
+                <a:extLst>
+                  <a:ext uri="{0D108BD9-81ED-4DB2-BD59-A6C34878D82A}">
+                    <a16:rowId xmlns="" xmlns:a16="http://schemas.microsoft.com/office/drawing/2014/main" val="10004"/>
+                  </a:ext>
+                </a:extLst>
+              </a:tr>
+              <a:tr h="846164">
+                <a:tc>
+                  <a:txBody>
+                    <a:bodyPr/>
+                    <a:lstStyle/>
+                    <a:p>
+                      <a:pPr algn="r"/>
+                      <a:r>
+                        <a:rPr lang="de-DE" sz="3200" b="0" dirty="0" smtClean="0">
+                          <a:solidFill>
+                            <a:schemeClr val="tx1">
+                              <a:lumMod val="85000"/>
+                              <a:lumOff val="15000"/>
+                            </a:schemeClr>
+                          </a:solidFill>
+                          <a:latin typeface="Segoe UI Light" panose="020B0502040204020203" pitchFamily="34" charset="0"/>
+                          <a:cs typeface="Segoe UI Light" panose="020B0502040204020203" pitchFamily="34" charset="0"/>
+                        </a:rPr>
+                        <a:t>Q6</a:t>
+                      </a:r>
+                      <a:endParaRPr lang="de-DE" sz="3200" b="0" dirty="0">
+                        <a:solidFill>
+                          <a:schemeClr val="tx1">
+                            <a:lumMod val="85000"/>
+                            <a:lumOff val="15000"/>
+                          </a:schemeClr>
+                        </a:solidFill>
+                        <a:latin typeface="Segoe UI Light" panose="020B0502040204020203" pitchFamily="34" charset="0"/>
+                        <a:cs typeface="Segoe UI Light" panose="020B0502040204020203" pitchFamily="34" charset="0"/>
+                      </a:endParaRPr>
+                    </a:p>
+                  </a:txBody>
+                  <a:tcPr anchor="ctr">
+                    <a:lnR w="12700" cap="flat" cmpd="sng" algn="ctr">
+                      <a:solidFill>
+                        <a:schemeClr val="tx1"/>
+                      </a:solidFill>
+                      <a:prstDash val="solid"/>
+                      <a:round/>
+                      <a:headEnd type="none" w="med" len="med"/>
+                      <a:tailEnd type="none" w="med" len="med"/>
+                    </a:lnR>
+                  </a:tcPr>
+                </a:tc>
+                <a:tc>
+                  <a:txBody>
+                    <a:bodyPr/>
+                    <a:lstStyle/>
+                    <a:p>
+                      <a:pPr algn="l"/>
+                      <a:r>
+                        <a:rPr lang="de-DE" sz="3200" b="0" dirty="0" err="1" smtClean="0">
+                          <a:solidFill>
+                            <a:schemeClr val="tx1">
+                              <a:lumMod val="85000"/>
+                              <a:lumOff val="15000"/>
+                            </a:schemeClr>
+                          </a:solidFill>
+                          <a:latin typeface="Segoe UI Light" panose="020B0502040204020203" pitchFamily="34" charset="0"/>
+                          <a:cs typeface="Segoe UI Light" panose="020B0502040204020203" pitchFamily="34" charset="0"/>
+                        </a:rPr>
+                        <a:t>Xms</a:t>
+                      </a:r>
+                      <a:endParaRPr lang="de-DE" sz="3200" b="0" dirty="0">
+                        <a:solidFill>
+                          <a:schemeClr val="tx1">
+                            <a:lumMod val="85000"/>
+                            <a:lumOff val="15000"/>
+                          </a:schemeClr>
+                        </a:solidFill>
+                        <a:latin typeface="Segoe UI Light" panose="020B0502040204020203" pitchFamily="34" charset="0"/>
+                        <a:cs typeface="Segoe UI Light" panose="020B0502040204020203" pitchFamily="34" charset="0"/>
+                      </a:endParaRPr>
+                    </a:p>
+                  </a:txBody>
+                  <a:tcPr anchor="ctr">
+                    <a:lnL w="12700" cap="flat" cmpd="sng" algn="ctr">
+                      <a:solidFill>
+                        <a:schemeClr val="tx1"/>
+                      </a:solidFill>
+                      <a:prstDash val="solid"/>
+                      <a:round/>
+                      <a:headEnd type="none" w="med" len="med"/>
+                      <a:tailEnd type="none" w="med" len="med"/>
+                    </a:lnL>
+                  </a:tcPr>
+                </a:tc>
+                <a:extLst>
+                  <a:ext uri="{0D108BD9-81ED-4DB2-BD59-A6C34878D82A}">
+                    <a16:rowId xmlns="" xmlns:a16="http://schemas.microsoft.com/office/drawing/2014/main" val="10005"/>
+                  </a:ext>
+                </a:extLst>
+              </a:tr>
+            </a:tbl>
+          </a:graphicData>
+        </a:graphic>
+      </p:graphicFrame>
+      <p:sp>
+        <p:nvSpPr>
+          <p:cNvPr id="13" name="Rechteck 12"/>
+          <p:cNvSpPr/>
+          <p:nvPr/>
+        </p:nvSpPr>
+        <p:spPr>
+          <a:xfrm>
+            <a:off x="2566740" y="2708262"/>
+            <a:ext cx="1440160" cy="1440160"/>
+          </a:xfrm>
+          <a:prstGeom prst="rect">
+            <a:avLst/>
+          </a:prstGeom>
+          <a:solidFill>
+            <a:srgbClr val="2196F2"/>
+          </a:solidFill>
+          <a:ln>
+            <a:noFill/>
+          </a:ln>
+        </p:spPr>
+        <p:style>
+          <a:lnRef idx="2">
+            <a:schemeClr val="accent1">
+              <a:shade val="50000"/>
+            </a:schemeClr>
+          </a:lnRef>
+          <a:fillRef idx="1">
+            <a:schemeClr val="accent1"/>
+          </a:fillRef>
+          <a:effectRef idx="0">
+            <a:schemeClr val="accent1"/>
+          </a:effectRef>
+          <a:fontRef idx="minor">
+            <a:schemeClr val="lt1"/>
+          </a:fontRef>
+        </p:style>
+        <p:txBody>
+          <a:bodyPr rtlCol="0" anchor="ctr"/>
+          <a:lstStyle/>
+          <a:p>
+            <a:pPr algn="ctr"/>
+            <a:r>
+              <a:rPr lang="de-DE" sz="4800" dirty="0">
+                <a:latin typeface="Segoe UI Light" panose="020B0502040204020203" pitchFamily="34" charset="0"/>
+                <a:cs typeface="Segoe UI Light" panose="020B0502040204020203" pitchFamily="34" charset="0"/>
+              </a:rPr>
+              <a:t>Δ</a:t>
+            </a:r>
+          </a:p>
+        </p:txBody>
+      </p:sp>
+      <p:sp>
+        <p:nvSpPr>
+          <p:cNvPr id="14" name="Textfeld 13"/>
+          <p:cNvSpPr txBox="1"/>
+          <p:nvPr/>
+        </p:nvSpPr>
+        <p:spPr>
+          <a:xfrm>
+            <a:off x="2564780" y="3779090"/>
+            <a:ext cx="1440160" cy="276999"/>
+          </a:xfrm>
+          <a:prstGeom prst="rect">
+            <a:avLst/>
+          </a:prstGeom>
+          <a:noFill/>
+        </p:spPr>
+        <p:txBody>
+          <a:bodyPr wrap="square" rtlCol="0">
+            <a:spAutoFit/>
+          </a:bodyPr>
+          <a:lstStyle/>
+          <a:p>
+            <a:pPr algn="ctr"/>
+            <a:r>
+              <a:rPr lang="de-DE" sz="1200" dirty="0" err="1" smtClean="0">
+                <a:solidFill>
+                  <a:schemeClr val="bg1"/>
+                </a:solidFill>
+                <a:latin typeface="Segoe UI Light" panose="020B0502040204020203" pitchFamily="34" charset="0"/>
+                <a:cs typeface="Segoe UI Light" panose="020B0502040204020203" pitchFamily="34" charset="0"/>
+              </a:rPr>
+              <a:t>ms</a:t>
+            </a:r>
+            <a:r>
+              <a:rPr lang="de-DE" sz="1200" dirty="0" smtClean="0">
+                <a:solidFill>
+                  <a:schemeClr val="bg1"/>
+                </a:solidFill>
+                <a:latin typeface="Segoe UI Light" panose="020B0502040204020203" pitchFamily="34" charset="0"/>
+                <a:cs typeface="Segoe UI Light" panose="020B0502040204020203" pitchFamily="34" charset="0"/>
+              </a:rPr>
+              <a:t> real </a:t>
+            </a:r>
+            <a:r>
+              <a:rPr lang="de-DE" sz="1200" dirty="0" err="1" smtClean="0">
+                <a:solidFill>
+                  <a:schemeClr val="bg1"/>
+                </a:solidFill>
+                <a:latin typeface="Segoe UI Light" panose="020B0502040204020203" pitchFamily="34" charset="0"/>
+                <a:cs typeface="Segoe UI Light" panose="020B0502040204020203" pitchFamily="34" charset="0"/>
+              </a:rPr>
+              <a:t>delay</a:t>
+            </a:r>
+            <a:endParaRPr lang="de-DE" sz="1200" dirty="0">
+              <a:solidFill>
+                <a:schemeClr val="bg1"/>
+              </a:solidFill>
+              <a:latin typeface="Segoe UI Light" panose="020B0502040204020203" pitchFamily="34" charset="0"/>
+              <a:cs typeface="Segoe UI Light" panose="020B0502040204020203" pitchFamily="34" charset="0"/>
+            </a:endParaRPr>
+          </a:p>
+        </p:txBody>
+      </p:sp>
+      <p:sp>
+        <p:nvSpPr>
+          <p:cNvPr id="15" name="Textfeld 14"/>
+          <p:cNvSpPr txBox="1"/>
+          <p:nvPr/>
+        </p:nvSpPr>
+        <p:spPr>
+          <a:xfrm>
+            <a:off x="800843" y="5616372"/>
+            <a:ext cx="1440160" cy="276999"/>
+          </a:xfrm>
+          <a:prstGeom prst="rect">
+            <a:avLst/>
+          </a:prstGeom>
+          <a:noFill/>
+        </p:spPr>
+        <p:txBody>
+          <a:bodyPr wrap="square" rtlCol="0">
+            <a:spAutoFit/>
+          </a:bodyPr>
+          <a:lstStyle/>
+          <a:p>
+            <a:pPr algn="ctr"/>
+            <a:r>
+              <a:rPr lang="de-DE" sz="1200" dirty="0" smtClean="0">
+                <a:solidFill>
+                  <a:schemeClr val="bg1"/>
+                </a:solidFill>
+                <a:latin typeface="Segoe UI Light" panose="020B0502040204020203" pitchFamily="34" charset="0"/>
+                <a:cs typeface="Segoe UI Light" panose="020B0502040204020203" pitchFamily="34" charset="0"/>
+              </a:rPr>
+              <a:t>min </a:t>
+            </a:r>
+            <a:r>
+              <a:rPr lang="de-DE" sz="1200" dirty="0" err="1" smtClean="0">
+                <a:solidFill>
+                  <a:schemeClr val="bg1"/>
+                </a:solidFill>
+                <a:latin typeface="Segoe UI Light" panose="020B0502040204020203" pitchFamily="34" charset="0"/>
+                <a:cs typeface="Segoe UI Light" panose="020B0502040204020203" pitchFamily="34" charset="0"/>
+              </a:rPr>
+              <a:t>runtime</a:t>
+            </a:r>
+            <a:endParaRPr lang="de-DE" sz="1200" dirty="0">
+              <a:solidFill>
+                <a:schemeClr val="bg1"/>
+              </a:solidFill>
+              <a:latin typeface="Segoe UI Light" panose="020B0502040204020203" pitchFamily="34" charset="0"/>
+              <a:cs typeface="Segoe UI Light" panose="020B0502040204020203" pitchFamily="34" charset="0"/>
+            </a:endParaRPr>
+          </a:p>
+        </p:txBody>
+      </p:sp>
+      <p:sp>
+        <p:nvSpPr>
+          <p:cNvPr id="16" name="Rechteck 15"/>
+          <p:cNvSpPr/>
+          <p:nvPr/>
+        </p:nvSpPr>
+        <p:spPr>
+          <a:xfrm>
+            <a:off x="2569680" y="4545544"/>
+            <a:ext cx="1440160" cy="1440160"/>
+          </a:xfrm>
+          <a:prstGeom prst="rect">
+            <a:avLst/>
+          </a:prstGeom>
+          <a:solidFill>
+            <a:srgbClr val="2196F2"/>
+          </a:solidFill>
+          <a:ln>
+            <a:noFill/>
+          </a:ln>
+        </p:spPr>
+        <p:style>
+          <a:lnRef idx="2">
+            <a:schemeClr val="accent1">
+              <a:shade val="50000"/>
+            </a:schemeClr>
+          </a:lnRef>
+          <a:fillRef idx="1">
+            <a:schemeClr val="accent1"/>
+          </a:fillRef>
+          <a:effectRef idx="0">
+            <a:schemeClr val="accent1"/>
+          </a:effectRef>
+          <a:fontRef idx="minor">
+            <a:schemeClr val="lt1"/>
+          </a:fontRef>
+        </p:style>
+        <p:txBody>
+          <a:bodyPr rtlCol="0" anchor="ctr"/>
+          <a:lstStyle/>
+          <a:p>
+            <a:pPr algn="ctr"/>
+            <a:r>
+              <a:rPr lang="el-GR" sz="4400" dirty="0" smtClean="0">
+                <a:latin typeface="Segoe UI Light" panose="020B0502040204020203" pitchFamily="34" charset="0"/>
+                <a:cs typeface="Segoe UI Light" panose="020B0502040204020203" pitchFamily="34" charset="0"/>
+              </a:rPr>
+              <a:t>α</a:t>
+            </a:r>
+            <a:endParaRPr lang="de-DE" sz="4400" dirty="0">
+              <a:latin typeface="Segoe UI Light" panose="020B0502040204020203" pitchFamily="34" charset="0"/>
+              <a:cs typeface="Segoe UI Light" panose="020B0502040204020203" pitchFamily="34" charset="0"/>
+            </a:endParaRPr>
+          </a:p>
+        </p:txBody>
+      </p:sp>
+      <p:sp>
+        <p:nvSpPr>
+          <p:cNvPr id="17" name="Textfeld 16"/>
+          <p:cNvSpPr txBox="1"/>
+          <p:nvPr/>
+        </p:nvSpPr>
+        <p:spPr>
+          <a:xfrm>
+            <a:off x="2566740" y="5616372"/>
+            <a:ext cx="1440160" cy="276999"/>
+          </a:xfrm>
+          <a:prstGeom prst="rect">
+            <a:avLst/>
+          </a:prstGeom>
+          <a:noFill/>
+        </p:spPr>
+        <p:txBody>
+          <a:bodyPr wrap="square" rtlCol="0">
+            <a:spAutoFit/>
+          </a:bodyPr>
+          <a:lstStyle/>
+          <a:p>
+            <a:pPr algn="ctr"/>
+            <a:r>
+              <a:rPr lang="de-DE" sz="1200" dirty="0" err="1" smtClean="0">
+                <a:solidFill>
+                  <a:schemeClr val="bg1"/>
+                </a:solidFill>
+                <a:latin typeface="Segoe UI Light" panose="020B0502040204020203" pitchFamily="34" charset="0"/>
+                <a:cs typeface="Segoe UI Light" panose="020B0502040204020203" pitchFamily="34" charset="0"/>
+              </a:rPr>
+              <a:t>requests</a:t>
+            </a:r>
+            <a:endParaRPr lang="de-DE" sz="1200" dirty="0">
+              <a:solidFill>
+                <a:schemeClr val="bg1"/>
+              </a:solidFill>
+              <a:latin typeface="Segoe UI Light" panose="020B0502040204020203" pitchFamily="34" charset="0"/>
+              <a:cs typeface="Segoe UI Light" panose="020B0502040204020203" pitchFamily="34" charset="0"/>
+            </a:endParaRPr>
+          </a:p>
+        </p:txBody>
+      </p:sp>
+      <p:sp>
+        <p:nvSpPr>
+          <p:cNvPr id="18" name="Textfeld 17"/>
+          <p:cNvSpPr txBox="1"/>
+          <p:nvPr/>
+        </p:nvSpPr>
+        <p:spPr>
+          <a:xfrm>
+            <a:off x="7972353" y="5339373"/>
+            <a:ext cx="3384375" cy="646331"/>
+          </a:xfrm>
+          <a:prstGeom prst="rect">
+            <a:avLst/>
+          </a:prstGeom>
+          <a:noFill/>
+        </p:spPr>
+        <p:txBody>
+          <a:bodyPr wrap="square" rtlCol="0">
+            <a:spAutoFit/>
+          </a:bodyPr>
+          <a:lstStyle/>
+          <a:p>
+            <a:pPr algn="r"/>
+            <a:r>
+              <a:rPr lang="de-DE" dirty="0" smtClean="0">
+                <a:solidFill>
+                  <a:schemeClr val="bg1">
+                    <a:lumMod val="50000"/>
+                  </a:schemeClr>
+                </a:solidFill>
+                <a:latin typeface="Segoe UI Light" panose="020B0502040204020203" pitchFamily="34" charset="0"/>
+                <a:cs typeface="Segoe UI Light" panose="020B0502040204020203" pitchFamily="34" charset="0"/>
+              </a:rPr>
+              <a:t>8 GB RAM</a:t>
+            </a:r>
+          </a:p>
+          <a:p>
+            <a:pPr algn="r"/>
+            <a:r>
+              <a:rPr lang="de-DE" dirty="0" smtClean="0">
+                <a:solidFill>
+                  <a:schemeClr val="bg1">
+                    <a:lumMod val="50000"/>
+                  </a:schemeClr>
+                </a:solidFill>
+                <a:latin typeface="Segoe UI Light" panose="020B0502040204020203" pitchFamily="34" charset="0"/>
+                <a:cs typeface="Segoe UI Light" panose="020B0502040204020203" pitchFamily="34" charset="0"/>
+              </a:rPr>
+              <a:t>Intel Core i5-4690K @ 3.50 GHz</a:t>
+            </a:r>
+          </a:p>
+        </p:txBody>
+      </p:sp>
+      <p:sp>
+        <p:nvSpPr>
+          <p:cNvPr id="19" name="Rechteck 18"/>
+          <p:cNvSpPr/>
+          <p:nvPr/>
+        </p:nvSpPr>
+        <p:spPr>
+          <a:xfrm>
+            <a:off x="2564780" y="908053"/>
+            <a:ext cx="1440160" cy="1440160"/>
+          </a:xfrm>
+          <a:prstGeom prst="rect">
+            <a:avLst/>
+          </a:prstGeom>
+          <a:solidFill>
+            <a:srgbClr val="2196F2"/>
+          </a:solidFill>
+          <a:ln>
+            <a:noFill/>
+          </a:ln>
+        </p:spPr>
+        <p:style>
+          <a:lnRef idx="2">
+            <a:schemeClr val="accent1">
+              <a:shade val="50000"/>
+            </a:schemeClr>
+          </a:lnRef>
+          <a:fillRef idx="1">
+            <a:schemeClr val="accent1"/>
+          </a:fillRef>
+          <a:effectRef idx="0">
+            <a:schemeClr val="accent1"/>
+          </a:effectRef>
+          <a:fontRef idx="minor">
+            <a:schemeClr val="lt1"/>
+          </a:fontRef>
+        </p:style>
+        <p:txBody>
+          <a:bodyPr rtlCol="0" anchor="ctr"/>
+          <a:lstStyle/>
+          <a:p>
+            <a:pPr algn="ctr"/>
+            <a:r>
+              <a:rPr lang="de-DE" sz="4800" dirty="0" smtClean="0">
+                <a:latin typeface="Segoe UI Light" panose="020B0502040204020203" pitchFamily="34" charset="0"/>
+                <a:cs typeface="Segoe UI Light" panose="020B0502040204020203" pitchFamily="34" charset="0"/>
+              </a:rPr>
+              <a:t>n</a:t>
+            </a:r>
+            <a:endParaRPr lang="de-DE" sz="4800" dirty="0">
+              <a:latin typeface="Segoe UI Light" panose="020B0502040204020203" pitchFamily="34" charset="0"/>
+              <a:cs typeface="Segoe UI Light" panose="020B0502040204020203" pitchFamily="34" charset="0"/>
+            </a:endParaRPr>
+          </a:p>
+        </p:txBody>
+      </p:sp>
+      <p:sp>
+        <p:nvSpPr>
+          <p:cNvPr id="20" name="Textfeld 19"/>
+          <p:cNvSpPr txBox="1"/>
+          <p:nvPr/>
+        </p:nvSpPr>
+        <p:spPr>
+          <a:xfrm>
+            <a:off x="2564779" y="1988840"/>
+            <a:ext cx="1440160" cy="276999"/>
+          </a:xfrm>
+          <a:prstGeom prst="rect">
+            <a:avLst/>
+          </a:prstGeom>
+          <a:noFill/>
+        </p:spPr>
+        <p:txBody>
+          <a:bodyPr wrap="square" rtlCol="0">
+            <a:spAutoFit/>
+          </a:bodyPr>
+          <a:lstStyle/>
+          <a:p>
+            <a:pPr algn="ctr"/>
+            <a:r>
+              <a:rPr lang="de-DE" sz="1200" dirty="0" err="1" smtClean="0">
+                <a:solidFill>
+                  <a:schemeClr val="bg1"/>
+                </a:solidFill>
+                <a:latin typeface="Segoe UI Light" panose="020B0502040204020203" pitchFamily="34" charset="0"/>
+                <a:cs typeface="Segoe UI Light" panose="020B0502040204020203" pitchFamily="34" charset="0"/>
+              </a:rPr>
+              <a:t>Actors</a:t>
+            </a:r>
+            <a:r>
+              <a:rPr lang="de-DE" sz="1200" dirty="0" smtClean="0">
+                <a:solidFill>
+                  <a:schemeClr val="bg1"/>
+                </a:solidFill>
+                <a:latin typeface="Segoe UI Light" panose="020B0502040204020203" pitchFamily="34" charset="0"/>
+                <a:cs typeface="Segoe UI Light" panose="020B0502040204020203" pitchFamily="34" charset="0"/>
+              </a:rPr>
+              <a:t> (n)</a:t>
+            </a:r>
+            <a:endParaRPr lang="de-DE" sz="1200" dirty="0">
+              <a:solidFill>
+                <a:schemeClr val="bg1"/>
+              </a:solidFill>
+              <a:latin typeface="Segoe UI Light" panose="020B0502040204020203" pitchFamily="34" charset="0"/>
+              <a:cs typeface="Segoe UI Light" panose="020B0502040204020203" pitchFamily="34" charset="0"/>
+            </a:endParaRPr>
+          </a:p>
+        </p:txBody>
+      </p:sp>
+    </p:spTree>
+    <p:extLst>
+      <p:ext uri="{BB962C8B-B14F-4D97-AF65-F5344CB8AC3E}">
+        <p14:creationId xmlns:p14="http://schemas.microsoft.com/office/powerpoint/2010/main" val="2713712412"/>
       </p:ext>
     </p:extLst>
   </p:cSld>

--- a/u07/Results.pptx
+++ b/u07/Results.pptx
@@ -5,10 +5,10 @@
     <p:sldMasterId id="2147483648" r:id="rId1"/>
   </p:sldMasterIdLst>
   <p:sldIdLst>
-    <p:sldId id="256" r:id="rId2"/>
-    <p:sldId id="257" r:id="rId3"/>
-    <p:sldId id="258" r:id="rId4"/>
-    <p:sldId id="259" r:id="rId5"/>
+    <p:sldId id="257" r:id="rId2"/>
+    <p:sldId id="260" r:id="rId3"/>
+    <p:sldId id="261" r:id="rId4"/>
+    <p:sldId id="262" r:id="rId5"/>
   </p:sldIdLst>
   <p:sldSz cx="12192000" cy="6858000"/>
   <p:notesSz cx="6858000" cy="9144000"/>
@@ -195,7 +195,7 @@
             <c:strRef>
               <c:f>Tabelle1!$A$2:$A$7</c:f>
               <c:strCache>
-                <c:ptCount val="5"/>
+                <c:ptCount val="6"/>
                 <c:pt idx="0">
                   <c:v>Q1</c:v>
                 </c:pt>
@@ -211,6 +211,9 @@
                 <c:pt idx="4">
                   <c:v>Q5</c:v>
                 </c:pt>
+                <c:pt idx="5">
+                  <c:v>Q6</c:v>
+                </c:pt>
               </c:strCache>
             </c:strRef>
           </c:cat>
@@ -221,26 +224,29 @@
                 <c:formatCode>General</c:formatCode>
                 <c:ptCount val="6"/>
                 <c:pt idx="0">
-                  <c:v>120</c:v>
+                  <c:v>93</c:v>
                 </c:pt>
                 <c:pt idx="1">
-                  <c:v>148</c:v>
+                  <c:v>174</c:v>
                 </c:pt>
                 <c:pt idx="2">
-                  <c:v>129</c:v>
+                  <c:v>80</c:v>
                 </c:pt>
                 <c:pt idx="3">
-                  <c:v>148</c:v>
+                  <c:v>274</c:v>
                 </c:pt>
                 <c:pt idx="4">
-                  <c:v>117</c:v>
+                  <c:v>85</c:v>
+                </c:pt>
+                <c:pt idx="5">
+                  <c:v>84</c:v>
                 </c:pt>
               </c:numCache>
             </c:numRef>
           </c:val>
           <c:extLst xmlns:c16r2="http://schemas.microsoft.com/office/drawing/2015/06/chart">
             <c:ext xmlns:c16="http://schemas.microsoft.com/office/drawing/2014/chart" uri="{C3380CC4-5D6E-409C-BE32-E72D297353CC}">
-              <c16:uniqueId val="{00000000-AA2E-4748-B797-735B81611EAD}"/>
+              <c16:uniqueId val="{00000000-D720-4E6C-9DA0-D502184478F0}"/>
             </c:ext>
           </c:extLst>
         </c:ser>
@@ -253,11 +259,11 @@
           <c:showBubbleSize val="0"/>
         </c:dLbls>
         <c:gapWidth val="25"/>
-        <c:axId val="2060759136"/>
-        <c:axId val="2060759680"/>
+        <c:axId val="404089296"/>
+        <c:axId val="404089840"/>
       </c:barChart>
       <c:catAx>
-        <c:axId val="2060759136"/>
+        <c:axId val="404089296"/>
         <c:scaling>
           <c:orientation val="minMax"/>
         </c:scaling>
@@ -300,7 +306,7 @@
             <a:endParaRPr lang="de-DE"/>
           </a:p>
         </c:txPr>
-        <c:crossAx val="2060759680"/>
+        <c:crossAx val="404089840"/>
         <c:crosses val="autoZero"/>
         <c:auto val="1"/>
         <c:lblAlgn val="ctr"/>
@@ -308,10 +314,10 @@
         <c:noMultiLvlLbl val="0"/>
       </c:catAx>
       <c:valAx>
-        <c:axId val="2060759680"/>
+        <c:axId val="404089840"/>
         <c:scaling>
           <c:orientation val="minMax"/>
-          <c:max val="1000"/>
+          <c:max val="500"/>
         </c:scaling>
         <c:delete val="0"/>
         <c:axPos val="l"/>
@@ -360,7 +366,7 @@
             <a:endParaRPr lang="de-DE"/>
           </a:p>
         </c:txPr>
-        <c:crossAx val="2060759136"/>
+        <c:crossAx val="404089296"/>
         <c:crosses val="autoZero"/>
         <c:crossBetween val="between"/>
       </c:valAx>
@@ -540,22 +546,22 @@
                 <c:formatCode>General</c:formatCode>
                 <c:ptCount val="6"/>
                 <c:pt idx="0">
-                  <c:v>202</c:v>
+                  <c:v>84</c:v>
                 </c:pt>
                 <c:pt idx="1">
-                  <c:v>420</c:v>
+                  <c:v>166</c:v>
                 </c:pt>
                 <c:pt idx="2">
-                  <c:v>153</c:v>
+                  <c:v>70</c:v>
                 </c:pt>
                 <c:pt idx="3">
-                  <c:v>705</c:v>
+                  <c:v>263</c:v>
                 </c:pt>
                 <c:pt idx="4">
-                  <c:v>170</c:v>
+                  <c:v>75</c:v>
                 </c:pt>
                 <c:pt idx="5">
-                  <c:v>180</c:v>
+                  <c:v>75</c:v>
                 </c:pt>
               </c:numCache>
             </c:numRef>
@@ -575,11 +581,11 @@
           <c:showBubbleSize val="0"/>
         </c:dLbls>
         <c:gapWidth val="25"/>
-        <c:axId val="115100688"/>
-        <c:axId val="115105584"/>
+        <c:axId val="445124688"/>
+        <c:axId val="445114352"/>
       </c:barChart>
       <c:catAx>
-        <c:axId val="115100688"/>
+        <c:axId val="445124688"/>
         <c:scaling>
           <c:orientation val="minMax"/>
         </c:scaling>
@@ -622,7 +628,7 @@
             <a:endParaRPr lang="de-DE"/>
           </a:p>
         </c:txPr>
-        <c:crossAx val="115105584"/>
+        <c:crossAx val="445114352"/>
         <c:crosses val="autoZero"/>
         <c:auto val="1"/>
         <c:lblAlgn val="ctr"/>
@@ -630,10 +636,10 @@
         <c:noMultiLvlLbl val="0"/>
       </c:catAx>
       <c:valAx>
-        <c:axId val="115105584"/>
+        <c:axId val="445114352"/>
         <c:scaling>
           <c:orientation val="minMax"/>
-          <c:max val="1000"/>
+          <c:max val="500"/>
         </c:scaling>
         <c:delete val="0"/>
         <c:axPos val="l"/>
@@ -682,7 +688,7 @@
             <a:endParaRPr lang="de-DE"/>
           </a:p>
         </c:txPr>
-        <c:crossAx val="115100688"/>
+        <c:crossAx val="445124688"/>
         <c:crosses val="autoZero"/>
         <c:crossBetween val="between"/>
       </c:valAx>
@@ -862,19 +868,22 @@
                 <c:formatCode>General</c:formatCode>
                 <c:ptCount val="6"/>
                 <c:pt idx="0">
-                  <c:v>276</c:v>
+                  <c:v>115</c:v>
                 </c:pt>
                 <c:pt idx="1">
-                  <c:v>335</c:v>
+                  <c:v>257</c:v>
                 </c:pt>
                 <c:pt idx="2">
-                  <c:v>276</c:v>
+                  <c:v>87</c:v>
                 </c:pt>
                 <c:pt idx="3">
-                  <c:v>317</c:v>
+                  <c:v>403</c:v>
                 </c:pt>
                 <c:pt idx="4">
-                  <c:v>241</c:v>
+                  <c:v>107</c:v>
+                </c:pt>
+                <c:pt idx="5">
+                  <c:v>99</c:v>
                 </c:pt>
               </c:numCache>
             </c:numRef>
@@ -894,11 +903,11 @@
           <c:showBubbleSize val="0"/>
         </c:dLbls>
         <c:gapWidth val="25"/>
-        <c:axId val="115105040"/>
-        <c:axId val="115102864"/>
+        <c:axId val="507344144"/>
+        <c:axId val="507345776"/>
       </c:barChart>
       <c:catAx>
-        <c:axId val="115105040"/>
+        <c:axId val="507344144"/>
         <c:scaling>
           <c:orientation val="minMax"/>
         </c:scaling>
@@ -941,7 +950,7 @@
             <a:endParaRPr lang="de-DE"/>
           </a:p>
         </c:txPr>
-        <c:crossAx val="115102864"/>
+        <c:crossAx val="507345776"/>
         <c:crosses val="autoZero"/>
         <c:auto val="1"/>
         <c:lblAlgn val="ctr"/>
@@ -949,10 +958,10 @@
         <c:noMultiLvlLbl val="0"/>
       </c:catAx>
       <c:valAx>
-        <c:axId val="115102864"/>
+        <c:axId val="507345776"/>
         <c:scaling>
           <c:orientation val="minMax"/>
-          <c:max val="1000"/>
+          <c:max val="500"/>
         </c:scaling>
         <c:delete val="0"/>
         <c:axPos val="l"/>
@@ -1001,7 +1010,329 @@
             <a:endParaRPr lang="de-DE"/>
           </a:p>
         </c:txPr>
-        <c:crossAx val="115105040"/>
+        <c:crossAx val="507344144"/>
+        <c:crosses val="autoZero"/>
+        <c:crossBetween val="between"/>
+      </c:valAx>
+      <c:spPr>
+        <a:noFill/>
+        <a:ln>
+          <a:noFill/>
+        </a:ln>
+        <a:effectLst/>
+      </c:spPr>
+    </c:plotArea>
+    <c:legend>
+      <c:legendPos val="b"/>
+      <c:layout/>
+      <c:overlay val="0"/>
+      <c:spPr>
+        <a:noFill/>
+        <a:ln>
+          <a:noFill/>
+        </a:ln>
+        <a:effectLst/>
+      </c:spPr>
+      <c:txPr>
+        <a:bodyPr rot="0" spcFirstLastPara="1" vertOverflow="ellipsis" vert="horz" wrap="square" anchor="ctr" anchorCtr="1"/>
+        <a:lstStyle/>
+        <a:p>
+          <a:pPr>
+            <a:defRPr sz="1197" b="0" i="0" u="none" strike="noStrike" kern="1200" baseline="0">
+              <a:solidFill>
+                <a:schemeClr val="tx1">
+                  <a:lumMod val="65000"/>
+                  <a:lumOff val="35000"/>
+                </a:schemeClr>
+              </a:solidFill>
+              <a:latin typeface="+mn-lt"/>
+              <a:ea typeface="+mn-ea"/>
+              <a:cs typeface="+mn-cs"/>
+            </a:defRPr>
+          </a:pPr>
+          <a:endParaRPr lang="de-DE"/>
+        </a:p>
+      </c:txPr>
+    </c:legend>
+    <c:plotVisOnly val="1"/>
+    <c:dispBlanksAs val="gap"/>
+    <c:showDLblsOverMax val="0"/>
+  </c:chart>
+  <c:spPr>
+    <a:noFill/>
+    <a:ln>
+      <a:noFill/>
+    </a:ln>
+    <a:effectLst/>
+  </c:spPr>
+  <c:txPr>
+    <a:bodyPr/>
+    <a:lstStyle/>
+    <a:p>
+      <a:pPr>
+        <a:defRPr/>
+      </a:pPr>
+      <a:endParaRPr lang="de-DE"/>
+    </a:p>
+  </c:txPr>
+  <c:externalData r:id="rId3">
+    <c:autoUpdate val="0"/>
+  </c:externalData>
+</c:chartSpace>
+</file>
+
+<file path=ppt/charts/chart4.xml><?xml version="1.0" encoding="utf-8"?>
+<c:chartSpace xmlns:c="http://schemas.openxmlformats.org/drawingml/2006/chart" xmlns:a="http://schemas.openxmlformats.org/drawingml/2006/main" xmlns:r="http://schemas.openxmlformats.org/officeDocument/2006/relationships">
+  <c:date1904 val="0"/>
+  <c:lang val="de-DE"/>
+  <c:roundedCorners val="0"/>
+  <mc:AlternateContent xmlns:mc="http://schemas.openxmlformats.org/markup-compatibility/2006">
+    <mc:Choice xmlns:c14="http://schemas.microsoft.com/office/drawing/2007/8/2/chart" Requires="c14">
+      <c14:style val="102"/>
+    </mc:Choice>
+    <mc:Fallback>
+      <c:style val="2"/>
+    </mc:Fallback>
+  </mc:AlternateContent>
+  <c:chart>
+    <c:title>
+      <c:layout/>
+      <c:overlay val="0"/>
+      <c:spPr>
+        <a:noFill/>
+        <a:ln>
+          <a:noFill/>
+        </a:ln>
+        <a:effectLst/>
+      </c:spPr>
+      <c:txPr>
+        <a:bodyPr rot="0" spcFirstLastPara="1" vertOverflow="ellipsis" vert="horz" wrap="square" anchor="ctr" anchorCtr="1"/>
+        <a:lstStyle/>
+        <a:p>
+          <a:pPr>
+            <a:defRPr sz="1862" b="0" i="0" u="none" strike="noStrike" kern="1200" spc="0" baseline="0">
+              <a:solidFill>
+                <a:schemeClr val="tx1">
+                  <a:lumMod val="65000"/>
+                  <a:lumOff val="35000"/>
+                </a:schemeClr>
+              </a:solidFill>
+              <a:latin typeface="+mn-lt"/>
+              <a:ea typeface="+mn-ea"/>
+              <a:cs typeface="+mn-cs"/>
+            </a:defRPr>
+          </a:pPr>
+          <a:endParaRPr lang="de-DE"/>
+        </a:p>
+      </c:txPr>
+    </c:title>
+    <c:autoTitleDeleted val="0"/>
+    <c:plotArea>
+      <c:layout/>
+      <c:barChart>
+        <c:barDir val="col"/>
+        <c:grouping val="clustered"/>
+        <c:varyColors val="0"/>
+        <c:ser>
+          <c:idx val="0"/>
+          <c:order val="0"/>
+          <c:tx>
+            <c:strRef>
+              <c:f>Tabelle1!$B$1</c:f>
+              <c:strCache>
+                <c:ptCount val="1"/>
+                <c:pt idx="0">
+                  <c:v>Avg. Response time</c:v>
+                </c:pt>
+              </c:strCache>
+            </c:strRef>
+          </c:tx>
+          <c:spPr>
+            <a:solidFill>
+              <a:srgbClr val="2196F2"/>
+            </a:solidFill>
+            <a:ln>
+              <a:noFill/>
+            </a:ln>
+            <a:effectLst/>
+          </c:spPr>
+          <c:invertIfNegative val="0"/>
+          <c:cat>
+            <c:strRef>
+              <c:f>Tabelle1!$A$2:$A$7</c:f>
+              <c:strCache>
+                <c:ptCount val="6"/>
+                <c:pt idx="0">
+                  <c:v>Q1</c:v>
+                </c:pt>
+                <c:pt idx="1">
+                  <c:v>Q2</c:v>
+                </c:pt>
+                <c:pt idx="2">
+                  <c:v>Q3</c:v>
+                </c:pt>
+                <c:pt idx="3">
+                  <c:v>Q4</c:v>
+                </c:pt>
+                <c:pt idx="4">
+                  <c:v>Q5</c:v>
+                </c:pt>
+                <c:pt idx="5">
+                  <c:v>Q6</c:v>
+                </c:pt>
+              </c:strCache>
+            </c:strRef>
+          </c:cat>
+          <c:val>
+            <c:numRef>
+              <c:f>Tabelle1!$B$2:$B$7</c:f>
+              <c:numCache>
+                <c:formatCode>General</c:formatCode>
+                <c:ptCount val="6"/>
+                <c:pt idx="0">
+                  <c:v>109</c:v>
+                </c:pt>
+                <c:pt idx="1">
+                  <c:v>282</c:v>
+                </c:pt>
+                <c:pt idx="2">
+                  <c:v>86</c:v>
+                </c:pt>
+                <c:pt idx="3">
+                  <c:v>431</c:v>
+                </c:pt>
+                <c:pt idx="4">
+                  <c:v>93</c:v>
+                </c:pt>
+                <c:pt idx="5">
+                  <c:v>94</c:v>
+                </c:pt>
+              </c:numCache>
+            </c:numRef>
+          </c:val>
+          <c:extLst xmlns:c16r2="http://schemas.microsoft.com/office/drawing/2015/06/chart">
+            <c:ext xmlns:c16="http://schemas.microsoft.com/office/drawing/2014/chart" uri="{C3380CC4-5D6E-409C-BE32-E72D297353CC}">
+              <c16:uniqueId val="{00000000-D720-4E6C-9DA0-D502184478F0}"/>
+            </c:ext>
+          </c:extLst>
+        </c:ser>
+        <c:dLbls>
+          <c:showLegendKey val="0"/>
+          <c:showVal val="0"/>
+          <c:showCatName val="0"/>
+          <c:showSerName val="0"/>
+          <c:showPercent val="0"/>
+          <c:showBubbleSize val="0"/>
+        </c:dLbls>
+        <c:gapWidth val="25"/>
+        <c:axId val="407539072"/>
+        <c:axId val="407535264"/>
+      </c:barChart>
+      <c:catAx>
+        <c:axId val="407539072"/>
+        <c:scaling>
+          <c:orientation val="minMax"/>
+        </c:scaling>
+        <c:delete val="0"/>
+        <c:axPos val="b"/>
+        <c:numFmt formatCode="General" sourceLinked="1"/>
+        <c:majorTickMark val="none"/>
+        <c:minorTickMark val="none"/>
+        <c:tickLblPos val="nextTo"/>
+        <c:spPr>
+          <a:noFill/>
+          <a:ln w="9525" cap="flat" cmpd="sng" algn="ctr">
+            <a:solidFill>
+              <a:schemeClr val="tx1">
+                <a:lumMod val="15000"/>
+                <a:lumOff val="85000"/>
+              </a:schemeClr>
+            </a:solidFill>
+            <a:round/>
+          </a:ln>
+          <a:effectLst/>
+        </c:spPr>
+        <c:txPr>
+          <a:bodyPr rot="-60000000" spcFirstLastPara="1" vertOverflow="ellipsis" vert="horz" wrap="square" anchor="ctr" anchorCtr="1"/>
+          <a:lstStyle/>
+          <a:p>
+            <a:pPr>
+              <a:defRPr sz="1197" b="0" i="0" u="none" strike="noStrike" kern="1200" baseline="0">
+                <a:solidFill>
+                  <a:schemeClr val="tx1">
+                    <a:lumMod val="65000"/>
+                    <a:lumOff val="35000"/>
+                  </a:schemeClr>
+                </a:solidFill>
+                <a:latin typeface="+mn-lt"/>
+                <a:ea typeface="+mn-ea"/>
+                <a:cs typeface="+mn-cs"/>
+              </a:defRPr>
+            </a:pPr>
+            <a:endParaRPr lang="de-DE"/>
+          </a:p>
+        </c:txPr>
+        <c:crossAx val="407535264"/>
+        <c:crosses val="autoZero"/>
+        <c:auto val="1"/>
+        <c:lblAlgn val="ctr"/>
+        <c:lblOffset val="100"/>
+        <c:noMultiLvlLbl val="0"/>
+      </c:catAx>
+      <c:valAx>
+        <c:axId val="407535264"/>
+        <c:scaling>
+          <c:orientation val="minMax"/>
+          <c:max val="500"/>
+        </c:scaling>
+        <c:delete val="0"/>
+        <c:axPos val="l"/>
+        <c:majorGridlines>
+          <c:spPr>
+            <a:ln w="9525" cap="flat" cmpd="sng" algn="ctr">
+              <a:solidFill>
+                <a:schemeClr val="tx1">
+                  <a:lumMod val="15000"/>
+                  <a:lumOff val="85000"/>
+                </a:schemeClr>
+              </a:solidFill>
+              <a:round/>
+            </a:ln>
+            <a:effectLst/>
+          </c:spPr>
+        </c:majorGridlines>
+        <c:numFmt formatCode="General" sourceLinked="1"/>
+        <c:majorTickMark val="none"/>
+        <c:minorTickMark val="none"/>
+        <c:tickLblPos val="nextTo"/>
+        <c:spPr>
+          <a:noFill/>
+          <a:ln>
+            <a:noFill/>
+          </a:ln>
+          <a:effectLst/>
+        </c:spPr>
+        <c:txPr>
+          <a:bodyPr rot="-60000000" spcFirstLastPara="1" vertOverflow="ellipsis" vert="horz" wrap="square" anchor="ctr" anchorCtr="1"/>
+          <a:lstStyle/>
+          <a:p>
+            <a:pPr>
+              <a:defRPr sz="1197" b="0" i="0" u="none" strike="noStrike" kern="1200" baseline="0">
+                <a:solidFill>
+                  <a:schemeClr val="tx1">
+                    <a:lumMod val="65000"/>
+                    <a:lumOff val="35000"/>
+                  </a:schemeClr>
+                </a:solidFill>
+                <a:latin typeface="+mn-lt"/>
+                <a:ea typeface="+mn-ea"/>
+                <a:cs typeface="+mn-cs"/>
+              </a:defRPr>
+            </a:pPr>
+            <a:endParaRPr lang="de-DE"/>
+          </a:p>
+        </c:txPr>
+        <c:crossAx val="407539072"/>
         <c:crosses val="autoZero"/>
         <c:crossBetween val="between"/>
       </c:valAx>
@@ -1192,6 +1523,46 @@
 </cs:colorStyle>
 </file>
 
+<file path=ppt/charts/colors4.xml><?xml version="1.0" encoding="utf-8"?>
+<cs:colorStyle xmlns:cs="http://schemas.microsoft.com/office/drawing/2012/chartStyle" xmlns:a="http://schemas.openxmlformats.org/drawingml/2006/main" meth="cycle" id="10">
+  <a:schemeClr val="accent1"/>
+  <a:schemeClr val="accent2"/>
+  <a:schemeClr val="accent3"/>
+  <a:schemeClr val="accent4"/>
+  <a:schemeClr val="accent5"/>
+  <a:schemeClr val="accent6"/>
+  <cs:variation/>
+  <cs:variation>
+    <a:lumMod val="60000"/>
+  </cs:variation>
+  <cs:variation>
+    <a:lumMod val="80000"/>
+    <a:lumOff val="20000"/>
+  </cs:variation>
+  <cs:variation>
+    <a:lumMod val="80000"/>
+  </cs:variation>
+  <cs:variation>
+    <a:lumMod val="60000"/>
+    <a:lumOff val="40000"/>
+  </cs:variation>
+  <cs:variation>
+    <a:lumMod val="50000"/>
+  </cs:variation>
+  <cs:variation>
+    <a:lumMod val="70000"/>
+    <a:lumOff val="30000"/>
+  </cs:variation>
+  <cs:variation>
+    <a:lumMod val="70000"/>
+  </cs:variation>
+  <cs:variation>
+    <a:lumMod val="50000"/>
+    <a:lumOff val="50000"/>
+  </cs:variation>
+</cs:colorStyle>
+</file>
+
 <file path=ppt/charts/style1.xml><?xml version="1.0" encoding="utf-8"?>
 <cs:chartStyle xmlns:cs="http://schemas.microsoft.com/office/drawing/2012/chartStyle" xmlns:a="http://schemas.openxmlformats.org/drawingml/2006/main" id="201">
   <cs:axisTitle>
@@ -2199,6 +2570,509 @@
 </file>
 
 <file path=ppt/charts/style3.xml><?xml version="1.0" encoding="utf-8"?>
+<cs:chartStyle xmlns:cs="http://schemas.microsoft.com/office/drawing/2012/chartStyle" xmlns:a="http://schemas.openxmlformats.org/drawingml/2006/main" id="201">
+  <cs:axisTitle>
+    <cs:lnRef idx="0"/>
+    <cs:fillRef idx="0"/>
+    <cs:effectRef idx="0"/>
+    <cs:fontRef idx="minor">
+      <a:schemeClr val="tx1">
+        <a:lumMod val="65000"/>
+        <a:lumOff val="35000"/>
+      </a:schemeClr>
+    </cs:fontRef>
+    <cs:defRPr sz="1330" kern="1200"/>
+  </cs:axisTitle>
+  <cs:categoryAxis>
+    <cs:lnRef idx="0"/>
+    <cs:fillRef idx="0"/>
+    <cs:effectRef idx="0"/>
+    <cs:fontRef idx="minor">
+      <a:schemeClr val="tx1">
+        <a:lumMod val="65000"/>
+        <a:lumOff val="35000"/>
+      </a:schemeClr>
+    </cs:fontRef>
+    <cs:spPr>
+      <a:ln w="9525" cap="flat" cmpd="sng" algn="ctr">
+        <a:solidFill>
+          <a:schemeClr val="tx1">
+            <a:lumMod val="15000"/>
+            <a:lumOff val="85000"/>
+          </a:schemeClr>
+        </a:solidFill>
+        <a:round/>
+      </a:ln>
+    </cs:spPr>
+    <cs:defRPr sz="1197" kern="1200"/>
+  </cs:categoryAxis>
+  <cs:chartArea mods="allowNoFillOverride allowNoLineOverride">
+    <cs:lnRef idx="0"/>
+    <cs:fillRef idx="0"/>
+    <cs:effectRef idx="0"/>
+    <cs:fontRef idx="minor">
+      <a:schemeClr val="tx1"/>
+    </cs:fontRef>
+    <cs:spPr>
+      <a:solidFill>
+        <a:schemeClr val="bg1"/>
+      </a:solidFill>
+      <a:ln w="9525" cap="flat" cmpd="sng" algn="ctr">
+        <a:solidFill>
+          <a:schemeClr val="tx1">
+            <a:lumMod val="15000"/>
+            <a:lumOff val="85000"/>
+          </a:schemeClr>
+        </a:solidFill>
+        <a:round/>
+      </a:ln>
+    </cs:spPr>
+    <cs:defRPr sz="1330" kern="1200"/>
+  </cs:chartArea>
+  <cs:dataLabel>
+    <cs:lnRef idx="0"/>
+    <cs:fillRef idx="0"/>
+    <cs:effectRef idx="0"/>
+    <cs:fontRef idx="minor">
+      <a:schemeClr val="tx1">
+        <a:lumMod val="75000"/>
+        <a:lumOff val="25000"/>
+      </a:schemeClr>
+    </cs:fontRef>
+    <cs:defRPr sz="1197" kern="1200"/>
+  </cs:dataLabel>
+  <cs:dataLabelCallout>
+    <cs:lnRef idx="0"/>
+    <cs:fillRef idx="0"/>
+    <cs:effectRef idx="0"/>
+    <cs:fontRef idx="minor">
+      <a:schemeClr val="dk1">
+        <a:lumMod val="65000"/>
+        <a:lumOff val="35000"/>
+      </a:schemeClr>
+    </cs:fontRef>
+    <cs:spPr>
+      <a:solidFill>
+        <a:schemeClr val="lt1"/>
+      </a:solidFill>
+      <a:ln>
+        <a:solidFill>
+          <a:schemeClr val="dk1">
+            <a:lumMod val="25000"/>
+            <a:lumOff val="75000"/>
+          </a:schemeClr>
+        </a:solidFill>
+      </a:ln>
+    </cs:spPr>
+    <cs:defRPr sz="1197" kern="1200"/>
+    <cs:bodyPr rot="0" spcFirstLastPara="1" vertOverflow="clip" horzOverflow="clip" vert="horz" wrap="square" lIns="36576" tIns="18288" rIns="36576" bIns="18288" anchor="ctr" anchorCtr="1">
+      <a:spAutoFit/>
+    </cs:bodyPr>
+  </cs:dataLabelCallout>
+  <cs:dataPoint>
+    <cs:lnRef idx="0"/>
+    <cs:fillRef idx="1">
+      <cs:styleClr val="auto"/>
+    </cs:fillRef>
+    <cs:effectRef idx="0"/>
+    <cs:fontRef idx="minor">
+      <a:schemeClr val="tx1"/>
+    </cs:fontRef>
+  </cs:dataPoint>
+  <cs:dataPoint3D>
+    <cs:lnRef idx="0"/>
+    <cs:fillRef idx="1">
+      <cs:styleClr val="auto"/>
+    </cs:fillRef>
+    <cs:effectRef idx="0"/>
+    <cs:fontRef idx="minor">
+      <a:schemeClr val="tx1"/>
+    </cs:fontRef>
+  </cs:dataPoint3D>
+  <cs:dataPointLine>
+    <cs:lnRef idx="0">
+      <cs:styleClr val="auto"/>
+    </cs:lnRef>
+    <cs:fillRef idx="1"/>
+    <cs:effectRef idx="0"/>
+    <cs:fontRef idx="minor">
+      <a:schemeClr val="tx1"/>
+    </cs:fontRef>
+    <cs:spPr>
+      <a:ln w="28575" cap="rnd">
+        <a:solidFill>
+          <a:schemeClr val="phClr"/>
+        </a:solidFill>
+        <a:round/>
+      </a:ln>
+    </cs:spPr>
+  </cs:dataPointLine>
+  <cs:dataPointMarker>
+    <cs:lnRef idx="0">
+      <cs:styleClr val="auto"/>
+    </cs:lnRef>
+    <cs:fillRef idx="1">
+      <cs:styleClr val="auto"/>
+    </cs:fillRef>
+    <cs:effectRef idx="0"/>
+    <cs:fontRef idx="minor">
+      <a:schemeClr val="tx1"/>
+    </cs:fontRef>
+    <cs:spPr>
+      <a:ln w="9525">
+        <a:solidFill>
+          <a:schemeClr val="phClr"/>
+        </a:solidFill>
+      </a:ln>
+    </cs:spPr>
+  </cs:dataPointMarker>
+  <cs:dataPointMarkerLayout symbol="circle" size="5"/>
+  <cs:dataPointWireframe>
+    <cs:lnRef idx="0">
+      <cs:styleClr val="auto"/>
+    </cs:lnRef>
+    <cs:fillRef idx="1"/>
+    <cs:effectRef idx="0"/>
+    <cs:fontRef idx="minor">
+      <a:schemeClr val="tx1"/>
+    </cs:fontRef>
+    <cs:spPr>
+      <a:ln w="9525" cap="rnd">
+        <a:solidFill>
+          <a:schemeClr val="phClr"/>
+        </a:solidFill>
+        <a:round/>
+      </a:ln>
+    </cs:spPr>
+  </cs:dataPointWireframe>
+  <cs:dataTable>
+    <cs:lnRef idx="0"/>
+    <cs:fillRef idx="0"/>
+    <cs:effectRef idx="0"/>
+    <cs:fontRef idx="minor">
+      <a:schemeClr val="tx1">
+        <a:lumMod val="65000"/>
+        <a:lumOff val="35000"/>
+      </a:schemeClr>
+    </cs:fontRef>
+    <cs:spPr>
+      <a:noFill/>
+      <a:ln w="9525" cap="flat" cmpd="sng" algn="ctr">
+        <a:solidFill>
+          <a:schemeClr val="tx1">
+            <a:lumMod val="15000"/>
+            <a:lumOff val="85000"/>
+          </a:schemeClr>
+        </a:solidFill>
+        <a:round/>
+      </a:ln>
+    </cs:spPr>
+    <cs:defRPr sz="1197" kern="1200"/>
+  </cs:dataTable>
+  <cs:downBar>
+    <cs:lnRef idx="0"/>
+    <cs:fillRef idx="0"/>
+    <cs:effectRef idx="0"/>
+    <cs:fontRef idx="minor">
+      <a:schemeClr val="dk1"/>
+    </cs:fontRef>
+    <cs:spPr>
+      <a:solidFill>
+        <a:schemeClr val="dk1">
+          <a:lumMod val="65000"/>
+          <a:lumOff val="35000"/>
+        </a:schemeClr>
+      </a:solidFill>
+      <a:ln w="9525">
+        <a:solidFill>
+          <a:schemeClr val="tx1">
+            <a:lumMod val="65000"/>
+            <a:lumOff val="35000"/>
+          </a:schemeClr>
+        </a:solidFill>
+      </a:ln>
+    </cs:spPr>
+  </cs:downBar>
+  <cs:dropLine>
+    <cs:lnRef idx="0"/>
+    <cs:fillRef idx="0"/>
+    <cs:effectRef idx="0"/>
+    <cs:fontRef idx="minor">
+      <a:schemeClr val="tx1"/>
+    </cs:fontRef>
+    <cs:spPr>
+      <a:ln w="9525" cap="flat" cmpd="sng" algn="ctr">
+        <a:solidFill>
+          <a:schemeClr val="tx1">
+            <a:lumMod val="35000"/>
+            <a:lumOff val="65000"/>
+          </a:schemeClr>
+        </a:solidFill>
+        <a:round/>
+      </a:ln>
+    </cs:spPr>
+  </cs:dropLine>
+  <cs:errorBar>
+    <cs:lnRef idx="0"/>
+    <cs:fillRef idx="0"/>
+    <cs:effectRef idx="0"/>
+    <cs:fontRef idx="minor">
+      <a:schemeClr val="tx1"/>
+    </cs:fontRef>
+    <cs:spPr>
+      <a:ln w="9525" cap="flat" cmpd="sng" algn="ctr">
+        <a:solidFill>
+          <a:schemeClr val="tx1">
+            <a:lumMod val="65000"/>
+            <a:lumOff val="35000"/>
+          </a:schemeClr>
+        </a:solidFill>
+        <a:round/>
+      </a:ln>
+    </cs:spPr>
+  </cs:errorBar>
+  <cs:floor>
+    <cs:lnRef idx="0"/>
+    <cs:fillRef idx="0"/>
+    <cs:effectRef idx="0"/>
+    <cs:fontRef idx="minor">
+      <a:schemeClr val="tx1"/>
+    </cs:fontRef>
+    <cs:spPr>
+      <a:noFill/>
+      <a:ln>
+        <a:noFill/>
+      </a:ln>
+    </cs:spPr>
+  </cs:floor>
+  <cs:gridlineMajor>
+    <cs:lnRef idx="0"/>
+    <cs:fillRef idx="0"/>
+    <cs:effectRef idx="0"/>
+    <cs:fontRef idx="minor">
+      <a:schemeClr val="tx1"/>
+    </cs:fontRef>
+    <cs:spPr>
+      <a:ln w="9525" cap="flat" cmpd="sng" algn="ctr">
+        <a:solidFill>
+          <a:schemeClr val="tx1">
+            <a:lumMod val="15000"/>
+            <a:lumOff val="85000"/>
+          </a:schemeClr>
+        </a:solidFill>
+        <a:round/>
+      </a:ln>
+    </cs:spPr>
+  </cs:gridlineMajor>
+  <cs:gridlineMinor>
+    <cs:lnRef idx="0"/>
+    <cs:fillRef idx="0"/>
+    <cs:effectRef idx="0"/>
+    <cs:fontRef idx="minor">
+      <a:schemeClr val="tx1"/>
+    </cs:fontRef>
+    <cs:spPr>
+      <a:ln w="9525" cap="flat" cmpd="sng" algn="ctr">
+        <a:solidFill>
+          <a:schemeClr val="tx1">
+            <a:lumMod val="5000"/>
+            <a:lumOff val="95000"/>
+          </a:schemeClr>
+        </a:solidFill>
+        <a:round/>
+      </a:ln>
+    </cs:spPr>
+  </cs:gridlineMinor>
+  <cs:hiLoLine>
+    <cs:lnRef idx="0"/>
+    <cs:fillRef idx="0"/>
+    <cs:effectRef idx="0"/>
+    <cs:fontRef idx="minor">
+      <a:schemeClr val="tx1"/>
+    </cs:fontRef>
+    <cs:spPr>
+      <a:ln w="9525" cap="flat" cmpd="sng" algn="ctr">
+        <a:solidFill>
+          <a:schemeClr val="tx1">
+            <a:lumMod val="75000"/>
+            <a:lumOff val="25000"/>
+          </a:schemeClr>
+        </a:solidFill>
+        <a:round/>
+      </a:ln>
+    </cs:spPr>
+  </cs:hiLoLine>
+  <cs:leaderLine>
+    <cs:lnRef idx="0"/>
+    <cs:fillRef idx="0"/>
+    <cs:effectRef idx="0"/>
+    <cs:fontRef idx="minor">
+      <a:schemeClr val="tx1"/>
+    </cs:fontRef>
+    <cs:spPr>
+      <a:ln w="9525" cap="flat" cmpd="sng" algn="ctr">
+        <a:solidFill>
+          <a:schemeClr val="tx1">
+            <a:lumMod val="35000"/>
+            <a:lumOff val="65000"/>
+          </a:schemeClr>
+        </a:solidFill>
+        <a:round/>
+      </a:ln>
+    </cs:spPr>
+  </cs:leaderLine>
+  <cs:legend>
+    <cs:lnRef idx="0"/>
+    <cs:fillRef idx="0"/>
+    <cs:effectRef idx="0"/>
+    <cs:fontRef idx="minor">
+      <a:schemeClr val="tx1">
+        <a:lumMod val="65000"/>
+        <a:lumOff val="35000"/>
+      </a:schemeClr>
+    </cs:fontRef>
+    <cs:defRPr sz="1197" kern="1200"/>
+  </cs:legend>
+  <cs:plotArea mods="allowNoFillOverride allowNoLineOverride">
+    <cs:lnRef idx="0"/>
+    <cs:fillRef idx="0"/>
+    <cs:effectRef idx="0"/>
+    <cs:fontRef idx="minor">
+      <a:schemeClr val="tx1"/>
+    </cs:fontRef>
+  </cs:plotArea>
+  <cs:plotArea3D mods="allowNoFillOverride allowNoLineOverride">
+    <cs:lnRef idx="0"/>
+    <cs:fillRef idx="0"/>
+    <cs:effectRef idx="0"/>
+    <cs:fontRef idx="minor">
+      <a:schemeClr val="tx1"/>
+    </cs:fontRef>
+  </cs:plotArea3D>
+  <cs:seriesAxis>
+    <cs:lnRef idx="0"/>
+    <cs:fillRef idx="0"/>
+    <cs:effectRef idx="0"/>
+    <cs:fontRef idx="minor">
+      <a:schemeClr val="tx1">
+        <a:lumMod val="65000"/>
+        <a:lumOff val="35000"/>
+      </a:schemeClr>
+    </cs:fontRef>
+    <cs:defRPr sz="1197" kern="1200"/>
+  </cs:seriesAxis>
+  <cs:seriesLine>
+    <cs:lnRef idx="0"/>
+    <cs:fillRef idx="0"/>
+    <cs:effectRef idx="0"/>
+    <cs:fontRef idx="minor">
+      <a:schemeClr val="tx1"/>
+    </cs:fontRef>
+    <cs:spPr>
+      <a:ln w="9525" cap="flat" cmpd="sng" algn="ctr">
+        <a:solidFill>
+          <a:schemeClr val="tx1">
+            <a:lumMod val="35000"/>
+            <a:lumOff val="65000"/>
+          </a:schemeClr>
+        </a:solidFill>
+        <a:round/>
+      </a:ln>
+    </cs:spPr>
+  </cs:seriesLine>
+  <cs:title>
+    <cs:lnRef idx="0"/>
+    <cs:fillRef idx="0"/>
+    <cs:effectRef idx="0"/>
+    <cs:fontRef idx="minor">
+      <a:schemeClr val="tx1">
+        <a:lumMod val="65000"/>
+        <a:lumOff val="35000"/>
+      </a:schemeClr>
+    </cs:fontRef>
+    <cs:defRPr sz="1862" b="0" kern="1200" spc="0" baseline="0"/>
+  </cs:title>
+  <cs:trendline>
+    <cs:lnRef idx="0">
+      <cs:styleClr val="auto"/>
+    </cs:lnRef>
+    <cs:fillRef idx="0"/>
+    <cs:effectRef idx="0"/>
+    <cs:fontRef idx="minor">
+      <a:schemeClr val="tx1"/>
+    </cs:fontRef>
+    <cs:spPr>
+      <a:ln w="19050" cap="rnd">
+        <a:solidFill>
+          <a:schemeClr val="phClr"/>
+        </a:solidFill>
+        <a:prstDash val="sysDot"/>
+      </a:ln>
+    </cs:spPr>
+  </cs:trendline>
+  <cs:trendlineLabel>
+    <cs:lnRef idx="0"/>
+    <cs:fillRef idx="0"/>
+    <cs:effectRef idx="0"/>
+    <cs:fontRef idx="minor">
+      <a:schemeClr val="tx1">
+        <a:lumMod val="65000"/>
+        <a:lumOff val="35000"/>
+      </a:schemeClr>
+    </cs:fontRef>
+    <cs:defRPr sz="1197" kern="1200"/>
+  </cs:trendlineLabel>
+  <cs:upBar>
+    <cs:lnRef idx="0"/>
+    <cs:fillRef idx="0"/>
+    <cs:effectRef idx="0"/>
+    <cs:fontRef idx="minor">
+      <a:schemeClr val="dk1"/>
+    </cs:fontRef>
+    <cs:spPr>
+      <a:solidFill>
+        <a:schemeClr val="lt1"/>
+      </a:solidFill>
+      <a:ln w="9525">
+        <a:solidFill>
+          <a:schemeClr val="tx1">
+            <a:lumMod val="15000"/>
+            <a:lumOff val="85000"/>
+          </a:schemeClr>
+        </a:solidFill>
+      </a:ln>
+    </cs:spPr>
+  </cs:upBar>
+  <cs:valueAxis>
+    <cs:lnRef idx="0"/>
+    <cs:fillRef idx="0"/>
+    <cs:effectRef idx="0"/>
+    <cs:fontRef idx="minor">
+      <a:schemeClr val="tx1">
+        <a:lumMod val="65000"/>
+        <a:lumOff val="35000"/>
+      </a:schemeClr>
+    </cs:fontRef>
+    <cs:defRPr sz="1197" kern="1200"/>
+  </cs:valueAxis>
+  <cs:wall>
+    <cs:lnRef idx="0"/>
+    <cs:fillRef idx="0"/>
+    <cs:effectRef idx="0"/>
+    <cs:fontRef idx="minor">
+      <a:schemeClr val="tx1"/>
+    </cs:fontRef>
+    <cs:spPr>
+      <a:noFill/>
+      <a:ln>
+        <a:noFill/>
+      </a:ln>
+    </cs:spPr>
+  </cs:wall>
+</cs:chartStyle>
+</file>
+
+<file path=ppt/charts/style4.xml><?xml version="1.0" encoding="utf-8"?>
 <cs:chartStyle xmlns:cs="http://schemas.microsoft.com/office/drawing/2012/chartStyle" xmlns:a="http://schemas.openxmlformats.org/drawingml/2006/main" id="201">
   <cs:axisTitle>
     <cs:lnRef idx="0"/>
@@ -2832,7 +3706,7 @@
           <a:p>
             <a:fld id="{918A99C5-8D72-4F1C-8CDA-1CA5B268785D}" type="datetimeFigureOut">
               <a:rPr lang="de-DE" smtClean="0"/>
-              <a:t>02.12.2015</a:t>
+              <a:t>06.12.2015</a:t>
             </a:fld>
             <a:endParaRPr lang="de-DE"/>
           </a:p>
@@ -3002,7 +3876,7 @@
           <a:p>
             <a:fld id="{918A99C5-8D72-4F1C-8CDA-1CA5B268785D}" type="datetimeFigureOut">
               <a:rPr lang="de-DE" smtClean="0"/>
-              <a:t>02.12.2015</a:t>
+              <a:t>06.12.2015</a:t>
             </a:fld>
             <a:endParaRPr lang="de-DE"/>
           </a:p>
@@ -3182,7 +4056,7 @@
           <a:p>
             <a:fld id="{918A99C5-8D72-4F1C-8CDA-1CA5B268785D}" type="datetimeFigureOut">
               <a:rPr lang="de-DE" smtClean="0"/>
-              <a:t>02.12.2015</a:t>
+              <a:t>06.12.2015</a:t>
             </a:fld>
             <a:endParaRPr lang="de-DE"/>
           </a:p>
@@ -3352,7 +4226,7 @@
           <a:p>
             <a:fld id="{918A99C5-8D72-4F1C-8CDA-1CA5B268785D}" type="datetimeFigureOut">
               <a:rPr lang="de-DE" smtClean="0"/>
-              <a:t>02.12.2015</a:t>
+              <a:t>06.12.2015</a:t>
             </a:fld>
             <a:endParaRPr lang="de-DE"/>
           </a:p>
@@ -3598,7 +4472,7 @@
           <a:p>
             <a:fld id="{918A99C5-8D72-4F1C-8CDA-1CA5B268785D}" type="datetimeFigureOut">
               <a:rPr lang="de-DE" smtClean="0"/>
-              <a:t>02.12.2015</a:t>
+              <a:t>06.12.2015</a:t>
             </a:fld>
             <a:endParaRPr lang="de-DE"/>
           </a:p>
@@ -3830,7 +4704,7 @@
           <a:p>
             <a:fld id="{918A99C5-8D72-4F1C-8CDA-1CA5B268785D}" type="datetimeFigureOut">
               <a:rPr lang="de-DE" smtClean="0"/>
-              <a:t>02.12.2015</a:t>
+              <a:t>06.12.2015</a:t>
             </a:fld>
             <a:endParaRPr lang="de-DE"/>
           </a:p>
@@ -4197,7 +5071,7 @@
           <a:p>
             <a:fld id="{918A99C5-8D72-4F1C-8CDA-1CA5B268785D}" type="datetimeFigureOut">
               <a:rPr lang="de-DE" smtClean="0"/>
-              <a:t>02.12.2015</a:t>
+              <a:t>06.12.2015</a:t>
             </a:fld>
             <a:endParaRPr lang="de-DE"/>
           </a:p>
@@ -4315,7 +5189,7 @@
           <a:p>
             <a:fld id="{918A99C5-8D72-4F1C-8CDA-1CA5B268785D}" type="datetimeFigureOut">
               <a:rPr lang="de-DE" smtClean="0"/>
-              <a:t>02.12.2015</a:t>
+              <a:t>06.12.2015</a:t>
             </a:fld>
             <a:endParaRPr lang="de-DE"/>
           </a:p>
@@ -4410,7 +5284,7 @@
           <a:p>
             <a:fld id="{918A99C5-8D72-4F1C-8CDA-1CA5B268785D}" type="datetimeFigureOut">
               <a:rPr lang="de-DE" smtClean="0"/>
-              <a:t>02.12.2015</a:t>
+              <a:t>06.12.2015</a:t>
             </a:fld>
             <a:endParaRPr lang="de-DE"/>
           </a:p>
@@ -4687,7 +5561,7 @@
           <a:p>
             <a:fld id="{918A99C5-8D72-4F1C-8CDA-1CA5B268785D}" type="datetimeFigureOut">
               <a:rPr lang="de-DE" smtClean="0"/>
-              <a:t>02.12.2015</a:t>
+              <a:t>06.12.2015</a:t>
             </a:fld>
             <a:endParaRPr lang="de-DE"/>
           </a:p>
@@ -4940,7 +5814,7 @@
           <a:p>
             <a:fld id="{918A99C5-8D72-4F1C-8CDA-1CA5B268785D}" type="datetimeFigureOut">
               <a:rPr lang="de-DE" smtClean="0"/>
-              <a:t>02.12.2015</a:t>
+              <a:t>06.12.2015</a:t>
             </a:fld>
             <a:endParaRPr lang="de-DE"/>
           </a:p>
@@ -5153,7 +6027,7 @@
           <a:p>
             <a:fld id="{918A99C5-8D72-4F1C-8CDA-1CA5B268785D}" type="datetimeFigureOut">
               <a:rPr lang="de-DE" smtClean="0"/>
-              <a:t>02.12.2015</a:t>
+              <a:t>06.12.2015</a:t>
             </a:fld>
             <a:endParaRPr lang="de-DE"/>
           </a:p>
@@ -5614,211 +6488,6 @@
           </a:p>
         </p:txBody>
       </p:sp>
-      <p:sp>
-        <p:nvSpPr>
-          <p:cNvPr id="6" name="Rechteck 5"/>
-          <p:cNvSpPr/>
-          <p:nvPr/>
-        </p:nvSpPr>
-        <p:spPr>
-          <a:xfrm>
-            <a:off x="767408" y="2708262"/>
-            <a:ext cx="1440160" cy="1440160"/>
-          </a:xfrm>
-          <a:prstGeom prst="rect">
-            <a:avLst/>
-          </a:prstGeom>
-          <a:solidFill>
-            <a:srgbClr val="2196F2"/>
-          </a:solidFill>
-          <a:ln>
-            <a:noFill/>
-          </a:ln>
-        </p:spPr>
-        <p:style>
-          <a:lnRef idx="2">
-            <a:schemeClr val="accent1">
-              <a:shade val="50000"/>
-            </a:schemeClr>
-          </a:lnRef>
-          <a:fillRef idx="1">
-            <a:schemeClr val="accent1"/>
-          </a:fillRef>
-          <a:effectRef idx="0">
-            <a:schemeClr val="accent1"/>
-          </a:effectRef>
-          <a:fontRef idx="minor">
-            <a:schemeClr val="lt1"/>
-          </a:fontRef>
-        </p:style>
-        <p:txBody>
-          <a:bodyPr rtlCol="0" anchor="ctr"/>
-          <a:lstStyle/>
-          <a:p>
-            <a:pPr algn="ctr"/>
-            <a:r>
-              <a:rPr lang="de-DE" sz="4800" dirty="0" smtClean="0">
-                <a:latin typeface="Segoe UI Light" panose="020B0502040204020203" pitchFamily="34" charset="0"/>
-                <a:cs typeface="Segoe UI Light" panose="020B0502040204020203" pitchFamily="34" charset="0"/>
-              </a:rPr>
-              <a:t>0</a:t>
-            </a:r>
-            <a:endParaRPr lang="de-DE" sz="4800" dirty="0">
-              <a:latin typeface="Segoe UI Light" panose="020B0502040204020203" pitchFamily="34" charset="0"/>
-              <a:cs typeface="Segoe UI Light" panose="020B0502040204020203" pitchFamily="34" charset="0"/>
-            </a:endParaRPr>
-          </a:p>
-        </p:txBody>
-      </p:sp>
-      <p:sp>
-        <p:nvSpPr>
-          <p:cNvPr id="8" name="Rechteck 7"/>
-          <p:cNvSpPr/>
-          <p:nvPr/>
-        </p:nvSpPr>
-        <p:spPr>
-          <a:xfrm>
-            <a:off x="767408" y="4545544"/>
-            <a:ext cx="1440160" cy="1440160"/>
-          </a:xfrm>
-          <a:prstGeom prst="rect">
-            <a:avLst/>
-          </a:prstGeom>
-          <a:solidFill>
-            <a:srgbClr val="2196F2"/>
-          </a:solidFill>
-          <a:ln>
-            <a:noFill/>
-          </a:ln>
-        </p:spPr>
-        <p:style>
-          <a:lnRef idx="2">
-            <a:schemeClr val="accent1">
-              <a:shade val="50000"/>
-            </a:schemeClr>
-          </a:lnRef>
-          <a:fillRef idx="1">
-            <a:schemeClr val="accent1"/>
-          </a:fillRef>
-          <a:effectRef idx="0">
-            <a:schemeClr val="accent1"/>
-          </a:effectRef>
-          <a:fontRef idx="minor">
-            <a:schemeClr val="lt1"/>
-          </a:fontRef>
-        </p:style>
-        <p:txBody>
-          <a:bodyPr rtlCol="0" anchor="ctr"/>
-          <a:lstStyle/>
-          <a:p>
-            <a:pPr algn="ctr"/>
-            <a:r>
-              <a:rPr lang="de-DE" sz="4800" dirty="0" smtClean="0">
-                <a:latin typeface="Segoe UI Light" panose="020B0502040204020203" pitchFamily="34" charset="0"/>
-                <a:cs typeface="Segoe UI Light" panose="020B0502040204020203" pitchFamily="34" charset="0"/>
-              </a:rPr>
-              <a:t>4,7</a:t>
-            </a:r>
-            <a:endParaRPr lang="de-DE" sz="4800" dirty="0">
-              <a:latin typeface="Segoe UI Light" panose="020B0502040204020203" pitchFamily="34" charset="0"/>
-              <a:cs typeface="Segoe UI Light" panose="020B0502040204020203" pitchFamily="34" charset="0"/>
-            </a:endParaRPr>
-          </a:p>
-        </p:txBody>
-      </p:sp>
-      <p:sp>
-        <p:nvSpPr>
-          <p:cNvPr id="11" name="Textfeld 10"/>
-          <p:cNvSpPr txBox="1"/>
-          <p:nvPr/>
-        </p:nvSpPr>
-        <p:spPr>
-          <a:xfrm>
-            <a:off x="769368" y="3779090"/>
-            <a:ext cx="1440160" cy="276999"/>
-          </a:xfrm>
-          <a:prstGeom prst="rect">
-            <a:avLst/>
-          </a:prstGeom>
-          <a:noFill/>
-        </p:spPr>
-        <p:txBody>
-          <a:bodyPr wrap="square" rtlCol="0">
-            <a:spAutoFit/>
-          </a:bodyPr>
-          <a:lstStyle/>
-          <a:p>
-            <a:pPr algn="ctr"/>
-            <a:r>
-              <a:rPr lang="de-DE" sz="1200" dirty="0" err="1" smtClean="0">
-                <a:solidFill>
-                  <a:schemeClr val="bg1"/>
-                </a:solidFill>
-                <a:latin typeface="Segoe UI Light" panose="020B0502040204020203" pitchFamily="34" charset="0"/>
-                <a:cs typeface="Segoe UI Light" panose="020B0502040204020203" pitchFamily="34" charset="0"/>
-              </a:rPr>
-              <a:t>ms</a:t>
-            </a:r>
-            <a:r>
-              <a:rPr lang="de-DE" sz="1200" dirty="0" smtClean="0">
-                <a:solidFill>
-                  <a:schemeClr val="bg1"/>
-                </a:solidFill>
-                <a:latin typeface="Segoe UI Light" panose="020B0502040204020203" pitchFamily="34" charset="0"/>
-                <a:cs typeface="Segoe UI Light" panose="020B0502040204020203" pitchFamily="34" charset="0"/>
-              </a:rPr>
-              <a:t> </a:t>
-            </a:r>
-            <a:r>
-              <a:rPr lang="de-DE" sz="1200" dirty="0" err="1" smtClean="0">
-                <a:solidFill>
-                  <a:schemeClr val="bg1"/>
-                </a:solidFill>
-                <a:latin typeface="Segoe UI Light" panose="020B0502040204020203" pitchFamily="34" charset="0"/>
-                <a:cs typeface="Segoe UI Light" panose="020B0502040204020203" pitchFamily="34" charset="0"/>
-              </a:rPr>
-              <a:t>forced</a:t>
-            </a:r>
-            <a:r>
-              <a:rPr lang="de-DE" sz="1200" dirty="0" smtClean="0">
-                <a:solidFill>
-                  <a:schemeClr val="bg1"/>
-                </a:solidFill>
-                <a:latin typeface="Segoe UI Light" panose="020B0502040204020203" pitchFamily="34" charset="0"/>
-                <a:cs typeface="Segoe UI Light" panose="020B0502040204020203" pitchFamily="34" charset="0"/>
-              </a:rPr>
-              <a:t> </a:t>
-            </a:r>
-            <a:r>
-              <a:rPr lang="de-DE" sz="1200" dirty="0" err="1" smtClean="0">
-                <a:solidFill>
-                  <a:schemeClr val="bg1"/>
-                </a:solidFill>
-                <a:latin typeface="Segoe UI Light" panose="020B0502040204020203" pitchFamily="34" charset="0"/>
-                <a:cs typeface="Segoe UI Light" panose="020B0502040204020203" pitchFamily="34" charset="0"/>
-              </a:rPr>
-              <a:t>delay</a:t>
-            </a:r>
-            <a:r>
-              <a:rPr lang="de-DE" sz="1200" dirty="0" smtClean="0">
-                <a:solidFill>
-                  <a:schemeClr val="bg1"/>
-                </a:solidFill>
-                <a:latin typeface="Segoe UI Light" panose="020B0502040204020203" pitchFamily="34" charset="0"/>
-                <a:cs typeface="Segoe UI Light" panose="020B0502040204020203" pitchFamily="34" charset="0"/>
-              </a:rPr>
-              <a:t> (t)</a:t>
-            </a:r>
-            <a:endParaRPr lang="de-DE" sz="1200" dirty="0">
-              <a:solidFill>
-                <a:schemeClr val="bg1"/>
-              </a:solidFill>
-              <a:latin typeface="Segoe UI Light" panose="020B0502040204020203" pitchFamily="34" charset="0"/>
-              <a:cs typeface="Segoe UI Light" panose="020B0502040204020203" pitchFamily="34" charset="0"/>
-            </a:endParaRPr>
-          </a:p>
-        </p:txBody>
-      </p:sp>
       <p:graphicFrame>
         <p:nvGraphicFramePr>
           <p:cNvPr id="12" name="Tabelle 11"/>
@@ -5828,14 +6497,14 @@
           <p:nvPr>
             <p:extLst>
               <p:ext uri="{D42A27DB-BD31-4B8C-83A1-F6EECF244321}">
-                <p14:modId xmlns:p14="http://schemas.microsoft.com/office/powerpoint/2010/main" val="814249210"/>
+                <p14:modId xmlns:p14="http://schemas.microsoft.com/office/powerpoint/2010/main" val="2339103255"/>
               </p:ext>
             </p:extLst>
           </p:nvPr>
         </p:nvGraphicFramePr>
         <p:xfrm>
           <a:off x="4367051" y="908719"/>
-          <a:ext cx="3605302" cy="5076985"/>
+          <a:ext cx="3605302" cy="5076988"/>
         </p:xfrm>
         <a:graphic>
           <a:graphicData uri="http://schemas.openxmlformats.org/drawingml/2006/table">
@@ -5847,19 +6516,19 @@
                 <a:gridCol w="1802651">
                   <a:extLst>
                     <a:ext uri="{9D8B030D-6E8A-4147-A177-3AD203B41FA5}">
-                      <a16:colId xmlns="" xmlns:a16="http://schemas.microsoft.com/office/drawing/2014/main" val="20000"/>
+                      <a16:colId xmlns:a16="http://schemas.microsoft.com/office/drawing/2014/main" xmlns="" val="20000"/>
                     </a:ext>
                   </a:extLst>
                 </a:gridCol>
                 <a:gridCol w="1802651">
                   <a:extLst>
                     <a:ext uri="{9D8B030D-6E8A-4147-A177-3AD203B41FA5}">
-                      <a16:colId xmlns="" xmlns:a16="http://schemas.microsoft.com/office/drawing/2014/main" val="20001"/>
+                      <a16:colId xmlns:a16="http://schemas.microsoft.com/office/drawing/2014/main" xmlns="" val="20001"/>
                     </a:ext>
                   </a:extLst>
                 </a:gridCol>
               </a:tblGrid>
-              <a:tr h="1015397">
+              <a:tr h="725284">
                 <a:tc>
                   <a:txBody>
                     <a:bodyPr/>
@@ -5867,7 +6536,113 @@
                     <a:p>
                       <a:pPr algn="r"/>
                       <a:r>
-                        <a:rPr lang="de-DE" sz="3200" dirty="0" smtClean="0">
+                        <a:rPr lang="de-DE" sz="3200" b="0" dirty="0" err="1" smtClean="0">
+                          <a:solidFill>
+                            <a:schemeClr val="tx1">
+                              <a:lumMod val="85000"/>
+                              <a:lumOff val="15000"/>
+                            </a:schemeClr>
+                          </a:solidFill>
+                          <a:latin typeface="Segoe UI Light" panose="020B0502040204020203" pitchFamily="34" charset="0"/>
+                          <a:cs typeface="Segoe UI Light" panose="020B0502040204020203" pitchFamily="34" charset="0"/>
+                        </a:rPr>
+                        <a:t>Requests</a:t>
+                      </a:r>
+                      <a:endParaRPr lang="de-DE" sz="3200" b="0" dirty="0">
+                        <a:solidFill>
+                          <a:schemeClr val="tx1">
+                            <a:lumMod val="85000"/>
+                            <a:lumOff val="15000"/>
+                          </a:schemeClr>
+                        </a:solidFill>
+                        <a:latin typeface="Segoe UI Light" panose="020B0502040204020203" pitchFamily="34" charset="0"/>
+                        <a:cs typeface="Segoe UI Light" panose="020B0502040204020203" pitchFamily="34" charset="0"/>
+                      </a:endParaRPr>
+                    </a:p>
+                  </a:txBody>
+                  <a:tcPr anchor="ctr">
+                    <a:lnR w="12700" cap="flat" cmpd="sng" algn="ctr">
+                      <a:solidFill>
+                        <a:schemeClr val="tx1"/>
+                      </a:solidFill>
+                      <a:prstDash val="solid"/>
+                      <a:round/>
+                      <a:headEnd type="none" w="med" len="med"/>
+                      <a:tailEnd type="none" w="med" len="med"/>
+                    </a:lnR>
+                    <a:lnB w="12700" cap="flat" cmpd="sng" algn="ctr">
+                      <a:solidFill>
+                        <a:schemeClr val="tx1"/>
+                      </a:solidFill>
+                      <a:prstDash val="solid"/>
+                      <a:round/>
+                      <a:headEnd type="none" w="med" len="med"/>
+                      <a:tailEnd type="none" w="med" len="med"/>
+                    </a:lnB>
+                  </a:tcPr>
+                </a:tc>
+                <a:tc>
+                  <a:txBody>
+                    <a:bodyPr/>
+                    <a:lstStyle/>
+                    <a:p>
+                      <a:pPr algn="l"/>
+                      <a:r>
+                        <a:rPr lang="de-DE" sz="3200" b="0" dirty="0" smtClean="0">
+                          <a:solidFill>
+                            <a:schemeClr val="tx1">
+                              <a:lumMod val="85000"/>
+                              <a:lumOff val="15000"/>
+                            </a:schemeClr>
+                          </a:solidFill>
+                          <a:latin typeface="Segoe UI Light" panose="020B0502040204020203" pitchFamily="34" charset="0"/>
+                          <a:cs typeface="Segoe UI Light" panose="020B0502040204020203" pitchFamily="34" charset="0"/>
+                        </a:rPr>
+                        <a:t>4812</a:t>
+                      </a:r>
+                      <a:endParaRPr lang="de-DE" sz="3200" b="0" dirty="0">
+                        <a:solidFill>
+                          <a:schemeClr val="tx1">
+                            <a:lumMod val="85000"/>
+                            <a:lumOff val="15000"/>
+                          </a:schemeClr>
+                        </a:solidFill>
+                        <a:latin typeface="Segoe UI Light" panose="020B0502040204020203" pitchFamily="34" charset="0"/>
+                        <a:cs typeface="Segoe UI Light" panose="020B0502040204020203" pitchFamily="34" charset="0"/>
+                      </a:endParaRPr>
+                    </a:p>
+                  </a:txBody>
+                  <a:tcPr anchor="ctr">
+                    <a:lnL w="12700" cap="flat" cmpd="sng" algn="ctr">
+                      <a:solidFill>
+                        <a:schemeClr val="tx1"/>
+                      </a:solidFill>
+                      <a:prstDash val="solid"/>
+                      <a:round/>
+                      <a:headEnd type="none" w="med" len="med"/>
+                      <a:tailEnd type="none" w="med" len="med"/>
+                    </a:lnL>
+                    <a:lnB w="12700" cap="flat" cmpd="sng" algn="ctr">
+                      <a:solidFill>
+                        <a:schemeClr val="tx1"/>
+                      </a:solidFill>
+                      <a:prstDash val="solid"/>
+                      <a:round/>
+                      <a:headEnd type="none" w="med" len="med"/>
+                      <a:tailEnd type="none" w="med" len="med"/>
+                    </a:lnB>
+                  </a:tcPr>
+                </a:tc>
+              </a:tr>
+              <a:tr h="725284">
+                <a:tc>
+                  <a:txBody>
+                    <a:bodyPr/>
+                    <a:lstStyle/>
+                    <a:p>
+                      <a:pPr algn="r"/>
+                      <a:r>
+                        <a:rPr lang="de-DE" sz="3200" b="0" dirty="0" smtClean="0">
                           <a:latin typeface="Segoe UI Light" panose="020B0502040204020203" pitchFamily="34" charset="0"/>
                           <a:cs typeface="Segoe UI Light" panose="020B0502040204020203" pitchFamily="34" charset="0"/>
                         </a:rPr>
@@ -5895,6 +6670,15 @@
                       <a:headEnd type="none" w="med" len="med"/>
                       <a:tailEnd type="none" w="med" len="med"/>
                     </a:lnR>
+                    <a:lnT w="12700" cap="flat" cmpd="sng" algn="ctr">
+                      <a:solidFill>
+                        <a:schemeClr val="tx1"/>
+                      </a:solidFill>
+                      <a:prstDash val="solid"/>
+                      <a:round/>
+                      <a:headEnd type="none" w="med" len="med"/>
+                      <a:tailEnd type="none" w="med" len="med"/>
+                    </a:lnT>
                   </a:tcPr>
                 </a:tc>
                 <a:tc>
@@ -5908,7 +6692,7 @@
                           <a:latin typeface="Segoe UI Light" panose="020B0502040204020203" pitchFamily="34" charset="0"/>
                           <a:cs typeface="Segoe UI Light" panose="020B0502040204020203" pitchFamily="34" charset="0"/>
                         </a:rPr>
-                        <a:t>120ms</a:t>
+                        <a:t>93ms</a:t>
                       </a:r>
                       <a:endParaRPr lang="de-DE" sz="3200" b="0" dirty="0">
                         <a:solidFill>
@@ -5932,15 +6716,24 @@
                       <a:headEnd type="none" w="med" len="med"/>
                       <a:tailEnd type="none" w="med" len="med"/>
                     </a:lnL>
+                    <a:lnT w="12700" cap="flat" cmpd="sng" algn="ctr">
+                      <a:solidFill>
+                        <a:schemeClr val="tx1"/>
+                      </a:solidFill>
+                      <a:prstDash val="solid"/>
+                      <a:round/>
+                      <a:headEnd type="none" w="med" len="med"/>
+                      <a:tailEnd type="none" w="med" len="med"/>
+                    </a:lnT>
                   </a:tcPr>
                 </a:tc>
                 <a:extLst>
                   <a:ext uri="{0D108BD9-81ED-4DB2-BD59-A6C34878D82A}">
-                    <a16:rowId xmlns="" xmlns:a16="http://schemas.microsoft.com/office/drawing/2014/main" val="10000"/>
+                    <a16:rowId xmlns:a16="http://schemas.microsoft.com/office/drawing/2014/main" xmlns="" val="10000"/>
                   </a:ext>
                 </a:extLst>
               </a:tr>
-              <a:tr h="1015397">
+              <a:tr h="725284">
                 <a:tc>
                   <a:txBody>
                     <a:bodyPr/>
@@ -5948,7 +6741,7 @@
                     <a:p>
                       <a:pPr algn="r"/>
                       <a:r>
-                        <a:rPr lang="de-DE" sz="3200" dirty="0" smtClean="0">
+                        <a:rPr lang="de-DE" sz="3200" b="0" dirty="0" smtClean="0">
                           <a:latin typeface="Segoe UI Light" panose="020B0502040204020203" pitchFamily="34" charset="0"/>
                           <a:cs typeface="Segoe UI Light" panose="020B0502040204020203" pitchFamily="34" charset="0"/>
                         </a:rPr>
@@ -5989,7 +6782,7 @@
                           <a:latin typeface="Segoe UI Light" panose="020B0502040204020203" pitchFamily="34" charset="0"/>
                           <a:cs typeface="Segoe UI Light" panose="020B0502040204020203" pitchFamily="34" charset="0"/>
                         </a:rPr>
-                        <a:t>148ms</a:t>
+                        <a:t>174ms</a:t>
                       </a:r>
                       <a:endParaRPr lang="de-DE" sz="3200" b="0" dirty="0">
                         <a:solidFill>
@@ -6017,11 +6810,11 @@
                 </a:tc>
                 <a:extLst>
                   <a:ext uri="{0D108BD9-81ED-4DB2-BD59-A6C34878D82A}">
-                    <a16:rowId xmlns="" xmlns:a16="http://schemas.microsoft.com/office/drawing/2014/main" val="10001"/>
+                    <a16:rowId xmlns:a16="http://schemas.microsoft.com/office/drawing/2014/main" xmlns="" val="10001"/>
                   </a:ext>
                 </a:extLst>
               </a:tr>
-              <a:tr h="1015397">
+              <a:tr h="725284">
                 <a:tc>
                   <a:txBody>
                     <a:bodyPr/>
@@ -6029,7 +6822,7 @@
                     <a:p>
                       <a:pPr algn="r"/>
                       <a:r>
-                        <a:rPr lang="de-DE" sz="3200" dirty="0" smtClean="0">
+                        <a:rPr lang="de-DE" sz="3200" b="0" dirty="0" smtClean="0">
                           <a:latin typeface="Segoe UI Light" panose="020B0502040204020203" pitchFamily="34" charset="0"/>
                           <a:cs typeface="Segoe UI Light" panose="020B0502040204020203" pitchFamily="34" charset="0"/>
                         </a:rPr>
@@ -6070,7 +6863,7 @@
                           <a:latin typeface="Segoe UI Light" panose="020B0502040204020203" pitchFamily="34" charset="0"/>
                           <a:cs typeface="Segoe UI Light" panose="020B0502040204020203" pitchFamily="34" charset="0"/>
                         </a:rPr>
-                        <a:t>129ms</a:t>
+                        <a:t>80ms</a:t>
                       </a:r>
                       <a:endParaRPr lang="de-DE" sz="3200" b="0" dirty="0">
                         <a:solidFill>
@@ -6098,11 +6891,11 @@
                 </a:tc>
                 <a:extLst>
                   <a:ext uri="{0D108BD9-81ED-4DB2-BD59-A6C34878D82A}">
-                    <a16:rowId xmlns="" xmlns:a16="http://schemas.microsoft.com/office/drawing/2014/main" val="10002"/>
+                    <a16:rowId xmlns:a16="http://schemas.microsoft.com/office/drawing/2014/main" xmlns="" val="10002"/>
                   </a:ext>
                 </a:extLst>
               </a:tr>
-              <a:tr h="1015397">
+              <a:tr h="725284">
                 <a:tc>
                   <a:txBody>
                     <a:bodyPr/>
@@ -6110,7 +6903,7 @@
                     <a:p>
                       <a:pPr algn="r"/>
                       <a:r>
-                        <a:rPr lang="de-DE" sz="3200" dirty="0" smtClean="0">
+                        <a:rPr lang="de-DE" sz="3200" b="0" dirty="0" smtClean="0">
                           <a:latin typeface="Segoe UI Light" panose="020B0502040204020203" pitchFamily="34" charset="0"/>
                           <a:cs typeface="Segoe UI Light" panose="020B0502040204020203" pitchFamily="34" charset="0"/>
                         </a:rPr>
@@ -6151,7 +6944,7 @@
                           <a:latin typeface="Segoe UI Light" panose="020B0502040204020203" pitchFamily="34" charset="0"/>
                           <a:cs typeface="Segoe UI Light" panose="020B0502040204020203" pitchFamily="34" charset="0"/>
                         </a:rPr>
-                        <a:t>148ms</a:t>
+                        <a:t>274ms</a:t>
                       </a:r>
                       <a:endParaRPr lang="de-DE" sz="3200" b="0" dirty="0">
                         <a:solidFill>
@@ -6179,11 +6972,11 @@
                 </a:tc>
                 <a:extLst>
                   <a:ext uri="{0D108BD9-81ED-4DB2-BD59-A6C34878D82A}">
-                    <a16:rowId xmlns="" xmlns:a16="http://schemas.microsoft.com/office/drawing/2014/main" val="10003"/>
+                    <a16:rowId xmlns:a16="http://schemas.microsoft.com/office/drawing/2014/main" xmlns="" val="10003"/>
                   </a:ext>
                 </a:extLst>
               </a:tr>
-              <a:tr h="1015397">
+              <a:tr h="725284">
                 <a:tc>
                   <a:txBody>
                     <a:bodyPr/>
@@ -6191,7 +6984,7 @@
                     <a:p>
                       <a:pPr algn="r"/>
                       <a:r>
-                        <a:rPr lang="de-DE" sz="3200" dirty="0" smtClean="0">
+                        <a:rPr lang="de-DE" sz="3200" b="0" dirty="0" smtClean="0">
                           <a:latin typeface="Segoe UI Light" panose="020B0502040204020203" pitchFamily="34" charset="0"/>
                           <a:cs typeface="Segoe UI Light" panose="020B0502040204020203" pitchFamily="34" charset="0"/>
                         </a:rPr>
@@ -6232,7 +7025,7 @@
                           <a:latin typeface="Segoe UI Light" panose="020B0502040204020203" pitchFamily="34" charset="0"/>
                           <a:cs typeface="Segoe UI Light" panose="020B0502040204020203" pitchFamily="34" charset="0"/>
                         </a:rPr>
-                        <a:t>117ms</a:t>
+                        <a:t>85ms</a:t>
                       </a:r>
                       <a:endParaRPr lang="de-DE" sz="3200" b="0" dirty="0">
                         <a:solidFill>
@@ -6260,7 +7053,100 @@
                 </a:tc>
                 <a:extLst>
                   <a:ext uri="{0D108BD9-81ED-4DB2-BD59-A6C34878D82A}">
-                    <a16:rowId xmlns="" xmlns:a16="http://schemas.microsoft.com/office/drawing/2014/main" val="10004"/>
+                    <a16:rowId xmlns:a16="http://schemas.microsoft.com/office/drawing/2014/main" xmlns="" val="10004"/>
+                  </a:ext>
+                </a:extLst>
+              </a:tr>
+              <a:tr h="725284">
+                <a:tc>
+                  <a:txBody>
+                    <a:bodyPr/>
+                    <a:lstStyle/>
+                    <a:p>
+                      <a:pPr algn="r"/>
+                      <a:r>
+                        <a:rPr lang="de-DE" sz="3200" b="0" dirty="0" smtClean="0">
+                          <a:solidFill>
+                            <a:schemeClr val="tx1">
+                              <a:lumMod val="85000"/>
+                              <a:lumOff val="15000"/>
+                            </a:schemeClr>
+                          </a:solidFill>
+                          <a:latin typeface="Segoe UI Light" panose="020B0502040204020203" pitchFamily="34" charset="0"/>
+                          <a:cs typeface="Segoe UI Light" panose="020B0502040204020203" pitchFamily="34" charset="0"/>
+                        </a:rPr>
+                        <a:t>Q6</a:t>
+                      </a:r>
+                      <a:endParaRPr lang="de-DE" sz="3200" b="0" dirty="0">
+                        <a:solidFill>
+                          <a:schemeClr val="tx1">
+                            <a:lumMod val="85000"/>
+                            <a:lumOff val="15000"/>
+                          </a:schemeClr>
+                        </a:solidFill>
+                        <a:latin typeface="Segoe UI Light" panose="020B0502040204020203" pitchFamily="34" charset="0"/>
+                        <a:cs typeface="Segoe UI Light" panose="020B0502040204020203" pitchFamily="34" charset="0"/>
+                      </a:endParaRPr>
+                    </a:p>
+                  </a:txBody>
+                  <a:tcPr anchor="ctr">
+                    <a:lnR w="12700" cap="flat" cmpd="sng" algn="ctr">
+                      <a:solidFill>
+                        <a:schemeClr val="tx1"/>
+                      </a:solidFill>
+                      <a:prstDash val="solid"/>
+                      <a:round/>
+                      <a:headEnd type="none" w="med" len="med"/>
+                      <a:tailEnd type="none" w="med" len="med"/>
+                    </a:lnR>
+                  </a:tcPr>
+                </a:tc>
+                <a:tc>
+                  <a:txBody>
+                    <a:bodyPr/>
+                    <a:lstStyle/>
+                    <a:p>
+                      <a:pPr algn="l"/>
+                      <a:r>
+                        <a:rPr lang="de-DE" sz="3200" b="0" dirty="0" smtClean="0">
+                          <a:solidFill>
+                            <a:schemeClr val="tx1">
+                              <a:lumMod val="85000"/>
+                              <a:lumOff val="15000"/>
+                            </a:schemeClr>
+                          </a:solidFill>
+                          <a:latin typeface="Segoe UI Light" panose="020B0502040204020203" pitchFamily="34" charset="0"/>
+                          <a:cs typeface="Segoe UI Light" panose="020B0502040204020203" pitchFamily="34" charset="0"/>
+                        </a:rPr>
+                        <a:t>84ms</a:t>
+                      </a:r>
+                      <a:endParaRPr lang="de-DE" sz="3200" b="0" dirty="0">
+                        <a:solidFill>
+                          <a:schemeClr val="tx1">
+                            <a:lumMod val="85000"/>
+                            <a:lumOff val="15000"/>
+                          </a:schemeClr>
+                        </a:solidFill>
+                        <a:latin typeface="Segoe UI Light" panose="020B0502040204020203" pitchFamily="34" charset="0"/>
+                        <a:cs typeface="Segoe UI Light" panose="020B0502040204020203" pitchFamily="34" charset="0"/>
+                      </a:endParaRPr>
+                    </a:p>
+                  </a:txBody>
+                  <a:tcPr anchor="ctr">
+                    <a:lnL w="12700" cap="flat" cmpd="sng" algn="ctr">
+                      <a:solidFill>
+                        <a:schemeClr val="tx1"/>
+                      </a:solidFill>
+                      <a:prstDash val="solid"/>
+                      <a:round/>
+                      <a:headEnd type="none" w="med" len="med"/>
+                      <a:tailEnd type="none" w="med" len="med"/>
+                    </a:lnL>
+                  </a:tcPr>
+                </a:tc>
+                <a:extLst>
+                  <a:ext uri="{0D108BD9-81ED-4DB2-BD59-A6C34878D82A}">
+                    <a16:rowId xmlns:a16="http://schemas.microsoft.com/office/drawing/2014/main" xmlns="" val="10005"/>
                   </a:ext>
                 </a:extLst>
               </a:tr>
@@ -6315,7 +7201,7 @@
                 <a:latin typeface="Segoe UI Light" panose="020B0502040204020203" pitchFamily="34" charset="0"/>
                 <a:cs typeface="Segoe UI Light" panose="020B0502040204020203" pitchFamily="34" charset="0"/>
               </a:rPr>
-              <a:t>122</a:t>
+              <a:t>250</a:t>
             </a:r>
             <a:endParaRPr lang="de-DE" sz="4800" dirty="0">
               <a:latin typeface="Segoe UI Light" panose="020B0502040204020203" pitchFamily="34" charset="0"/>
@@ -6365,7 +7251,7 @@
                 <a:latin typeface="Segoe UI Light" panose="020B0502040204020203" pitchFamily="34" charset="0"/>
                 <a:cs typeface="Segoe UI Light" panose="020B0502040204020203" pitchFamily="34" charset="0"/>
               </a:rPr>
-              <a:t> real </a:t>
+              <a:t> </a:t>
             </a:r>
             <a:r>
               <a:rPr lang="de-DE" sz="1200" dirty="0" err="1" smtClean="0">
@@ -6377,39 +7263,6 @@
               </a:rPr>
               <a:t>delay</a:t>
             </a:r>
-            <a:endParaRPr lang="de-DE" sz="1200" dirty="0">
-              <a:solidFill>
-                <a:schemeClr val="bg1"/>
-              </a:solidFill>
-              <a:latin typeface="Segoe UI Light" panose="020B0502040204020203" pitchFamily="34" charset="0"/>
-              <a:cs typeface="Segoe UI Light" panose="020B0502040204020203" pitchFamily="34" charset="0"/>
-            </a:endParaRPr>
-          </a:p>
-        </p:txBody>
-      </p:sp>
-      <p:sp>
-        <p:nvSpPr>
-          <p:cNvPr id="15" name="Textfeld 14"/>
-          <p:cNvSpPr txBox="1"/>
-          <p:nvPr/>
-        </p:nvSpPr>
-        <p:spPr>
-          <a:xfrm>
-            <a:off x="800843" y="5616372"/>
-            <a:ext cx="1440160" cy="276999"/>
-          </a:xfrm>
-          <a:prstGeom prst="rect">
-            <a:avLst/>
-          </a:prstGeom>
-          <a:noFill/>
-        </p:spPr>
-        <p:txBody>
-          <a:bodyPr wrap="square" rtlCol="0">
-            <a:spAutoFit/>
-          </a:bodyPr>
-          <a:lstStyle/>
-          <a:p>
-            <a:pPr algn="ctr"/>
             <a:r>
               <a:rPr lang="de-DE" sz="1200" dirty="0" smtClean="0">
                 <a:solidFill>
@@ -6418,17 +7271,7 @@
                 <a:latin typeface="Segoe UI Light" panose="020B0502040204020203" pitchFamily="34" charset="0"/>
                 <a:cs typeface="Segoe UI Light" panose="020B0502040204020203" pitchFamily="34" charset="0"/>
               </a:rPr>
-              <a:t>min </a:t>
-            </a:r>
-            <a:r>
-              <a:rPr lang="de-DE" sz="1200" dirty="0" err="1" smtClean="0">
-                <a:solidFill>
-                  <a:schemeClr val="bg1"/>
-                </a:solidFill>
-                <a:latin typeface="Segoe UI Light" panose="020B0502040204020203" pitchFamily="34" charset="0"/>
-                <a:cs typeface="Segoe UI Light" panose="020B0502040204020203" pitchFamily="34" charset="0"/>
-              </a:rPr>
-              <a:t>runtime</a:t>
+              <a:t> (t)</a:t>
             </a:r>
             <a:endParaRPr lang="de-DE" sz="1200" dirty="0">
               <a:solidFill>
@@ -6483,13 +7326,13 @@
           <a:p>
             <a:pPr algn="ctr"/>
             <a:r>
-              <a:rPr lang="de-DE" sz="4400" dirty="0" smtClean="0">
+              <a:rPr lang="de-DE" sz="4000" dirty="0" smtClean="0">
                 <a:latin typeface="Segoe UI Light" panose="020B0502040204020203" pitchFamily="34" charset="0"/>
                 <a:cs typeface="Segoe UI Light" panose="020B0502040204020203" pitchFamily="34" charset="0"/>
               </a:rPr>
-              <a:t>9200</a:t>
-            </a:r>
-            <a:endParaRPr lang="de-DE" sz="4400" dirty="0">
+              <a:t>10</a:t>
+            </a:r>
+            <a:endParaRPr lang="de-DE" sz="4000" dirty="0">
               <a:latin typeface="Segoe UI Light" panose="020B0502040204020203" pitchFamily="34" charset="0"/>
               <a:cs typeface="Segoe UI Light" panose="020B0502040204020203" pitchFamily="34" charset="0"/>
             </a:endParaRPr>
@@ -6520,6 +7363,16 @@
           <a:p>
             <a:pPr algn="ctr"/>
             <a:r>
+              <a:rPr lang="de-DE" sz="1200" dirty="0" smtClean="0">
+                <a:solidFill>
+                  <a:schemeClr val="bg1"/>
+                </a:solidFill>
+                <a:latin typeface="Segoe UI Light" panose="020B0502040204020203" pitchFamily="34" charset="0"/>
+                <a:cs typeface="Segoe UI Light" panose="020B0502040204020203" pitchFamily="34" charset="0"/>
+              </a:rPr>
+              <a:t>Min </a:t>
+            </a:r>
+            <a:r>
               <a:rPr lang="de-DE" sz="1200" dirty="0" err="1" smtClean="0">
                 <a:solidFill>
                   <a:schemeClr val="bg1"/>
@@ -6527,7 +7380,7 @@
                 <a:latin typeface="Segoe UI Light" panose="020B0502040204020203" pitchFamily="34" charset="0"/>
                 <a:cs typeface="Segoe UI Light" panose="020B0502040204020203" pitchFamily="34" charset="0"/>
               </a:rPr>
-              <a:t>requests</a:t>
+              <a:t>runtime</a:t>
             </a:r>
             <a:endParaRPr lang="de-DE" sz="1200" dirty="0">
               <a:solidFill>
@@ -6563,7 +7416,7 @@
           <a:p>
             <a:pPr algn="r"/>
             <a:r>
-              <a:rPr lang="de-DE" dirty="0" smtClean="0">
+              <a:rPr lang="de-DE" dirty="0">
                 <a:solidFill>
                   <a:schemeClr val="bg1">
                     <a:lumMod val="50000"/>
@@ -6578,7 +7431,7 @@
           <a:p>
             <a:pPr algn="r"/>
             <a:r>
-              <a:rPr lang="de-DE" dirty="0" smtClean="0">
+              <a:rPr lang="de-DE" dirty="0">
                 <a:solidFill>
                   <a:schemeClr val="bg1">
                     <a:lumMod val="50000"/>
@@ -6639,7 +7492,7 @@
                 <a:latin typeface="Segoe UI Light" panose="020B0502040204020203" pitchFamily="34" charset="0"/>
                 <a:cs typeface="Segoe UI Light" panose="020B0502040204020203" pitchFamily="34" charset="0"/>
               </a:rPr>
-              <a:t>4</a:t>
+              <a:t>2</a:t>
             </a:r>
             <a:endParaRPr lang="de-DE" sz="4800" dirty="0">
               <a:latin typeface="Segoe UI Light" panose="020B0502040204020203" pitchFamily="34" charset="0"/>
@@ -6703,12 +7556,12 @@
       </p:sp>
       <p:graphicFrame>
         <p:nvGraphicFramePr>
-          <p:cNvPr id="21" name="Diagramm 20"/>
+          <p:cNvPr id="4" name="Diagramm 3"/>
           <p:cNvGraphicFramePr/>
           <p:nvPr>
             <p:extLst>
               <p:ext uri="{D42A27DB-BD31-4B8C-83A1-F6EECF244321}">
-                <p14:modId xmlns:p14="http://schemas.microsoft.com/office/powerpoint/2010/main" val="3923964929"/>
+                <p14:modId xmlns:p14="http://schemas.microsoft.com/office/powerpoint/2010/main" val="911552232"/>
               </p:ext>
             </p:extLst>
           </p:nvPr>
@@ -6726,7 +7579,7 @@
     </p:spTree>
     <p:extLst>
       <p:ext uri="{BB962C8B-B14F-4D97-AF65-F5344CB8AC3E}">
-        <p14:creationId xmlns:p14="http://schemas.microsoft.com/office/powerpoint/2010/main" val="3527600484"/>
+        <p14:creationId xmlns:p14="http://schemas.microsoft.com/office/powerpoint/2010/main" val="1146757288"/>
       </p:ext>
     </p:extLst>
   </p:cSld>
@@ -6816,207 +7669,6 @@
           </a:p>
         </p:txBody>
       </p:sp>
-      <p:sp>
-        <p:nvSpPr>
-          <p:cNvPr id="6" name="Rechteck 5"/>
-          <p:cNvSpPr/>
-          <p:nvPr/>
-        </p:nvSpPr>
-        <p:spPr>
-          <a:xfrm>
-            <a:off x="767408" y="2708262"/>
-            <a:ext cx="1440160" cy="1440160"/>
-          </a:xfrm>
-          <a:prstGeom prst="rect">
-            <a:avLst/>
-          </a:prstGeom>
-          <a:solidFill>
-            <a:srgbClr val="2196F2"/>
-          </a:solidFill>
-          <a:ln>
-            <a:noFill/>
-          </a:ln>
-        </p:spPr>
-        <p:style>
-          <a:lnRef idx="2">
-            <a:schemeClr val="accent1">
-              <a:shade val="50000"/>
-            </a:schemeClr>
-          </a:lnRef>
-          <a:fillRef idx="1">
-            <a:schemeClr val="accent1"/>
-          </a:fillRef>
-          <a:effectRef idx="0">
-            <a:schemeClr val="accent1"/>
-          </a:effectRef>
-          <a:fontRef idx="minor">
-            <a:schemeClr val="lt1"/>
-          </a:fontRef>
-        </p:style>
-        <p:txBody>
-          <a:bodyPr rtlCol="0" anchor="ctr"/>
-          <a:lstStyle/>
-          <a:p>
-            <a:pPr algn="ctr"/>
-            <a:r>
-              <a:rPr lang="de-DE" sz="4800" dirty="0">
-                <a:latin typeface="Segoe UI Light" panose="020B0502040204020203" pitchFamily="34" charset="0"/>
-                <a:cs typeface="Segoe UI Light" panose="020B0502040204020203" pitchFamily="34" charset="0"/>
-              </a:rPr>
-              <a:t>0</a:t>
-            </a:r>
-          </a:p>
-        </p:txBody>
-      </p:sp>
-      <p:sp>
-        <p:nvSpPr>
-          <p:cNvPr id="8" name="Rechteck 7"/>
-          <p:cNvSpPr/>
-          <p:nvPr/>
-        </p:nvSpPr>
-        <p:spPr>
-          <a:xfrm>
-            <a:off x="767408" y="4545544"/>
-            <a:ext cx="1440160" cy="1440160"/>
-          </a:xfrm>
-          <a:prstGeom prst="rect">
-            <a:avLst/>
-          </a:prstGeom>
-          <a:solidFill>
-            <a:srgbClr val="2196F2"/>
-          </a:solidFill>
-          <a:ln>
-            <a:noFill/>
-          </a:ln>
-        </p:spPr>
-        <p:style>
-          <a:lnRef idx="2">
-            <a:schemeClr val="accent1">
-              <a:shade val="50000"/>
-            </a:schemeClr>
-          </a:lnRef>
-          <a:fillRef idx="1">
-            <a:schemeClr val="accent1"/>
-          </a:fillRef>
-          <a:effectRef idx="0">
-            <a:schemeClr val="accent1"/>
-          </a:effectRef>
-          <a:fontRef idx="minor">
-            <a:schemeClr val="lt1"/>
-          </a:fontRef>
-        </p:style>
-        <p:txBody>
-          <a:bodyPr rtlCol="0" anchor="ctr"/>
-          <a:lstStyle/>
-          <a:p>
-            <a:pPr algn="ctr"/>
-            <a:r>
-              <a:rPr lang="de-DE" sz="4800" dirty="0" smtClean="0">
-                <a:latin typeface="Segoe UI Light" panose="020B0502040204020203" pitchFamily="34" charset="0"/>
-                <a:cs typeface="Segoe UI Light" panose="020B0502040204020203" pitchFamily="34" charset="0"/>
-              </a:rPr>
-              <a:t>10,6</a:t>
-            </a:r>
-            <a:endParaRPr lang="de-DE" sz="4800" dirty="0">
-              <a:latin typeface="Segoe UI Light" panose="020B0502040204020203" pitchFamily="34" charset="0"/>
-              <a:cs typeface="Segoe UI Light" panose="020B0502040204020203" pitchFamily="34" charset="0"/>
-            </a:endParaRPr>
-          </a:p>
-        </p:txBody>
-      </p:sp>
-      <p:sp>
-        <p:nvSpPr>
-          <p:cNvPr id="11" name="Textfeld 10"/>
-          <p:cNvSpPr txBox="1"/>
-          <p:nvPr/>
-        </p:nvSpPr>
-        <p:spPr>
-          <a:xfrm>
-            <a:off x="769368" y="3779090"/>
-            <a:ext cx="1440160" cy="276999"/>
-          </a:xfrm>
-          <a:prstGeom prst="rect">
-            <a:avLst/>
-          </a:prstGeom>
-          <a:noFill/>
-        </p:spPr>
-        <p:txBody>
-          <a:bodyPr wrap="square" rtlCol="0">
-            <a:spAutoFit/>
-          </a:bodyPr>
-          <a:lstStyle/>
-          <a:p>
-            <a:pPr algn="ctr"/>
-            <a:r>
-              <a:rPr lang="de-DE" sz="1200" dirty="0" err="1" smtClean="0">
-                <a:solidFill>
-                  <a:schemeClr val="bg1"/>
-                </a:solidFill>
-                <a:latin typeface="Segoe UI Light" panose="020B0502040204020203" pitchFamily="34" charset="0"/>
-                <a:cs typeface="Segoe UI Light" panose="020B0502040204020203" pitchFamily="34" charset="0"/>
-              </a:rPr>
-              <a:t>ms</a:t>
-            </a:r>
-            <a:r>
-              <a:rPr lang="de-DE" sz="1200" dirty="0" smtClean="0">
-                <a:solidFill>
-                  <a:schemeClr val="bg1"/>
-                </a:solidFill>
-                <a:latin typeface="Segoe UI Light" panose="020B0502040204020203" pitchFamily="34" charset="0"/>
-                <a:cs typeface="Segoe UI Light" panose="020B0502040204020203" pitchFamily="34" charset="0"/>
-              </a:rPr>
-              <a:t> </a:t>
-            </a:r>
-            <a:r>
-              <a:rPr lang="de-DE" sz="1200" dirty="0" err="1" smtClean="0">
-                <a:solidFill>
-                  <a:schemeClr val="bg1"/>
-                </a:solidFill>
-                <a:latin typeface="Segoe UI Light" panose="020B0502040204020203" pitchFamily="34" charset="0"/>
-                <a:cs typeface="Segoe UI Light" panose="020B0502040204020203" pitchFamily="34" charset="0"/>
-              </a:rPr>
-              <a:t>forced</a:t>
-            </a:r>
-            <a:r>
-              <a:rPr lang="de-DE" sz="1200" dirty="0" smtClean="0">
-                <a:solidFill>
-                  <a:schemeClr val="bg1"/>
-                </a:solidFill>
-                <a:latin typeface="Segoe UI Light" panose="020B0502040204020203" pitchFamily="34" charset="0"/>
-                <a:cs typeface="Segoe UI Light" panose="020B0502040204020203" pitchFamily="34" charset="0"/>
-              </a:rPr>
-              <a:t> </a:t>
-            </a:r>
-            <a:r>
-              <a:rPr lang="de-DE" sz="1200" dirty="0" err="1" smtClean="0">
-                <a:solidFill>
-                  <a:schemeClr val="bg1"/>
-                </a:solidFill>
-                <a:latin typeface="Segoe UI Light" panose="020B0502040204020203" pitchFamily="34" charset="0"/>
-                <a:cs typeface="Segoe UI Light" panose="020B0502040204020203" pitchFamily="34" charset="0"/>
-              </a:rPr>
-              <a:t>delay</a:t>
-            </a:r>
-            <a:r>
-              <a:rPr lang="de-DE" sz="1200" dirty="0" smtClean="0">
-                <a:solidFill>
-                  <a:schemeClr val="bg1"/>
-                </a:solidFill>
-                <a:latin typeface="Segoe UI Light" panose="020B0502040204020203" pitchFamily="34" charset="0"/>
-                <a:cs typeface="Segoe UI Light" panose="020B0502040204020203" pitchFamily="34" charset="0"/>
-              </a:rPr>
-              <a:t> (t)</a:t>
-            </a:r>
-            <a:endParaRPr lang="de-DE" sz="1200" dirty="0">
-              <a:solidFill>
-                <a:schemeClr val="bg1"/>
-              </a:solidFill>
-              <a:latin typeface="Segoe UI Light" panose="020B0502040204020203" pitchFamily="34" charset="0"/>
-              <a:cs typeface="Segoe UI Light" panose="020B0502040204020203" pitchFamily="34" charset="0"/>
-            </a:endParaRPr>
-          </a:p>
-        </p:txBody>
-      </p:sp>
       <p:graphicFrame>
         <p:nvGraphicFramePr>
           <p:cNvPr id="12" name="Tabelle 11"/>
@@ -7026,14 +7678,14 @@
           <p:nvPr>
             <p:extLst>
               <p:ext uri="{D42A27DB-BD31-4B8C-83A1-F6EECF244321}">
-                <p14:modId xmlns:p14="http://schemas.microsoft.com/office/powerpoint/2010/main" val="4065290216"/>
+                <p14:modId xmlns:p14="http://schemas.microsoft.com/office/powerpoint/2010/main" val="2781552291"/>
               </p:ext>
             </p:extLst>
           </p:nvPr>
         </p:nvGraphicFramePr>
         <p:xfrm>
           <a:off x="4367051" y="908719"/>
-          <a:ext cx="3605302" cy="5076984"/>
+          <a:ext cx="3605302" cy="5076988"/>
         </p:xfrm>
         <a:graphic>
           <a:graphicData uri="http://schemas.openxmlformats.org/drawingml/2006/table">
@@ -7045,19 +7697,125 @@
                 <a:gridCol w="1802651">
                   <a:extLst>
                     <a:ext uri="{9D8B030D-6E8A-4147-A177-3AD203B41FA5}">
-                      <a16:colId xmlns="" xmlns:a16="http://schemas.microsoft.com/office/drawing/2014/main" val="20000"/>
+                      <a16:colId xmlns:a16="http://schemas.microsoft.com/office/drawing/2014/main" xmlns="" val="20000"/>
                     </a:ext>
                   </a:extLst>
                 </a:gridCol>
                 <a:gridCol w="1802651">
                   <a:extLst>
                     <a:ext uri="{9D8B030D-6E8A-4147-A177-3AD203B41FA5}">
-                      <a16:colId xmlns="" xmlns:a16="http://schemas.microsoft.com/office/drawing/2014/main" val="20001"/>
+                      <a16:colId xmlns:a16="http://schemas.microsoft.com/office/drawing/2014/main" xmlns="" val="20001"/>
                     </a:ext>
                   </a:extLst>
                 </a:gridCol>
               </a:tblGrid>
-              <a:tr h="846164">
+              <a:tr h="725284">
+                <a:tc>
+                  <a:txBody>
+                    <a:bodyPr/>
+                    <a:lstStyle/>
+                    <a:p>
+                      <a:pPr algn="r"/>
+                      <a:r>
+                        <a:rPr lang="de-DE" sz="3200" b="0" dirty="0" err="1" smtClean="0">
+                          <a:solidFill>
+                            <a:schemeClr val="tx1">
+                              <a:lumMod val="85000"/>
+                              <a:lumOff val="15000"/>
+                            </a:schemeClr>
+                          </a:solidFill>
+                          <a:latin typeface="Segoe UI Light" panose="020B0502040204020203" pitchFamily="34" charset="0"/>
+                          <a:cs typeface="Segoe UI Light" panose="020B0502040204020203" pitchFamily="34" charset="0"/>
+                        </a:rPr>
+                        <a:t>Requests</a:t>
+                      </a:r>
+                      <a:endParaRPr lang="de-DE" sz="3200" b="0" dirty="0">
+                        <a:solidFill>
+                          <a:schemeClr val="tx1">
+                            <a:lumMod val="85000"/>
+                            <a:lumOff val="15000"/>
+                          </a:schemeClr>
+                        </a:solidFill>
+                        <a:latin typeface="Segoe UI Light" panose="020B0502040204020203" pitchFamily="34" charset="0"/>
+                        <a:cs typeface="Segoe UI Light" panose="020B0502040204020203" pitchFamily="34" charset="0"/>
+                      </a:endParaRPr>
+                    </a:p>
+                  </a:txBody>
+                  <a:tcPr anchor="ctr">
+                    <a:lnR w="12700" cap="flat" cmpd="sng" algn="ctr">
+                      <a:solidFill>
+                        <a:schemeClr val="tx1"/>
+                      </a:solidFill>
+                      <a:prstDash val="solid"/>
+                      <a:round/>
+                      <a:headEnd type="none" w="med" len="med"/>
+                      <a:tailEnd type="none" w="med" len="med"/>
+                    </a:lnR>
+                    <a:lnB w="12700" cap="flat" cmpd="sng" algn="ctr">
+                      <a:solidFill>
+                        <a:schemeClr val="tx1"/>
+                      </a:solidFill>
+                      <a:prstDash val="solid"/>
+                      <a:round/>
+                      <a:headEnd type="none" w="med" len="med"/>
+                      <a:tailEnd type="none" w="med" len="med"/>
+                    </a:lnB>
+                  </a:tcPr>
+                </a:tc>
+                <a:tc>
+                  <a:txBody>
+                    <a:bodyPr/>
+                    <a:lstStyle/>
+                    <a:p>
+                      <a:pPr algn="l"/>
+                      <a:r>
+                        <a:rPr lang="de-DE" sz="3200" b="0" dirty="0" smtClean="0">
+                          <a:solidFill>
+                            <a:schemeClr val="tx1">
+                              <a:lumMod val="85000"/>
+                              <a:lumOff val="15000"/>
+                            </a:schemeClr>
+                          </a:solidFill>
+                          <a:latin typeface="Segoe UI Light" panose="020B0502040204020203" pitchFamily="34" charset="0"/>
+                          <a:cs typeface="Segoe UI Light" panose="020B0502040204020203" pitchFamily="34" charset="0"/>
+                        </a:rPr>
+                        <a:t>6012</a:t>
+                      </a:r>
+                      <a:endParaRPr lang="de-DE" sz="3200" b="0" dirty="0">
+                        <a:solidFill>
+                          <a:schemeClr val="tx1">
+                            <a:lumMod val="85000"/>
+                            <a:lumOff val="15000"/>
+                          </a:schemeClr>
+                        </a:solidFill>
+                        <a:latin typeface="Segoe UI Light" panose="020B0502040204020203" pitchFamily="34" charset="0"/>
+                        <a:cs typeface="Segoe UI Light" panose="020B0502040204020203" pitchFamily="34" charset="0"/>
+                      </a:endParaRPr>
+                    </a:p>
+                  </a:txBody>
+                  <a:tcPr anchor="ctr">
+                    <a:lnL w="12700" cap="flat" cmpd="sng" algn="ctr">
+                      <a:solidFill>
+                        <a:schemeClr val="tx1"/>
+                      </a:solidFill>
+                      <a:prstDash val="solid"/>
+                      <a:round/>
+                      <a:headEnd type="none" w="med" len="med"/>
+                      <a:tailEnd type="none" w="med" len="med"/>
+                    </a:lnL>
+                    <a:lnB w="12700" cap="flat" cmpd="sng" algn="ctr">
+                      <a:solidFill>
+                        <a:schemeClr val="tx1"/>
+                      </a:solidFill>
+                      <a:prstDash val="solid"/>
+                      <a:round/>
+                      <a:headEnd type="none" w="med" len="med"/>
+                      <a:tailEnd type="none" w="med" len="med"/>
+                    </a:lnB>
+                  </a:tcPr>
+                </a:tc>
+              </a:tr>
+              <a:tr h="725284">
                 <a:tc>
                   <a:txBody>
                     <a:bodyPr/>
@@ -7093,6 +7851,15 @@
                       <a:headEnd type="none" w="med" len="med"/>
                       <a:tailEnd type="none" w="med" len="med"/>
                     </a:lnR>
+                    <a:lnT w="12700" cap="flat" cmpd="sng" algn="ctr">
+                      <a:solidFill>
+                        <a:schemeClr val="tx1"/>
+                      </a:solidFill>
+                      <a:prstDash val="solid"/>
+                      <a:round/>
+                      <a:headEnd type="none" w="med" len="med"/>
+                      <a:tailEnd type="none" w="med" len="med"/>
+                    </a:lnT>
                   </a:tcPr>
                 </a:tc>
                 <a:tc>
@@ -7106,7 +7873,7 @@
                           <a:latin typeface="Segoe UI Light" panose="020B0502040204020203" pitchFamily="34" charset="0"/>
                           <a:cs typeface="Segoe UI Light" panose="020B0502040204020203" pitchFamily="34" charset="0"/>
                         </a:rPr>
-                        <a:t>202ms</a:t>
+                        <a:t>84ms</a:t>
                       </a:r>
                       <a:endParaRPr lang="de-DE" sz="3200" b="0" dirty="0">
                         <a:solidFill>
@@ -7130,15 +7897,24 @@
                       <a:headEnd type="none" w="med" len="med"/>
                       <a:tailEnd type="none" w="med" len="med"/>
                     </a:lnL>
+                    <a:lnT w="12700" cap="flat" cmpd="sng" algn="ctr">
+                      <a:solidFill>
+                        <a:schemeClr val="tx1"/>
+                      </a:solidFill>
+                      <a:prstDash val="solid"/>
+                      <a:round/>
+                      <a:headEnd type="none" w="med" len="med"/>
+                      <a:tailEnd type="none" w="med" len="med"/>
+                    </a:lnT>
                   </a:tcPr>
                 </a:tc>
                 <a:extLst>
                   <a:ext uri="{0D108BD9-81ED-4DB2-BD59-A6C34878D82A}">
-                    <a16:rowId xmlns="" xmlns:a16="http://schemas.microsoft.com/office/drawing/2014/main" val="10000"/>
+                    <a16:rowId xmlns:a16="http://schemas.microsoft.com/office/drawing/2014/main" xmlns="" val="10000"/>
                   </a:ext>
                 </a:extLst>
               </a:tr>
-              <a:tr h="846164">
+              <a:tr h="725284">
                 <a:tc>
                   <a:txBody>
                     <a:bodyPr/>
@@ -7187,7 +7963,7 @@
                           <a:latin typeface="Segoe UI Light" panose="020B0502040204020203" pitchFamily="34" charset="0"/>
                           <a:cs typeface="Segoe UI Light" panose="020B0502040204020203" pitchFamily="34" charset="0"/>
                         </a:rPr>
-                        <a:t>420ms</a:t>
+                        <a:t>166ms</a:t>
                       </a:r>
                       <a:endParaRPr lang="de-DE" sz="3200" b="0" dirty="0">
                         <a:solidFill>
@@ -7215,11 +7991,11 @@
                 </a:tc>
                 <a:extLst>
                   <a:ext uri="{0D108BD9-81ED-4DB2-BD59-A6C34878D82A}">
-                    <a16:rowId xmlns="" xmlns:a16="http://schemas.microsoft.com/office/drawing/2014/main" val="10001"/>
+                    <a16:rowId xmlns:a16="http://schemas.microsoft.com/office/drawing/2014/main" xmlns="" val="10001"/>
                   </a:ext>
                 </a:extLst>
               </a:tr>
-              <a:tr h="846164">
+              <a:tr h="725284">
                 <a:tc>
                   <a:txBody>
                     <a:bodyPr/>
@@ -7268,7 +8044,7 @@
                           <a:latin typeface="Segoe UI Light" panose="020B0502040204020203" pitchFamily="34" charset="0"/>
                           <a:cs typeface="Segoe UI Light" panose="020B0502040204020203" pitchFamily="34" charset="0"/>
                         </a:rPr>
-                        <a:t>153ms</a:t>
+                        <a:t>70ms</a:t>
                       </a:r>
                       <a:endParaRPr lang="de-DE" sz="3200" b="0" dirty="0">
                         <a:solidFill>
@@ -7296,11 +8072,11 @@
                 </a:tc>
                 <a:extLst>
                   <a:ext uri="{0D108BD9-81ED-4DB2-BD59-A6C34878D82A}">
-                    <a16:rowId xmlns="" xmlns:a16="http://schemas.microsoft.com/office/drawing/2014/main" val="10002"/>
+                    <a16:rowId xmlns:a16="http://schemas.microsoft.com/office/drawing/2014/main" xmlns="" val="10002"/>
                   </a:ext>
                 </a:extLst>
               </a:tr>
-              <a:tr h="846164">
+              <a:tr h="725284">
                 <a:tc>
                   <a:txBody>
                     <a:bodyPr/>
@@ -7349,7 +8125,7 @@
                           <a:latin typeface="Segoe UI Light" panose="020B0502040204020203" pitchFamily="34" charset="0"/>
                           <a:cs typeface="Segoe UI Light" panose="020B0502040204020203" pitchFamily="34" charset="0"/>
                         </a:rPr>
-                        <a:t>705ms</a:t>
+                        <a:t>263ms</a:t>
                       </a:r>
                       <a:endParaRPr lang="de-DE" sz="3200" b="0" dirty="0">
                         <a:solidFill>
@@ -7377,11 +8153,11 @@
                 </a:tc>
                 <a:extLst>
                   <a:ext uri="{0D108BD9-81ED-4DB2-BD59-A6C34878D82A}">
-                    <a16:rowId xmlns="" xmlns:a16="http://schemas.microsoft.com/office/drawing/2014/main" val="10003"/>
+                    <a16:rowId xmlns:a16="http://schemas.microsoft.com/office/drawing/2014/main" xmlns="" val="10003"/>
                   </a:ext>
                 </a:extLst>
               </a:tr>
-              <a:tr h="846164">
+              <a:tr h="725284">
                 <a:tc>
                   <a:txBody>
                     <a:bodyPr/>
@@ -7430,7 +8206,7 @@
                           <a:latin typeface="Segoe UI Light" panose="020B0502040204020203" pitchFamily="34" charset="0"/>
                           <a:cs typeface="Segoe UI Light" panose="020B0502040204020203" pitchFamily="34" charset="0"/>
                         </a:rPr>
-                        <a:t>170ms</a:t>
+                        <a:t>75ms</a:t>
                       </a:r>
                       <a:endParaRPr lang="de-DE" sz="3200" b="0" dirty="0">
                         <a:solidFill>
@@ -7458,11 +8234,11 @@
                 </a:tc>
                 <a:extLst>
                   <a:ext uri="{0D108BD9-81ED-4DB2-BD59-A6C34878D82A}">
-                    <a16:rowId xmlns="" xmlns:a16="http://schemas.microsoft.com/office/drawing/2014/main" val="10004"/>
+                    <a16:rowId xmlns:a16="http://schemas.microsoft.com/office/drawing/2014/main" xmlns="" val="10004"/>
                   </a:ext>
                 </a:extLst>
               </a:tr>
-              <a:tr h="846164">
+              <a:tr h="725284">
                 <a:tc>
                   <a:txBody>
                     <a:bodyPr/>
@@ -7523,7 +8299,7 @@
                           <a:latin typeface="Segoe UI Light" panose="020B0502040204020203" pitchFamily="34" charset="0"/>
                           <a:cs typeface="Segoe UI Light" panose="020B0502040204020203" pitchFamily="34" charset="0"/>
                         </a:rPr>
-                        <a:t>180ms</a:t>
+                        <a:t>75ms</a:t>
                       </a:r>
                       <a:endParaRPr lang="de-DE" sz="3200" b="0" dirty="0">
                         <a:solidFill>
@@ -7551,7 +8327,7 @@
                 </a:tc>
                 <a:extLst>
                   <a:ext uri="{0D108BD9-81ED-4DB2-BD59-A6C34878D82A}">
-                    <a16:rowId xmlns="" xmlns:a16="http://schemas.microsoft.com/office/drawing/2014/main" val="10005"/>
+                    <a16:rowId xmlns:a16="http://schemas.microsoft.com/office/drawing/2014/main" xmlns="" val="10005"/>
                   </a:ext>
                 </a:extLst>
               </a:tr>
@@ -7602,12 +8378,16 @@
           <a:p>
             <a:pPr algn="ctr"/>
             <a:r>
-              <a:rPr lang="de-DE" sz="4800" dirty="0">
+              <a:rPr lang="de-DE" sz="4800" dirty="0" smtClean="0">
                 <a:latin typeface="Segoe UI Light" panose="020B0502040204020203" pitchFamily="34" charset="0"/>
                 <a:cs typeface="Segoe UI Light" panose="020B0502040204020203" pitchFamily="34" charset="0"/>
               </a:rPr>
-              <a:t>6</a:t>
-            </a:r>
+              <a:t>100</a:t>
+            </a:r>
+            <a:endParaRPr lang="de-DE" sz="4800" dirty="0">
+              <a:latin typeface="Segoe UI Light" panose="020B0502040204020203" pitchFamily="34" charset="0"/>
+              <a:cs typeface="Segoe UI Light" panose="020B0502040204020203" pitchFamily="34" charset="0"/>
+            </a:endParaRPr>
           </a:p>
         </p:txBody>
       </p:sp>
@@ -7652,7 +8432,7 @@
                 <a:latin typeface="Segoe UI Light" panose="020B0502040204020203" pitchFamily="34" charset="0"/>
                 <a:cs typeface="Segoe UI Light" panose="020B0502040204020203" pitchFamily="34" charset="0"/>
               </a:rPr>
-              <a:t> real </a:t>
+              <a:t> </a:t>
             </a:r>
             <a:r>
               <a:rPr lang="de-DE" sz="1200" dirty="0" err="1" smtClean="0">
@@ -7664,39 +8444,6 @@
               </a:rPr>
               <a:t>delay</a:t>
             </a:r>
-            <a:endParaRPr lang="de-DE" sz="1200" dirty="0">
-              <a:solidFill>
-                <a:schemeClr val="bg1"/>
-              </a:solidFill>
-              <a:latin typeface="Segoe UI Light" panose="020B0502040204020203" pitchFamily="34" charset="0"/>
-              <a:cs typeface="Segoe UI Light" panose="020B0502040204020203" pitchFamily="34" charset="0"/>
-            </a:endParaRPr>
-          </a:p>
-        </p:txBody>
-      </p:sp>
-      <p:sp>
-        <p:nvSpPr>
-          <p:cNvPr id="15" name="Textfeld 14"/>
-          <p:cNvSpPr txBox="1"/>
-          <p:nvPr/>
-        </p:nvSpPr>
-        <p:spPr>
-          <a:xfrm>
-            <a:off x="800843" y="5616372"/>
-            <a:ext cx="1440160" cy="276999"/>
-          </a:xfrm>
-          <a:prstGeom prst="rect">
-            <a:avLst/>
-          </a:prstGeom>
-          <a:noFill/>
-        </p:spPr>
-        <p:txBody>
-          <a:bodyPr wrap="square" rtlCol="0">
-            <a:spAutoFit/>
-          </a:bodyPr>
-          <a:lstStyle/>
-          <a:p>
-            <a:pPr algn="ctr"/>
             <a:r>
               <a:rPr lang="de-DE" sz="1200" dirty="0" smtClean="0">
                 <a:solidFill>
@@ -7705,17 +8452,7 @@
                 <a:latin typeface="Segoe UI Light" panose="020B0502040204020203" pitchFamily="34" charset="0"/>
                 <a:cs typeface="Segoe UI Light" panose="020B0502040204020203" pitchFamily="34" charset="0"/>
               </a:rPr>
-              <a:t>min </a:t>
-            </a:r>
-            <a:r>
-              <a:rPr lang="de-DE" sz="1200" dirty="0" err="1" smtClean="0">
-                <a:solidFill>
-                  <a:schemeClr val="bg1"/>
-                </a:solidFill>
-                <a:latin typeface="Segoe UI Light" panose="020B0502040204020203" pitchFamily="34" charset="0"/>
-                <a:cs typeface="Segoe UI Light" panose="020B0502040204020203" pitchFamily="34" charset="0"/>
-              </a:rPr>
-              <a:t>runtime</a:t>
+              <a:t> (t)</a:t>
             </a:r>
             <a:endParaRPr lang="de-DE" sz="1200" dirty="0">
               <a:solidFill>
@@ -7774,7 +8511,7 @@
                 <a:latin typeface="Segoe UI Light" panose="020B0502040204020203" pitchFamily="34" charset="0"/>
                 <a:cs typeface="Segoe UI Light" panose="020B0502040204020203" pitchFamily="34" charset="0"/>
               </a:rPr>
-              <a:t>10078</a:t>
+              <a:t>10</a:t>
             </a:r>
             <a:endParaRPr lang="de-DE" sz="4000" dirty="0">
               <a:latin typeface="Segoe UI Light" panose="020B0502040204020203" pitchFamily="34" charset="0"/>
@@ -7807,6 +8544,16 @@
           <a:p>
             <a:pPr algn="ctr"/>
             <a:r>
+              <a:rPr lang="de-DE" sz="1200" dirty="0" smtClean="0">
+                <a:solidFill>
+                  <a:schemeClr val="bg1"/>
+                </a:solidFill>
+                <a:latin typeface="Segoe UI Light" panose="020B0502040204020203" pitchFamily="34" charset="0"/>
+                <a:cs typeface="Segoe UI Light" panose="020B0502040204020203" pitchFamily="34" charset="0"/>
+              </a:rPr>
+              <a:t>Min </a:t>
+            </a:r>
+            <a:r>
               <a:rPr lang="de-DE" sz="1200" dirty="0" err="1" smtClean="0">
                 <a:solidFill>
                   <a:schemeClr val="bg1"/>
@@ -7814,7 +8561,7 @@
                 <a:latin typeface="Segoe UI Light" panose="020B0502040204020203" pitchFamily="34" charset="0"/>
                 <a:cs typeface="Segoe UI Light" panose="020B0502040204020203" pitchFamily="34" charset="0"/>
               </a:rPr>
-              <a:t>requests</a:t>
+              <a:t>runtime</a:t>
             </a:r>
             <a:endParaRPr lang="de-DE" sz="1200" dirty="0">
               <a:solidFill>
@@ -7850,7 +8597,7 @@
           <a:p>
             <a:pPr algn="r"/>
             <a:r>
-              <a:rPr lang="de-DE" dirty="0" smtClean="0">
+              <a:rPr lang="de-DE" dirty="0">
                 <a:solidFill>
                   <a:schemeClr val="bg1">
                     <a:lumMod val="50000"/>
@@ -7865,7 +8612,7 @@
           <a:p>
             <a:pPr algn="r"/>
             <a:r>
-              <a:rPr lang="de-DE" dirty="0" smtClean="0">
+              <a:rPr lang="de-DE" dirty="0">
                 <a:solidFill>
                   <a:schemeClr val="bg1">
                     <a:lumMod val="50000"/>
@@ -7874,7 +8621,7 @@
                 <a:latin typeface="Segoe UI Light" panose="020B0502040204020203" pitchFamily="34" charset="0"/>
                 <a:cs typeface="Segoe UI Light" panose="020B0502040204020203" pitchFamily="34" charset="0"/>
               </a:rPr>
-              <a:t>Intel Core i5-4200U @ 2.30 GHz</a:t>
+              <a:t>Intel Core i5-4690K @ 3.50 GHz</a:t>
             </a:r>
           </a:p>
         </p:txBody>
@@ -7922,12 +8669,16 @@
           <a:p>
             <a:pPr algn="ctr"/>
             <a:r>
-              <a:rPr lang="de-DE" sz="4800" dirty="0">
+              <a:rPr lang="de-DE" sz="4800" dirty="0" smtClean="0">
                 <a:latin typeface="Segoe UI Light" panose="020B0502040204020203" pitchFamily="34" charset="0"/>
                 <a:cs typeface="Segoe UI Light" panose="020B0502040204020203" pitchFamily="34" charset="0"/>
               </a:rPr>
-              <a:t>4</a:t>
-            </a:r>
+              <a:t>1</a:t>
+            </a:r>
+            <a:endParaRPr lang="de-DE" sz="4800" dirty="0">
+              <a:latin typeface="Segoe UI Light" panose="020B0502040204020203" pitchFamily="34" charset="0"/>
+              <a:cs typeface="Segoe UI Light" panose="020B0502040204020203" pitchFamily="34" charset="0"/>
+            </a:endParaRPr>
           </a:p>
         </p:txBody>
       </p:sp>
@@ -7962,7 +8713,7 @@
                 <a:latin typeface="Segoe UI Light" panose="020B0502040204020203" pitchFamily="34" charset="0"/>
                 <a:cs typeface="Segoe UI Light" panose="020B0502040204020203" pitchFamily="34" charset="0"/>
               </a:rPr>
-              <a:t>Actors</a:t>
+              <a:t>Actor</a:t>
             </a:r>
             <a:r>
               <a:rPr lang="de-DE" sz="1200" dirty="0" smtClean="0">
@@ -7972,7 +8723,17 @@
                 <a:latin typeface="Segoe UI Light" panose="020B0502040204020203" pitchFamily="34" charset="0"/>
                 <a:cs typeface="Segoe UI Light" panose="020B0502040204020203" pitchFamily="34" charset="0"/>
               </a:rPr>
-              <a:t> (n)</a:t>
+              <a:t> </a:t>
+            </a:r>
+            <a:r>
+              <a:rPr lang="de-DE" sz="1200" dirty="0" smtClean="0">
+                <a:solidFill>
+                  <a:schemeClr val="bg1"/>
+                </a:solidFill>
+                <a:latin typeface="Segoe UI Light" panose="020B0502040204020203" pitchFamily="34" charset="0"/>
+                <a:cs typeface="Segoe UI Light" panose="020B0502040204020203" pitchFamily="34" charset="0"/>
+              </a:rPr>
+              <a:t>(n)</a:t>
             </a:r>
             <a:endParaRPr lang="de-DE" sz="1200" dirty="0">
               <a:solidFill>
@@ -7991,7 +8752,7 @@
           <p:nvPr>
             <p:extLst>
               <p:ext uri="{D42A27DB-BD31-4B8C-83A1-F6EECF244321}">
-                <p14:modId xmlns:p14="http://schemas.microsoft.com/office/powerpoint/2010/main" val="1269617643"/>
+                <p14:modId xmlns:p14="http://schemas.microsoft.com/office/powerpoint/2010/main" val="1768264404"/>
               </p:ext>
             </p:extLst>
           </p:nvPr>
@@ -8009,7 +8770,7 @@
     </p:spTree>
     <p:extLst>
       <p:ext uri="{BB962C8B-B14F-4D97-AF65-F5344CB8AC3E}">
-        <p14:creationId xmlns:p14="http://schemas.microsoft.com/office/powerpoint/2010/main" val="1146757288"/>
+        <p14:creationId xmlns:p14="http://schemas.microsoft.com/office/powerpoint/2010/main" val="3918897949"/>
       </p:ext>
     </p:extLst>
   </p:cSld>
@@ -8099,211 +8860,6 @@
           </a:p>
         </p:txBody>
       </p:sp>
-      <p:sp>
-        <p:nvSpPr>
-          <p:cNvPr id="6" name="Rechteck 5"/>
-          <p:cNvSpPr/>
-          <p:nvPr/>
-        </p:nvSpPr>
-        <p:spPr>
-          <a:xfrm>
-            <a:off x="767408" y="2708262"/>
-            <a:ext cx="1440160" cy="1440160"/>
-          </a:xfrm>
-          <a:prstGeom prst="rect">
-            <a:avLst/>
-          </a:prstGeom>
-          <a:solidFill>
-            <a:srgbClr val="2196F2"/>
-          </a:solidFill>
-          <a:ln>
-            <a:noFill/>
-          </a:ln>
-        </p:spPr>
-        <p:style>
-          <a:lnRef idx="2">
-            <a:schemeClr val="accent1">
-              <a:shade val="50000"/>
-            </a:schemeClr>
-          </a:lnRef>
-          <a:fillRef idx="1">
-            <a:schemeClr val="accent1"/>
-          </a:fillRef>
-          <a:effectRef idx="0">
-            <a:schemeClr val="accent1"/>
-          </a:effectRef>
-          <a:fontRef idx="minor">
-            <a:schemeClr val="lt1"/>
-          </a:fontRef>
-        </p:style>
-        <p:txBody>
-          <a:bodyPr rtlCol="0" anchor="ctr"/>
-          <a:lstStyle/>
-          <a:p>
-            <a:pPr algn="ctr"/>
-            <a:r>
-              <a:rPr lang="de-DE" sz="4800" dirty="0" smtClean="0">
-                <a:latin typeface="Segoe UI Light" panose="020B0502040204020203" pitchFamily="34" charset="0"/>
-                <a:cs typeface="Segoe UI Light" panose="020B0502040204020203" pitchFamily="34" charset="0"/>
-              </a:rPr>
-              <a:t>20</a:t>
-            </a:r>
-            <a:endParaRPr lang="de-DE" sz="4800" dirty="0">
-              <a:latin typeface="Segoe UI Light" panose="020B0502040204020203" pitchFamily="34" charset="0"/>
-              <a:cs typeface="Segoe UI Light" panose="020B0502040204020203" pitchFamily="34" charset="0"/>
-            </a:endParaRPr>
-          </a:p>
-        </p:txBody>
-      </p:sp>
-      <p:sp>
-        <p:nvSpPr>
-          <p:cNvPr id="8" name="Rechteck 7"/>
-          <p:cNvSpPr/>
-          <p:nvPr/>
-        </p:nvSpPr>
-        <p:spPr>
-          <a:xfrm>
-            <a:off x="767408" y="4545544"/>
-            <a:ext cx="1440160" cy="1440160"/>
-          </a:xfrm>
-          <a:prstGeom prst="rect">
-            <a:avLst/>
-          </a:prstGeom>
-          <a:solidFill>
-            <a:srgbClr val="2196F2"/>
-          </a:solidFill>
-          <a:ln>
-            <a:noFill/>
-          </a:ln>
-        </p:spPr>
-        <p:style>
-          <a:lnRef idx="2">
-            <a:schemeClr val="accent1">
-              <a:shade val="50000"/>
-            </a:schemeClr>
-          </a:lnRef>
-          <a:fillRef idx="1">
-            <a:schemeClr val="accent1"/>
-          </a:fillRef>
-          <a:effectRef idx="0">
-            <a:schemeClr val="accent1"/>
-          </a:effectRef>
-          <a:fontRef idx="minor">
-            <a:schemeClr val="lt1"/>
-          </a:fontRef>
-        </p:style>
-        <p:txBody>
-          <a:bodyPr rtlCol="0" anchor="ctr"/>
-          <a:lstStyle/>
-          <a:p>
-            <a:pPr algn="ctr"/>
-            <a:r>
-              <a:rPr lang="de-DE" sz="4800" dirty="0" smtClean="0">
-                <a:latin typeface="Segoe UI Light" panose="020B0502040204020203" pitchFamily="34" charset="0"/>
-                <a:cs typeface="Segoe UI Light" panose="020B0502040204020203" pitchFamily="34" charset="0"/>
-              </a:rPr>
-              <a:t>9,8</a:t>
-            </a:r>
-            <a:endParaRPr lang="de-DE" sz="4800" dirty="0">
-              <a:latin typeface="Segoe UI Light" panose="020B0502040204020203" pitchFamily="34" charset="0"/>
-              <a:cs typeface="Segoe UI Light" panose="020B0502040204020203" pitchFamily="34" charset="0"/>
-            </a:endParaRPr>
-          </a:p>
-        </p:txBody>
-      </p:sp>
-      <p:sp>
-        <p:nvSpPr>
-          <p:cNvPr id="11" name="Textfeld 10"/>
-          <p:cNvSpPr txBox="1"/>
-          <p:nvPr/>
-        </p:nvSpPr>
-        <p:spPr>
-          <a:xfrm>
-            <a:off x="769368" y="3779090"/>
-            <a:ext cx="1440160" cy="276999"/>
-          </a:xfrm>
-          <a:prstGeom prst="rect">
-            <a:avLst/>
-          </a:prstGeom>
-          <a:noFill/>
-        </p:spPr>
-        <p:txBody>
-          <a:bodyPr wrap="square" rtlCol="0">
-            <a:spAutoFit/>
-          </a:bodyPr>
-          <a:lstStyle/>
-          <a:p>
-            <a:pPr algn="ctr"/>
-            <a:r>
-              <a:rPr lang="de-DE" sz="1200" dirty="0" err="1" smtClean="0">
-                <a:solidFill>
-                  <a:schemeClr val="bg1"/>
-                </a:solidFill>
-                <a:latin typeface="Segoe UI Light" panose="020B0502040204020203" pitchFamily="34" charset="0"/>
-                <a:cs typeface="Segoe UI Light" panose="020B0502040204020203" pitchFamily="34" charset="0"/>
-              </a:rPr>
-              <a:t>ms</a:t>
-            </a:r>
-            <a:r>
-              <a:rPr lang="de-DE" sz="1200" dirty="0" smtClean="0">
-                <a:solidFill>
-                  <a:schemeClr val="bg1"/>
-                </a:solidFill>
-                <a:latin typeface="Segoe UI Light" panose="020B0502040204020203" pitchFamily="34" charset="0"/>
-                <a:cs typeface="Segoe UI Light" panose="020B0502040204020203" pitchFamily="34" charset="0"/>
-              </a:rPr>
-              <a:t> </a:t>
-            </a:r>
-            <a:r>
-              <a:rPr lang="de-DE" sz="1200" dirty="0" err="1" smtClean="0">
-                <a:solidFill>
-                  <a:schemeClr val="bg1"/>
-                </a:solidFill>
-                <a:latin typeface="Segoe UI Light" panose="020B0502040204020203" pitchFamily="34" charset="0"/>
-                <a:cs typeface="Segoe UI Light" panose="020B0502040204020203" pitchFamily="34" charset="0"/>
-              </a:rPr>
-              <a:t>forced</a:t>
-            </a:r>
-            <a:r>
-              <a:rPr lang="de-DE" sz="1200" dirty="0" smtClean="0">
-                <a:solidFill>
-                  <a:schemeClr val="bg1"/>
-                </a:solidFill>
-                <a:latin typeface="Segoe UI Light" panose="020B0502040204020203" pitchFamily="34" charset="0"/>
-                <a:cs typeface="Segoe UI Light" panose="020B0502040204020203" pitchFamily="34" charset="0"/>
-              </a:rPr>
-              <a:t> </a:t>
-            </a:r>
-            <a:r>
-              <a:rPr lang="de-DE" sz="1200" dirty="0" err="1" smtClean="0">
-                <a:solidFill>
-                  <a:schemeClr val="bg1"/>
-                </a:solidFill>
-                <a:latin typeface="Segoe UI Light" panose="020B0502040204020203" pitchFamily="34" charset="0"/>
-                <a:cs typeface="Segoe UI Light" panose="020B0502040204020203" pitchFamily="34" charset="0"/>
-              </a:rPr>
-              <a:t>delay</a:t>
-            </a:r>
-            <a:r>
-              <a:rPr lang="de-DE" sz="1200" dirty="0" smtClean="0">
-                <a:solidFill>
-                  <a:schemeClr val="bg1"/>
-                </a:solidFill>
-                <a:latin typeface="Segoe UI Light" panose="020B0502040204020203" pitchFamily="34" charset="0"/>
-                <a:cs typeface="Segoe UI Light" panose="020B0502040204020203" pitchFamily="34" charset="0"/>
-              </a:rPr>
-              <a:t> (t)</a:t>
-            </a:r>
-            <a:endParaRPr lang="de-DE" sz="1200" dirty="0">
-              <a:solidFill>
-                <a:schemeClr val="bg1"/>
-              </a:solidFill>
-              <a:latin typeface="Segoe UI Light" panose="020B0502040204020203" pitchFamily="34" charset="0"/>
-              <a:cs typeface="Segoe UI Light" panose="020B0502040204020203" pitchFamily="34" charset="0"/>
-            </a:endParaRPr>
-          </a:p>
-        </p:txBody>
-      </p:sp>
       <p:graphicFrame>
         <p:nvGraphicFramePr>
           <p:cNvPr id="12" name="Tabelle 11"/>
@@ -8313,14 +8869,14 @@
           <p:nvPr>
             <p:extLst>
               <p:ext uri="{D42A27DB-BD31-4B8C-83A1-F6EECF244321}">
-                <p14:modId xmlns:p14="http://schemas.microsoft.com/office/powerpoint/2010/main" val="832836189"/>
+                <p14:modId xmlns:p14="http://schemas.microsoft.com/office/powerpoint/2010/main" val="3065324397"/>
               </p:ext>
             </p:extLst>
           </p:nvPr>
         </p:nvGraphicFramePr>
         <p:xfrm>
           <a:off x="4367051" y="908719"/>
-          <a:ext cx="3605302" cy="5076984"/>
+          <a:ext cx="3605302" cy="5076988"/>
         </p:xfrm>
         <a:graphic>
           <a:graphicData uri="http://schemas.openxmlformats.org/drawingml/2006/table">
@@ -8332,19 +8888,125 @@
                 <a:gridCol w="1802651">
                   <a:extLst>
                     <a:ext uri="{9D8B030D-6E8A-4147-A177-3AD203B41FA5}">
-                      <a16:colId xmlns="" xmlns:a16="http://schemas.microsoft.com/office/drawing/2014/main" val="20000"/>
+                      <a16:colId xmlns:a16="http://schemas.microsoft.com/office/drawing/2014/main" xmlns="" val="20000"/>
                     </a:ext>
                   </a:extLst>
                 </a:gridCol>
                 <a:gridCol w="1802651">
                   <a:extLst>
                     <a:ext uri="{9D8B030D-6E8A-4147-A177-3AD203B41FA5}">
-                      <a16:colId xmlns="" xmlns:a16="http://schemas.microsoft.com/office/drawing/2014/main" val="20001"/>
+                      <a16:colId xmlns:a16="http://schemas.microsoft.com/office/drawing/2014/main" xmlns="" val="20001"/>
                     </a:ext>
                   </a:extLst>
                 </a:gridCol>
               </a:tblGrid>
-              <a:tr h="846164">
+              <a:tr h="725284">
+                <a:tc>
+                  <a:txBody>
+                    <a:bodyPr/>
+                    <a:lstStyle/>
+                    <a:p>
+                      <a:pPr algn="r"/>
+                      <a:r>
+                        <a:rPr lang="de-DE" sz="3200" b="0" dirty="0" err="1" smtClean="0">
+                          <a:solidFill>
+                            <a:schemeClr val="tx1">
+                              <a:lumMod val="85000"/>
+                              <a:lumOff val="15000"/>
+                            </a:schemeClr>
+                          </a:solidFill>
+                          <a:latin typeface="Segoe UI Light" panose="020B0502040204020203" pitchFamily="34" charset="0"/>
+                          <a:cs typeface="Segoe UI Light" panose="020B0502040204020203" pitchFamily="34" charset="0"/>
+                        </a:rPr>
+                        <a:t>Requests</a:t>
+                      </a:r>
+                      <a:endParaRPr lang="de-DE" sz="3200" b="0" dirty="0">
+                        <a:solidFill>
+                          <a:schemeClr val="tx1">
+                            <a:lumMod val="85000"/>
+                            <a:lumOff val="15000"/>
+                          </a:schemeClr>
+                        </a:solidFill>
+                        <a:latin typeface="Segoe UI Light" panose="020B0502040204020203" pitchFamily="34" charset="0"/>
+                        <a:cs typeface="Segoe UI Light" panose="020B0502040204020203" pitchFamily="34" charset="0"/>
+                      </a:endParaRPr>
+                    </a:p>
+                  </a:txBody>
+                  <a:tcPr anchor="ctr">
+                    <a:lnR w="12700" cap="flat" cmpd="sng" algn="ctr">
+                      <a:solidFill>
+                        <a:schemeClr val="tx1"/>
+                      </a:solidFill>
+                      <a:prstDash val="solid"/>
+                      <a:round/>
+                      <a:headEnd type="none" w="med" len="med"/>
+                      <a:tailEnd type="none" w="med" len="med"/>
+                    </a:lnR>
+                    <a:lnB w="12700" cap="flat" cmpd="sng" algn="ctr">
+                      <a:solidFill>
+                        <a:schemeClr val="tx1"/>
+                      </a:solidFill>
+                      <a:prstDash val="solid"/>
+                      <a:round/>
+                      <a:headEnd type="none" w="med" len="med"/>
+                      <a:tailEnd type="none" w="med" len="med"/>
+                    </a:lnB>
+                  </a:tcPr>
+                </a:tc>
+                <a:tc>
+                  <a:txBody>
+                    <a:bodyPr/>
+                    <a:lstStyle/>
+                    <a:p>
+                      <a:pPr algn="l"/>
+                      <a:r>
+                        <a:rPr lang="de-DE" sz="3200" b="0" dirty="0" smtClean="0">
+                          <a:solidFill>
+                            <a:schemeClr val="tx1">
+                              <a:lumMod val="85000"/>
+                              <a:lumOff val="15000"/>
+                            </a:schemeClr>
+                          </a:solidFill>
+                          <a:latin typeface="Segoe UI Light" panose="020B0502040204020203" pitchFamily="34" charset="0"/>
+                          <a:cs typeface="Segoe UI Light" panose="020B0502040204020203" pitchFamily="34" charset="0"/>
+                        </a:rPr>
+                        <a:t>4799</a:t>
+                      </a:r>
+                      <a:endParaRPr lang="de-DE" sz="3200" b="0" dirty="0">
+                        <a:solidFill>
+                          <a:schemeClr val="tx1">
+                            <a:lumMod val="85000"/>
+                            <a:lumOff val="15000"/>
+                          </a:schemeClr>
+                        </a:solidFill>
+                        <a:latin typeface="Segoe UI Light" panose="020B0502040204020203" pitchFamily="34" charset="0"/>
+                        <a:cs typeface="Segoe UI Light" panose="020B0502040204020203" pitchFamily="34" charset="0"/>
+                      </a:endParaRPr>
+                    </a:p>
+                  </a:txBody>
+                  <a:tcPr anchor="ctr">
+                    <a:lnL w="12700" cap="flat" cmpd="sng" algn="ctr">
+                      <a:solidFill>
+                        <a:schemeClr val="tx1"/>
+                      </a:solidFill>
+                      <a:prstDash val="solid"/>
+                      <a:round/>
+                      <a:headEnd type="none" w="med" len="med"/>
+                      <a:tailEnd type="none" w="med" len="med"/>
+                    </a:lnL>
+                    <a:lnB w="12700" cap="flat" cmpd="sng" algn="ctr">
+                      <a:solidFill>
+                        <a:schemeClr val="tx1"/>
+                      </a:solidFill>
+                      <a:prstDash val="solid"/>
+                      <a:round/>
+                      <a:headEnd type="none" w="med" len="med"/>
+                      <a:tailEnd type="none" w="med" len="med"/>
+                    </a:lnB>
+                  </a:tcPr>
+                </a:tc>
+              </a:tr>
+              <a:tr h="725284">
                 <a:tc>
                   <a:txBody>
                     <a:bodyPr/>
@@ -8380,6 +9042,15 @@
                       <a:headEnd type="none" w="med" len="med"/>
                       <a:tailEnd type="none" w="med" len="med"/>
                     </a:lnR>
+                    <a:lnT w="12700" cap="flat" cmpd="sng" algn="ctr">
+                      <a:solidFill>
+                        <a:schemeClr val="tx1"/>
+                      </a:solidFill>
+                      <a:prstDash val="solid"/>
+                      <a:round/>
+                      <a:headEnd type="none" w="med" len="med"/>
+                      <a:tailEnd type="none" w="med" len="med"/>
+                    </a:lnT>
                   </a:tcPr>
                 </a:tc>
                 <a:tc>
@@ -8393,7 +9064,7 @@
                           <a:latin typeface="Segoe UI Light" panose="020B0502040204020203" pitchFamily="34" charset="0"/>
                           <a:cs typeface="Segoe UI Light" panose="020B0502040204020203" pitchFamily="34" charset="0"/>
                         </a:rPr>
-                        <a:t>276ms</a:t>
+                        <a:t>115ms</a:t>
                       </a:r>
                       <a:endParaRPr lang="de-DE" sz="3200" b="0" dirty="0">
                         <a:solidFill>
@@ -8417,15 +9088,24 @@
                       <a:headEnd type="none" w="med" len="med"/>
                       <a:tailEnd type="none" w="med" len="med"/>
                     </a:lnL>
+                    <a:lnT w="12700" cap="flat" cmpd="sng" algn="ctr">
+                      <a:solidFill>
+                        <a:schemeClr val="tx1"/>
+                      </a:solidFill>
+                      <a:prstDash val="solid"/>
+                      <a:round/>
+                      <a:headEnd type="none" w="med" len="med"/>
+                      <a:tailEnd type="none" w="med" len="med"/>
+                    </a:lnT>
                   </a:tcPr>
                 </a:tc>
                 <a:extLst>
                   <a:ext uri="{0D108BD9-81ED-4DB2-BD59-A6C34878D82A}">
-                    <a16:rowId xmlns="" xmlns:a16="http://schemas.microsoft.com/office/drawing/2014/main" val="10000"/>
+                    <a16:rowId xmlns:a16="http://schemas.microsoft.com/office/drawing/2014/main" xmlns="" val="10000"/>
                   </a:ext>
                 </a:extLst>
               </a:tr>
-              <a:tr h="846164">
+              <a:tr h="725284">
                 <a:tc>
                   <a:txBody>
                     <a:bodyPr/>
@@ -8474,7 +9154,7 @@
                           <a:latin typeface="Segoe UI Light" panose="020B0502040204020203" pitchFamily="34" charset="0"/>
                           <a:cs typeface="Segoe UI Light" panose="020B0502040204020203" pitchFamily="34" charset="0"/>
                         </a:rPr>
-                        <a:t>335ms</a:t>
+                        <a:t>257ms</a:t>
                       </a:r>
                       <a:endParaRPr lang="de-DE" sz="3200" b="0" dirty="0">
                         <a:solidFill>
@@ -8502,11 +9182,11 @@
                 </a:tc>
                 <a:extLst>
                   <a:ext uri="{0D108BD9-81ED-4DB2-BD59-A6C34878D82A}">
-                    <a16:rowId xmlns="" xmlns:a16="http://schemas.microsoft.com/office/drawing/2014/main" val="10001"/>
+                    <a16:rowId xmlns:a16="http://schemas.microsoft.com/office/drawing/2014/main" xmlns="" val="10001"/>
                   </a:ext>
                 </a:extLst>
               </a:tr>
-              <a:tr h="846164">
+              <a:tr h="725284">
                 <a:tc>
                   <a:txBody>
                     <a:bodyPr/>
@@ -8555,7 +9235,7 @@
                           <a:latin typeface="Segoe UI Light" panose="020B0502040204020203" pitchFamily="34" charset="0"/>
                           <a:cs typeface="Segoe UI Light" panose="020B0502040204020203" pitchFamily="34" charset="0"/>
                         </a:rPr>
-                        <a:t>276ms</a:t>
+                        <a:t>87ms</a:t>
                       </a:r>
                       <a:endParaRPr lang="de-DE" sz="3200" b="0" dirty="0">
                         <a:solidFill>
@@ -8583,11 +9263,11 @@
                 </a:tc>
                 <a:extLst>
                   <a:ext uri="{0D108BD9-81ED-4DB2-BD59-A6C34878D82A}">
-                    <a16:rowId xmlns="" xmlns:a16="http://schemas.microsoft.com/office/drawing/2014/main" val="10002"/>
+                    <a16:rowId xmlns:a16="http://schemas.microsoft.com/office/drawing/2014/main" xmlns="" val="10002"/>
                   </a:ext>
                 </a:extLst>
               </a:tr>
-              <a:tr h="846164">
+              <a:tr h="725284">
                 <a:tc>
                   <a:txBody>
                     <a:bodyPr/>
@@ -8636,7 +9316,7 @@
                           <a:latin typeface="Segoe UI Light" panose="020B0502040204020203" pitchFamily="34" charset="0"/>
                           <a:cs typeface="Segoe UI Light" panose="020B0502040204020203" pitchFamily="34" charset="0"/>
                         </a:rPr>
-                        <a:t>317ms</a:t>
+                        <a:t>403ms</a:t>
                       </a:r>
                       <a:endParaRPr lang="de-DE" sz="3200" b="0" dirty="0">
                         <a:solidFill>
@@ -8664,11 +9344,11 @@
                 </a:tc>
                 <a:extLst>
                   <a:ext uri="{0D108BD9-81ED-4DB2-BD59-A6C34878D82A}">
-                    <a16:rowId xmlns="" xmlns:a16="http://schemas.microsoft.com/office/drawing/2014/main" val="10003"/>
+                    <a16:rowId xmlns:a16="http://schemas.microsoft.com/office/drawing/2014/main" xmlns="" val="10003"/>
                   </a:ext>
                 </a:extLst>
               </a:tr>
-              <a:tr h="846164">
+              <a:tr h="725284">
                 <a:tc>
                   <a:txBody>
                     <a:bodyPr/>
@@ -8717,7 +9397,7 @@
                           <a:latin typeface="Segoe UI Light" panose="020B0502040204020203" pitchFamily="34" charset="0"/>
                           <a:cs typeface="Segoe UI Light" panose="020B0502040204020203" pitchFamily="34" charset="0"/>
                         </a:rPr>
-                        <a:t>241ms</a:t>
+                        <a:t>107ms</a:t>
                       </a:r>
                       <a:endParaRPr lang="de-DE" sz="3200" b="0" dirty="0">
                         <a:solidFill>
@@ -8745,11 +9425,11 @@
                 </a:tc>
                 <a:extLst>
                   <a:ext uri="{0D108BD9-81ED-4DB2-BD59-A6C34878D82A}">
-                    <a16:rowId xmlns="" xmlns:a16="http://schemas.microsoft.com/office/drawing/2014/main" val="10004"/>
+                    <a16:rowId xmlns:a16="http://schemas.microsoft.com/office/drawing/2014/main" xmlns="" val="10004"/>
                   </a:ext>
                 </a:extLst>
               </a:tr>
-              <a:tr h="846164">
+              <a:tr h="725284">
                 <a:tc>
                   <a:txBody>
                     <a:bodyPr/>
@@ -8800,7 +9480,7 @@
                     <a:p>
                       <a:pPr algn="l"/>
                       <a:r>
-                        <a:rPr lang="de-DE" sz="3200" b="0" dirty="0" err="1" smtClean="0">
+                        <a:rPr lang="de-DE" sz="3200" b="0" dirty="0" smtClean="0">
                           <a:solidFill>
                             <a:schemeClr val="tx1">
                               <a:lumMod val="85000"/>
@@ -8810,7 +9490,7 @@
                           <a:latin typeface="Segoe UI Light" panose="020B0502040204020203" pitchFamily="34" charset="0"/>
                           <a:cs typeface="Segoe UI Light" panose="020B0502040204020203" pitchFamily="34" charset="0"/>
                         </a:rPr>
-                        <a:t>Xms</a:t>
+                        <a:t>99ms</a:t>
                       </a:r>
                       <a:endParaRPr lang="de-DE" sz="3200" b="0" dirty="0">
                         <a:solidFill>
@@ -8838,7 +9518,7 @@
                 </a:tc>
                 <a:extLst>
                   <a:ext uri="{0D108BD9-81ED-4DB2-BD59-A6C34878D82A}">
-                    <a16:rowId xmlns="" xmlns:a16="http://schemas.microsoft.com/office/drawing/2014/main" val="10005"/>
+                    <a16:rowId xmlns:a16="http://schemas.microsoft.com/office/drawing/2014/main" xmlns="" val="10005"/>
                   </a:ext>
                 </a:extLst>
               </a:tr>
@@ -8893,7 +9573,7 @@
                 <a:latin typeface="Segoe UI Light" panose="020B0502040204020203" pitchFamily="34" charset="0"/>
                 <a:cs typeface="Segoe UI Light" panose="020B0502040204020203" pitchFamily="34" charset="0"/>
               </a:rPr>
-              <a:t>97</a:t>
+              <a:t>250</a:t>
             </a:r>
             <a:endParaRPr lang="de-DE" sz="4800" dirty="0">
               <a:latin typeface="Segoe UI Light" panose="020B0502040204020203" pitchFamily="34" charset="0"/>
@@ -8943,7 +9623,7 @@
                 <a:latin typeface="Segoe UI Light" panose="020B0502040204020203" pitchFamily="34" charset="0"/>
                 <a:cs typeface="Segoe UI Light" panose="020B0502040204020203" pitchFamily="34" charset="0"/>
               </a:rPr>
-              <a:t> real </a:t>
+              <a:t> </a:t>
             </a:r>
             <a:r>
               <a:rPr lang="de-DE" sz="1200" dirty="0" err="1" smtClean="0">
@@ -8955,39 +9635,6 @@
               </a:rPr>
               <a:t>delay</a:t>
             </a:r>
-            <a:endParaRPr lang="de-DE" sz="1200" dirty="0">
-              <a:solidFill>
-                <a:schemeClr val="bg1"/>
-              </a:solidFill>
-              <a:latin typeface="Segoe UI Light" panose="020B0502040204020203" pitchFamily="34" charset="0"/>
-              <a:cs typeface="Segoe UI Light" panose="020B0502040204020203" pitchFamily="34" charset="0"/>
-            </a:endParaRPr>
-          </a:p>
-        </p:txBody>
-      </p:sp>
-      <p:sp>
-        <p:nvSpPr>
-          <p:cNvPr id="15" name="Textfeld 14"/>
-          <p:cNvSpPr txBox="1"/>
-          <p:nvPr/>
-        </p:nvSpPr>
-        <p:spPr>
-          <a:xfrm>
-            <a:off x="800843" y="5616372"/>
-            <a:ext cx="1440160" cy="276999"/>
-          </a:xfrm>
-          <a:prstGeom prst="rect">
-            <a:avLst/>
-          </a:prstGeom>
-          <a:noFill/>
-        </p:spPr>
-        <p:txBody>
-          <a:bodyPr wrap="square" rtlCol="0">
-            <a:spAutoFit/>
-          </a:bodyPr>
-          <a:lstStyle/>
-          <a:p>
-            <a:pPr algn="ctr"/>
             <a:r>
               <a:rPr lang="de-DE" sz="1200" dirty="0" smtClean="0">
                 <a:solidFill>
@@ -8996,17 +9643,7 @@
                 <a:latin typeface="Segoe UI Light" panose="020B0502040204020203" pitchFamily="34" charset="0"/>
                 <a:cs typeface="Segoe UI Light" panose="020B0502040204020203" pitchFamily="34" charset="0"/>
               </a:rPr>
-              <a:t>min </a:t>
-            </a:r>
-            <a:r>
-              <a:rPr lang="de-DE" sz="1200" dirty="0" err="1" smtClean="0">
-                <a:solidFill>
-                  <a:schemeClr val="bg1"/>
-                </a:solidFill>
-                <a:latin typeface="Segoe UI Light" panose="020B0502040204020203" pitchFamily="34" charset="0"/>
-                <a:cs typeface="Segoe UI Light" panose="020B0502040204020203" pitchFamily="34" charset="0"/>
-              </a:rPr>
-              <a:t>runtime</a:t>
+              <a:t> (t)</a:t>
             </a:r>
             <a:endParaRPr lang="de-DE" sz="1200" dirty="0">
               <a:solidFill>
@@ -9061,13 +9698,13 @@
           <a:p>
             <a:pPr algn="ctr"/>
             <a:r>
-              <a:rPr lang="de-DE" sz="4400" dirty="0" smtClean="0">
+              <a:rPr lang="de-DE" sz="4000" dirty="0" smtClean="0">
                 <a:latin typeface="Segoe UI Light" panose="020B0502040204020203" pitchFamily="34" charset="0"/>
                 <a:cs typeface="Segoe UI Light" panose="020B0502040204020203" pitchFamily="34" charset="0"/>
               </a:rPr>
-              <a:t>8812</a:t>
-            </a:r>
-            <a:endParaRPr lang="de-DE" sz="4400" dirty="0">
+              <a:t>10</a:t>
+            </a:r>
+            <a:endParaRPr lang="de-DE" sz="4000" dirty="0">
               <a:latin typeface="Segoe UI Light" panose="020B0502040204020203" pitchFamily="34" charset="0"/>
               <a:cs typeface="Segoe UI Light" panose="020B0502040204020203" pitchFamily="34" charset="0"/>
             </a:endParaRPr>
@@ -9098,6 +9735,16 @@
           <a:p>
             <a:pPr algn="ctr"/>
             <a:r>
+              <a:rPr lang="de-DE" sz="1200" dirty="0" smtClean="0">
+                <a:solidFill>
+                  <a:schemeClr val="bg1"/>
+                </a:solidFill>
+                <a:latin typeface="Segoe UI Light" panose="020B0502040204020203" pitchFamily="34" charset="0"/>
+                <a:cs typeface="Segoe UI Light" panose="020B0502040204020203" pitchFamily="34" charset="0"/>
+              </a:rPr>
+              <a:t>Min </a:t>
+            </a:r>
+            <a:r>
               <a:rPr lang="de-DE" sz="1200" dirty="0" err="1" smtClean="0">
                 <a:solidFill>
                   <a:schemeClr val="bg1"/>
@@ -9105,7 +9752,7 @@
                 <a:latin typeface="Segoe UI Light" panose="020B0502040204020203" pitchFamily="34" charset="0"/>
                 <a:cs typeface="Segoe UI Light" panose="020B0502040204020203" pitchFamily="34" charset="0"/>
               </a:rPr>
-              <a:t>requests</a:t>
+              <a:t>runtime</a:t>
             </a:r>
             <a:endParaRPr lang="de-DE" sz="1200" dirty="0">
               <a:solidFill>
@@ -9141,6 +9788,33 @@
           <a:p>
             <a:pPr algn="r"/>
             <a:r>
+              <a:rPr lang="de-DE" dirty="0">
+                <a:solidFill>
+                  <a:schemeClr val="bg1">
+                    <a:lumMod val="50000"/>
+                  </a:schemeClr>
+                </a:solidFill>
+                <a:latin typeface="Segoe UI Light" panose="020B0502040204020203" pitchFamily="34" charset="0"/>
+                <a:cs typeface="Segoe UI Light" panose="020B0502040204020203" pitchFamily="34" charset="0"/>
+              </a:rPr>
+              <a:t>8 GB RAM</a:t>
+            </a:r>
+          </a:p>
+          <a:p>
+            <a:pPr algn="r"/>
+            <a:r>
+              <a:rPr lang="de-DE" dirty="0">
+                <a:solidFill>
+                  <a:schemeClr val="bg1">
+                    <a:lumMod val="50000"/>
+                  </a:schemeClr>
+                </a:solidFill>
+                <a:latin typeface="Segoe UI Light" panose="020B0502040204020203" pitchFamily="34" charset="0"/>
+                <a:cs typeface="Segoe UI Light" panose="020B0502040204020203" pitchFamily="34" charset="0"/>
+              </a:rPr>
+              <a:t>Intel Core </a:t>
+            </a:r>
+            <a:r>
               <a:rPr lang="de-DE" dirty="0" smtClean="0">
                 <a:solidFill>
                   <a:schemeClr val="bg1">
@@ -9150,11 +9824,20 @@
                 <a:latin typeface="Segoe UI Light" panose="020B0502040204020203" pitchFamily="34" charset="0"/>
                 <a:cs typeface="Segoe UI Light" panose="020B0502040204020203" pitchFamily="34" charset="0"/>
               </a:rPr>
-              <a:t>8 GB RAM</a:t>
-            </a:r>
-          </a:p>
-          <a:p>
-            <a:pPr algn="r"/>
+              <a:t>i5-4200U </a:t>
+            </a:r>
+            <a:r>
+              <a:rPr lang="de-DE" dirty="0">
+                <a:solidFill>
+                  <a:schemeClr val="bg1">
+                    <a:lumMod val="50000"/>
+                  </a:schemeClr>
+                </a:solidFill>
+                <a:latin typeface="Segoe UI Light" panose="020B0502040204020203" pitchFamily="34" charset="0"/>
+                <a:cs typeface="Segoe UI Light" panose="020B0502040204020203" pitchFamily="34" charset="0"/>
+              </a:rPr>
+              <a:t>@ </a:t>
+            </a:r>
             <a:r>
               <a:rPr lang="de-DE" dirty="0" smtClean="0">
                 <a:solidFill>
@@ -9165,7 +9848,19 @@
                 <a:latin typeface="Segoe UI Light" panose="020B0502040204020203" pitchFamily="34" charset="0"/>
                 <a:cs typeface="Segoe UI Light" panose="020B0502040204020203" pitchFamily="34" charset="0"/>
               </a:rPr>
-              <a:t>Intel Core i5-4690K @ 3.50 GHz</a:t>
+              <a:t>2.30 </a:t>
+            </a:r>
+            <a:r>
+              <a:rPr lang="de-DE" dirty="0">
+                <a:solidFill>
+                  <a:schemeClr val="bg1">
+                    <a:lumMod val="50000"/>
+                  </a:schemeClr>
+                </a:solidFill>
+                <a:latin typeface="Segoe UI Light" panose="020B0502040204020203" pitchFamily="34" charset="0"/>
+                <a:cs typeface="Segoe UI Light" panose="020B0502040204020203" pitchFamily="34" charset="0"/>
+              </a:rPr>
+              <a:t>GHz</a:t>
             </a:r>
           </a:p>
         </p:txBody>
@@ -9217,7 +9912,7 @@
                 <a:latin typeface="Segoe UI Light" panose="020B0502040204020203" pitchFamily="34" charset="0"/>
                 <a:cs typeface="Segoe UI Light" panose="020B0502040204020203" pitchFamily="34" charset="0"/>
               </a:rPr>
-              <a:t>8</a:t>
+              <a:t>2</a:t>
             </a:r>
             <a:endParaRPr lang="de-DE" sz="4800" dirty="0">
               <a:latin typeface="Segoe UI Light" panose="020B0502040204020203" pitchFamily="34" charset="0"/>
@@ -9257,7 +9952,7 @@
                 <a:latin typeface="Segoe UI Light" panose="020B0502040204020203" pitchFamily="34" charset="0"/>
                 <a:cs typeface="Segoe UI Light" panose="020B0502040204020203" pitchFamily="34" charset="0"/>
               </a:rPr>
-              <a:t>Actors</a:t>
+              <a:t>Actor</a:t>
             </a:r>
             <a:r>
               <a:rPr lang="de-DE" sz="1200" dirty="0" smtClean="0">
@@ -9267,7 +9962,17 @@
                 <a:latin typeface="Segoe UI Light" panose="020B0502040204020203" pitchFamily="34" charset="0"/>
                 <a:cs typeface="Segoe UI Light" panose="020B0502040204020203" pitchFamily="34" charset="0"/>
               </a:rPr>
-              <a:t> (n)</a:t>
+              <a:t> </a:t>
+            </a:r>
+            <a:r>
+              <a:rPr lang="de-DE" sz="1200" dirty="0" smtClean="0">
+                <a:solidFill>
+                  <a:schemeClr val="bg1"/>
+                </a:solidFill>
+                <a:latin typeface="Segoe UI Light" panose="020B0502040204020203" pitchFamily="34" charset="0"/>
+                <a:cs typeface="Segoe UI Light" panose="020B0502040204020203" pitchFamily="34" charset="0"/>
+              </a:rPr>
+              <a:t>(n)</a:t>
             </a:r>
             <a:endParaRPr lang="de-DE" sz="1200" dirty="0">
               <a:solidFill>
@@ -9281,12 +9986,12 @@
       </p:sp>
       <p:graphicFrame>
         <p:nvGraphicFramePr>
-          <p:cNvPr id="21" name="Diagramm 20"/>
+          <p:cNvPr id="4" name="Diagramm 3"/>
           <p:cNvGraphicFramePr/>
           <p:nvPr>
             <p:extLst>
               <p:ext uri="{D42A27DB-BD31-4B8C-83A1-F6EECF244321}">
-                <p14:modId xmlns:p14="http://schemas.microsoft.com/office/powerpoint/2010/main" val="860088809"/>
+                <p14:modId xmlns:p14="http://schemas.microsoft.com/office/powerpoint/2010/main" val="4070142078"/>
               </p:ext>
             </p:extLst>
           </p:nvPr>
@@ -9304,7 +10009,7 @@
     </p:spTree>
     <p:extLst>
       <p:ext uri="{BB962C8B-B14F-4D97-AF65-F5344CB8AC3E}">
-        <p14:creationId xmlns:p14="http://schemas.microsoft.com/office/powerpoint/2010/main" val="3155243051"/>
+        <p14:creationId xmlns:p14="http://schemas.microsoft.com/office/powerpoint/2010/main" val="1788481093"/>
       </p:ext>
     </p:extLst>
   </p:cSld>
@@ -9394,211 +10099,6 @@
           </a:p>
         </p:txBody>
       </p:sp>
-      <p:sp>
-        <p:nvSpPr>
-          <p:cNvPr id="6" name="Rechteck 5"/>
-          <p:cNvSpPr/>
-          <p:nvPr/>
-        </p:nvSpPr>
-        <p:spPr>
-          <a:xfrm>
-            <a:off x="767408" y="2708262"/>
-            <a:ext cx="1440160" cy="1440160"/>
-          </a:xfrm>
-          <a:prstGeom prst="rect">
-            <a:avLst/>
-          </a:prstGeom>
-          <a:solidFill>
-            <a:srgbClr val="2196F2"/>
-          </a:solidFill>
-          <a:ln>
-            <a:noFill/>
-          </a:ln>
-        </p:spPr>
-        <p:style>
-          <a:lnRef idx="2">
-            <a:schemeClr val="accent1">
-              <a:shade val="50000"/>
-            </a:schemeClr>
-          </a:lnRef>
-          <a:fillRef idx="1">
-            <a:schemeClr val="accent1"/>
-          </a:fillRef>
-          <a:effectRef idx="0">
-            <a:schemeClr val="accent1"/>
-          </a:effectRef>
-          <a:fontRef idx="minor">
-            <a:schemeClr val="lt1"/>
-          </a:fontRef>
-        </p:style>
-        <p:txBody>
-          <a:bodyPr rtlCol="0" anchor="ctr"/>
-          <a:lstStyle/>
-          <a:p>
-            <a:pPr algn="ctr"/>
-            <a:r>
-              <a:rPr lang="de-DE" sz="4800" dirty="0" smtClean="0">
-                <a:latin typeface="Segoe UI Light" panose="020B0502040204020203" pitchFamily="34" charset="0"/>
-                <a:cs typeface="Segoe UI Light" panose="020B0502040204020203" pitchFamily="34" charset="0"/>
-              </a:rPr>
-              <a:t>t</a:t>
-            </a:r>
-            <a:endParaRPr lang="de-DE" sz="4800" dirty="0">
-              <a:latin typeface="Segoe UI Light" panose="020B0502040204020203" pitchFamily="34" charset="0"/>
-              <a:cs typeface="Segoe UI Light" panose="020B0502040204020203" pitchFamily="34" charset="0"/>
-            </a:endParaRPr>
-          </a:p>
-        </p:txBody>
-      </p:sp>
-      <p:sp>
-        <p:nvSpPr>
-          <p:cNvPr id="8" name="Rechteck 7"/>
-          <p:cNvSpPr/>
-          <p:nvPr/>
-        </p:nvSpPr>
-        <p:spPr>
-          <a:xfrm>
-            <a:off x="767408" y="4545544"/>
-            <a:ext cx="1440160" cy="1440160"/>
-          </a:xfrm>
-          <a:prstGeom prst="rect">
-            <a:avLst/>
-          </a:prstGeom>
-          <a:solidFill>
-            <a:srgbClr val="2196F2"/>
-          </a:solidFill>
-          <a:ln>
-            <a:noFill/>
-          </a:ln>
-        </p:spPr>
-        <p:style>
-          <a:lnRef idx="2">
-            <a:schemeClr val="accent1">
-              <a:shade val="50000"/>
-            </a:schemeClr>
-          </a:lnRef>
-          <a:fillRef idx="1">
-            <a:schemeClr val="accent1"/>
-          </a:fillRef>
-          <a:effectRef idx="0">
-            <a:schemeClr val="accent1"/>
-          </a:effectRef>
-          <a:fontRef idx="minor">
-            <a:schemeClr val="lt1"/>
-          </a:fontRef>
-        </p:style>
-        <p:txBody>
-          <a:bodyPr rtlCol="0" anchor="ctr"/>
-          <a:lstStyle/>
-          <a:p>
-            <a:pPr algn="ctr"/>
-            <a:r>
-              <a:rPr lang="el-GR" sz="4800" dirty="0" smtClean="0">
-                <a:latin typeface="Segoe UI Light" panose="020B0502040204020203" pitchFamily="34" charset="0"/>
-                <a:cs typeface="Segoe UI Light" panose="020B0502040204020203" pitchFamily="34" charset="0"/>
-              </a:rPr>
-              <a:t>θ</a:t>
-            </a:r>
-            <a:endParaRPr lang="de-DE" sz="4800" dirty="0">
-              <a:latin typeface="Segoe UI Light" panose="020B0502040204020203" pitchFamily="34" charset="0"/>
-              <a:cs typeface="Segoe UI Light" panose="020B0502040204020203" pitchFamily="34" charset="0"/>
-            </a:endParaRPr>
-          </a:p>
-        </p:txBody>
-      </p:sp>
-      <p:sp>
-        <p:nvSpPr>
-          <p:cNvPr id="11" name="Textfeld 10"/>
-          <p:cNvSpPr txBox="1"/>
-          <p:nvPr/>
-        </p:nvSpPr>
-        <p:spPr>
-          <a:xfrm>
-            <a:off x="769368" y="3779090"/>
-            <a:ext cx="1440160" cy="276999"/>
-          </a:xfrm>
-          <a:prstGeom prst="rect">
-            <a:avLst/>
-          </a:prstGeom>
-          <a:noFill/>
-        </p:spPr>
-        <p:txBody>
-          <a:bodyPr wrap="square" rtlCol="0">
-            <a:spAutoFit/>
-          </a:bodyPr>
-          <a:lstStyle/>
-          <a:p>
-            <a:pPr algn="ctr"/>
-            <a:r>
-              <a:rPr lang="de-DE" sz="1200" dirty="0" err="1" smtClean="0">
-                <a:solidFill>
-                  <a:schemeClr val="bg1"/>
-                </a:solidFill>
-                <a:latin typeface="Segoe UI Light" panose="020B0502040204020203" pitchFamily="34" charset="0"/>
-                <a:cs typeface="Segoe UI Light" panose="020B0502040204020203" pitchFamily="34" charset="0"/>
-              </a:rPr>
-              <a:t>ms</a:t>
-            </a:r>
-            <a:r>
-              <a:rPr lang="de-DE" sz="1200" dirty="0" smtClean="0">
-                <a:solidFill>
-                  <a:schemeClr val="bg1"/>
-                </a:solidFill>
-                <a:latin typeface="Segoe UI Light" panose="020B0502040204020203" pitchFamily="34" charset="0"/>
-                <a:cs typeface="Segoe UI Light" panose="020B0502040204020203" pitchFamily="34" charset="0"/>
-              </a:rPr>
-              <a:t> </a:t>
-            </a:r>
-            <a:r>
-              <a:rPr lang="de-DE" sz="1200" dirty="0" err="1" smtClean="0">
-                <a:solidFill>
-                  <a:schemeClr val="bg1"/>
-                </a:solidFill>
-                <a:latin typeface="Segoe UI Light" panose="020B0502040204020203" pitchFamily="34" charset="0"/>
-                <a:cs typeface="Segoe UI Light" panose="020B0502040204020203" pitchFamily="34" charset="0"/>
-              </a:rPr>
-              <a:t>forced</a:t>
-            </a:r>
-            <a:r>
-              <a:rPr lang="de-DE" sz="1200" dirty="0" smtClean="0">
-                <a:solidFill>
-                  <a:schemeClr val="bg1"/>
-                </a:solidFill>
-                <a:latin typeface="Segoe UI Light" panose="020B0502040204020203" pitchFamily="34" charset="0"/>
-                <a:cs typeface="Segoe UI Light" panose="020B0502040204020203" pitchFamily="34" charset="0"/>
-              </a:rPr>
-              <a:t> </a:t>
-            </a:r>
-            <a:r>
-              <a:rPr lang="de-DE" sz="1200" dirty="0" err="1" smtClean="0">
-                <a:solidFill>
-                  <a:schemeClr val="bg1"/>
-                </a:solidFill>
-                <a:latin typeface="Segoe UI Light" panose="020B0502040204020203" pitchFamily="34" charset="0"/>
-                <a:cs typeface="Segoe UI Light" panose="020B0502040204020203" pitchFamily="34" charset="0"/>
-              </a:rPr>
-              <a:t>delay</a:t>
-            </a:r>
-            <a:r>
-              <a:rPr lang="de-DE" sz="1200" dirty="0" smtClean="0">
-                <a:solidFill>
-                  <a:schemeClr val="bg1"/>
-                </a:solidFill>
-                <a:latin typeface="Segoe UI Light" panose="020B0502040204020203" pitchFamily="34" charset="0"/>
-                <a:cs typeface="Segoe UI Light" panose="020B0502040204020203" pitchFamily="34" charset="0"/>
-              </a:rPr>
-              <a:t> (t)</a:t>
-            </a:r>
-            <a:endParaRPr lang="de-DE" sz="1200" dirty="0">
-              <a:solidFill>
-                <a:schemeClr val="bg1"/>
-              </a:solidFill>
-              <a:latin typeface="Segoe UI Light" panose="020B0502040204020203" pitchFamily="34" charset="0"/>
-              <a:cs typeface="Segoe UI Light" panose="020B0502040204020203" pitchFamily="34" charset="0"/>
-            </a:endParaRPr>
-          </a:p>
-        </p:txBody>
-      </p:sp>
       <p:graphicFrame>
         <p:nvGraphicFramePr>
           <p:cNvPr id="12" name="Tabelle 11"/>
@@ -9608,14 +10108,14 @@
           <p:nvPr>
             <p:extLst>
               <p:ext uri="{D42A27DB-BD31-4B8C-83A1-F6EECF244321}">
-                <p14:modId xmlns:p14="http://schemas.microsoft.com/office/powerpoint/2010/main" val="1524945782"/>
+                <p14:modId xmlns:p14="http://schemas.microsoft.com/office/powerpoint/2010/main" val="135259259"/>
               </p:ext>
             </p:extLst>
           </p:nvPr>
         </p:nvGraphicFramePr>
         <p:xfrm>
           <a:off x="4367051" y="908719"/>
-          <a:ext cx="3605302" cy="5076984"/>
+          <a:ext cx="3605302" cy="5076988"/>
         </p:xfrm>
         <a:graphic>
           <a:graphicData uri="http://schemas.openxmlformats.org/drawingml/2006/table">
@@ -9627,19 +10127,125 @@
                 <a:gridCol w="1802651">
                   <a:extLst>
                     <a:ext uri="{9D8B030D-6E8A-4147-A177-3AD203B41FA5}">
-                      <a16:colId xmlns="" xmlns:a16="http://schemas.microsoft.com/office/drawing/2014/main" val="20000"/>
+                      <a16:colId xmlns:a16="http://schemas.microsoft.com/office/drawing/2014/main" xmlns="" val="20000"/>
                     </a:ext>
                   </a:extLst>
                 </a:gridCol>
                 <a:gridCol w="1802651">
                   <a:extLst>
                     <a:ext uri="{9D8B030D-6E8A-4147-A177-3AD203B41FA5}">
-                      <a16:colId xmlns="" xmlns:a16="http://schemas.microsoft.com/office/drawing/2014/main" val="20001"/>
+                      <a16:colId xmlns:a16="http://schemas.microsoft.com/office/drawing/2014/main" xmlns="" val="20001"/>
                     </a:ext>
                   </a:extLst>
                 </a:gridCol>
               </a:tblGrid>
-              <a:tr h="846164">
+              <a:tr h="725284">
+                <a:tc>
+                  <a:txBody>
+                    <a:bodyPr/>
+                    <a:lstStyle/>
+                    <a:p>
+                      <a:pPr algn="r"/>
+                      <a:r>
+                        <a:rPr lang="de-DE" sz="3200" b="0" dirty="0" err="1" smtClean="0">
+                          <a:solidFill>
+                            <a:schemeClr val="tx1">
+                              <a:lumMod val="85000"/>
+                              <a:lumOff val="15000"/>
+                            </a:schemeClr>
+                          </a:solidFill>
+                          <a:latin typeface="Segoe UI Light" panose="020B0502040204020203" pitchFamily="34" charset="0"/>
+                          <a:cs typeface="Segoe UI Light" panose="020B0502040204020203" pitchFamily="34" charset="0"/>
+                        </a:rPr>
+                        <a:t>Requests</a:t>
+                      </a:r>
+                      <a:endParaRPr lang="de-DE" sz="3200" b="0" dirty="0">
+                        <a:solidFill>
+                          <a:schemeClr val="tx1">
+                            <a:lumMod val="85000"/>
+                            <a:lumOff val="15000"/>
+                          </a:schemeClr>
+                        </a:solidFill>
+                        <a:latin typeface="Segoe UI Light" panose="020B0502040204020203" pitchFamily="34" charset="0"/>
+                        <a:cs typeface="Segoe UI Light" panose="020B0502040204020203" pitchFamily="34" charset="0"/>
+                      </a:endParaRPr>
+                    </a:p>
+                  </a:txBody>
+                  <a:tcPr anchor="ctr">
+                    <a:lnR w="12700" cap="flat" cmpd="sng" algn="ctr">
+                      <a:solidFill>
+                        <a:schemeClr val="tx1"/>
+                      </a:solidFill>
+                      <a:prstDash val="solid"/>
+                      <a:round/>
+                      <a:headEnd type="none" w="med" len="med"/>
+                      <a:tailEnd type="none" w="med" len="med"/>
+                    </a:lnR>
+                    <a:lnB w="12700" cap="flat" cmpd="sng" algn="ctr">
+                      <a:solidFill>
+                        <a:schemeClr val="tx1"/>
+                      </a:solidFill>
+                      <a:prstDash val="solid"/>
+                      <a:round/>
+                      <a:headEnd type="none" w="med" len="med"/>
+                      <a:tailEnd type="none" w="med" len="med"/>
+                    </a:lnB>
+                  </a:tcPr>
+                </a:tc>
+                <a:tc>
+                  <a:txBody>
+                    <a:bodyPr/>
+                    <a:lstStyle/>
+                    <a:p>
+                      <a:pPr algn="l"/>
+                      <a:r>
+                        <a:rPr lang="de-DE" sz="3200" b="0" dirty="0" smtClean="0">
+                          <a:solidFill>
+                            <a:schemeClr val="tx1">
+                              <a:lumMod val="85000"/>
+                              <a:lumOff val="15000"/>
+                            </a:schemeClr>
+                          </a:solidFill>
+                          <a:latin typeface="Segoe UI Light" panose="020B0502040204020203" pitchFamily="34" charset="0"/>
+                          <a:cs typeface="Segoe UI Light" panose="020B0502040204020203" pitchFamily="34" charset="0"/>
+                        </a:rPr>
+                        <a:t>5973</a:t>
+                      </a:r>
+                      <a:endParaRPr lang="de-DE" sz="3200" b="0" dirty="0">
+                        <a:solidFill>
+                          <a:schemeClr val="tx1">
+                            <a:lumMod val="85000"/>
+                            <a:lumOff val="15000"/>
+                          </a:schemeClr>
+                        </a:solidFill>
+                        <a:latin typeface="Segoe UI Light" panose="020B0502040204020203" pitchFamily="34" charset="0"/>
+                        <a:cs typeface="Segoe UI Light" panose="020B0502040204020203" pitchFamily="34" charset="0"/>
+                      </a:endParaRPr>
+                    </a:p>
+                  </a:txBody>
+                  <a:tcPr anchor="ctr">
+                    <a:lnL w="12700" cap="flat" cmpd="sng" algn="ctr">
+                      <a:solidFill>
+                        <a:schemeClr val="tx1"/>
+                      </a:solidFill>
+                      <a:prstDash val="solid"/>
+                      <a:round/>
+                      <a:headEnd type="none" w="med" len="med"/>
+                      <a:tailEnd type="none" w="med" len="med"/>
+                    </a:lnL>
+                    <a:lnB w="12700" cap="flat" cmpd="sng" algn="ctr">
+                      <a:solidFill>
+                        <a:schemeClr val="tx1"/>
+                      </a:solidFill>
+                      <a:prstDash val="solid"/>
+                      <a:round/>
+                      <a:headEnd type="none" w="med" len="med"/>
+                      <a:tailEnd type="none" w="med" len="med"/>
+                    </a:lnB>
+                  </a:tcPr>
+                </a:tc>
+              </a:tr>
+              <a:tr h="725284">
                 <a:tc>
                   <a:txBody>
                     <a:bodyPr/>
@@ -9675,6 +10281,15 @@
                       <a:headEnd type="none" w="med" len="med"/>
                       <a:tailEnd type="none" w="med" len="med"/>
                     </a:lnR>
+                    <a:lnT w="12700" cap="flat" cmpd="sng" algn="ctr">
+                      <a:solidFill>
+                        <a:schemeClr val="tx1"/>
+                      </a:solidFill>
+                      <a:prstDash val="solid"/>
+                      <a:round/>
+                      <a:headEnd type="none" w="med" len="med"/>
+                      <a:tailEnd type="none" w="med" len="med"/>
+                    </a:lnT>
                   </a:tcPr>
                 </a:tc>
                 <a:tc>
@@ -9684,11 +10299,11 @@
                     <a:p>
                       <a:pPr algn="l"/>
                       <a:r>
-                        <a:rPr lang="de-DE" sz="3200" dirty="0" err="1" smtClean="0">
+                        <a:rPr lang="de-DE" sz="3200" dirty="0" smtClean="0">
                           <a:latin typeface="Segoe UI Light" panose="020B0502040204020203" pitchFamily="34" charset="0"/>
                           <a:cs typeface="Segoe UI Light" panose="020B0502040204020203" pitchFamily="34" charset="0"/>
                         </a:rPr>
-                        <a:t>Xms</a:t>
+                        <a:t>109ms</a:t>
                       </a:r>
                       <a:endParaRPr lang="de-DE" sz="3200" b="0" dirty="0">
                         <a:solidFill>
@@ -9712,15 +10327,24 @@
                       <a:headEnd type="none" w="med" len="med"/>
                       <a:tailEnd type="none" w="med" len="med"/>
                     </a:lnL>
+                    <a:lnT w="12700" cap="flat" cmpd="sng" algn="ctr">
+                      <a:solidFill>
+                        <a:schemeClr val="tx1"/>
+                      </a:solidFill>
+                      <a:prstDash val="solid"/>
+                      <a:round/>
+                      <a:headEnd type="none" w="med" len="med"/>
+                      <a:tailEnd type="none" w="med" len="med"/>
+                    </a:lnT>
                   </a:tcPr>
                 </a:tc>
                 <a:extLst>
                   <a:ext uri="{0D108BD9-81ED-4DB2-BD59-A6C34878D82A}">
-                    <a16:rowId xmlns="" xmlns:a16="http://schemas.microsoft.com/office/drawing/2014/main" val="10000"/>
+                    <a16:rowId xmlns:a16="http://schemas.microsoft.com/office/drawing/2014/main" xmlns="" val="10000"/>
                   </a:ext>
                 </a:extLst>
               </a:tr>
-              <a:tr h="846164">
+              <a:tr h="725284">
                 <a:tc>
                   <a:txBody>
                     <a:bodyPr/>
@@ -9765,11 +10389,11 @@
                     <a:p>
                       <a:pPr algn="l"/>
                       <a:r>
-                        <a:rPr lang="de-DE" sz="3200" dirty="0" err="1" smtClean="0">
+                        <a:rPr lang="de-DE" sz="3200" dirty="0" smtClean="0">
                           <a:latin typeface="Segoe UI Light" panose="020B0502040204020203" pitchFamily="34" charset="0"/>
                           <a:cs typeface="Segoe UI Light" panose="020B0502040204020203" pitchFamily="34" charset="0"/>
                         </a:rPr>
-                        <a:t>Xms</a:t>
+                        <a:t>282ms</a:t>
                       </a:r>
                       <a:endParaRPr lang="de-DE" sz="3200" b="0" dirty="0">
                         <a:solidFill>
@@ -9797,11 +10421,11 @@
                 </a:tc>
                 <a:extLst>
                   <a:ext uri="{0D108BD9-81ED-4DB2-BD59-A6C34878D82A}">
-                    <a16:rowId xmlns="" xmlns:a16="http://schemas.microsoft.com/office/drawing/2014/main" val="10001"/>
+                    <a16:rowId xmlns:a16="http://schemas.microsoft.com/office/drawing/2014/main" xmlns="" val="10001"/>
                   </a:ext>
                 </a:extLst>
               </a:tr>
-              <a:tr h="846164">
+              <a:tr h="725284">
                 <a:tc>
                   <a:txBody>
                     <a:bodyPr/>
@@ -9846,11 +10470,11 @@
                     <a:p>
                       <a:pPr algn="l"/>
                       <a:r>
-                        <a:rPr lang="de-DE" sz="3200" dirty="0" err="1" smtClean="0">
+                        <a:rPr lang="de-DE" sz="3200" dirty="0" smtClean="0">
                           <a:latin typeface="Segoe UI Light" panose="020B0502040204020203" pitchFamily="34" charset="0"/>
                           <a:cs typeface="Segoe UI Light" panose="020B0502040204020203" pitchFamily="34" charset="0"/>
                         </a:rPr>
-                        <a:t>Xms</a:t>
+                        <a:t>86ms</a:t>
                       </a:r>
                       <a:endParaRPr lang="de-DE" sz="3200" b="0" dirty="0">
                         <a:solidFill>
@@ -9878,11 +10502,11 @@
                 </a:tc>
                 <a:extLst>
                   <a:ext uri="{0D108BD9-81ED-4DB2-BD59-A6C34878D82A}">
-                    <a16:rowId xmlns="" xmlns:a16="http://schemas.microsoft.com/office/drawing/2014/main" val="10002"/>
+                    <a16:rowId xmlns:a16="http://schemas.microsoft.com/office/drawing/2014/main" xmlns="" val="10002"/>
                   </a:ext>
                 </a:extLst>
               </a:tr>
-              <a:tr h="846164">
+              <a:tr h="725284">
                 <a:tc>
                   <a:txBody>
                     <a:bodyPr/>
@@ -9927,11 +10551,11 @@
                     <a:p>
                       <a:pPr algn="l"/>
                       <a:r>
-                        <a:rPr lang="de-DE" sz="3200" dirty="0" err="1" smtClean="0">
+                        <a:rPr lang="de-DE" sz="3200" dirty="0" smtClean="0">
                           <a:latin typeface="Segoe UI Light" panose="020B0502040204020203" pitchFamily="34" charset="0"/>
                           <a:cs typeface="Segoe UI Light" panose="020B0502040204020203" pitchFamily="34" charset="0"/>
                         </a:rPr>
-                        <a:t>Xms</a:t>
+                        <a:t>431ms</a:t>
                       </a:r>
                       <a:endParaRPr lang="de-DE" sz="3200" b="0" dirty="0">
                         <a:solidFill>
@@ -9959,11 +10583,11 @@
                 </a:tc>
                 <a:extLst>
                   <a:ext uri="{0D108BD9-81ED-4DB2-BD59-A6C34878D82A}">
-                    <a16:rowId xmlns="" xmlns:a16="http://schemas.microsoft.com/office/drawing/2014/main" val="10003"/>
+                    <a16:rowId xmlns:a16="http://schemas.microsoft.com/office/drawing/2014/main" xmlns="" val="10003"/>
                   </a:ext>
                 </a:extLst>
               </a:tr>
-              <a:tr h="846164">
+              <a:tr h="725284">
                 <a:tc>
                   <a:txBody>
                     <a:bodyPr/>
@@ -10008,11 +10632,11 @@
                     <a:p>
                       <a:pPr algn="l"/>
                       <a:r>
-                        <a:rPr lang="de-DE" sz="3200" dirty="0" err="1" smtClean="0">
+                        <a:rPr lang="de-DE" sz="3200" dirty="0" smtClean="0">
                           <a:latin typeface="Segoe UI Light" panose="020B0502040204020203" pitchFamily="34" charset="0"/>
                           <a:cs typeface="Segoe UI Light" panose="020B0502040204020203" pitchFamily="34" charset="0"/>
                         </a:rPr>
-                        <a:t>Xms</a:t>
+                        <a:t>93ms</a:t>
                       </a:r>
                       <a:endParaRPr lang="de-DE" sz="3200" b="0" dirty="0">
                         <a:solidFill>
@@ -10040,11 +10664,11 @@
                 </a:tc>
                 <a:extLst>
                   <a:ext uri="{0D108BD9-81ED-4DB2-BD59-A6C34878D82A}">
-                    <a16:rowId xmlns="" xmlns:a16="http://schemas.microsoft.com/office/drawing/2014/main" val="10004"/>
+                    <a16:rowId xmlns:a16="http://schemas.microsoft.com/office/drawing/2014/main" xmlns="" val="10004"/>
                   </a:ext>
                 </a:extLst>
               </a:tr>
-              <a:tr h="846164">
+              <a:tr h="725284">
                 <a:tc>
                   <a:txBody>
                     <a:bodyPr/>
@@ -10095,7 +10719,7 @@
                     <a:p>
                       <a:pPr algn="l"/>
                       <a:r>
-                        <a:rPr lang="de-DE" sz="3200" b="0" dirty="0" err="1" smtClean="0">
+                        <a:rPr lang="de-DE" sz="3200" b="0" dirty="0" smtClean="0">
                           <a:solidFill>
                             <a:schemeClr val="tx1">
                               <a:lumMod val="85000"/>
@@ -10105,7 +10729,7 @@
                           <a:latin typeface="Segoe UI Light" panose="020B0502040204020203" pitchFamily="34" charset="0"/>
                           <a:cs typeface="Segoe UI Light" panose="020B0502040204020203" pitchFamily="34" charset="0"/>
                         </a:rPr>
-                        <a:t>Xms</a:t>
+                        <a:t>94ms</a:t>
                       </a:r>
                       <a:endParaRPr lang="de-DE" sz="3200" b="0" dirty="0">
                         <a:solidFill>
@@ -10133,7 +10757,7 @@
                 </a:tc>
                 <a:extLst>
                   <a:ext uri="{0D108BD9-81ED-4DB2-BD59-A6C34878D82A}">
-                    <a16:rowId xmlns="" xmlns:a16="http://schemas.microsoft.com/office/drawing/2014/main" val="10005"/>
+                    <a16:rowId xmlns:a16="http://schemas.microsoft.com/office/drawing/2014/main" xmlns="" val="10005"/>
                   </a:ext>
                 </a:extLst>
               </a:tr>
@@ -10184,12 +10808,16 @@
           <a:p>
             <a:pPr algn="ctr"/>
             <a:r>
-              <a:rPr lang="de-DE" sz="4800" dirty="0">
+              <a:rPr lang="de-DE" sz="4800" dirty="0" smtClean="0">
                 <a:latin typeface="Segoe UI Light" panose="020B0502040204020203" pitchFamily="34" charset="0"/>
                 <a:cs typeface="Segoe UI Light" panose="020B0502040204020203" pitchFamily="34" charset="0"/>
               </a:rPr>
-              <a:t>Δ</a:t>
-            </a:r>
+              <a:t>100</a:t>
+            </a:r>
+            <a:endParaRPr lang="de-DE" sz="4800" dirty="0">
+              <a:latin typeface="Segoe UI Light" panose="020B0502040204020203" pitchFamily="34" charset="0"/>
+              <a:cs typeface="Segoe UI Light" panose="020B0502040204020203" pitchFamily="34" charset="0"/>
+            </a:endParaRPr>
           </a:p>
         </p:txBody>
       </p:sp>
@@ -10234,7 +10862,7 @@
                 <a:latin typeface="Segoe UI Light" panose="020B0502040204020203" pitchFamily="34" charset="0"/>
                 <a:cs typeface="Segoe UI Light" panose="020B0502040204020203" pitchFamily="34" charset="0"/>
               </a:rPr>
-              <a:t> real </a:t>
+              <a:t> </a:t>
             </a:r>
             <a:r>
               <a:rPr lang="de-DE" sz="1200" dirty="0" err="1" smtClean="0">
@@ -10246,39 +10874,6 @@
               </a:rPr>
               <a:t>delay</a:t>
             </a:r>
-            <a:endParaRPr lang="de-DE" sz="1200" dirty="0">
-              <a:solidFill>
-                <a:schemeClr val="bg1"/>
-              </a:solidFill>
-              <a:latin typeface="Segoe UI Light" panose="020B0502040204020203" pitchFamily="34" charset="0"/>
-              <a:cs typeface="Segoe UI Light" panose="020B0502040204020203" pitchFamily="34" charset="0"/>
-            </a:endParaRPr>
-          </a:p>
-        </p:txBody>
-      </p:sp>
-      <p:sp>
-        <p:nvSpPr>
-          <p:cNvPr id="15" name="Textfeld 14"/>
-          <p:cNvSpPr txBox="1"/>
-          <p:nvPr/>
-        </p:nvSpPr>
-        <p:spPr>
-          <a:xfrm>
-            <a:off x="800843" y="5616372"/>
-            <a:ext cx="1440160" cy="276999"/>
-          </a:xfrm>
-          <a:prstGeom prst="rect">
-            <a:avLst/>
-          </a:prstGeom>
-          <a:noFill/>
-        </p:spPr>
-        <p:txBody>
-          <a:bodyPr wrap="square" rtlCol="0">
-            <a:spAutoFit/>
-          </a:bodyPr>
-          <a:lstStyle/>
-          <a:p>
-            <a:pPr algn="ctr"/>
             <a:r>
               <a:rPr lang="de-DE" sz="1200" dirty="0" smtClean="0">
                 <a:solidFill>
@@ -10287,17 +10882,7 @@
                 <a:latin typeface="Segoe UI Light" panose="020B0502040204020203" pitchFamily="34" charset="0"/>
                 <a:cs typeface="Segoe UI Light" panose="020B0502040204020203" pitchFamily="34" charset="0"/>
               </a:rPr>
-              <a:t>min </a:t>
-            </a:r>
-            <a:r>
-              <a:rPr lang="de-DE" sz="1200" dirty="0" err="1" smtClean="0">
-                <a:solidFill>
-                  <a:schemeClr val="bg1"/>
-                </a:solidFill>
-                <a:latin typeface="Segoe UI Light" panose="020B0502040204020203" pitchFamily="34" charset="0"/>
-                <a:cs typeface="Segoe UI Light" panose="020B0502040204020203" pitchFamily="34" charset="0"/>
-              </a:rPr>
-              <a:t>runtime</a:t>
+              <a:t> (t)</a:t>
             </a:r>
             <a:endParaRPr lang="de-DE" sz="1200" dirty="0">
               <a:solidFill>
@@ -10352,13 +10937,13 @@
           <a:p>
             <a:pPr algn="ctr"/>
             <a:r>
-              <a:rPr lang="el-GR" sz="4400" dirty="0" smtClean="0">
+              <a:rPr lang="de-DE" sz="4000" dirty="0" smtClean="0">
                 <a:latin typeface="Segoe UI Light" panose="020B0502040204020203" pitchFamily="34" charset="0"/>
                 <a:cs typeface="Segoe UI Light" panose="020B0502040204020203" pitchFamily="34" charset="0"/>
               </a:rPr>
-              <a:t>α</a:t>
-            </a:r>
-            <a:endParaRPr lang="de-DE" sz="4400" dirty="0">
+              <a:t>10</a:t>
+            </a:r>
+            <a:endParaRPr lang="de-DE" sz="4000" dirty="0">
               <a:latin typeface="Segoe UI Light" panose="020B0502040204020203" pitchFamily="34" charset="0"/>
               <a:cs typeface="Segoe UI Light" panose="020B0502040204020203" pitchFamily="34" charset="0"/>
             </a:endParaRPr>
@@ -10389,6 +10974,16 @@
           <a:p>
             <a:pPr algn="ctr"/>
             <a:r>
+              <a:rPr lang="de-DE" sz="1200" dirty="0" smtClean="0">
+                <a:solidFill>
+                  <a:schemeClr val="bg1"/>
+                </a:solidFill>
+                <a:latin typeface="Segoe UI Light" panose="020B0502040204020203" pitchFamily="34" charset="0"/>
+                <a:cs typeface="Segoe UI Light" panose="020B0502040204020203" pitchFamily="34" charset="0"/>
+              </a:rPr>
+              <a:t>Min </a:t>
+            </a:r>
+            <a:r>
               <a:rPr lang="de-DE" sz="1200" dirty="0" err="1" smtClean="0">
                 <a:solidFill>
                   <a:schemeClr val="bg1"/>
@@ -10396,7 +10991,7 @@
                 <a:latin typeface="Segoe UI Light" panose="020B0502040204020203" pitchFamily="34" charset="0"/>
                 <a:cs typeface="Segoe UI Light" panose="020B0502040204020203" pitchFamily="34" charset="0"/>
               </a:rPr>
-              <a:t>requests</a:t>
+              <a:t>runtime</a:t>
             </a:r>
             <a:endParaRPr lang="de-DE" sz="1200" dirty="0">
               <a:solidFill>
@@ -10432,6 +11027,33 @@
           <a:p>
             <a:pPr algn="r"/>
             <a:r>
+              <a:rPr lang="de-DE" dirty="0">
+                <a:solidFill>
+                  <a:schemeClr val="bg1">
+                    <a:lumMod val="50000"/>
+                  </a:schemeClr>
+                </a:solidFill>
+                <a:latin typeface="Segoe UI Light" panose="020B0502040204020203" pitchFamily="34" charset="0"/>
+                <a:cs typeface="Segoe UI Light" panose="020B0502040204020203" pitchFamily="34" charset="0"/>
+              </a:rPr>
+              <a:t>8 GB RAM</a:t>
+            </a:r>
+          </a:p>
+          <a:p>
+            <a:pPr algn="r"/>
+            <a:r>
+              <a:rPr lang="de-DE" dirty="0">
+                <a:solidFill>
+                  <a:schemeClr val="bg1">
+                    <a:lumMod val="50000"/>
+                  </a:schemeClr>
+                </a:solidFill>
+                <a:latin typeface="Segoe UI Light" panose="020B0502040204020203" pitchFamily="34" charset="0"/>
+                <a:cs typeface="Segoe UI Light" panose="020B0502040204020203" pitchFamily="34" charset="0"/>
+              </a:rPr>
+              <a:t>Intel Core </a:t>
+            </a:r>
+            <a:r>
               <a:rPr lang="de-DE" dirty="0" smtClean="0">
                 <a:solidFill>
                   <a:schemeClr val="bg1">
@@ -10441,11 +11063,20 @@
                 <a:latin typeface="Segoe UI Light" panose="020B0502040204020203" pitchFamily="34" charset="0"/>
                 <a:cs typeface="Segoe UI Light" panose="020B0502040204020203" pitchFamily="34" charset="0"/>
               </a:rPr>
-              <a:t>8 GB RAM</a:t>
-            </a:r>
-          </a:p>
-          <a:p>
-            <a:pPr algn="r"/>
+              <a:t>i5-4200U </a:t>
+            </a:r>
+            <a:r>
+              <a:rPr lang="de-DE" dirty="0">
+                <a:solidFill>
+                  <a:schemeClr val="bg1">
+                    <a:lumMod val="50000"/>
+                  </a:schemeClr>
+                </a:solidFill>
+                <a:latin typeface="Segoe UI Light" panose="020B0502040204020203" pitchFamily="34" charset="0"/>
+                <a:cs typeface="Segoe UI Light" panose="020B0502040204020203" pitchFamily="34" charset="0"/>
+              </a:rPr>
+              <a:t>@ </a:t>
+            </a:r>
             <a:r>
               <a:rPr lang="de-DE" dirty="0" smtClean="0">
                 <a:solidFill>
@@ -10456,7 +11087,19 @@
                 <a:latin typeface="Segoe UI Light" panose="020B0502040204020203" pitchFamily="34" charset="0"/>
                 <a:cs typeface="Segoe UI Light" panose="020B0502040204020203" pitchFamily="34" charset="0"/>
               </a:rPr>
-              <a:t>Intel Core i5-4690K @ 3.50 GHz</a:t>
+              <a:t>2.30 </a:t>
+            </a:r>
+            <a:r>
+              <a:rPr lang="de-DE" dirty="0">
+                <a:solidFill>
+                  <a:schemeClr val="bg1">
+                    <a:lumMod val="50000"/>
+                  </a:schemeClr>
+                </a:solidFill>
+                <a:latin typeface="Segoe UI Light" panose="020B0502040204020203" pitchFamily="34" charset="0"/>
+                <a:cs typeface="Segoe UI Light" panose="020B0502040204020203" pitchFamily="34" charset="0"/>
+              </a:rPr>
+              <a:t>GHz</a:t>
             </a:r>
           </a:p>
         </p:txBody>
@@ -10508,7 +11151,7 @@
                 <a:latin typeface="Segoe UI Light" panose="020B0502040204020203" pitchFamily="34" charset="0"/>
                 <a:cs typeface="Segoe UI Light" panose="020B0502040204020203" pitchFamily="34" charset="0"/>
               </a:rPr>
-              <a:t>n</a:t>
+              <a:t>1</a:t>
             </a:r>
             <a:endParaRPr lang="de-DE" sz="4800" dirty="0">
               <a:latin typeface="Segoe UI Light" panose="020B0502040204020203" pitchFamily="34" charset="0"/>
@@ -10548,7 +11191,7 @@
                 <a:latin typeface="Segoe UI Light" panose="020B0502040204020203" pitchFamily="34" charset="0"/>
                 <a:cs typeface="Segoe UI Light" panose="020B0502040204020203" pitchFamily="34" charset="0"/>
               </a:rPr>
-              <a:t>Actors</a:t>
+              <a:t>Actor</a:t>
             </a:r>
             <a:r>
               <a:rPr lang="de-DE" sz="1200" dirty="0" smtClean="0">
@@ -10558,7 +11201,17 @@
                 <a:latin typeface="Segoe UI Light" panose="020B0502040204020203" pitchFamily="34" charset="0"/>
                 <a:cs typeface="Segoe UI Light" panose="020B0502040204020203" pitchFamily="34" charset="0"/>
               </a:rPr>
-              <a:t> (n)</a:t>
+              <a:t> </a:t>
+            </a:r>
+            <a:r>
+              <a:rPr lang="de-DE" sz="1200" dirty="0" smtClean="0">
+                <a:solidFill>
+                  <a:schemeClr val="bg1"/>
+                </a:solidFill>
+                <a:latin typeface="Segoe UI Light" panose="020B0502040204020203" pitchFamily="34" charset="0"/>
+                <a:cs typeface="Segoe UI Light" panose="020B0502040204020203" pitchFamily="34" charset="0"/>
+              </a:rPr>
+              <a:t>(n)</a:t>
             </a:r>
             <a:endParaRPr lang="de-DE" sz="1200" dirty="0">
               <a:solidFill>
@@ -10570,10 +11223,32 @@
           </a:p>
         </p:txBody>
       </p:sp>
+      <p:graphicFrame>
+        <p:nvGraphicFramePr>
+          <p:cNvPr id="4" name="Diagramm 3"/>
+          <p:cNvGraphicFramePr/>
+          <p:nvPr>
+            <p:extLst>
+              <p:ext uri="{D42A27DB-BD31-4B8C-83A1-F6EECF244321}">
+                <p14:modId xmlns:p14="http://schemas.microsoft.com/office/powerpoint/2010/main" val="2176757185"/>
+              </p:ext>
+            </p:extLst>
+          </p:nvPr>
+        </p:nvGraphicFramePr>
+        <p:xfrm>
+          <a:off x="8329564" y="908053"/>
+          <a:ext cx="3027164" cy="3823809"/>
+        </p:xfrm>
+        <a:graphic>
+          <a:graphicData uri="http://schemas.openxmlformats.org/drawingml/2006/chart">
+            <c:chart xmlns:c="http://schemas.openxmlformats.org/drawingml/2006/chart" xmlns:r="http://schemas.openxmlformats.org/officeDocument/2006/relationships" r:id="rId2"/>
+          </a:graphicData>
+        </a:graphic>
+      </p:graphicFrame>
     </p:spTree>
     <p:extLst>
       <p:ext uri="{BB962C8B-B14F-4D97-AF65-F5344CB8AC3E}">
-        <p14:creationId xmlns:p14="http://schemas.microsoft.com/office/powerpoint/2010/main" val="2713712412"/>
+        <p14:creationId xmlns:p14="http://schemas.microsoft.com/office/powerpoint/2010/main" val="2510411798"/>
       </p:ext>
     </p:extLst>
   </p:cSld>

--- a/u07/Results.pptx
+++ b/u07/Results.pptx
@@ -9,6 +9,9 @@
     <p:sldId id="260" r:id="rId3"/>
     <p:sldId id="261" r:id="rId4"/>
     <p:sldId id="262" r:id="rId5"/>
+    <p:sldId id="263" r:id="rId6"/>
+    <p:sldId id="264" r:id="rId7"/>
+    <p:sldId id="265" r:id="rId8"/>
   </p:sldIdLst>
   <p:sldSz cx="12192000" cy="6858000"/>
   <p:notesSz cx="6858000" cy="9144000"/>
@@ -116,7 +119,7 @@
 </file>
 
 <file path=ppt/charts/chart1.xml><?xml version="1.0" encoding="utf-8"?>
-<c:chartSpace xmlns:c="http://schemas.openxmlformats.org/drawingml/2006/chart" xmlns:a="http://schemas.openxmlformats.org/drawingml/2006/main" xmlns:r="http://schemas.openxmlformats.org/officeDocument/2006/relationships">
+<c:chartSpace xmlns:c="http://schemas.openxmlformats.org/drawingml/2006/chart" xmlns:a="http://schemas.openxmlformats.org/drawingml/2006/main" xmlns:r="http://schemas.openxmlformats.org/officeDocument/2006/relationships" xmlns:c16r2="http://schemas.microsoft.com/office/drawing/2015/06/chart">
   <c:date1904 val="0"/>
   <c:lang val="de-DE"/>
   <c:roundedCorners val="0"/>
@@ -244,7 +247,7 @@
               </c:numCache>
             </c:numRef>
           </c:val>
-          <c:extLst xmlns:c16r2="http://schemas.microsoft.com/office/drawing/2015/06/chart">
+          <c:extLst>
             <c:ext xmlns:c16="http://schemas.microsoft.com/office/drawing/2014/chart" uri="{C3380CC4-5D6E-409C-BE32-E72D297353CC}">
               <c16:uniqueId val="{00000000-D720-4E6C-9DA0-D502184478F0}"/>
             </c:ext>
@@ -438,7 +441,7 @@
 </file>
 
 <file path=ppt/charts/chart2.xml><?xml version="1.0" encoding="utf-8"?>
-<c:chartSpace xmlns:c="http://schemas.openxmlformats.org/drawingml/2006/chart" xmlns:a="http://schemas.openxmlformats.org/drawingml/2006/main" xmlns:r="http://schemas.openxmlformats.org/officeDocument/2006/relationships">
+<c:chartSpace xmlns:c="http://schemas.openxmlformats.org/drawingml/2006/chart" xmlns:a="http://schemas.openxmlformats.org/drawingml/2006/main" xmlns:r="http://schemas.openxmlformats.org/officeDocument/2006/relationships" xmlns:c16r2="http://schemas.microsoft.com/office/drawing/2015/06/chart">
   <c:date1904 val="0"/>
   <c:lang val="de-DE"/>
   <c:roundedCorners val="0"/>
@@ -566,7 +569,7 @@
               </c:numCache>
             </c:numRef>
           </c:val>
-          <c:extLst xmlns:c16r2="http://schemas.microsoft.com/office/drawing/2015/06/chart">
+          <c:extLst>
             <c:ext xmlns:c16="http://schemas.microsoft.com/office/drawing/2014/chart" uri="{C3380CC4-5D6E-409C-BE32-E72D297353CC}">
               <c16:uniqueId val="{00000000-D720-4E6C-9DA0-D502184478F0}"/>
             </c:ext>
@@ -760,7 +763,7 @@
 </file>
 
 <file path=ppt/charts/chart3.xml><?xml version="1.0" encoding="utf-8"?>
-<c:chartSpace xmlns:c="http://schemas.openxmlformats.org/drawingml/2006/chart" xmlns:a="http://schemas.openxmlformats.org/drawingml/2006/main" xmlns:r="http://schemas.openxmlformats.org/officeDocument/2006/relationships">
+<c:chartSpace xmlns:c="http://schemas.openxmlformats.org/drawingml/2006/chart" xmlns:a="http://schemas.openxmlformats.org/drawingml/2006/main" xmlns:r="http://schemas.openxmlformats.org/officeDocument/2006/relationships" xmlns:c16r2="http://schemas.microsoft.com/office/drawing/2015/06/chart">
   <c:date1904 val="0"/>
   <c:lang val="de-DE"/>
   <c:roundedCorners val="0"/>
@@ -888,7 +891,7 @@
               </c:numCache>
             </c:numRef>
           </c:val>
-          <c:extLst xmlns:c16r2="http://schemas.microsoft.com/office/drawing/2015/06/chart">
+          <c:extLst>
             <c:ext xmlns:c16="http://schemas.microsoft.com/office/drawing/2014/chart" uri="{C3380CC4-5D6E-409C-BE32-E72D297353CC}">
               <c16:uniqueId val="{00000000-D720-4E6C-9DA0-D502184478F0}"/>
             </c:ext>
@@ -1082,7 +1085,7 @@
 </file>
 
 <file path=ppt/charts/chart4.xml><?xml version="1.0" encoding="utf-8"?>
-<c:chartSpace xmlns:c="http://schemas.openxmlformats.org/drawingml/2006/chart" xmlns:a="http://schemas.openxmlformats.org/drawingml/2006/main" xmlns:r="http://schemas.openxmlformats.org/officeDocument/2006/relationships">
+<c:chartSpace xmlns:c="http://schemas.openxmlformats.org/drawingml/2006/chart" xmlns:a="http://schemas.openxmlformats.org/drawingml/2006/main" xmlns:r="http://schemas.openxmlformats.org/officeDocument/2006/relationships" xmlns:c16r2="http://schemas.microsoft.com/office/drawing/2015/06/chart">
   <c:date1904 val="0"/>
   <c:lang val="de-DE"/>
   <c:roundedCorners val="0"/>
@@ -1210,7 +1213,7 @@
               </c:numCache>
             </c:numRef>
           </c:val>
-          <c:extLst xmlns:c16r2="http://schemas.microsoft.com/office/drawing/2015/06/chart">
+          <c:extLst>
             <c:ext xmlns:c16="http://schemas.microsoft.com/office/drawing/2014/chart" uri="{C3380CC4-5D6E-409C-BE32-E72D297353CC}">
               <c16:uniqueId val="{00000000-D720-4E6C-9DA0-D502184478F0}"/>
             </c:ext>
@@ -1284,6 +1287,972 @@
         <c:scaling>
           <c:orientation val="minMax"/>
           <c:max val="500"/>
+        </c:scaling>
+        <c:delete val="0"/>
+        <c:axPos val="l"/>
+        <c:majorGridlines>
+          <c:spPr>
+            <a:ln w="9525" cap="flat" cmpd="sng" algn="ctr">
+              <a:solidFill>
+                <a:schemeClr val="tx1">
+                  <a:lumMod val="15000"/>
+                  <a:lumOff val="85000"/>
+                </a:schemeClr>
+              </a:solidFill>
+              <a:round/>
+            </a:ln>
+            <a:effectLst/>
+          </c:spPr>
+        </c:majorGridlines>
+        <c:numFmt formatCode="General" sourceLinked="1"/>
+        <c:majorTickMark val="none"/>
+        <c:minorTickMark val="none"/>
+        <c:tickLblPos val="nextTo"/>
+        <c:spPr>
+          <a:noFill/>
+          <a:ln>
+            <a:noFill/>
+          </a:ln>
+          <a:effectLst/>
+        </c:spPr>
+        <c:txPr>
+          <a:bodyPr rot="-60000000" spcFirstLastPara="1" vertOverflow="ellipsis" vert="horz" wrap="square" anchor="ctr" anchorCtr="1"/>
+          <a:lstStyle/>
+          <a:p>
+            <a:pPr>
+              <a:defRPr sz="1197" b="0" i="0" u="none" strike="noStrike" kern="1200" baseline="0">
+                <a:solidFill>
+                  <a:schemeClr val="tx1">
+                    <a:lumMod val="65000"/>
+                    <a:lumOff val="35000"/>
+                  </a:schemeClr>
+                </a:solidFill>
+                <a:latin typeface="+mn-lt"/>
+                <a:ea typeface="+mn-ea"/>
+                <a:cs typeface="+mn-cs"/>
+              </a:defRPr>
+            </a:pPr>
+            <a:endParaRPr lang="de-DE"/>
+          </a:p>
+        </c:txPr>
+        <c:crossAx val="407539072"/>
+        <c:crosses val="autoZero"/>
+        <c:crossBetween val="between"/>
+      </c:valAx>
+      <c:spPr>
+        <a:noFill/>
+        <a:ln>
+          <a:noFill/>
+        </a:ln>
+        <a:effectLst/>
+      </c:spPr>
+    </c:plotArea>
+    <c:legend>
+      <c:legendPos val="b"/>
+      <c:layout/>
+      <c:overlay val="0"/>
+      <c:spPr>
+        <a:noFill/>
+        <a:ln>
+          <a:noFill/>
+        </a:ln>
+        <a:effectLst/>
+      </c:spPr>
+      <c:txPr>
+        <a:bodyPr rot="0" spcFirstLastPara="1" vertOverflow="ellipsis" vert="horz" wrap="square" anchor="ctr" anchorCtr="1"/>
+        <a:lstStyle/>
+        <a:p>
+          <a:pPr>
+            <a:defRPr sz="1197" b="0" i="0" u="none" strike="noStrike" kern="1200" baseline="0">
+              <a:solidFill>
+                <a:schemeClr val="tx1">
+                  <a:lumMod val="65000"/>
+                  <a:lumOff val="35000"/>
+                </a:schemeClr>
+              </a:solidFill>
+              <a:latin typeface="+mn-lt"/>
+              <a:ea typeface="+mn-ea"/>
+              <a:cs typeface="+mn-cs"/>
+            </a:defRPr>
+          </a:pPr>
+          <a:endParaRPr lang="de-DE"/>
+        </a:p>
+      </c:txPr>
+    </c:legend>
+    <c:plotVisOnly val="1"/>
+    <c:dispBlanksAs val="gap"/>
+    <c:showDLblsOverMax val="0"/>
+  </c:chart>
+  <c:spPr>
+    <a:noFill/>
+    <a:ln>
+      <a:noFill/>
+    </a:ln>
+    <a:effectLst/>
+  </c:spPr>
+  <c:txPr>
+    <a:bodyPr/>
+    <a:lstStyle/>
+    <a:p>
+      <a:pPr>
+        <a:defRPr/>
+      </a:pPr>
+      <a:endParaRPr lang="de-DE"/>
+    </a:p>
+  </c:txPr>
+  <c:externalData r:id="rId3">
+    <c:autoUpdate val="0"/>
+  </c:externalData>
+</c:chartSpace>
+</file>
+
+<file path=ppt/charts/chart5.xml><?xml version="1.0" encoding="utf-8"?>
+<c:chartSpace xmlns:c="http://schemas.openxmlformats.org/drawingml/2006/chart" xmlns:a="http://schemas.openxmlformats.org/drawingml/2006/main" xmlns:r="http://schemas.openxmlformats.org/officeDocument/2006/relationships" xmlns:c16r2="http://schemas.microsoft.com/office/drawing/2015/06/chart">
+  <c:date1904 val="0"/>
+  <c:lang val="de-DE"/>
+  <c:roundedCorners val="0"/>
+  <mc:AlternateContent xmlns:mc="http://schemas.openxmlformats.org/markup-compatibility/2006">
+    <mc:Choice xmlns:c14="http://schemas.microsoft.com/office/drawing/2007/8/2/chart" Requires="c14">
+      <c14:style val="102"/>
+    </mc:Choice>
+    <mc:Fallback>
+      <c:style val="2"/>
+    </mc:Fallback>
+  </mc:AlternateContent>
+  <c:chart>
+    <c:title>
+      <c:layout/>
+      <c:overlay val="0"/>
+      <c:spPr>
+        <a:noFill/>
+        <a:ln>
+          <a:noFill/>
+        </a:ln>
+        <a:effectLst/>
+      </c:spPr>
+      <c:txPr>
+        <a:bodyPr rot="0" spcFirstLastPara="1" vertOverflow="ellipsis" vert="horz" wrap="square" anchor="ctr" anchorCtr="1"/>
+        <a:lstStyle/>
+        <a:p>
+          <a:pPr>
+            <a:defRPr sz="1862" b="0" i="0" u="none" strike="noStrike" kern="1200" spc="0" baseline="0">
+              <a:solidFill>
+                <a:schemeClr val="tx1">
+                  <a:lumMod val="65000"/>
+                  <a:lumOff val="35000"/>
+                </a:schemeClr>
+              </a:solidFill>
+              <a:latin typeface="+mn-lt"/>
+              <a:ea typeface="+mn-ea"/>
+              <a:cs typeface="+mn-cs"/>
+            </a:defRPr>
+          </a:pPr>
+          <a:endParaRPr lang="de-DE"/>
+        </a:p>
+      </c:txPr>
+    </c:title>
+    <c:autoTitleDeleted val="0"/>
+    <c:plotArea>
+      <c:layout/>
+      <c:barChart>
+        <c:barDir val="col"/>
+        <c:grouping val="clustered"/>
+        <c:varyColors val="0"/>
+        <c:ser>
+          <c:idx val="0"/>
+          <c:order val="0"/>
+          <c:tx>
+            <c:strRef>
+              <c:f>Tabelle1!$B$1</c:f>
+              <c:strCache>
+                <c:ptCount val="1"/>
+                <c:pt idx="0">
+                  <c:v>Avg. Response time</c:v>
+                </c:pt>
+              </c:strCache>
+            </c:strRef>
+          </c:tx>
+          <c:spPr>
+            <a:solidFill>
+              <a:srgbClr val="2196F2"/>
+            </a:solidFill>
+            <a:ln>
+              <a:noFill/>
+            </a:ln>
+            <a:effectLst/>
+          </c:spPr>
+          <c:invertIfNegative val="0"/>
+          <c:cat>
+            <c:strRef>
+              <c:f>Tabelle1!$A$2:$A$7</c:f>
+              <c:strCache>
+                <c:ptCount val="6"/>
+                <c:pt idx="0">
+                  <c:v>Q1</c:v>
+                </c:pt>
+                <c:pt idx="1">
+                  <c:v>Q2</c:v>
+                </c:pt>
+                <c:pt idx="2">
+                  <c:v>Q3</c:v>
+                </c:pt>
+                <c:pt idx="3">
+                  <c:v>Q4</c:v>
+                </c:pt>
+                <c:pt idx="4">
+                  <c:v>Q5</c:v>
+                </c:pt>
+                <c:pt idx="5">
+                  <c:v>Q6</c:v>
+                </c:pt>
+              </c:strCache>
+            </c:strRef>
+          </c:cat>
+          <c:val>
+            <c:numRef>
+              <c:f>Tabelle1!$B$2:$B$7</c:f>
+              <c:numCache>
+                <c:formatCode>General</c:formatCode>
+                <c:ptCount val="6"/>
+                <c:pt idx="0">
+                  <c:v>238</c:v>
+                </c:pt>
+                <c:pt idx="1">
+                  <c:v>496</c:v>
+                </c:pt>
+                <c:pt idx="2">
+                  <c:v>176</c:v>
+                </c:pt>
+                <c:pt idx="3">
+                  <c:v>616</c:v>
+                </c:pt>
+                <c:pt idx="4">
+                  <c:v>244</c:v>
+                </c:pt>
+                <c:pt idx="5">
+                  <c:v>218</c:v>
+                </c:pt>
+              </c:numCache>
+            </c:numRef>
+          </c:val>
+          <c:extLst>
+            <c:ext xmlns:c16="http://schemas.microsoft.com/office/drawing/2014/chart" uri="{C3380CC4-5D6E-409C-BE32-E72D297353CC}">
+              <c16:uniqueId val="{00000000-D720-4E6C-9DA0-D502184478F0}"/>
+            </c:ext>
+          </c:extLst>
+        </c:ser>
+        <c:dLbls>
+          <c:showLegendKey val="0"/>
+          <c:showVal val="0"/>
+          <c:showCatName val="0"/>
+          <c:showSerName val="0"/>
+          <c:showPercent val="0"/>
+          <c:showBubbleSize val="0"/>
+        </c:dLbls>
+        <c:gapWidth val="25"/>
+        <c:axId val="407539072"/>
+        <c:axId val="407535264"/>
+      </c:barChart>
+      <c:catAx>
+        <c:axId val="407539072"/>
+        <c:scaling>
+          <c:orientation val="minMax"/>
+        </c:scaling>
+        <c:delete val="0"/>
+        <c:axPos val="b"/>
+        <c:numFmt formatCode="General" sourceLinked="1"/>
+        <c:majorTickMark val="none"/>
+        <c:minorTickMark val="none"/>
+        <c:tickLblPos val="nextTo"/>
+        <c:spPr>
+          <a:noFill/>
+          <a:ln w="9525" cap="flat" cmpd="sng" algn="ctr">
+            <a:solidFill>
+              <a:schemeClr val="tx1">
+                <a:lumMod val="15000"/>
+                <a:lumOff val="85000"/>
+              </a:schemeClr>
+            </a:solidFill>
+            <a:round/>
+          </a:ln>
+          <a:effectLst/>
+        </c:spPr>
+        <c:txPr>
+          <a:bodyPr rot="-60000000" spcFirstLastPara="1" vertOverflow="ellipsis" vert="horz" wrap="square" anchor="ctr" anchorCtr="1"/>
+          <a:lstStyle/>
+          <a:p>
+            <a:pPr>
+              <a:defRPr sz="1197" b="0" i="0" u="none" strike="noStrike" kern="1200" baseline="0">
+                <a:solidFill>
+                  <a:schemeClr val="tx1">
+                    <a:lumMod val="65000"/>
+                    <a:lumOff val="35000"/>
+                  </a:schemeClr>
+                </a:solidFill>
+                <a:latin typeface="+mn-lt"/>
+                <a:ea typeface="+mn-ea"/>
+                <a:cs typeface="+mn-cs"/>
+              </a:defRPr>
+            </a:pPr>
+            <a:endParaRPr lang="de-DE"/>
+          </a:p>
+        </c:txPr>
+        <c:crossAx val="407535264"/>
+        <c:crosses val="autoZero"/>
+        <c:auto val="1"/>
+        <c:lblAlgn val="ctr"/>
+        <c:lblOffset val="100"/>
+        <c:noMultiLvlLbl val="0"/>
+      </c:catAx>
+      <c:valAx>
+        <c:axId val="407535264"/>
+        <c:scaling>
+          <c:orientation val="minMax"/>
+          <c:max val="1000"/>
+        </c:scaling>
+        <c:delete val="0"/>
+        <c:axPos val="l"/>
+        <c:majorGridlines>
+          <c:spPr>
+            <a:ln w="9525" cap="flat" cmpd="sng" algn="ctr">
+              <a:solidFill>
+                <a:schemeClr val="tx1">
+                  <a:lumMod val="15000"/>
+                  <a:lumOff val="85000"/>
+                </a:schemeClr>
+              </a:solidFill>
+              <a:round/>
+            </a:ln>
+            <a:effectLst/>
+          </c:spPr>
+        </c:majorGridlines>
+        <c:numFmt formatCode="General" sourceLinked="1"/>
+        <c:majorTickMark val="none"/>
+        <c:minorTickMark val="none"/>
+        <c:tickLblPos val="nextTo"/>
+        <c:spPr>
+          <a:noFill/>
+          <a:ln>
+            <a:noFill/>
+          </a:ln>
+          <a:effectLst/>
+        </c:spPr>
+        <c:txPr>
+          <a:bodyPr rot="-60000000" spcFirstLastPara="1" vertOverflow="ellipsis" vert="horz" wrap="square" anchor="ctr" anchorCtr="1"/>
+          <a:lstStyle/>
+          <a:p>
+            <a:pPr>
+              <a:defRPr sz="1197" b="0" i="0" u="none" strike="noStrike" kern="1200" baseline="0">
+                <a:solidFill>
+                  <a:schemeClr val="tx1">
+                    <a:lumMod val="65000"/>
+                    <a:lumOff val="35000"/>
+                  </a:schemeClr>
+                </a:solidFill>
+                <a:latin typeface="+mn-lt"/>
+                <a:ea typeface="+mn-ea"/>
+                <a:cs typeface="+mn-cs"/>
+              </a:defRPr>
+            </a:pPr>
+            <a:endParaRPr lang="de-DE"/>
+          </a:p>
+        </c:txPr>
+        <c:crossAx val="407539072"/>
+        <c:crosses val="autoZero"/>
+        <c:crossBetween val="between"/>
+      </c:valAx>
+      <c:spPr>
+        <a:noFill/>
+        <a:ln>
+          <a:noFill/>
+        </a:ln>
+        <a:effectLst/>
+      </c:spPr>
+    </c:plotArea>
+    <c:legend>
+      <c:legendPos val="b"/>
+      <c:layout/>
+      <c:overlay val="0"/>
+      <c:spPr>
+        <a:noFill/>
+        <a:ln>
+          <a:noFill/>
+        </a:ln>
+        <a:effectLst/>
+      </c:spPr>
+      <c:txPr>
+        <a:bodyPr rot="0" spcFirstLastPara="1" vertOverflow="ellipsis" vert="horz" wrap="square" anchor="ctr" anchorCtr="1"/>
+        <a:lstStyle/>
+        <a:p>
+          <a:pPr>
+            <a:defRPr sz="1197" b="0" i="0" u="none" strike="noStrike" kern="1200" baseline="0">
+              <a:solidFill>
+                <a:schemeClr val="tx1">
+                  <a:lumMod val="65000"/>
+                  <a:lumOff val="35000"/>
+                </a:schemeClr>
+              </a:solidFill>
+              <a:latin typeface="+mn-lt"/>
+              <a:ea typeface="+mn-ea"/>
+              <a:cs typeface="+mn-cs"/>
+            </a:defRPr>
+          </a:pPr>
+          <a:endParaRPr lang="de-DE"/>
+        </a:p>
+      </c:txPr>
+    </c:legend>
+    <c:plotVisOnly val="1"/>
+    <c:dispBlanksAs val="gap"/>
+    <c:showDLblsOverMax val="0"/>
+  </c:chart>
+  <c:spPr>
+    <a:noFill/>
+    <a:ln>
+      <a:noFill/>
+    </a:ln>
+    <a:effectLst/>
+  </c:spPr>
+  <c:txPr>
+    <a:bodyPr/>
+    <a:lstStyle/>
+    <a:p>
+      <a:pPr>
+        <a:defRPr/>
+      </a:pPr>
+      <a:endParaRPr lang="de-DE"/>
+    </a:p>
+  </c:txPr>
+  <c:externalData r:id="rId3">
+    <c:autoUpdate val="0"/>
+  </c:externalData>
+</c:chartSpace>
+</file>
+
+<file path=ppt/charts/chart6.xml><?xml version="1.0" encoding="utf-8"?>
+<c:chartSpace xmlns:c="http://schemas.openxmlformats.org/drawingml/2006/chart" xmlns:a="http://schemas.openxmlformats.org/drawingml/2006/main" xmlns:r="http://schemas.openxmlformats.org/officeDocument/2006/relationships" xmlns:c16r2="http://schemas.microsoft.com/office/drawing/2015/06/chart">
+  <c:date1904 val="0"/>
+  <c:lang val="de-DE"/>
+  <c:roundedCorners val="0"/>
+  <mc:AlternateContent xmlns:mc="http://schemas.openxmlformats.org/markup-compatibility/2006">
+    <mc:Choice xmlns:c14="http://schemas.microsoft.com/office/drawing/2007/8/2/chart" Requires="c14">
+      <c14:style val="102"/>
+    </mc:Choice>
+    <mc:Fallback>
+      <c:style val="2"/>
+    </mc:Fallback>
+  </mc:AlternateContent>
+  <c:chart>
+    <c:title>
+      <c:layout/>
+      <c:overlay val="0"/>
+      <c:spPr>
+        <a:noFill/>
+        <a:ln>
+          <a:noFill/>
+        </a:ln>
+        <a:effectLst/>
+      </c:spPr>
+      <c:txPr>
+        <a:bodyPr rot="0" spcFirstLastPara="1" vertOverflow="ellipsis" vert="horz" wrap="square" anchor="ctr" anchorCtr="1"/>
+        <a:lstStyle/>
+        <a:p>
+          <a:pPr>
+            <a:defRPr sz="1862" b="0" i="0" u="none" strike="noStrike" kern="1200" spc="0" baseline="0">
+              <a:solidFill>
+                <a:schemeClr val="tx1">
+                  <a:lumMod val="65000"/>
+                  <a:lumOff val="35000"/>
+                </a:schemeClr>
+              </a:solidFill>
+              <a:latin typeface="+mn-lt"/>
+              <a:ea typeface="+mn-ea"/>
+              <a:cs typeface="+mn-cs"/>
+            </a:defRPr>
+          </a:pPr>
+          <a:endParaRPr lang="de-DE"/>
+        </a:p>
+      </c:txPr>
+    </c:title>
+    <c:autoTitleDeleted val="0"/>
+    <c:plotArea>
+      <c:layout/>
+      <c:barChart>
+        <c:barDir val="col"/>
+        <c:grouping val="clustered"/>
+        <c:varyColors val="0"/>
+        <c:ser>
+          <c:idx val="0"/>
+          <c:order val="0"/>
+          <c:tx>
+            <c:strRef>
+              <c:f>Tabelle1!$B$1</c:f>
+              <c:strCache>
+                <c:ptCount val="1"/>
+                <c:pt idx="0">
+                  <c:v>Avg. Response time</c:v>
+                </c:pt>
+              </c:strCache>
+            </c:strRef>
+          </c:tx>
+          <c:spPr>
+            <a:solidFill>
+              <a:srgbClr val="2196F2"/>
+            </a:solidFill>
+            <a:ln>
+              <a:noFill/>
+            </a:ln>
+            <a:effectLst/>
+          </c:spPr>
+          <c:invertIfNegative val="0"/>
+          <c:cat>
+            <c:strRef>
+              <c:f>Tabelle1!$A$2:$A$7</c:f>
+              <c:strCache>
+                <c:ptCount val="6"/>
+                <c:pt idx="0">
+                  <c:v>Q1</c:v>
+                </c:pt>
+                <c:pt idx="1">
+                  <c:v>Q2</c:v>
+                </c:pt>
+                <c:pt idx="2">
+                  <c:v>Q3</c:v>
+                </c:pt>
+                <c:pt idx="3">
+                  <c:v>Q4</c:v>
+                </c:pt>
+                <c:pt idx="4">
+                  <c:v>Q5</c:v>
+                </c:pt>
+                <c:pt idx="5">
+                  <c:v>Q6</c:v>
+                </c:pt>
+              </c:strCache>
+            </c:strRef>
+          </c:cat>
+          <c:val>
+            <c:numRef>
+              <c:f>Tabelle1!$B$2:$B$7</c:f>
+              <c:numCache>
+                <c:formatCode>General</c:formatCode>
+                <c:ptCount val="6"/>
+                <c:pt idx="0">
+                  <c:v>3721</c:v>
+                </c:pt>
+                <c:pt idx="1">
+                  <c:v>3954</c:v>
+                </c:pt>
+                <c:pt idx="2">
+                  <c:v>3670</c:v>
+                </c:pt>
+                <c:pt idx="3">
+                  <c:v>3571</c:v>
+                </c:pt>
+                <c:pt idx="4">
+                  <c:v>3931</c:v>
+                </c:pt>
+                <c:pt idx="5">
+                  <c:v>3673</c:v>
+                </c:pt>
+              </c:numCache>
+            </c:numRef>
+          </c:val>
+          <c:extLst>
+            <c:ext xmlns:c16="http://schemas.microsoft.com/office/drawing/2014/chart" uri="{C3380CC4-5D6E-409C-BE32-E72D297353CC}">
+              <c16:uniqueId val="{00000000-D720-4E6C-9DA0-D502184478F0}"/>
+            </c:ext>
+          </c:extLst>
+        </c:ser>
+        <c:dLbls>
+          <c:showLegendKey val="0"/>
+          <c:showVal val="0"/>
+          <c:showCatName val="0"/>
+          <c:showSerName val="0"/>
+          <c:showPercent val="0"/>
+          <c:showBubbleSize val="0"/>
+        </c:dLbls>
+        <c:gapWidth val="25"/>
+        <c:axId val="407539072"/>
+        <c:axId val="407535264"/>
+      </c:barChart>
+      <c:catAx>
+        <c:axId val="407539072"/>
+        <c:scaling>
+          <c:orientation val="minMax"/>
+        </c:scaling>
+        <c:delete val="0"/>
+        <c:axPos val="b"/>
+        <c:numFmt formatCode="General" sourceLinked="1"/>
+        <c:majorTickMark val="none"/>
+        <c:minorTickMark val="none"/>
+        <c:tickLblPos val="nextTo"/>
+        <c:spPr>
+          <a:noFill/>
+          <a:ln w="9525" cap="flat" cmpd="sng" algn="ctr">
+            <a:solidFill>
+              <a:schemeClr val="tx1">
+                <a:lumMod val="15000"/>
+                <a:lumOff val="85000"/>
+              </a:schemeClr>
+            </a:solidFill>
+            <a:round/>
+          </a:ln>
+          <a:effectLst/>
+        </c:spPr>
+        <c:txPr>
+          <a:bodyPr rot="-60000000" spcFirstLastPara="1" vertOverflow="ellipsis" vert="horz" wrap="square" anchor="ctr" anchorCtr="1"/>
+          <a:lstStyle/>
+          <a:p>
+            <a:pPr>
+              <a:defRPr sz="1197" b="0" i="0" u="none" strike="noStrike" kern="1200" baseline="0">
+                <a:solidFill>
+                  <a:schemeClr val="tx1">
+                    <a:lumMod val="65000"/>
+                    <a:lumOff val="35000"/>
+                  </a:schemeClr>
+                </a:solidFill>
+                <a:latin typeface="+mn-lt"/>
+                <a:ea typeface="+mn-ea"/>
+                <a:cs typeface="+mn-cs"/>
+              </a:defRPr>
+            </a:pPr>
+            <a:endParaRPr lang="de-DE"/>
+          </a:p>
+        </c:txPr>
+        <c:crossAx val="407535264"/>
+        <c:crosses val="autoZero"/>
+        <c:auto val="1"/>
+        <c:lblAlgn val="ctr"/>
+        <c:lblOffset val="100"/>
+        <c:noMultiLvlLbl val="0"/>
+      </c:catAx>
+      <c:valAx>
+        <c:axId val="407535264"/>
+        <c:scaling>
+          <c:orientation val="minMax"/>
+          <c:max val="5000"/>
+        </c:scaling>
+        <c:delete val="0"/>
+        <c:axPos val="l"/>
+        <c:majorGridlines>
+          <c:spPr>
+            <a:ln w="9525" cap="flat" cmpd="sng" algn="ctr">
+              <a:solidFill>
+                <a:schemeClr val="tx1">
+                  <a:lumMod val="15000"/>
+                  <a:lumOff val="85000"/>
+                </a:schemeClr>
+              </a:solidFill>
+              <a:round/>
+            </a:ln>
+            <a:effectLst/>
+          </c:spPr>
+        </c:majorGridlines>
+        <c:numFmt formatCode="General" sourceLinked="1"/>
+        <c:majorTickMark val="none"/>
+        <c:minorTickMark val="none"/>
+        <c:tickLblPos val="nextTo"/>
+        <c:spPr>
+          <a:noFill/>
+          <a:ln>
+            <a:noFill/>
+          </a:ln>
+          <a:effectLst/>
+        </c:spPr>
+        <c:txPr>
+          <a:bodyPr rot="-60000000" spcFirstLastPara="1" vertOverflow="ellipsis" vert="horz" wrap="square" anchor="ctr" anchorCtr="1"/>
+          <a:lstStyle/>
+          <a:p>
+            <a:pPr>
+              <a:defRPr sz="1197" b="0" i="0" u="none" strike="noStrike" kern="1200" baseline="0">
+                <a:solidFill>
+                  <a:schemeClr val="tx1">
+                    <a:lumMod val="65000"/>
+                    <a:lumOff val="35000"/>
+                  </a:schemeClr>
+                </a:solidFill>
+                <a:latin typeface="+mn-lt"/>
+                <a:ea typeface="+mn-ea"/>
+                <a:cs typeface="+mn-cs"/>
+              </a:defRPr>
+            </a:pPr>
+            <a:endParaRPr lang="de-DE"/>
+          </a:p>
+        </c:txPr>
+        <c:crossAx val="407539072"/>
+        <c:crosses val="autoZero"/>
+        <c:crossBetween val="between"/>
+      </c:valAx>
+      <c:spPr>
+        <a:noFill/>
+        <a:ln>
+          <a:noFill/>
+        </a:ln>
+        <a:effectLst/>
+      </c:spPr>
+    </c:plotArea>
+    <c:legend>
+      <c:legendPos val="b"/>
+      <c:layout/>
+      <c:overlay val="0"/>
+      <c:spPr>
+        <a:noFill/>
+        <a:ln>
+          <a:noFill/>
+        </a:ln>
+        <a:effectLst/>
+      </c:spPr>
+      <c:txPr>
+        <a:bodyPr rot="0" spcFirstLastPara="1" vertOverflow="ellipsis" vert="horz" wrap="square" anchor="ctr" anchorCtr="1"/>
+        <a:lstStyle/>
+        <a:p>
+          <a:pPr>
+            <a:defRPr sz="1197" b="0" i="0" u="none" strike="noStrike" kern="1200" baseline="0">
+              <a:solidFill>
+                <a:schemeClr val="tx1">
+                  <a:lumMod val="65000"/>
+                  <a:lumOff val="35000"/>
+                </a:schemeClr>
+              </a:solidFill>
+              <a:latin typeface="+mn-lt"/>
+              <a:ea typeface="+mn-ea"/>
+              <a:cs typeface="+mn-cs"/>
+            </a:defRPr>
+          </a:pPr>
+          <a:endParaRPr lang="de-DE"/>
+        </a:p>
+      </c:txPr>
+    </c:legend>
+    <c:plotVisOnly val="1"/>
+    <c:dispBlanksAs val="gap"/>
+    <c:showDLblsOverMax val="0"/>
+  </c:chart>
+  <c:spPr>
+    <a:noFill/>
+    <a:ln>
+      <a:noFill/>
+    </a:ln>
+    <a:effectLst/>
+  </c:spPr>
+  <c:txPr>
+    <a:bodyPr/>
+    <a:lstStyle/>
+    <a:p>
+      <a:pPr>
+        <a:defRPr/>
+      </a:pPr>
+      <a:endParaRPr lang="de-DE"/>
+    </a:p>
+  </c:txPr>
+  <c:externalData r:id="rId3">
+    <c:autoUpdate val="0"/>
+  </c:externalData>
+</c:chartSpace>
+</file>
+
+<file path=ppt/charts/chart7.xml><?xml version="1.0" encoding="utf-8"?>
+<c:chartSpace xmlns:c="http://schemas.openxmlformats.org/drawingml/2006/chart" xmlns:a="http://schemas.openxmlformats.org/drawingml/2006/main" xmlns:r="http://schemas.openxmlformats.org/officeDocument/2006/relationships" xmlns:c16r2="http://schemas.microsoft.com/office/drawing/2015/06/chart">
+  <c:date1904 val="0"/>
+  <c:lang val="de-DE"/>
+  <c:roundedCorners val="0"/>
+  <mc:AlternateContent xmlns:mc="http://schemas.openxmlformats.org/markup-compatibility/2006">
+    <mc:Choice xmlns:c14="http://schemas.microsoft.com/office/drawing/2007/8/2/chart" Requires="c14">
+      <c14:style val="102"/>
+    </mc:Choice>
+    <mc:Fallback>
+      <c:style val="2"/>
+    </mc:Fallback>
+  </mc:AlternateContent>
+  <c:chart>
+    <c:title>
+      <c:layout/>
+      <c:overlay val="0"/>
+      <c:spPr>
+        <a:noFill/>
+        <a:ln>
+          <a:noFill/>
+        </a:ln>
+        <a:effectLst/>
+      </c:spPr>
+      <c:txPr>
+        <a:bodyPr rot="0" spcFirstLastPara="1" vertOverflow="ellipsis" vert="horz" wrap="square" anchor="ctr" anchorCtr="1"/>
+        <a:lstStyle/>
+        <a:p>
+          <a:pPr>
+            <a:defRPr sz="1862" b="0" i="0" u="none" strike="noStrike" kern="1200" spc="0" baseline="0">
+              <a:solidFill>
+                <a:schemeClr val="tx1">
+                  <a:lumMod val="65000"/>
+                  <a:lumOff val="35000"/>
+                </a:schemeClr>
+              </a:solidFill>
+              <a:latin typeface="+mn-lt"/>
+              <a:ea typeface="+mn-ea"/>
+              <a:cs typeface="+mn-cs"/>
+            </a:defRPr>
+          </a:pPr>
+          <a:endParaRPr lang="de-DE"/>
+        </a:p>
+      </c:txPr>
+    </c:title>
+    <c:autoTitleDeleted val="0"/>
+    <c:plotArea>
+      <c:layout/>
+      <c:barChart>
+        <c:barDir val="col"/>
+        <c:grouping val="clustered"/>
+        <c:varyColors val="0"/>
+        <c:ser>
+          <c:idx val="0"/>
+          <c:order val="0"/>
+          <c:tx>
+            <c:strRef>
+              <c:f>Tabelle1!$B$1</c:f>
+              <c:strCache>
+                <c:ptCount val="1"/>
+                <c:pt idx="0">
+                  <c:v>Avg. Response time</c:v>
+                </c:pt>
+              </c:strCache>
+            </c:strRef>
+          </c:tx>
+          <c:spPr>
+            <a:solidFill>
+              <a:srgbClr val="2196F2"/>
+            </a:solidFill>
+            <a:ln>
+              <a:noFill/>
+            </a:ln>
+            <a:effectLst/>
+          </c:spPr>
+          <c:invertIfNegative val="0"/>
+          <c:cat>
+            <c:strRef>
+              <c:f>Tabelle1!$A$2:$A$7</c:f>
+              <c:strCache>
+                <c:ptCount val="6"/>
+                <c:pt idx="0">
+                  <c:v>Q1</c:v>
+                </c:pt>
+                <c:pt idx="1">
+                  <c:v>Q2</c:v>
+                </c:pt>
+                <c:pt idx="2">
+                  <c:v>Q3</c:v>
+                </c:pt>
+                <c:pt idx="3">
+                  <c:v>Q4</c:v>
+                </c:pt>
+                <c:pt idx="4">
+                  <c:v>Q5</c:v>
+                </c:pt>
+                <c:pt idx="5">
+                  <c:v>Q6</c:v>
+                </c:pt>
+              </c:strCache>
+            </c:strRef>
+          </c:cat>
+          <c:val>
+            <c:numRef>
+              <c:f>Tabelle1!$B$2:$B$7</c:f>
+              <c:numCache>
+                <c:formatCode>General</c:formatCode>
+                <c:ptCount val="6"/>
+                <c:pt idx="0">
+                  <c:v>12953</c:v>
+                </c:pt>
+                <c:pt idx="1">
+                  <c:v>13565</c:v>
+                </c:pt>
+                <c:pt idx="2">
+                  <c:v>12568</c:v>
+                </c:pt>
+                <c:pt idx="3">
+                  <c:v>14344</c:v>
+                </c:pt>
+                <c:pt idx="4">
+                  <c:v>11571</c:v>
+                </c:pt>
+                <c:pt idx="5">
+                  <c:v>12860</c:v>
+                </c:pt>
+              </c:numCache>
+            </c:numRef>
+          </c:val>
+          <c:extLst>
+            <c:ext xmlns:c16="http://schemas.microsoft.com/office/drawing/2014/chart" uri="{C3380CC4-5D6E-409C-BE32-E72D297353CC}">
+              <c16:uniqueId val="{00000000-D720-4E6C-9DA0-D502184478F0}"/>
+            </c:ext>
+          </c:extLst>
+        </c:ser>
+        <c:dLbls>
+          <c:showLegendKey val="0"/>
+          <c:showVal val="0"/>
+          <c:showCatName val="0"/>
+          <c:showSerName val="0"/>
+          <c:showPercent val="0"/>
+          <c:showBubbleSize val="0"/>
+        </c:dLbls>
+        <c:gapWidth val="25"/>
+        <c:axId val="407539072"/>
+        <c:axId val="407535264"/>
+      </c:barChart>
+      <c:catAx>
+        <c:axId val="407539072"/>
+        <c:scaling>
+          <c:orientation val="minMax"/>
+        </c:scaling>
+        <c:delete val="0"/>
+        <c:axPos val="b"/>
+        <c:numFmt formatCode="General" sourceLinked="1"/>
+        <c:majorTickMark val="none"/>
+        <c:minorTickMark val="none"/>
+        <c:tickLblPos val="nextTo"/>
+        <c:spPr>
+          <a:noFill/>
+          <a:ln w="9525" cap="flat" cmpd="sng" algn="ctr">
+            <a:solidFill>
+              <a:schemeClr val="tx1">
+                <a:lumMod val="15000"/>
+                <a:lumOff val="85000"/>
+              </a:schemeClr>
+            </a:solidFill>
+            <a:round/>
+          </a:ln>
+          <a:effectLst/>
+        </c:spPr>
+        <c:txPr>
+          <a:bodyPr rot="-60000000" spcFirstLastPara="1" vertOverflow="ellipsis" vert="horz" wrap="square" anchor="ctr" anchorCtr="1"/>
+          <a:lstStyle/>
+          <a:p>
+            <a:pPr>
+              <a:defRPr sz="1197" b="0" i="0" u="none" strike="noStrike" kern="1200" baseline="0">
+                <a:solidFill>
+                  <a:schemeClr val="tx1">
+                    <a:lumMod val="65000"/>
+                    <a:lumOff val="35000"/>
+                  </a:schemeClr>
+                </a:solidFill>
+                <a:latin typeface="+mn-lt"/>
+                <a:ea typeface="+mn-ea"/>
+                <a:cs typeface="+mn-cs"/>
+              </a:defRPr>
+            </a:pPr>
+            <a:endParaRPr lang="de-DE"/>
+          </a:p>
+        </c:txPr>
+        <c:crossAx val="407535264"/>
+        <c:crosses val="autoZero"/>
+        <c:auto val="1"/>
+        <c:lblAlgn val="ctr"/>
+        <c:lblOffset val="100"/>
+        <c:noMultiLvlLbl val="0"/>
+      </c:catAx>
+      <c:valAx>
+        <c:axId val="407535264"/>
+        <c:scaling>
+          <c:orientation val="minMax"/>
+          <c:max val="15000"/>
         </c:scaling>
         <c:delete val="0"/>
         <c:axPos val="l"/>
@@ -1563,6 +2532,126 @@
 </cs:colorStyle>
 </file>
 
+<file path=ppt/charts/colors5.xml><?xml version="1.0" encoding="utf-8"?>
+<cs:colorStyle xmlns:cs="http://schemas.microsoft.com/office/drawing/2012/chartStyle" xmlns:a="http://schemas.openxmlformats.org/drawingml/2006/main" meth="cycle" id="10">
+  <a:schemeClr val="accent1"/>
+  <a:schemeClr val="accent2"/>
+  <a:schemeClr val="accent3"/>
+  <a:schemeClr val="accent4"/>
+  <a:schemeClr val="accent5"/>
+  <a:schemeClr val="accent6"/>
+  <cs:variation/>
+  <cs:variation>
+    <a:lumMod val="60000"/>
+  </cs:variation>
+  <cs:variation>
+    <a:lumMod val="80000"/>
+    <a:lumOff val="20000"/>
+  </cs:variation>
+  <cs:variation>
+    <a:lumMod val="80000"/>
+  </cs:variation>
+  <cs:variation>
+    <a:lumMod val="60000"/>
+    <a:lumOff val="40000"/>
+  </cs:variation>
+  <cs:variation>
+    <a:lumMod val="50000"/>
+  </cs:variation>
+  <cs:variation>
+    <a:lumMod val="70000"/>
+    <a:lumOff val="30000"/>
+  </cs:variation>
+  <cs:variation>
+    <a:lumMod val="70000"/>
+  </cs:variation>
+  <cs:variation>
+    <a:lumMod val="50000"/>
+    <a:lumOff val="50000"/>
+  </cs:variation>
+</cs:colorStyle>
+</file>
+
+<file path=ppt/charts/colors6.xml><?xml version="1.0" encoding="utf-8"?>
+<cs:colorStyle xmlns:cs="http://schemas.microsoft.com/office/drawing/2012/chartStyle" xmlns:a="http://schemas.openxmlformats.org/drawingml/2006/main" meth="cycle" id="10">
+  <a:schemeClr val="accent1"/>
+  <a:schemeClr val="accent2"/>
+  <a:schemeClr val="accent3"/>
+  <a:schemeClr val="accent4"/>
+  <a:schemeClr val="accent5"/>
+  <a:schemeClr val="accent6"/>
+  <cs:variation/>
+  <cs:variation>
+    <a:lumMod val="60000"/>
+  </cs:variation>
+  <cs:variation>
+    <a:lumMod val="80000"/>
+    <a:lumOff val="20000"/>
+  </cs:variation>
+  <cs:variation>
+    <a:lumMod val="80000"/>
+  </cs:variation>
+  <cs:variation>
+    <a:lumMod val="60000"/>
+    <a:lumOff val="40000"/>
+  </cs:variation>
+  <cs:variation>
+    <a:lumMod val="50000"/>
+  </cs:variation>
+  <cs:variation>
+    <a:lumMod val="70000"/>
+    <a:lumOff val="30000"/>
+  </cs:variation>
+  <cs:variation>
+    <a:lumMod val="70000"/>
+  </cs:variation>
+  <cs:variation>
+    <a:lumMod val="50000"/>
+    <a:lumOff val="50000"/>
+  </cs:variation>
+</cs:colorStyle>
+</file>
+
+<file path=ppt/charts/colors7.xml><?xml version="1.0" encoding="utf-8"?>
+<cs:colorStyle xmlns:cs="http://schemas.microsoft.com/office/drawing/2012/chartStyle" xmlns:a="http://schemas.openxmlformats.org/drawingml/2006/main" meth="cycle" id="10">
+  <a:schemeClr val="accent1"/>
+  <a:schemeClr val="accent2"/>
+  <a:schemeClr val="accent3"/>
+  <a:schemeClr val="accent4"/>
+  <a:schemeClr val="accent5"/>
+  <a:schemeClr val="accent6"/>
+  <cs:variation/>
+  <cs:variation>
+    <a:lumMod val="60000"/>
+  </cs:variation>
+  <cs:variation>
+    <a:lumMod val="80000"/>
+    <a:lumOff val="20000"/>
+  </cs:variation>
+  <cs:variation>
+    <a:lumMod val="80000"/>
+  </cs:variation>
+  <cs:variation>
+    <a:lumMod val="60000"/>
+    <a:lumOff val="40000"/>
+  </cs:variation>
+  <cs:variation>
+    <a:lumMod val="50000"/>
+  </cs:variation>
+  <cs:variation>
+    <a:lumMod val="70000"/>
+    <a:lumOff val="30000"/>
+  </cs:variation>
+  <cs:variation>
+    <a:lumMod val="70000"/>
+  </cs:variation>
+  <cs:variation>
+    <a:lumMod val="50000"/>
+    <a:lumOff val="50000"/>
+  </cs:variation>
+</cs:colorStyle>
+</file>
+
 <file path=ppt/charts/style1.xml><?xml version="1.0" encoding="utf-8"?>
 <cs:chartStyle xmlns:cs="http://schemas.microsoft.com/office/drawing/2012/chartStyle" xmlns:a="http://schemas.openxmlformats.org/drawingml/2006/main" id="201">
   <cs:axisTitle>
@@ -3073,6 +4162,1515 @@
 </file>
 
 <file path=ppt/charts/style4.xml><?xml version="1.0" encoding="utf-8"?>
+<cs:chartStyle xmlns:cs="http://schemas.microsoft.com/office/drawing/2012/chartStyle" xmlns:a="http://schemas.openxmlformats.org/drawingml/2006/main" id="201">
+  <cs:axisTitle>
+    <cs:lnRef idx="0"/>
+    <cs:fillRef idx="0"/>
+    <cs:effectRef idx="0"/>
+    <cs:fontRef idx="minor">
+      <a:schemeClr val="tx1">
+        <a:lumMod val="65000"/>
+        <a:lumOff val="35000"/>
+      </a:schemeClr>
+    </cs:fontRef>
+    <cs:defRPr sz="1330" kern="1200"/>
+  </cs:axisTitle>
+  <cs:categoryAxis>
+    <cs:lnRef idx="0"/>
+    <cs:fillRef idx="0"/>
+    <cs:effectRef idx="0"/>
+    <cs:fontRef idx="minor">
+      <a:schemeClr val="tx1">
+        <a:lumMod val="65000"/>
+        <a:lumOff val="35000"/>
+      </a:schemeClr>
+    </cs:fontRef>
+    <cs:spPr>
+      <a:ln w="9525" cap="flat" cmpd="sng" algn="ctr">
+        <a:solidFill>
+          <a:schemeClr val="tx1">
+            <a:lumMod val="15000"/>
+            <a:lumOff val="85000"/>
+          </a:schemeClr>
+        </a:solidFill>
+        <a:round/>
+      </a:ln>
+    </cs:spPr>
+    <cs:defRPr sz="1197" kern="1200"/>
+  </cs:categoryAxis>
+  <cs:chartArea mods="allowNoFillOverride allowNoLineOverride">
+    <cs:lnRef idx="0"/>
+    <cs:fillRef idx="0"/>
+    <cs:effectRef idx="0"/>
+    <cs:fontRef idx="minor">
+      <a:schemeClr val="tx1"/>
+    </cs:fontRef>
+    <cs:spPr>
+      <a:solidFill>
+        <a:schemeClr val="bg1"/>
+      </a:solidFill>
+      <a:ln w="9525" cap="flat" cmpd="sng" algn="ctr">
+        <a:solidFill>
+          <a:schemeClr val="tx1">
+            <a:lumMod val="15000"/>
+            <a:lumOff val="85000"/>
+          </a:schemeClr>
+        </a:solidFill>
+        <a:round/>
+      </a:ln>
+    </cs:spPr>
+    <cs:defRPr sz="1330" kern="1200"/>
+  </cs:chartArea>
+  <cs:dataLabel>
+    <cs:lnRef idx="0"/>
+    <cs:fillRef idx="0"/>
+    <cs:effectRef idx="0"/>
+    <cs:fontRef idx="minor">
+      <a:schemeClr val="tx1">
+        <a:lumMod val="75000"/>
+        <a:lumOff val="25000"/>
+      </a:schemeClr>
+    </cs:fontRef>
+    <cs:defRPr sz="1197" kern="1200"/>
+  </cs:dataLabel>
+  <cs:dataLabelCallout>
+    <cs:lnRef idx="0"/>
+    <cs:fillRef idx="0"/>
+    <cs:effectRef idx="0"/>
+    <cs:fontRef idx="minor">
+      <a:schemeClr val="dk1">
+        <a:lumMod val="65000"/>
+        <a:lumOff val="35000"/>
+      </a:schemeClr>
+    </cs:fontRef>
+    <cs:spPr>
+      <a:solidFill>
+        <a:schemeClr val="lt1"/>
+      </a:solidFill>
+      <a:ln>
+        <a:solidFill>
+          <a:schemeClr val="dk1">
+            <a:lumMod val="25000"/>
+            <a:lumOff val="75000"/>
+          </a:schemeClr>
+        </a:solidFill>
+      </a:ln>
+    </cs:spPr>
+    <cs:defRPr sz="1197" kern="1200"/>
+    <cs:bodyPr rot="0" spcFirstLastPara="1" vertOverflow="clip" horzOverflow="clip" vert="horz" wrap="square" lIns="36576" tIns="18288" rIns="36576" bIns="18288" anchor="ctr" anchorCtr="1">
+      <a:spAutoFit/>
+    </cs:bodyPr>
+  </cs:dataLabelCallout>
+  <cs:dataPoint>
+    <cs:lnRef idx="0"/>
+    <cs:fillRef idx="1">
+      <cs:styleClr val="auto"/>
+    </cs:fillRef>
+    <cs:effectRef idx="0"/>
+    <cs:fontRef idx="minor">
+      <a:schemeClr val="tx1"/>
+    </cs:fontRef>
+  </cs:dataPoint>
+  <cs:dataPoint3D>
+    <cs:lnRef idx="0"/>
+    <cs:fillRef idx="1">
+      <cs:styleClr val="auto"/>
+    </cs:fillRef>
+    <cs:effectRef idx="0"/>
+    <cs:fontRef idx="minor">
+      <a:schemeClr val="tx1"/>
+    </cs:fontRef>
+  </cs:dataPoint3D>
+  <cs:dataPointLine>
+    <cs:lnRef idx="0">
+      <cs:styleClr val="auto"/>
+    </cs:lnRef>
+    <cs:fillRef idx="1"/>
+    <cs:effectRef idx="0"/>
+    <cs:fontRef idx="minor">
+      <a:schemeClr val="tx1"/>
+    </cs:fontRef>
+    <cs:spPr>
+      <a:ln w="28575" cap="rnd">
+        <a:solidFill>
+          <a:schemeClr val="phClr"/>
+        </a:solidFill>
+        <a:round/>
+      </a:ln>
+    </cs:spPr>
+  </cs:dataPointLine>
+  <cs:dataPointMarker>
+    <cs:lnRef idx="0">
+      <cs:styleClr val="auto"/>
+    </cs:lnRef>
+    <cs:fillRef idx="1">
+      <cs:styleClr val="auto"/>
+    </cs:fillRef>
+    <cs:effectRef idx="0"/>
+    <cs:fontRef idx="minor">
+      <a:schemeClr val="tx1"/>
+    </cs:fontRef>
+    <cs:spPr>
+      <a:ln w="9525">
+        <a:solidFill>
+          <a:schemeClr val="phClr"/>
+        </a:solidFill>
+      </a:ln>
+    </cs:spPr>
+  </cs:dataPointMarker>
+  <cs:dataPointMarkerLayout symbol="circle" size="5"/>
+  <cs:dataPointWireframe>
+    <cs:lnRef idx="0">
+      <cs:styleClr val="auto"/>
+    </cs:lnRef>
+    <cs:fillRef idx="1"/>
+    <cs:effectRef idx="0"/>
+    <cs:fontRef idx="minor">
+      <a:schemeClr val="tx1"/>
+    </cs:fontRef>
+    <cs:spPr>
+      <a:ln w="9525" cap="rnd">
+        <a:solidFill>
+          <a:schemeClr val="phClr"/>
+        </a:solidFill>
+        <a:round/>
+      </a:ln>
+    </cs:spPr>
+  </cs:dataPointWireframe>
+  <cs:dataTable>
+    <cs:lnRef idx="0"/>
+    <cs:fillRef idx="0"/>
+    <cs:effectRef idx="0"/>
+    <cs:fontRef idx="minor">
+      <a:schemeClr val="tx1">
+        <a:lumMod val="65000"/>
+        <a:lumOff val="35000"/>
+      </a:schemeClr>
+    </cs:fontRef>
+    <cs:spPr>
+      <a:noFill/>
+      <a:ln w="9525" cap="flat" cmpd="sng" algn="ctr">
+        <a:solidFill>
+          <a:schemeClr val="tx1">
+            <a:lumMod val="15000"/>
+            <a:lumOff val="85000"/>
+          </a:schemeClr>
+        </a:solidFill>
+        <a:round/>
+      </a:ln>
+    </cs:spPr>
+    <cs:defRPr sz="1197" kern="1200"/>
+  </cs:dataTable>
+  <cs:downBar>
+    <cs:lnRef idx="0"/>
+    <cs:fillRef idx="0"/>
+    <cs:effectRef idx="0"/>
+    <cs:fontRef idx="minor">
+      <a:schemeClr val="dk1"/>
+    </cs:fontRef>
+    <cs:spPr>
+      <a:solidFill>
+        <a:schemeClr val="dk1">
+          <a:lumMod val="65000"/>
+          <a:lumOff val="35000"/>
+        </a:schemeClr>
+      </a:solidFill>
+      <a:ln w="9525">
+        <a:solidFill>
+          <a:schemeClr val="tx1">
+            <a:lumMod val="65000"/>
+            <a:lumOff val="35000"/>
+          </a:schemeClr>
+        </a:solidFill>
+      </a:ln>
+    </cs:spPr>
+  </cs:downBar>
+  <cs:dropLine>
+    <cs:lnRef idx="0"/>
+    <cs:fillRef idx="0"/>
+    <cs:effectRef idx="0"/>
+    <cs:fontRef idx="minor">
+      <a:schemeClr val="tx1"/>
+    </cs:fontRef>
+    <cs:spPr>
+      <a:ln w="9525" cap="flat" cmpd="sng" algn="ctr">
+        <a:solidFill>
+          <a:schemeClr val="tx1">
+            <a:lumMod val="35000"/>
+            <a:lumOff val="65000"/>
+          </a:schemeClr>
+        </a:solidFill>
+        <a:round/>
+      </a:ln>
+    </cs:spPr>
+  </cs:dropLine>
+  <cs:errorBar>
+    <cs:lnRef idx="0"/>
+    <cs:fillRef idx="0"/>
+    <cs:effectRef idx="0"/>
+    <cs:fontRef idx="minor">
+      <a:schemeClr val="tx1"/>
+    </cs:fontRef>
+    <cs:spPr>
+      <a:ln w="9525" cap="flat" cmpd="sng" algn="ctr">
+        <a:solidFill>
+          <a:schemeClr val="tx1">
+            <a:lumMod val="65000"/>
+            <a:lumOff val="35000"/>
+          </a:schemeClr>
+        </a:solidFill>
+        <a:round/>
+      </a:ln>
+    </cs:spPr>
+  </cs:errorBar>
+  <cs:floor>
+    <cs:lnRef idx="0"/>
+    <cs:fillRef idx="0"/>
+    <cs:effectRef idx="0"/>
+    <cs:fontRef idx="minor">
+      <a:schemeClr val="tx1"/>
+    </cs:fontRef>
+    <cs:spPr>
+      <a:noFill/>
+      <a:ln>
+        <a:noFill/>
+      </a:ln>
+    </cs:spPr>
+  </cs:floor>
+  <cs:gridlineMajor>
+    <cs:lnRef idx="0"/>
+    <cs:fillRef idx="0"/>
+    <cs:effectRef idx="0"/>
+    <cs:fontRef idx="minor">
+      <a:schemeClr val="tx1"/>
+    </cs:fontRef>
+    <cs:spPr>
+      <a:ln w="9525" cap="flat" cmpd="sng" algn="ctr">
+        <a:solidFill>
+          <a:schemeClr val="tx1">
+            <a:lumMod val="15000"/>
+            <a:lumOff val="85000"/>
+          </a:schemeClr>
+        </a:solidFill>
+        <a:round/>
+      </a:ln>
+    </cs:spPr>
+  </cs:gridlineMajor>
+  <cs:gridlineMinor>
+    <cs:lnRef idx="0"/>
+    <cs:fillRef idx="0"/>
+    <cs:effectRef idx="0"/>
+    <cs:fontRef idx="minor">
+      <a:schemeClr val="tx1"/>
+    </cs:fontRef>
+    <cs:spPr>
+      <a:ln w="9525" cap="flat" cmpd="sng" algn="ctr">
+        <a:solidFill>
+          <a:schemeClr val="tx1">
+            <a:lumMod val="5000"/>
+            <a:lumOff val="95000"/>
+          </a:schemeClr>
+        </a:solidFill>
+        <a:round/>
+      </a:ln>
+    </cs:spPr>
+  </cs:gridlineMinor>
+  <cs:hiLoLine>
+    <cs:lnRef idx="0"/>
+    <cs:fillRef idx="0"/>
+    <cs:effectRef idx="0"/>
+    <cs:fontRef idx="minor">
+      <a:schemeClr val="tx1"/>
+    </cs:fontRef>
+    <cs:spPr>
+      <a:ln w="9525" cap="flat" cmpd="sng" algn="ctr">
+        <a:solidFill>
+          <a:schemeClr val="tx1">
+            <a:lumMod val="75000"/>
+            <a:lumOff val="25000"/>
+          </a:schemeClr>
+        </a:solidFill>
+        <a:round/>
+      </a:ln>
+    </cs:spPr>
+  </cs:hiLoLine>
+  <cs:leaderLine>
+    <cs:lnRef idx="0"/>
+    <cs:fillRef idx="0"/>
+    <cs:effectRef idx="0"/>
+    <cs:fontRef idx="minor">
+      <a:schemeClr val="tx1"/>
+    </cs:fontRef>
+    <cs:spPr>
+      <a:ln w="9525" cap="flat" cmpd="sng" algn="ctr">
+        <a:solidFill>
+          <a:schemeClr val="tx1">
+            <a:lumMod val="35000"/>
+            <a:lumOff val="65000"/>
+          </a:schemeClr>
+        </a:solidFill>
+        <a:round/>
+      </a:ln>
+    </cs:spPr>
+  </cs:leaderLine>
+  <cs:legend>
+    <cs:lnRef idx="0"/>
+    <cs:fillRef idx="0"/>
+    <cs:effectRef idx="0"/>
+    <cs:fontRef idx="minor">
+      <a:schemeClr val="tx1">
+        <a:lumMod val="65000"/>
+        <a:lumOff val="35000"/>
+      </a:schemeClr>
+    </cs:fontRef>
+    <cs:defRPr sz="1197" kern="1200"/>
+  </cs:legend>
+  <cs:plotArea mods="allowNoFillOverride allowNoLineOverride">
+    <cs:lnRef idx="0"/>
+    <cs:fillRef idx="0"/>
+    <cs:effectRef idx="0"/>
+    <cs:fontRef idx="minor">
+      <a:schemeClr val="tx1"/>
+    </cs:fontRef>
+  </cs:plotArea>
+  <cs:plotArea3D mods="allowNoFillOverride allowNoLineOverride">
+    <cs:lnRef idx="0"/>
+    <cs:fillRef idx="0"/>
+    <cs:effectRef idx="0"/>
+    <cs:fontRef idx="minor">
+      <a:schemeClr val="tx1"/>
+    </cs:fontRef>
+  </cs:plotArea3D>
+  <cs:seriesAxis>
+    <cs:lnRef idx="0"/>
+    <cs:fillRef idx="0"/>
+    <cs:effectRef idx="0"/>
+    <cs:fontRef idx="minor">
+      <a:schemeClr val="tx1">
+        <a:lumMod val="65000"/>
+        <a:lumOff val="35000"/>
+      </a:schemeClr>
+    </cs:fontRef>
+    <cs:defRPr sz="1197" kern="1200"/>
+  </cs:seriesAxis>
+  <cs:seriesLine>
+    <cs:lnRef idx="0"/>
+    <cs:fillRef idx="0"/>
+    <cs:effectRef idx="0"/>
+    <cs:fontRef idx="minor">
+      <a:schemeClr val="tx1"/>
+    </cs:fontRef>
+    <cs:spPr>
+      <a:ln w="9525" cap="flat" cmpd="sng" algn="ctr">
+        <a:solidFill>
+          <a:schemeClr val="tx1">
+            <a:lumMod val="35000"/>
+            <a:lumOff val="65000"/>
+          </a:schemeClr>
+        </a:solidFill>
+        <a:round/>
+      </a:ln>
+    </cs:spPr>
+  </cs:seriesLine>
+  <cs:title>
+    <cs:lnRef idx="0"/>
+    <cs:fillRef idx="0"/>
+    <cs:effectRef idx="0"/>
+    <cs:fontRef idx="minor">
+      <a:schemeClr val="tx1">
+        <a:lumMod val="65000"/>
+        <a:lumOff val="35000"/>
+      </a:schemeClr>
+    </cs:fontRef>
+    <cs:defRPr sz="1862" b="0" kern="1200" spc="0" baseline="0"/>
+  </cs:title>
+  <cs:trendline>
+    <cs:lnRef idx="0">
+      <cs:styleClr val="auto"/>
+    </cs:lnRef>
+    <cs:fillRef idx="0"/>
+    <cs:effectRef idx="0"/>
+    <cs:fontRef idx="minor">
+      <a:schemeClr val="tx1"/>
+    </cs:fontRef>
+    <cs:spPr>
+      <a:ln w="19050" cap="rnd">
+        <a:solidFill>
+          <a:schemeClr val="phClr"/>
+        </a:solidFill>
+        <a:prstDash val="sysDot"/>
+      </a:ln>
+    </cs:spPr>
+  </cs:trendline>
+  <cs:trendlineLabel>
+    <cs:lnRef idx="0"/>
+    <cs:fillRef idx="0"/>
+    <cs:effectRef idx="0"/>
+    <cs:fontRef idx="minor">
+      <a:schemeClr val="tx1">
+        <a:lumMod val="65000"/>
+        <a:lumOff val="35000"/>
+      </a:schemeClr>
+    </cs:fontRef>
+    <cs:defRPr sz="1197" kern="1200"/>
+  </cs:trendlineLabel>
+  <cs:upBar>
+    <cs:lnRef idx="0"/>
+    <cs:fillRef idx="0"/>
+    <cs:effectRef idx="0"/>
+    <cs:fontRef idx="minor">
+      <a:schemeClr val="dk1"/>
+    </cs:fontRef>
+    <cs:spPr>
+      <a:solidFill>
+        <a:schemeClr val="lt1"/>
+      </a:solidFill>
+      <a:ln w="9525">
+        <a:solidFill>
+          <a:schemeClr val="tx1">
+            <a:lumMod val="15000"/>
+            <a:lumOff val="85000"/>
+          </a:schemeClr>
+        </a:solidFill>
+      </a:ln>
+    </cs:spPr>
+  </cs:upBar>
+  <cs:valueAxis>
+    <cs:lnRef idx="0"/>
+    <cs:fillRef idx="0"/>
+    <cs:effectRef idx="0"/>
+    <cs:fontRef idx="minor">
+      <a:schemeClr val="tx1">
+        <a:lumMod val="65000"/>
+        <a:lumOff val="35000"/>
+      </a:schemeClr>
+    </cs:fontRef>
+    <cs:defRPr sz="1197" kern="1200"/>
+  </cs:valueAxis>
+  <cs:wall>
+    <cs:lnRef idx="0"/>
+    <cs:fillRef idx="0"/>
+    <cs:effectRef idx="0"/>
+    <cs:fontRef idx="minor">
+      <a:schemeClr val="tx1"/>
+    </cs:fontRef>
+    <cs:spPr>
+      <a:noFill/>
+      <a:ln>
+        <a:noFill/>
+      </a:ln>
+    </cs:spPr>
+  </cs:wall>
+</cs:chartStyle>
+</file>
+
+<file path=ppt/charts/style5.xml><?xml version="1.0" encoding="utf-8"?>
+<cs:chartStyle xmlns:cs="http://schemas.microsoft.com/office/drawing/2012/chartStyle" xmlns:a="http://schemas.openxmlformats.org/drawingml/2006/main" id="201">
+  <cs:axisTitle>
+    <cs:lnRef idx="0"/>
+    <cs:fillRef idx="0"/>
+    <cs:effectRef idx="0"/>
+    <cs:fontRef idx="minor">
+      <a:schemeClr val="tx1">
+        <a:lumMod val="65000"/>
+        <a:lumOff val="35000"/>
+      </a:schemeClr>
+    </cs:fontRef>
+    <cs:defRPr sz="1330" kern="1200"/>
+  </cs:axisTitle>
+  <cs:categoryAxis>
+    <cs:lnRef idx="0"/>
+    <cs:fillRef idx="0"/>
+    <cs:effectRef idx="0"/>
+    <cs:fontRef idx="minor">
+      <a:schemeClr val="tx1">
+        <a:lumMod val="65000"/>
+        <a:lumOff val="35000"/>
+      </a:schemeClr>
+    </cs:fontRef>
+    <cs:spPr>
+      <a:ln w="9525" cap="flat" cmpd="sng" algn="ctr">
+        <a:solidFill>
+          <a:schemeClr val="tx1">
+            <a:lumMod val="15000"/>
+            <a:lumOff val="85000"/>
+          </a:schemeClr>
+        </a:solidFill>
+        <a:round/>
+      </a:ln>
+    </cs:spPr>
+    <cs:defRPr sz="1197" kern="1200"/>
+  </cs:categoryAxis>
+  <cs:chartArea mods="allowNoFillOverride allowNoLineOverride">
+    <cs:lnRef idx="0"/>
+    <cs:fillRef idx="0"/>
+    <cs:effectRef idx="0"/>
+    <cs:fontRef idx="minor">
+      <a:schemeClr val="tx1"/>
+    </cs:fontRef>
+    <cs:spPr>
+      <a:solidFill>
+        <a:schemeClr val="bg1"/>
+      </a:solidFill>
+      <a:ln w="9525" cap="flat" cmpd="sng" algn="ctr">
+        <a:solidFill>
+          <a:schemeClr val="tx1">
+            <a:lumMod val="15000"/>
+            <a:lumOff val="85000"/>
+          </a:schemeClr>
+        </a:solidFill>
+        <a:round/>
+      </a:ln>
+    </cs:spPr>
+    <cs:defRPr sz="1330" kern="1200"/>
+  </cs:chartArea>
+  <cs:dataLabel>
+    <cs:lnRef idx="0"/>
+    <cs:fillRef idx="0"/>
+    <cs:effectRef idx="0"/>
+    <cs:fontRef idx="minor">
+      <a:schemeClr val="tx1">
+        <a:lumMod val="75000"/>
+        <a:lumOff val="25000"/>
+      </a:schemeClr>
+    </cs:fontRef>
+    <cs:defRPr sz="1197" kern="1200"/>
+  </cs:dataLabel>
+  <cs:dataLabelCallout>
+    <cs:lnRef idx="0"/>
+    <cs:fillRef idx="0"/>
+    <cs:effectRef idx="0"/>
+    <cs:fontRef idx="minor">
+      <a:schemeClr val="dk1">
+        <a:lumMod val="65000"/>
+        <a:lumOff val="35000"/>
+      </a:schemeClr>
+    </cs:fontRef>
+    <cs:spPr>
+      <a:solidFill>
+        <a:schemeClr val="lt1"/>
+      </a:solidFill>
+      <a:ln>
+        <a:solidFill>
+          <a:schemeClr val="dk1">
+            <a:lumMod val="25000"/>
+            <a:lumOff val="75000"/>
+          </a:schemeClr>
+        </a:solidFill>
+      </a:ln>
+    </cs:spPr>
+    <cs:defRPr sz="1197" kern="1200"/>
+    <cs:bodyPr rot="0" spcFirstLastPara="1" vertOverflow="clip" horzOverflow="clip" vert="horz" wrap="square" lIns="36576" tIns="18288" rIns="36576" bIns="18288" anchor="ctr" anchorCtr="1">
+      <a:spAutoFit/>
+    </cs:bodyPr>
+  </cs:dataLabelCallout>
+  <cs:dataPoint>
+    <cs:lnRef idx="0"/>
+    <cs:fillRef idx="1">
+      <cs:styleClr val="auto"/>
+    </cs:fillRef>
+    <cs:effectRef idx="0"/>
+    <cs:fontRef idx="minor">
+      <a:schemeClr val="tx1"/>
+    </cs:fontRef>
+  </cs:dataPoint>
+  <cs:dataPoint3D>
+    <cs:lnRef idx="0"/>
+    <cs:fillRef idx="1">
+      <cs:styleClr val="auto"/>
+    </cs:fillRef>
+    <cs:effectRef idx="0"/>
+    <cs:fontRef idx="minor">
+      <a:schemeClr val="tx1"/>
+    </cs:fontRef>
+  </cs:dataPoint3D>
+  <cs:dataPointLine>
+    <cs:lnRef idx="0">
+      <cs:styleClr val="auto"/>
+    </cs:lnRef>
+    <cs:fillRef idx="1"/>
+    <cs:effectRef idx="0"/>
+    <cs:fontRef idx="minor">
+      <a:schemeClr val="tx1"/>
+    </cs:fontRef>
+    <cs:spPr>
+      <a:ln w="28575" cap="rnd">
+        <a:solidFill>
+          <a:schemeClr val="phClr"/>
+        </a:solidFill>
+        <a:round/>
+      </a:ln>
+    </cs:spPr>
+  </cs:dataPointLine>
+  <cs:dataPointMarker>
+    <cs:lnRef idx="0">
+      <cs:styleClr val="auto"/>
+    </cs:lnRef>
+    <cs:fillRef idx="1">
+      <cs:styleClr val="auto"/>
+    </cs:fillRef>
+    <cs:effectRef idx="0"/>
+    <cs:fontRef idx="minor">
+      <a:schemeClr val="tx1"/>
+    </cs:fontRef>
+    <cs:spPr>
+      <a:ln w="9525">
+        <a:solidFill>
+          <a:schemeClr val="phClr"/>
+        </a:solidFill>
+      </a:ln>
+    </cs:spPr>
+  </cs:dataPointMarker>
+  <cs:dataPointMarkerLayout symbol="circle" size="5"/>
+  <cs:dataPointWireframe>
+    <cs:lnRef idx="0">
+      <cs:styleClr val="auto"/>
+    </cs:lnRef>
+    <cs:fillRef idx="1"/>
+    <cs:effectRef idx="0"/>
+    <cs:fontRef idx="minor">
+      <a:schemeClr val="tx1"/>
+    </cs:fontRef>
+    <cs:spPr>
+      <a:ln w="9525" cap="rnd">
+        <a:solidFill>
+          <a:schemeClr val="phClr"/>
+        </a:solidFill>
+        <a:round/>
+      </a:ln>
+    </cs:spPr>
+  </cs:dataPointWireframe>
+  <cs:dataTable>
+    <cs:lnRef idx="0"/>
+    <cs:fillRef idx="0"/>
+    <cs:effectRef idx="0"/>
+    <cs:fontRef idx="minor">
+      <a:schemeClr val="tx1">
+        <a:lumMod val="65000"/>
+        <a:lumOff val="35000"/>
+      </a:schemeClr>
+    </cs:fontRef>
+    <cs:spPr>
+      <a:noFill/>
+      <a:ln w="9525" cap="flat" cmpd="sng" algn="ctr">
+        <a:solidFill>
+          <a:schemeClr val="tx1">
+            <a:lumMod val="15000"/>
+            <a:lumOff val="85000"/>
+          </a:schemeClr>
+        </a:solidFill>
+        <a:round/>
+      </a:ln>
+    </cs:spPr>
+    <cs:defRPr sz="1197" kern="1200"/>
+  </cs:dataTable>
+  <cs:downBar>
+    <cs:lnRef idx="0"/>
+    <cs:fillRef idx="0"/>
+    <cs:effectRef idx="0"/>
+    <cs:fontRef idx="minor">
+      <a:schemeClr val="dk1"/>
+    </cs:fontRef>
+    <cs:spPr>
+      <a:solidFill>
+        <a:schemeClr val="dk1">
+          <a:lumMod val="65000"/>
+          <a:lumOff val="35000"/>
+        </a:schemeClr>
+      </a:solidFill>
+      <a:ln w="9525">
+        <a:solidFill>
+          <a:schemeClr val="tx1">
+            <a:lumMod val="65000"/>
+            <a:lumOff val="35000"/>
+          </a:schemeClr>
+        </a:solidFill>
+      </a:ln>
+    </cs:spPr>
+  </cs:downBar>
+  <cs:dropLine>
+    <cs:lnRef idx="0"/>
+    <cs:fillRef idx="0"/>
+    <cs:effectRef idx="0"/>
+    <cs:fontRef idx="minor">
+      <a:schemeClr val="tx1"/>
+    </cs:fontRef>
+    <cs:spPr>
+      <a:ln w="9525" cap="flat" cmpd="sng" algn="ctr">
+        <a:solidFill>
+          <a:schemeClr val="tx1">
+            <a:lumMod val="35000"/>
+            <a:lumOff val="65000"/>
+          </a:schemeClr>
+        </a:solidFill>
+        <a:round/>
+      </a:ln>
+    </cs:spPr>
+  </cs:dropLine>
+  <cs:errorBar>
+    <cs:lnRef idx="0"/>
+    <cs:fillRef idx="0"/>
+    <cs:effectRef idx="0"/>
+    <cs:fontRef idx="minor">
+      <a:schemeClr val="tx1"/>
+    </cs:fontRef>
+    <cs:spPr>
+      <a:ln w="9525" cap="flat" cmpd="sng" algn="ctr">
+        <a:solidFill>
+          <a:schemeClr val="tx1">
+            <a:lumMod val="65000"/>
+            <a:lumOff val="35000"/>
+          </a:schemeClr>
+        </a:solidFill>
+        <a:round/>
+      </a:ln>
+    </cs:spPr>
+  </cs:errorBar>
+  <cs:floor>
+    <cs:lnRef idx="0"/>
+    <cs:fillRef idx="0"/>
+    <cs:effectRef idx="0"/>
+    <cs:fontRef idx="minor">
+      <a:schemeClr val="tx1"/>
+    </cs:fontRef>
+    <cs:spPr>
+      <a:noFill/>
+      <a:ln>
+        <a:noFill/>
+      </a:ln>
+    </cs:spPr>
+  </cs:floor>
+  <cs:gridlineMajor>
+    <cs:lnRef idx="0"/>
+    <cs:fillRef idx="0"/>
+    <cs:effectRef idx="0"/>
+    <cs:fontRef idx="minor">
+      <a:schemeClr val="tx1"/>
+    </cs:fontRef>
+    <cs:spPr>
+      <a:ln w="9525" cap="flat" cmpd="sng" algn="ctr">
+        <a:solidFill>
+          <a:schemeClr val="tx1">
+            <a:lumMod val="15000"/>
+            <a:lumOff val="85000"/>
+          </a:schemeClr>
+        </a:solidFill>
+        <a:round/>
+      </a:ln>
+    </cs:spPr>
+  </cs:gridlineMajor>
+  <cs:gridlineMinor>
+    <cs:lnRef idx="0"/>
+    <cs:fillRef idx="0"/>
+    <cs:effectRef idx="0"/>
+    <cs:fontRef idx="minor">
+      <a:schemeClr val="tx1"/>
+    </cs:fontRef>
+    <cs:spPr>
+      <a:ln w="9525" cap="flat" cmpd="sng" algn="ctr">
+        <a:solidFill>
+          <a:schemeClr val="tx1">
+            <a:lumMod val="5000"/>
+            <a:lumOff val="95000"/>
+          </a:schemeClr>
+        </a:solidFill>
+        <a:round/>
+      </a:ln>
+    </cs:spPr>
+  </cs:gridlineMinor>
+  <cs:hiLoLine>
+    <cs:lnRef idx="0"/>
+    <cs:fillRef idx="0"/>
+    <cs:effectRef idx="0"/>
+    <cs:fontRef idx="minor">
+      <a:schemeClr val="tx1"/>
+    </cs:fontRef>
+    <cs:spPr>
+      <a:ln w="9525" cap="flat" cmpd="sng" algn="ctr">
+        <a:solidFill>
+          <a:schemeClr val="tx1">
+            <a:lumMod val="75000"/>
+            <a:lumOff val="25000"/>
+          </a:schemeClr>
+        </a:solidFill>
+        <a:round/>
+      </a:ln>
+    </cs:spPr>
+  </cs:hiLoLine>
+  <cs:leaderLine>
+    <cs:lnRef idx="0"/>
+    <cs:fillRef idx="0"/>
+    <cs:effectRef idx="0"/>
+    <cs:fontRef idx="minor">
+      <a:schemeClr val="tx1"/>
+    </cs:fontRef>
+    <cs:spPr>
+      <a:ln w="9525" cap="flat" cmpd="sng" algn="ctr">
+        <a:solidFill>
+          <a:schemeClr val="tx1">
+            <a:lumMod val="35000"/>
+            <a:lumOff val="65000"/>
+          </a:schemeClr>
+        </a:solidFill>
+        <a:round/>
+      </a:ln>
+    </cs:spPr>
+  </cs:leaderLine>
+  <cs:legend>
+    <cs:lnRef idx="0"/>
+    <cs:fillRef idx="0"/>
+    <cs:effectRef idx="0"/>
+    <cs:fontRef idx="minor">
+      <a:schemeClr val="tx1">
+        <a:lumMod val="65000"/>
+        <a:lumOff val="35000"/>
+      </a:schemeClr>
+    </cs:fontRef>
+    <cs:defRPr sz="1197" kern="1200"/>
+  </cs:legend>
+  <cs:plotArea mods="allowNoFillOverride allowNoLineOverride">
+    <cs:lnRef idx="0"/>
+    <cs:fillRef idx="0"/>
+    <cs:effectRef idx="0"/>
+    <cs:fontRef idx="minor">
+      <a:schemeClr val="tx1"/>
+    </cs:fontRef>
+  </cs:plotArea>
+  <cs:plotArea3D mods="allowNoFillOverride allowNoLineOverride">
+    <cs:lnRef idx="0"/>
+    <cs:fillRef idx="0"/>
+    <cs:effectRef idx="0"/>
+    <cs:fontRef idx="minor">
+      <a:schemeClr val="tx1"/>
+    </cs:fontRef>
+  </cs:plotArea3D>
+  <cs:seriesAxis>
+    <cs:lnRef idx="0"/>
+    <cs:fillRef idx="0"/>
+    <cs:effectRef idx="0"/>
+    <cs:fontRef idx="minor">
+      <a:schemeClr val="tx1">
+        <a:lumMod val="65000"/>
+        <a:lumOff val="35000"/>
+      </a:schemeClr>
+    </cs:fontRef>
+    <cs:defRPr sz="1197" kern="1200"/>
+  </cs:seriesAxis>
+  <cs:seriesLine>
+    <cs:lnRef idx="0"/>
+    <cs:fillRef idx="0"/>
+    <cs:effectRef idx="0"/>
+    <cs:fontRef idx="minor">
+      <a:schemeClr val="tx1"/>
+    </cs:fontRef>
+    <cs:spPr>
+      <a:ln w="9525" cap="flat" cmpd="sng" algn="ctr">
+        <a:solidFill>
+          <a:schemeClr val="tx1">
+            <a:lumMod val="35000"/>
+            <a:lumOff val="65000"/>
+          </a:schemeClr>
+        </a:solidFill>
+        <a:round/>
+      </a:ln>
+    </cs:spPr>
+  </cs:seriesLine>
+  <cs:title>
+    <cs:lnRef idx="0"/>
+    <cs:fillRef idx="0"/>
+    <cs:effectRef idx="0"/>
+    <cs:fontRef idx="minor">
+      <a:schemeClr val="tx1">
+        <a:lumMod val="65000"/>
+        <a:lumOff val="35000"/>
+      </a:schemeClr>
+    </cs:fontRef>
+    <cs:defRPr sz="1862" b="0" kern="1200" spc="0" baseline="0"/>
+  </cs:title>
+  <cs:trendline>
+    <cs:lnRef idx="0">
+      <cs:styleClr val="auto"/>
+    </cs:lnRef>
+    <cs:fillRef idx="0"/>
+    <cs:effectRef idx="0"/>
+    <cs:fontRef idx="minor">
+      <a:schemeClr val="tx1"/>
+    </cs:fontRef>
+    <cs:spPr>
+      <a:ln w="19050" cap="rnd">
+        <a:solidFill>
+          <a:schemeClr val="phClr"/>
+        </a:solidFill>
+        <a:prstDash val="sysDot"/>
+      </a:ln>
+    </cs:spPr>
+  </cs:trendline>
+  <cs:trendlineLabel>
+    <cs:lnRef idx="0"/>
+    <cs:fillRef idx="0"/>
+    <cs:effectRef idx="0"/>
+    <cs:fontRef idx="minor">
+      <a:schemeClr val="tx1">
+        <a:lumMod val="65000"/>
+        <a:lumOff val="35000"/>
+      </a:schemeClr>
+    </cs:fontRef>
+    <cs:defRPr sz="1197" kern="1200"/>
+  </cs:trendlineLabel>
+  <cs:upBar>
+    <cs:lnRef idx="0"/>
+    <cs:fillRef idx="0"/>
+    <cs:effectRef idx="0"/>
+    <cs:fontRef idx="minor">
+      <a:schemeClr val="dk1"/>
+    </cs:fontRef>
+    <cs:spPr>
+      <a:solidFill>
+        <a:schemeClr val="lt1"/>
+      </a:solidFill>
+      <a:ln w="9525">
+        <a:solidFill>
+          <a:schemeClr val="tx1">
+            <a:lumMod val="15000"/>
+            <a:lumOff val="85000"/>
+          </a:schemeClr>
+        </a:solidFill>
+      </a:ln>
+    </cs:spPr>
+  </cs:upBar>
+  <cs:valueAxis>
+    <cs:lnRef idx="0"/>
+    <cs:fillRef idx="0"/>
+    <cs:effectRef idx="0"/>
+    <cs:fontRef idx="minor">
+      <a:schemeClr val="tx1">
+        <a:lumMod val="65000"/>
+        <a:lumOff val="35000"/>
+      </a:schemeClr>
+    </cs:fontRef>
+    <cs:defRPr sz="1197" kern="1200"/>
+  </cs:valueAxis>
+  <cs:wall>
+    <cs:lnRef idx="0"/>
+    <cs:fillRef idx="0"/>
+    <cs:effectRef idx="0"/>
+    <cs:fontRef idx="minor">
+      <a:schemeClr val="tx1"/>
+    </cs:fontRef>
+    <cs:spPr>
+      <a:noFill/>
+      <a:ln>
+        <a:noFill/>
+      </a:ln>
+    </cs:spPr>
+  </cs:wall>
+</cs:chartStyle>
+</file>
+
+<file path=ppt/charts/style6.xml><?xml version="1.0" encoding="utf-8"?>
+<cs:chartStyle xmlns:cs="http://schemas.microsoft.com/office/drawing/2012/chartStyle" xmlns:a="http://schemas.openxmlformats.org/drawingml/2006/main" id="201">
+  <cs:axisTitle>
+    <cs:lnRef idx="0"/>
+    <cs:fillRef idx="0"/>
+    <cs:effectRef idx="0"/>
+    <cs:fontRef idx="minor">
+      <a:schemeClr val="tx1">
+        <a:lumMod val="65000"/>
+        <a:lumOff val="35000"/>
+      </a:schemeClr>
+    </cs:fontRef>
+    <cs:defRPr sz="1330" kern="1200"/>
+  </cs:axisTitle>
+  <cs:categoryAxis>
+    <cs:lnRef idx="0"/>
+    <cs:fillRef idx="0"/>
+    <cs:effectRef idx="0"/>
+    <cs:fontRef idx="minor">
+      <a:schemeClr val="tx1">
+        <a:lumMod val="65000"/>
+        <a:lumOff val="35000"/>
+      </a:schemeClr>
+    </cs:fontRef>
+    <cs:spPr>
+      <a:ln w="9525" cap="flat" cmpd="sng" algn="ctr">
+        <a:solidFill>
+          <a:schemeClr val="tx1">
+            <a:lumMod val="15000"/>
+            <a:lumOff val="85000"/>
+          </a:schemeClr>
+        </a:solidFill>
+        <a:round/>
+      </a:ln>
+    </cs:spPr>
+    <cs:defRPr sz="1197" kern="1200"/>
+  </cs:categoryAxis>
+  <cs:chartArea mods="allowNoFillOverride allowNoLineOverride">
+    <cs:lnRef idx="0"/>
+    <cs:fillRef idx="0"/>
+    <cs:effectRef idx="0"/>
+    <cs:fontRef idx="minor">
+      <a:schemeClr val="tx1"/>
+    </cs:fontRef>
+    <cs:spPr>
+      <a:solidFill>
+        <a:schemeClr val="bg1"/>
+      </a:solidFill>
+      <a:ln w="9525" cap="flat" cmpd="sng" algn="ctr">
+        <a:solidFill>
+          <a:schemeClr val="tx1">
+            <a:lumMod val="15000"/>
+            <a:lumOff val="85000"/>
+          </a:schemeClr>
+        </a:solidFill>
+        <a:round/>
+      </a:ln>
+    </cs:spPr>
+    <cs:defRPr sz="1330" kern="1200"/>
+  </cs:chartArea>
+  <cs:dataLabel>
+    <cs:lnRef idx="0"/>
+    <cs:fillRef idx="0"/>
+    <cs:effectRef idx="0"/>
+    <cs:fontRef idx="minor">
+      <a:schemeClr val="tx1">
+        <a:lumMod val="75000"/>
+        <a:lumOff val="25000"/>
+      </a:schemeClr>
+    </cs:fontRef>
+    <cs:defRPr sz="1197" kern="1200"/>
+  </cs:dataLabel>
+  <cs:dataLabelCallout>
+    <cs:lnRef idx="0"/>
+    <cs:fillRef idx="0"/>
+    <cs:effectRef idx="0"/>
+    <cs:fontRef idx="minor">
+      <a:schemeClr val="dk1">
+        <a:lumMod val="65000"/>
+        <a:lumOff val="35000"/>
+      </a:schemeClr>
+    </cs:fontRef>
+    <cs:spPr>
+      <a:solidFill>
+        <a:schemeClr val="lt1"/>
+      </a:solidFill>
+      <a:ln>
+        <a:solidFill>
+          <a:schemeClr val="dk1">
+            <a:lumMod val="25000"/>
+            <a:lumOff val="75000"/>
+          </a:schemeClr>
+        </a:solidFill>
+      </a:ln>
+    </cs:spPr>
+    <cs:defRPr sz="1197" kern="1200"/>
+    <cs:bodyPr rot="0" spcFirstLastPara="1" vertOverflow="clip" horzOverflow="clip" vert="horz" wrap="square" lIns="36576" tIns="18288" rIns="36576" bIns="18288" anchor="ctr" anchorCtr="1">
+      <a:spAutoFit/>
+    </cs:bodyPr>
+  </cs:dataLabelCallout>
+  <cs:dataPoint>
+    <cs:lnRef idx="0"/>
+    <cs:fillRef idx="1">
+      <cs:styleClr val="auto"/>
+    </cs:fillRef>
+    <cs:effectRef idx="0"/>
+    <cs:fontRef idx="minor">
+      <a:schemeClr val="tx1"/>
+    </cs:fontRef>
+  </cs:dataPoint>
+  <cs:dataPoint3D>
+    <cs:lnRef idx="0"/>
+    <cs:fillRef idx="1">
+      <cs:styleClr val="auto"/>
+    </cs:fillRef>
+    <cs:effectRef idx="0"/>
+    <cs:fontRef idx="minor">
+      <a:schemeClr val="tx1"/>
+    </cs:fontRef>
+  </cs:dataPoint3D>
+  <cs:dataPointLine>
+    <cs:lnRef idx="0">
+      <cs:styleClr val="auto"/>
+    </cs:lnRef>
+    <cs:fillRef idx="1"/>
+    <cs:effectRef idx="0"/>
+    <cs:fontRef idx="minor">
+      <a:schemeClr val="tx1"/>
+    </cs:fontRef>
+    <cs:spPr>
+      <a:ln w="28575" cap="rnd">
+        <a:solidFill>
+          <a:schemeClr val="phClr"/>
+        </a:solidFill>
+        <a:round/>
+      </a:ln>
+    </cs:spPr>
+  </cs:dataPointLine>
+  <cs:dataPointMarker>
+    <cs:lnRef idx="0">
+      <cs:styleClr val="auto"/>
+    </cs:lnRef>
+    <cs:fillRef idx="1">
+      <cs:styleClr val="auto"/>
+    </cs:fillRef>
+    <cs:effectRef idx="0"/>
+    <cs:fontRef idx="minor">
+      <a:schemeClr val="tx1"/>
+    </cs:fontRef>
+    <cs:spPr>
+      <a:ln w="9525">
+        <a:solidFill>
+          <a:schemeClr val="phClr"/>
+        </a:solidFill>
+      </a:ln>
+    </cs:spPr>
+  </cs:dataPointMarker>
+  <cs:dataPointMarkerLayout symbol="circle" size="5"/>
+  <cs:dataPointWireframe>
+    <cs:lnRef idx="0">
+      <cs:styleClr val="auto"/>
+    </cs:lnRef>
+    <cs:fillRef idx="1"/>
+    <cs:effectRef idx="0"/>
+    <cs:fontRef idx="minor">
+      <a:schemeClr val="tx1"/>
+    </cs:fontRef>
+    <cs:spPr>
+      <a:ln w="9525" cap="rnd">
+        <a:solidFill>
+          <a:schemeClr val="phClr"/>
+        </a:solidFill>
+        <a:round/>
+      </a:ln>
+    </cs:spPr>
+  </cs:dataPointWireframe>
+  <cs:dataTable>
+    <cs:lnRef idx="0"/>
+    <cs:fillRef idx="0"/>
+    <cs:effectRef idx="0"/>
+    <cs:fontRef idx="minor">
+      <a:schemeClr val="tx1">
+        <a:lumMod val="65000"/>
+        <a:lumOff val="35000"/>
+      </a:schemeClr>
+    </cs:fontRef>
+    <cs:spPr>
+      <a:noFill/>
+      <a:ln w="9525" cap="flat" cmpd="sng" algn="ctr">
+        <a:solidFill>
+          <a:schemeClr val="tx1">
+            <a:lumMod val="15000"/>
+            <a:lumOff val="85000"/>
+          </a:schemeClr>
+        </a:solidFill>
+        <a:round/>
+      </a:ln>
+    </cs:spPr>
+    <cs:defRPr sz="1197" kern="1200"/>
+  </cs:dataTable>
+  <cs:downBar>
+    <cs:lnRef idx="0"/>
+    <cs:fillRef idx="0"/>
+    <cs:effectRef idx="0"/>
+    <cs:fontRef idx="minor">
+      <a:schemeClr val="dk1"/>
+    </cs:fontRef>
+    <cs:spPr>
+      <a:solidFill>
+        <a:schemeClr val="dk1">
+          <a:lumMod val="65000"/>
+          <a:lumOff val="35000"/>
+        </a:schemeClr>
+      </a:solidFill>
+      <a:ln w="9525">
+        <a:solidFill>
+          <a:schemeClr val="tx1">
+            <a:lumMod val="65000"/>
+            <a:lumOff val="35000"/>
+          </a:schemeClr>
+        </a:solidFill>
+      </a:ln>
+    </cs:spPr>
+  </cs:downBar>
+  <cs:dropLine>
+    <cs:lnRef idx="0"/>
+    <cs:fillRef idx="0"/>
+    <cs:effectRef idx="0"/>
+    <cs:fontRef idx="minor">
+      <a:schemeClr val="tx1"/>
+    </cs:fontRef>
+    <cs:spPr>
+      <a:ln w="9525" cap="flat" cmpd="sng" algn="ctr">
+        <a:solidFill>
+          <a:schemeClr val="tx1">
+            <a:lumMod val="35000"/>
+            <a:lumOff val="65000"/>
+          </a:schemeClr>
+        </a:solidFill>
+        <a:round/>
+      </a:ln>
+    </cs:spPr>
+  </cs:dropLine>
+  <cs:errorBar>
+    <cs:lnRef idx="0"/>
+    <cs:fillRef idx="0"/>
+    <cs:effectRef idx="0"/>
+    <cs:fontRef idx="minor">
+      <a:schemeClr val="tx1"/>
+    </cs:fontRef>
+    <cs:spPr>
+      <a:ln w="9525" cap="flat" cmpd="sng" algn="ctr">
+        <a:solidFill>
+          <a:schemeClr val="tx1">
+            <a:lumMod val="65000"/>
+            <a:lumOff val="35000"/>
+          </a:schemeClr>
+        </a:solidFill>
+        <a:round/>
+      </a:ln>
+    </cs:spPr>
+  </cs:errorBar>
+  <cs:floor>
+    <cs:lnRef idx="0"/>
+    <cs:fillRef idx="0"/>
+    <cs:effectRef idx="0"/>
+    <cs:fontRef idx="minor">
+      <a:schemeClr val="tx1"/>
+    </cs:fontRef>
+    <cs:spPr>
+      <a:noFill/>
+      <a:ln>
+        <a:noFill/>
+      </a:ln>
+    </cs:spPr>
+  </cs:floor>
+  <cs:gridlineMajor>
+    <cs:lnRef idx="0"/>
+    <cs:fillRef idx="0"/>
+    <cs:effectRef idx="0"/>
+    <cs:fontRef idx="minor">
+      <a:schemeClr val="tx1"/>
+    </cs:fontRef>
+    <cs:spPr>
+      <a:ln w="9525" cap="flat" cmpd="sng" algn="ctr">
+        <a:solidFill>
+          <a:schemeClr val="tx1">
+            <a:lumMod val="15000"/>
+            <a:lumOff val="85000"/>
+          </a:schemeClr>
+        </a:solidFill>
+        <a:round/>
+      </a:ln>
+    </cs:spPr>
+  </cs:gridlineMajor>
+  <cs:gridlineMinor>
+    <cs:lnRef idx="0"/>
+    <cs:fillRef idx="0"/>
+    <cs:effectRef idx="0"/>
+    <cs:fontRef idx="minor">
+      <a:schemeClr val="tx1"/>
+    </cs:fontRef>
+    <cs:spPr>
+      <a:ln w="9525" cap="flat" cmpd="sng" algn="ctr">
+        <a:solidFill>
+          <a:schemeClr val="tx1">
+            <a:lumMod val="5000"/>
+            <a:lumOff val="95000"/>
+          </a:schemeClr>
+        </a:solidFill>
+        <a:round/>
+      </a:ln>
+    </cs:spPr>
+  </cs:gridlineMinor>
+  <cs:hiLoLine>
+    <cs:lnRef idx="0"/>
+    <cs:fillRef idx="0"/>
+    <cs:effectRef idx="0"/>
+    <cs:fontRef idx="minor">
+      <a:schemeClr val="tx1"/>
+    </cs:fontRef>
+    <cs:spPr>
+      <a:ln w="9525" cap="flat" cmpd="sng" algn="ctr">
+        <a:solidFill>
+          <a:schemeClr val="tx1">
+            <a:lumMod val="75000"/>
+            <a:lumOff val="25000"/>
+          </a:schemeClr>
+        </a:solidFill>
+        <a:round/>
+      </a:ln>
+    </cs:spPr>
+  </cs:hiLoLine>
+  <cs:leaderLine>
+    <cs:lnRef idx="0"/>
+    <cs:fillRef idx="0"/>
+    <cs:effectRef idx="0"/>
+    <cs:fontRef idx="minor">
+      <a:schemeClr val="tx1"/>
+    </cs:fontRef>
+    <cs:spPr>
+      <a:ln w="9525" cap="flat" cmpd="sng" algn="ctr">
+        <a:solidFill>
+          <a:schemeClr val="tx1">
+            <a:lumMod val="35000"/>
+            <a:lumOff val="65000"/>
+          </a:schemeClr>
+        </a:solidFill>
+        <a:round/>
+      </a:ln>
+    </cs:spPr>
+  </cs:leaderLine>
+  <cs:legend>
+    <cs:lnRef idx="0"/>
+    <cs:fillRef idx="0"/>
+    <cs:effectRef idx="0"/>
+    <cs:fontRef idx="minor">
+      <a:schemeClr val="tx1">
+        <a:lumMod val="65000"/>
+        <a:lumOff val="35000"/>
+      </a:schemeClr>
+    </cs:fontRef>
+    <cs:defRPr sz="1197" kern="1200"/>
+  </cs:legend>
+  <cs:plotArea mods="allowNoFillOverride allowNoLineOverride">
+    <cs:lnRef idx="0"/>
+    <cs:fillRef idx="0"/>
+    <cs:effectRef idx="0"/>
+    <cs:fontRef idx="minor">
+      <a:schemeClr val="tx1"/>
+    </cs:fontRef>
+  </cs:plotArea>
+  <cs:plotArea3D mods="allowNoFillOverride allowNoLineOverride">
+    <cs:lnRef idx="0"/>
+    <cs:fillRef idx="0"/>
+    <cs:effectRef idx="0"/>
+    <cs:fontRef idx="minor">
+      <a:schemeClr val="tx1"/>
+    </cs:fontRef>
+  </cs:plotArea3D>
+  <cs:seriesAxis>
+    <cs:lnRef idx="0"/>
+    <cs:fillRef idx="0"/>
+    <cs:effectRef idx="0"/>
+    <cs:fontRef idx="minor">
+      <a:schemeClr val="tx1">
+        <a:lumMod val="65000"/>
+        <a:lumOff val="35000"/>
+      </a:schemeClr>
+    </cs:fontRef>
+    <cs:defRPr sz="1197" kern="1200"/>
+  </cs:seriesAxis>
+  <cs:seriesLine>
+    <cs:lnRef idx="0"/>
+    <cs:fillRef idx="0"/>
+    <cs:effectRef idx="0"/>
+    <cs:fontRef idx="minor">
+      <a:schemeClr val="tx1"/>
+    </cs:fontRef>
+    <cs:spPr>
+      <a:ln w="9525" cap="flat" cmpd="sng" algn="ctr">
+        <a:solidFill>
+          <a:schemeClr val="tx1">
+            <a:lumMod val="35000"/>
+            <a:lumOff val="65000"/>
+          </a:schemeClr>
+        </a:solidFill>
+        <a:round/>
+      </a:ln>
+    </cs:spPr>
+  </cs:seriesLine>
+  <cs:title>
+    <cs:lnRef idx="0"/>
+    <cs:fillRef idx="0"/>
+    <cs:effectRef idx="0"/>
+    <cs:fontRef idx="minor">
+      <a:schemeClr val="tx1">
+        <a:lumMod val="65000"/>
+        <a:lumOff val="35000"/>
+      </a:schemeClr>
+    </cs:fontRef>
+    <cs:defRPr sz="1862" b="0" kern="1200" spc="0" baseline="0"/>
+  </cs:title>
+  <cs:trendline>
+    <cs:lnRef idx="0">
+      <cs:styleClr val="auto"/>
+    </cs:lnRef>
+    <cs:fillRef idx="0"/>
+    <cs:effectRef idx="0"/>
+    <cs:fontRef idx="minor">
+      <a:schemeClr val="tx1"/>
+    </cs:fontRef>
+    <cs:spPr>
+      <a:ln w="19050" cap="rnd">
+        <a:solidFill>
+          <a:schemeClr val="phClr"/>
+        </a:solidFill>
+        <a:prstDash val="sysDot"/>
+      </a:ln>
+    </cs:spPr>
+  </cs:trendline>
+  <cs:trendlineLabel>
+    <cs:lnRef idx="0"/>
+    <cs:fillRef idx="0"/>
+    <cs:effectRef idx="0"/>
+    <cs:fontRef idx="minor">
+      <a:schemeClr val="tx1">
+        <a:lumMod val="65000"/>
+        <a:lumOff val="35000"/>
+      </a:schemeClr>
+    </cs:fontRef>
+    <cs:defRPr sz="1197" kern="1200"/>
+  </cs:trendlineLabel>
+  <cs:upBar>
+    <cs:lnRef idx="0"/>
+    <cs:fillRef idx="0"/>
+    <cs:effectRef idx="0"/>
+    <cs:fontRef idx="minor">
+      <a:schemeClr val="dk1"/>
+    </cs:fontRef>
+    <cs:spPr>
+      <a:solidFill>
+        <a:schemeClr val="lt1"/>
+      </a:solidFill>
+      <a:ln w="9525">
+        <a:solidFill>
+          <a:schemeClr val="tx1">
+            <a:lumMod val="15000"/>
+            <a:lumOff val="85000"/>
+          </a:schemeClr>
+        </a:solidFill>
+      </a:ln>
+    </cs:spPr>
+  </cs:upBar>
+  <cs:valueAxis>
+    <cs:lnRef idx="0"/>
+    <cs:fillRef idx="0"/>
+    <cs:effectRef idx="0"/>
+    <cs:fontRef idx="minor">
+      <a:schemeClr val="tx1">
+        <a:lumMod val="65000"/>
+        <a:lumOff val="35000"/>
+      </a:schemeClr>
+    </cs:fontRef>
+    <cs:defRPr sz="1197" kern="1200"/>
+  </cs:valueAxis>
+  <cs:wall>
+    <cs:lnRef idx="0"/>
+    <cs:fillRef idx="0"/>
+    <cs:effectRef idx="0"/>
+    <cs:fontRef idx="minor">
+      <a:schemeClr val="tx1"/>
+    </cs:fontRef>
+    <cs:spPr>
+      <a:noFill/>
+      <a:ln>
+        <a:noFill/>
+      </a:ln>
+    </cs:spPr>
+  </cs:wall>
+</cs:chartStyle>
+</file>
+
+<file path=ppt/charts/style7.xml><?xml version="1.0" encoding="utf-8"?>
 <cs:chartStyle xmlns:cs="http://schemas.microsoft.com/office/drawing/2012/chartStyle" xmlns:a="http://schemas.openxmlformats.org/drawingml/2006/main" id="201">
   <cs:axisTitle>
     <cs:lnRef idx="0"/>
@@ -3706,7 +6304,7 @@
           <a:p>
             <a:fld id="{918A99C5-8D72-4F1C-8CDA-1CA5B268785D}" type="datetimeFigureOut">
               <a:rPr lang="de-DE" smtClean="0"/>
-              <a:t>06.12.2015</a:t>
+              <a:t>07.12.2015</a:t>
             </a:fld>
             <a:endParaRPr lang="de-DE"/>
           </a:p>
@@ -3876,7 +6474,7 @@
           <a:p>
             <a:fld id="{918A99C5-8D72-4F1C-8CDA-1CA5B268785D}" type="datetimeFigureOut">
               <a:rPr lang="de-DE" smtClean="0"/>
-              <a:t>06.12.2015</a:t>
+              <a:t>07.12.2015</a:t>
             </a:fld>
             <a:endParaRPr lang="de-DE"/>
           </a:p>
@@ -4056,7 +6654,7 @@
           <a:p>
             <a:fld id="{918A99C5-8D72-4F1C-8CDA-1CA5B268785D}" type="datetimeFigureOut">
               <a:rPr lang="de-DE" smtClean="0"/>
-              <a:t>06.12.2015</a:t>
+              <a:t>07.12.2015</a:t>
             </a:fld>
             <a:endParaRPr lang="de-DE"/>
           </a:p>
@@ -4226,7 +6824,7 @@
           <a:p>
             <a:fld id="{918A99C5-8D72-4F1C-8CDA-1CA5B268785D}" type="datetimeFigureOut">
               <a:rPr lang="de-DE" smtClean="0"/>
-              <a:t>06.12.2015</a:t>
+              <a:t>07.12.2015</a:t>
             </a:fld>
             <a:endParaRPr lang="de-DE"/>
           </a:p>
@@ -4472,7 +7070,7 @@
           <a:p>
             <a:fld id="{918A99C5-8D72-4F1C-8CDA-1CA5B268785D}" type="datetimeFigureOut">
               <a:rPr lang="de-DE" smtClean="0"/>
-              <a:t>06.12.2015</a:t>
+              <a:t>07.12.2015</a:t>
             </a:fld>
             <a:endParaRPr lang="de-DE"/>
           </a:p>
@@ -4704,7 +7302,7 @@
           <a:p>
             <a:fld id="{918A99C5-8D72-4F1C-8CDA-1CA5B268785D}" type="datetimeFigureOut">
               <a:rPr lang="de-DE" smtClean="0"/>
-              <a:t>06.12.2015</a:t>
+              <a:t>07.12.2015</a:t>
             </a:fld>
             <a:endParaRPr lang="de-DE"/>
           </a:p>
@@ -5071,7 +7669,7 @@
           <a:p>
             <a:fld id="{918A99C5-8D72-4F1C-8CDA-1CA5B268785D}" type="datetimeFigureOut">
               <a:rPr lang="de-DE" smtClean="0"/>
-              <a:t>06.12.2015</a:t>
+              <a:t>07.12.2015</a:t>
             </a:fld>
             <a:endParaRPr lang="de-DE"/>
           </a:p>
@@ -5189,7 +7787,7 @@
           <a:p>
             <a:fld id="{918A99C5-8D72-4F1C-8CDA-1CA5B268785D}" type="datetimeFigureOut">
               <a:rPr lang="de-DE" smtClean="0"/>
-              <a:t>06.12.2015</a:t>
+              <a:t>07.12.2015</a:t>
             </a:fld>
             <a:endParaRPr lang="de-DE"/>
           </a:p>
@@ -5284,7 +7882,7 @@
           <a:p>
             <a:fld id="{918A99C5-8D72-4F1C-8CDA-1CA5B268785D}" type="datetimeFigureOut">
               <a:rPr lang="de-DE" smtClean="0"/>
-              <a:t>06.12.2015</a:t>
+              <a:t>07.12.2015</a:t>
             </a:fld>
             <a:endParaRPr lang="de-DE"/>
           </a:p>
@@ -5561,7 +8159,7 @@
           <a:p>
             <a:fld id="{918A99C5-8D72-4F1C-8CDA-1CA5B268785D}" type="datetimeFigureOut">
               <a:rPr lang="de-DE" smtClean="0"/>
-              <a:t>06.12.2015</a:t>
+              <a:t>07.12.2015</a:t>
             </a:fld>
             <a:endParaRPr lang="de-DE"/>
           </a:p>
@@ -5814,7 +8412,7 @@
           <a:p>
             <a:fld id="{918A99C5-8D72-4F1C-8CDA-1CA5B268785D}" type="datetimeFigureOut">
               <a:rPr lang="de-DE" smtClean="0"/>
-              <a:t>06.12.2015</a:t>
+              <a:t>07.12.2015</a:t>
             </a:fld>
             <a:endParaRPr lang="de-DE"/>
           </a:p>
@@ -6027,7 +8625,7 @@
           <a:p>
             <a:fld id="{918A99C5-8D72-4F1C-8CDA-1CA5B268785D}" type="datetimeFigureOut">
               <a:rPr lang="de-DE" smtClean="0"/>
-              <a:t>06.12.2015</a:t>
+              <a:t>07.12.2015</a:t>
             </a:fld>
             <a:endParaRPr lang="de-DE"/>
           </a:p>
@@ -6516,14 +9114,14 @@
                 <a:gridCol w="1802651">
                   <a:extLst>
                     <a:ext uri="{9D8B030D-6E8A-4147-A177-3AD203B41FA5}">
-                      <a16:colId xmlns:a16="http://schemas.microsoft.com/office/drawing/2014/main" xmlns="" val="20000"/>
+                      <a16:colId xmlns:a16="http://schemas.microsoft.com/office/drawing/2014/main" val="20000"/>
                     </a:ext>
                   </a:extLst>
                 </a:gridCol>
                 <a:gridCol w="1802651">
                   <a:extLst>
                     <a:ext uri="{9D8B030D-6E8A-4147-A177-3AD203B41FA5}">
-                      <a16:colId xmlns:a16="http://schemas.microsoft.com/office/drawing/2014/main" xmlns="" val="20001"/>
+                      <a16:colId xmlns:a16="http://schemas.microsoft.com/office/drawing/2014/main" val="20001"/>
                     </a:ext>
                   </a:extLst>
                 </a:gridCol>
@@ -6633,6 +9231,11 @@
                     </a:lnB>
                   </a:tcPr>
                 </a:tc>
+                <a:extLst>
+                  <a:ext uri="{0D108BD9-81ED-4DB2-BD59-A6C34878D82A}">
+                    <a16:rowId xmlns:a16="http://schemas.microsoft.com/office/drawing/2014/main" val="10006"/>
+                  </a:ext>
+                </a:extLst>
               </a:tr>
               <a:tr h="725284">
                 <a:tc>
@@ -6729,7 +9332,7 @@
                 </a:tc>
                 <a:extLst>
                   <a:ext uri="{0D108BD9-81ED-4DB2-BD59-A6C34878D82A}">
-                    <a16:rowId xmlns:a16="http://schemas.microsoft.com/office/drawing/2014/main" xmlns="" val="10000"/>
+                    <a16:rowId xmlns:a16="http://schemas.microsoft.com/office/drawing/2014/main" val="10000"/>
                   </a:ext>
                 </a:extLst>
               </a:tr>
@@ -6810,7 +9413,7 @@
                 </a:tc>
                 <a:extLst>
                   <a:ext uri="{0D108BD9-81ED-4DB2-BD59-A6C34878D82A}">
-                    <a16:rowId xmlns:a16="http://schemas.microsoft.com/office/drawing/2014/main" xmlns="" val="10001"/>
+                    <a16:rowId xmlns:a16="http://schemas.microsoft.com/office/drawing/2014/main" val="10001"/>
                   </a:ext>
                 </a:extLst>
               </a:tr>
@@ -6891,7 +9494,7 @@
                 </a:tc>
                 <a:extLst>
                   <a:ext uri="{0D108BD9-81ED-4DB2-BD59-A6C34878D82A}">
-                    <a16:rowId xmlns:a16="http://schemas.microsoft.com/office/drawing/2014/main" xmlns="" val="10002"/>
+                    <a16:rowId xmlns:a16="http://schemas.microsoft.com/office/drawing/2014/main" val="10002"/>
                   </a:ext>
                 </a:extLst>
               </a:tr>
@@ -6972,7 +9575,7 @@
                 </a:tc>
                 <a:extLst>
                   <a:ext uri="{0D108BD9-81ED-4DB2-BD59-A6C34878D82A}">
-                    <a16:rowId xmlns:a16="http://schemas.microsoft.com/office/drawing/2014/main" xmlns="" val="10003"/>
+                    <a16:rowId xmlns:a16="http://schemas.microsoft.com/office/drawing/2014/main" val="10003"/>
                   </a:ext>
                 </a:extLst>
               </a:tr>
@@ -7053,7 +9656,7 @@
                 </a:tc>
                 <a:extLst>
                   <a:ext uri="{0D108BD9-81ED-4DB2-BD59-A6C34878D82A}">
-                    <a16:rowId xmlns:a16="http://schemas.microsoft.com/office/drawing/2014/main" xmlns="" val="10004"/>
+                    <a16:rowId xmlns:a16="http://schemas.microsoft.com/office/drawing/2014/main" val="10004"/>
                   </a:ext>
                 </a:extLst>
               </a:tr>
@@ -7146,7 +9749,7 @@
                 </a:tc>
                 <a:extLst>
                   <a:ext uri="{0D108BD9-81ED-4DB2-BD59-A6C34878D82A}">
-                    <a16:rowId xmlns:a16="http://schemas.microsoft.com/office/drawing/2014/main" xmlns="" val="10005"/>
+                    <a16:rowId xmlns:a16="http://schemas.microsoft.com/office/drawing/2014/main" val="10005"/>
                   </a:ext>
                 </a:extLst>
               </a:tr>
@@ -7697,14 +10300,14 @@
                 <a:gridCol w="1802651">
                   <a:extLst>
                     <a:ext uri="{9D8B030D-6E8A-4147-A177-3AD203B41FA5}">
-                      <a16:colId xmlns:a16="http://schemas.microsoft.com/office/drawing/2014/main" xmlns="" val="20000"/>
+                      <a16:colId xmlns:a16="http://schemas.microsoft.com/office/drawing/2014/main" val="20000"/>
                     </a:ext>
                   </a:extLst>
                 </a:gridCol>
                 <a:gridCol w="1802651">
                   <a:extLst>
                     <a:ext uri="{9D8B030D-6E8A-4147-A177-3AD203B41FA5}">
-                      <a16:colId xmlns:a16="http://schemas.microsoft.com/office/drawing/2014/main" xmlns="" val="20001"/>
+                      <a16:colId xmlns:a16="http://schemas.microsoft.com/office/drawing/2014/main" val="20001"/>
                     </a:ext>
                   </a:extLst>
                 </a:gridCol>
@@ -7814,6 +10417,11 @@
                     </a:lnB>
                   </a:tcPr>
                 </a:tc>
+                <a:extLst>
+                  <a:ext uri="{0D108BD9-81ED-4DB2-BD59-A6C34878D82A}">
+                    <a16:rowId xmlns:a16="http://schemas.microsoft.com/office/drawing/2014/main" val="10006"/>
+                  </a:ext>
+                </a:extLst>
               </a:tr>
               <a:tr h="725284">
                 <a:tc>
@@ -7910,7 +10518,7 @@
                 </a:tc>
                 <a:extLst>
                   <a:ext uri="{0D108BD9-81ED-4DB2-BD59-A6C34878D82A}">
-                    <a16:rowId xmlns:a16="http://schemas.microsoft.com/office/drawing/2014/main" xmlns="" val="10000"/>
+                    <a16:rowId xmlns:a16="http://schemas.microsoft.com/office/drawing/2014/main" val="10000"/>
                   </a:ext>
                 </a:extLst>
               </a:tr>
@@ -7991,7 +10599,7 @@
                 </a:tc>
                 <a:extLst>
                   <a:ext uri="{0D108BD9-81ED-4DB2-BD59-A6C34878D82A}">
-                    <a16:rowId xmlns:a16="http://schemas.microsoft.com/office/drawing/2014/main" xmlns="" val="10001"/>
+                    <a16:rowId xmlns:a16="http://schemas.microsoft.com/office/drawing/2014/main" val="10001"/>
                   </a:ext>
                 </a:extLst>
               </a:tr>
@@ -8072,7 +10680,7 @@
                 </a:tc>
                 <a:extLst>
                   <a:ext uri="{0D108BD9-81ED-4DB2-BD59-A6C34878D82A}">
-                    <a16:rowId xmlns:a16="http://schemas.microsoft.com/office/drawing/2014/main" xmlns="" val="10002"/>
+                    <a16:rowId xmlns:a16="http://schemas.microsoft.com/office/drawing/2014/main" val="10002"/>
                   </a:ext>
                 </a:extLst>
               </a:tr>
@@ -8153,7 +10761,7 @@
                 </a:tc>
                 <a:extLst>
                   <a:ext uri="{0D108BD9-81ED-4DB2-BD59-A6C34878D82A}">
-                    <a16:rowId xmlns:a16="http://schemas.microsoft.com/office/drawing/2014/main" xmlns="" val="10003"/>
+                    <a16:rowId xmlns:a16="http://schemas.microsoft.com/office/drawing/2014/main" val="10003"/>
                   </a:ext>
                 </a:extLst>
               </a:tr>
@@ -8234,7 +10842,7 @@
                 </a:tc>
                 <a:extLst>
                   <a:ext uri="{0D108BD9-81ED-4DB2-BD59-A6C34878D82A}">
-                    <a16:rowId xmlns:a16="http://schemas.microsoft.com/office/drawing/2014/main" xmlns="" val="10004"/>
+                    <a16:rowId xmlns:a16="http://schemas.microsoft.com/office/drawing/2014/main" val="10004"/>
                   </a:ext>
                 </a:extLst>
               </a:tr>
@@ -8327,7 +10935,7 @@
                 </a:tc>
                 <a:extLst>
                   <a:ext uri="{0D108BD9-81ED-4DB2-BD59-A6C34878D82A}">
-                    <a16:rowId xmlns:a16="http://schemas.microsoft.com/office/drawing/2014/main" xmlns="" val="10005"/>
+                    <a16:rowId xmlns:a16="http://schemas.microsoft.com/office/drawing/2014/main" val="10005"/>
                   </a:ext>
                 </a:extLst>
               </a:tr>
@@ -8723,17 +11331,7 @@
                 <a:latin typeface="Segoe UI Light" panose="020B0502040204020203" pitchFamily="34" charset="0"/>
                 <a:cs typeface="Segoe UI Light" panose="020B0502040204020203" pitchFamily="34" charset="0"/>
               </a:rPr>
-              <a:t> </a:t>
-            </a:r>
-            <a:r>
-              <a:rPr lang="de-DE" sz="1200" dirty="0" smtClean="0">
-                <a:solidFill>
-                  <a:schemeClr val="bg1"/>
-                </a:solidFill>
-                <a:latin typeface="Segoe UI Light" panose="020B0502040204020203" pitchFamily="34" charset="0"/>
-                <a:cs typeface="Segoe UI Light" panose="020B0502040204020203" pitchFamily="34" charset="0"/>
-              </a:rPr>
-              <a:t>(n)</a:t>
+              <a:t> (n)</a:t>
             </a:r>
             <a:endParaRPr lang="de-DE" sz="1200" dirty="0">
               <a:solidFill>
@@ -8888,14 +11486,14 @@
                 <a:gridCol w="1802651">
                   <a:extLst>
                     <a:ext uri="{9D8B030D-6E8A-4147-A177-3AD203B41FA5}">
-                      <a16:colId xmlns:a16="http://schemas.microsoft.com/office/drawing/2014/main" xmlns="" val="20000"/>
+                      <a16:colId xmlns:a16="http://schemas.microsoft.com/office/drawing/2014/main" val="20000"/>
                     </a:ext>
                   </a:extLst>
                 </a:gridCol>
                 <a:gridCol w="1802651">
                   <a:extLst>
                     <a:ext uri="{9D8B030D-6E8A-4147-A177-3AD203B41FA5}">
-                      <a16:colId xmlns:a16="http://schemas.microsoft.com/office/drawing/2014/main" xmlns="" val="20001"/>
+                      <a16:colId xmlns:a16="http://schemas.microsoft.com/office/drawing/2014/main" val="20001"/>
                     </a:ext>
                   </a:extLst>
                 </a:gridCol>
@@ -9005,6 +11603,11 @@
                     </a:lnB>
                   </a:tcPr>
                 </a:tc>
+                <a:extLst>
+                  <a:ext uri="{0D108BD9-81ED-4DB2-BD59-A6C34878D82A}">
+                    <a16:rowId xmlns:a16="http://schemas.microsoft.com/office/drawing/2014/main" val="10006"/>
+                  </a:ext>
+                </a:extLst>
               </a:tr>
               <a:tr h="725284">
                 <a:tc>
@@ -9101,7 +11704,7 @@
                 </a:tc>
                 <a:extLst>
                   <a:ext uri="{0D108BD9-81ED-4DB2-BD59-A6C34878D82A}">
-                    <a16:rowId xmlns:a16="http://schemas.microsoft.com/office/drawing/2014/main" xmlns="" val="10000"/>
+                    <a16:rowId xmlns:a16="http://schemas.microsoft.com/office/drawing/2014/main" val="10000"/>
                   </a:ext>
                 </a:extLst>
               </a:tr>
@@ -9182,7 +11785,7 @@
                 </a:tc>
                 <a:extLst>
                   <a:ext uri="{0D108BD9-81ED-4DB2-BD59-A6C34878D82A}">
-                    <a16:rowId xmlns:a16="http://schemas.microsoft.com/office/drawing/2014/main" xmlns="" val="10001"/>
+                    <a16:rowId xmlns:a16="http://schemas.microsoft.com/office/drawing/2014/main" val="10001"/>
                   </a:ext>
                 </a:extLst>
               </a:tr>
@@ -9263,7 +11866,7 @@
                 </a:tc>
                 <a:extLst>
                   <a:ext uri="{0D108BD9-81ED-4DB2-BD59-A6C34878D82A}">
-                    <a16:rowId xmlns:a16="http://schemas.microsoft.com/office/drawing/2014/main" xmlns="" val="10002"/>
+                    <a16:rowId xmlns:a16="http://schemas.microsoft.com/office/drawing/2014/main" val="10002"/>
                   </a:ext>
                 </a:extLst>
               </a:tr>
@@ -9344,7 +11947,7 @@
                 </a:tc>
                 <a:extLst>
                   <a:ext uri="{0D108BD9-81ED-4DB2-BD59-A6C34878D82A}">
-                    <a16:rowId xmlns:a16="http://schemas.microsoft.com/office/drawing/2014/main" xmlns="" val="10003"/>
+                    <a16:rowId xmlns:a16="http://schemas.microsoft.com/office/drawing/2014/main" val="10003"/>
                   </a:ext>
                 </a:extLst>
               </a:tr>
@@ -9425,7 +12028,7 @@
                 </a:tc>
                 <a:extLst>
                   <a:ext uri="{0D108BD9-81ED-4DB2-BD59-A6C34878D82A}">
-                    <a16:rowId xmlns:a16="http://schemas.microsoft.com/office/drawing/2014/main" xmlns="" val="10004"/>
+                    <a16:rowId xmlns:a16="http://schemas.microsoft.com/office/drawing/2014/main" val="10004"/>
                   </a:ext>
                 </a:extLst>
               </a:tr>
@@ -9518,7 +12121,7 @@
                 </a:tc>
                 <a:extLst>
                   <a:ext uri="{0D108BD9-81ED-4DB2-BD59-A6C34878D82A}">
-                    <a16:rowId xmlns:a16="http://schemas.microsoft.com/office/drawing/2014/main" xmlns="" val="10005"/>
+                    <a16:rowId xmlns:a16="http://schemas.microsoft.com/office/drawing/2014/main" val="10005"/>
                   </a:ext>
                 </a:extLst>
               </a:tr>
@@ -9962,17 +12565,7 @@
                 <a:latin typeface="Segoe UI Light" panose="020B0502040204020203" pitchFamily="34" charset="0"/>
                 <a:cs typeface="Segoe UI Light" panose="020B0502040204020203" pitchFamily="34" charset="0"/>
               </a:rPr>
-              <a:t> </a:t>
-            </a:r>
-            <a:r>
-              <a:rPr lang="de-DE" sz="1200" dirty="0" smtClean="0">
-                <a:solidFill>
-                  <a:schemeClr val="bg1"/>
-                </a:solidFill>
-                <a:latin typeface="Segoe UI Light" panose="020B0502040204020203" pitchFamily="34" charset="0"/>
-                <a:cs typeface="Segoe UI Light" panose="020B0502040204020203" pitchFamily="34" charset="0"/>
-              </a:rPr>
-              <a:t>(n)</a:t>
+              <a:t> (n)</a:t>
             </a:r>
             <a:endParaRPr lang="de-DE" sz="1200" dirty="0">
               <a:solidFill>
@@ -10127,14 +12720,14 @@
                 <a:gridCol w="1802651">
                   <a:extLst>
                     <a:ext uri="{9D8B030D-6E8A-4147-A177-3AD203B41FA5}">
-                      <a16:colId xmlns:a16="http://schemas.microsoft.com/office/drawing/2014/main" xmlns="" val="20000"/>
+                      <a16:colId xmlns:a16="http://schemas.microsoft.com/office/drawing/2014/main" val="20000"/>
                     </a:ext>
                   </a:extLst>
                 </a:gridCol>
                 <a:gridCol w="1802651">
                   <a:extLst>
                     <a:ext uri="{9D8B030D-6E8A-4147-A177-3AD203B41FA5}">
-                      <a16:colId xmlns:a16="http://schemas.microsoft.com/office/drawing/2014/main" xmlns="" val="20001"/>
+                      <a16:colId xmlns:a16="http://schemas.microsoft.com/office/drawing/2014/main" val="20001"/>
                     </a:ext>
                   </a:extLst>
                 </a:gridCol>
@@ -10244,6 +12837,11 @@
                     </a:lnB>
                   </a:tcPr>
                 </a:tc>
+                <a:extLst>
+                  <a:ext uri="{0D108BD9-81ED-4DB2-BD59-A6C34878D82A}">
+                    <a16:rowId xmlns:a16="http://schemas.microsoft.com/office/drawing/2014/main" val="10006"/>
+                  </a:ext>
+                </a:extLst>
               </a:tr>
               <a:tr h="725284">
                 <a:tc>
@@ -10340,7 +12938,7 @@
                 </a:tc>
                 <a:extLst>
                   <a:ext uri="{0D108BD9-81ED-4DB2-BD59-A6C34878D82A}">
-                    <a16:rowId xmlns:a16="http://schemas.microsoft.com/office/drawing/2014/main" xmlns="" val="10000"/>
+                    <a16:rowId xmlns:a16="http://schemas.microsoft.com/office/drawing/2014/main" val="10000"/>
                   </a:ext>
                 </a:extLst>
               </a:tr>
@@ -10421,7 +13019,7 @@
                 </a:tc>
                 <a:extLst>
                   <a:ext uri="{0D108BD9-81ED-4DB2-BD59-A6C34878D82A}">
-                    <a16:rowId xmlns:a16="http://schemas.microsoft.com/office/drawing/2014/main" xmlns="" val="10001"/>
+                    <a16:rowId xmlns:a16="http://schemas.microsoft.com/office/drawing/2014/main" val="10001"/>
                   </a:ext>
                 </a:extLst>
               </a:tr>
@@ -10502,7 +13100,7 @@
                 </a:tc>
                 <a:extLst>
                   <a:ext uri="{0D108BD9-81ED-4DB2-BD59-A6C34878D82A}">
-                    <a16:rowId xmlns:a16="http://schemas.microsoft.com/office/drawing/2014/main" xmlns="" val="10002"/>
+                    <a16:rowId xmlns:a16="http://schemas.microsoft.com/office/drawing/2014/main" val="10002"/>
                   </a:ext>
                 </a:extLst>
               </a:tr>
@@ -10583,7 +13181,7 @@
                 </a:tc>
                 <a:extLst>
                   <a:ext uri="{0D108BD9-81ED-4DB2-BD59-A6C34878D82A}">
-                    <a16:rowId xmlns:a16="http://schemas.microsoft.com/office/drawing/2014/main" xmlns="" val="10003"/>
+                    <a16:rowId xmlns:a16="http://schemas.microsoft.com/office/drawing/2014/main" val="10003"/>
                   </a:ext>
                 </a:extLst>
               </a:tr>
@@ -10664,7 +13262,7 @@
                 </a:tc>
                 <a:extLst>
                   <a:ext uri="{0D108BD9-81ED-4DB2-BD59-A6C34878D82A}">
-                    <a16:rowId xmlns:a16="http://schemas.microsoft.com/office/drawing/2014/main" xmlns="" val="10004"/>
+                    <a16:rowId xmlns:a16="http://schemas.microsoft.com/office/drawing/2014/main" val="10004"/>
                   </a:ext>
                 </a:extLst>
               </a:tr>
@@ -10757,7 +13355,7 @@
                 </a:tc>
                 <a:extLst>
                   <a:ext uri="{0D108BD9-81ED-4DB2-BD59-A6C34878D82A}">
-                    <a16:rowId xmlns:a16="http://schemas.microsoft.com/office/drawing/2014/main" xmlns="" val="10005"/>
+                    <a16:rowId xmlns:a16="http://schemas.microsoft.com/office/drawing/2014/main" val="10005"/>
                   </a:ext>
                 </a:extLst>
               </a:tr>
@@ -11201,17 +13799,7 @@
                 <a:latin typeface="Segoe UI Light" panose="020B0502040204020203" pitchFamily="34" charset="0"/>
                 <a:cs typeface="Segoe UI Light" panose="020B0502040204020203" pitchFamily="34" charset="0"/>
               </a:rPr>
-              <a:t> </a:t>
-            </a:r>
-            <a:r>
-              <a:rPr lang="de-DE" sz="1200" dirty="0" smtClean="0">
-                <a:solidFill>
-                  <a:schemeClr val="bg1"/>
-                </a:solidFill>
-                <a:latin typeface="Segoe UI Light" panose="020B0502040204020203" pitchFamily="34" charset="0"/>
-                <a:cs typeface="Segoe UI Light" panose="020B0502040204020203" pitchFamily="34" charset="0"/>
-              </a:rPr>
-              <a:t>(n)</a:t>
+              <a:t> (n)</a:t>
             </a:r>
             <a:endParaRPr lang="de-DE" sz="1200" dirty="0">
               <a:solidFill>
@@ -11249,6 +13837,3708 @@
     <p:extLst>
       <p:ext uri="{BB962C8B-B14F-4D97-AF65-F5344CB8AC3E}">
         <p14:creationId xmlns:p14="http://schemas.microsoft.com/office/powerpoint/2010/main" val="2510411798"/>
+      </p:ext>
+    </p:extLst>
+  </p:cSld>
+  <p:clrMapOvr>
+    <a:masterClrMapping/>
+  </p:clrMapOvr>
+  <p:timing>
+    <p:tnLst>
+      <p:par>
+        <p:cTn id="1" dur="indefinite" restart="never" nodeType="tmRoot"/>
+      </p:par>
+    </p:tnLst>
+  </p:timing>
+</p:sld>
+</file>
+
+<file path=ppt/slides/slide5.xml><?xml version="1.0" encoding="utf-8"?>
+<p:sld xmlns:a="http://schemas.openxmlformats.org/drawingml/2006/main" xmlns:r="http://schemas.openxmlformats.org/officeDocument/2006/relationships" xmlns:p="http://schemas.openxmlformats.org/presentationml/2006/main">
+  <p:cSld>
+    <p:spTree>
+      <p:nvGrpSpPr>
+        <p:cNvPr id="1" name=""/>
+        <p:cNvGrpSpPr/>
+        <p:nvPr/>
+      </p:nvGrpSpPr>
+      <p:grpSpPr>
+        <a:xfrm>
+          <a:off x="0" y="0"/>
+          <a:ext cx="0" cy="0"/>
+          <a:chOff x="0" y="0"/>
+          <a:chExt cx="0" cy="0"/>
+        </a:xfrm>
+      </p:grpSpPr>
+      <p:sp>
+        <p:nvSpPr>
+          <p:cNvPr id="5" name="Rechteck 4"/>
+          <p:cNvSpPr/>
+          <p:nvPr/>
+        </p:nvSpPr>
+        <p:spPr>
+          <a:xfrm>
+            <a:off x="767408" y="908720"/>
+            <a:ext cx="1440160" cy="1440160"/>
+          </a:xfrm>
+          <a:prstGeom prst="rect">
+            <a:avLst/>
+          </a:prstGeom>
+          <a:solidFill>
+            <a:srgbClr val="2196F2"/>
+          </a:solidFill>
+          <a:ln>
+            <a:noFill/>
+          </a:ln>
+        </p:spPr>
+        <p:style>
+          <a:lnRef idx="2">
+            <a:schemeClr val="accent1">
+              <a:shade val="50000"/>
+            </a:schemeClr>
+          </a:lnRef>
+          <a:fillRef idx="1">
+            <a:schemeClr val="accent1"/>
+          </a:fillRef>
+          <a:effectRef idx="0">
+            <a:schemeClr val="accent1"/>
+          </a:effectRef>
+          <a:fontRef idx="minor">
+            <a:schemeClr val="lt1"/>
+          </a:fontRef>
+        </p:style>
+        <p:txBody>
+          <a:bodyPr rtlCol="0" anchor="ctr"/>
+          <a:lstStyle/>
+          <a:p>
+            <a:pPr algn="ctr"/>
+            <a:r>
+              <a:rPr lang="de-DE" sz="4800" dirty="0" smtClean="0">
+                <a:latin typeface="Segoe UI Light" panose="020B0502040204020203" pitchFamily="34" charset="0"/>
+                <a:cs typeface="Segoe UI Light" panose="020B0502040204020203" pitchFamily="34" charset="0"/>
+              </a:rPr>
+              <a:t>#5</a:t>
+            </a:r>
+            <a:endParaRPr lang="de-DE" sz="4800" dirty="0">
+              <a:latin typeface="Segoe UI Light" panose="020B0502040204020203" pitchFamily="34" charset="0"/>
+              <a:cs typeface="Segoe UI Light" panose="020B0502040204020203" pitchFamily="34" charset="0"/>
+            </a:endParaRPr>
+          </a:p>
+        </p:txBody>
+      </p:sp>
+      <p:graphicFrame>
+        <p:nvGraphicFramePr>
+          <p:cNvPr id="12" name="Tabelle 11"/>
+          <p:cNvGraphicFramePr>
+            <a:graphicFrameLocks noGrp="1"/>
+          </p:cNvGraphicFramePr>
+          <p:nvPr>
+            <p:extLst>
+              <p:ext uri="{D42A27DB-BD31-4B8C-83A1-F6EECF244321}">
+                <p14:modId xmlns:p14="http://schemas.microsoft.com/office/powerpoint/2010/main" val="1067356664"/>
+              </p:ext>
+            </p:extLst>
+          </p:nvPr>
+        </p:nvGraphicFramePr>
+        <p:xfrm>
+          <a:off x="4367051" y="908719"/>
+          <a:ext cx="3605302" cy="5076988"/>
+        </p:xfrm>
+        <a:graphic>
+          <a:graphicData uri="http://schemas.openxmlformats.org/drawingml/2006/table">
+            <a:tbl>
+              <a:tblPr firstRow="1" bandRow="1">
+                <a:tableStyleId>{2D5ABB26-0587-4C30-8999-92F81FD0307C}</a:tableStyleId>
+              </a:tblPr>
+              <a:tblGrid>
+                <a:gridCol w="1802651">
+                  <a:extLst>
+                    <a:ext uri="{9D8B030D-6E8A-4147-A177-3AD203B41FA5}">
+                      <a16:colId xmlns:a16="http://schemas.microsoft.com/office/drawing/2014/main" val="20000"/>
+                    </a:ext>
+                  </a:extLst>
+                </a:gridCol>
+                <a:gridCol w="1802651">
+                  <a:extLst>
+                    <a:ext uri="{9D8B030D-6E8A-4147-A177-3AD203B41FA5}">
+                      <a16:colId xmlns:a16="http://schemas.microsoft.com/office/drawing/2014/main" val="20001"/>
+                    </a:ext>
+                  </a:extLst>
+                </a:gridCol>
+              </a:tblGrid>
+              <a:tr h="725284">
+                <a:tc>
+                  <a:txBody>
+                    <a:bodyPr/>
+                    <a:lstStyle/>
+                    <a:p>
+                      <a:pPr algn="r"/>
+                      <a:r>
+                        <a:rPr lang="de-DE" sz="3200" b="0" dirty="0" err="1" smtClean="0">
+                          <a:solidFill>
+                            <a:schemeClr val="tx1">
+                              <a:lumMod val="85000"/>
+                              <a:lumOff val="15000"/>
+                            </a:schemeClr>
+                          </a:solidFill>
+                          <a:latin typeface="Segoe UI Light" panose="020B0502040204020203" pitchFamily="34" charset="0"/>
+                          <a:cs typeface="Segoe UI Light" panose="020B0502040204020203" pitchFamily="34" charset="0"/>
+                        </a:rPr>
+                        <a:t>Requests</a:t>
+                      </a:r>
+                      <a:endParaRPr lang="de-DE" sz="3200" b="0" dirty="0">
+                        <a:solidFill>
+                          <a:schemeClr val="tx1">
+                            <a:lumMod val="85000"/>
+                            <a:lumOff val="15000"/>
+                          </a:schemeClr>
+                        </a:solidFill>
+                        <a:latin typeface="Segoe UI Light" panose="020B0502040204020203" pitchFamily="34" charset="0"/>
+                        <a:cs typeface="Segoe UI Light" panose="020B0502040204020203" pitchFamily="34" charset="0"/>
+                      </a:endParaRPr>
+                    </a:p>
+                  </a:txBody>
+                  <a:tcPr anchor="ctr">
+                    <a:lnR w="12700" cap="flat" cmpd="sng" algn="ctr">
+                      <a:solidFill>
+                        <a:schemeClr val="tx1"/>
+                      </a:solidFill>
+                      <a:prstDash val="solid"/>
+                      <a:round/>
+                      <a:headEnd type="none" w="med" len="med"/>
+                      <a:tailEnd type="none" w="med" len="med"/>
+                    </a:lnR>
+                    <a:lnB w="12700" cap="flat" cmpd="sng" algn="ctr">
+                      <a:solidFill>
+                        <a:schemeClr val="tx1"/>
+                      </a:solidFill>
+                      <a:prstDash val="solid"/>
+                      <a:round/>
+                      <a:headEnd type="none" w="med" len="med"/>
+                      <a:tailEnd type="none" w="med" len="med"/>
+                    </a:lnB>
+                  </a:tcPr>
+                </a:tc>
+                <a:tc>
+                  <a:txBody>
+                    <a:bodyPr/>
+                    <a:lstStyle/>
+                    <a:p>
+                      <a:pPr algn="l"/>
+                      <a:r>
+                        <a:rPr lang="de-DE" sz="3200" b="0" dirty="0" smtClean="0">
+                          <a:solidFill>
+                            <a:schemeClr val="tx1">
+                              <a:lumMod val="85000"/>
+                              <a:lumOff val="15000"/>
+                            </a:schemeClr>
+                          </a:solidFill>
+                          <a:latin typeface="Segoe UI Light" panose="020B0502040204020203" pitchFamily="34" charset="0"/>
+                          <a:cs typeface="Segoe UI Light" panose="020B0502040204020203" pitchFamily="34" charset="0"/>
+                        </a:rPr>
+                        <a:t>304</a:t>
+                      </a:r>
+                      <a:endParaRPr lang="de-DE" sz="3200" b="0" dirty="0">
+                        <a:solidFill>
+                          <a:schemeClr val="tx1">
+                            <a:lumMod val="85000"/>
+                            <a:lumOff val="15000"/>
+                          </a:schemeClr>
+                        </a:solidFill>
+                        <a:latin typeface="Segoe UI Light" panose="020B0502040204020203" pitchFamily="34" charset="0"/>
+                        <a:cs typeface="Segoe UI Light" panose="020B0502040204020203" pitchFamily="34" charset="0"/>
+                      </a:endParaRPr>
+                    </a:p>
+                  </a:txBody>
+                  <a:tcPr anchor="ctr">
+                    <a:lnL w="12700" cap="flat" cmpd="sng" algn="ctr">
+                      <a:solidFill>
+                        <a:schemeClr val="tx1"/>
+                      </a:solidFill>
+                      <a:prstDash val="solid"/>
+                      <a:round/>
+                      <a:headEnd type="none" w="med" len="med"/>
+                      <a:tailEnd type="none" w="med" len="med"/>
+                    </a:lnL>
+                    <a:lnB w="12700" cap="flat" cmpd="sng" algn="ctr">
+                      <a:solidFill>
+                        <a:schemeClr val="tx1"/>
+                      </a:solidFill>
+                      <a:prstDash val="solid"/>
+                      <a:round/>
+                      <a:headEnd type="none" w="med" len="med"/>
+                      <a:tailEnd type="none" w="med" len="med"/>
+                    </a:lnB>
+                  </a:tcPr>
+                </a:tc>
+                <a:extLst>
+                  <a:ext uri="{0D108BD9-81ED-4DB2-BD59-A6C34878D82A}">
+                    <a16:rowId xmlns:a16="http://schemas.microsoft.com/office/drawing/2014/main" val="10006"/>
+                  </a:ext>
+                </a:extLst>
+              </a:tr>
+              <a:tr h="725284">
+                <a:tc>
+                  <a:txBody>
+                    <a:bodyPr/>
+                    <a:lstStyle/>
+                    <a:p>
+                      <a:pPr algn="r"/>
+                      <a:r>
+                        <a:rPr lang="de-DE" sz="3200" dirty="0" smtClean="0">
+                          <a:latin typeface="Segoe UI Light" panose="020B0502040204020203" pitchFamily="34" charset="0"/>
+                          <a:cs typeface="Segoe UI Light" panose="020B0502040204020203" pitchFamily="34" charset="0"/>
+                        </a:rPr>
+                        <a:t>Q1</a:t>
+                      </a:r>
+                      <a:endParaRPr lang="de-DE" sz="3200" b="0" dirty="0">
+                        <a:solidFill>
+                          <a:schemeClr val="tx1">
+                            <a:lumMod val="85000"/>
+                            <a:lumOff val="15000"/>
+                          </a:schemeClr>
+                        </a:solidFill>
+                        <a:latin typeface="Segoe UI Light" panose="020B0502040204020203" pitchFamily="34" charset="0"/>
+                        <a:cs typeface="Segoe UI Light" panose="020B0502040204020203" pitchFamily="34" charset="0"/>
+                      </a:endParaRPr>
+                    </a:p>
+                  </a:txBody>
+                  <a:tcPr anchor="ctr">
+                    <a:lnR w="12700" cap="flat" cmpd="sng" algn="ctr">
+                      <a:solidFill>
+                        <a:schemeClr val="tx1"/>
+                      </a:solidFill>
+                      <a:prstDash val="solid"/>
+                      <a:round/>
+                      <a:headEnd type="none" w="med" len="med"/>
+                      <a:tailEnd type="none" w="med" len="med"/>
+                    </a:lnR>
+                    <a:lnT w="12700" cap="flat" cmpd="sng" algn="ctr">
+                      <a:solidFill>
+                        <a:schemeClr val="tx1"/>
+                      </a:solidFill>
+                      <a:prstDash val="solid"/>
+                      <a:round/>
+                      <a:headEnd type="none" w="med" len="med"/>
+                      <a:tailEnd type="none" w="med" len="med"/>
+                    </a:lnT>
+                  </a:tcPr>
+                </a:tc>
+                <a:tc>
+                  <a:txBody>
+                    <a:bodyPr/>
+                    <a:lstStyle/>
+                    <a:p>
+                      <a:pPr algn="l"/>
+                      <a:r>
+                        <a:rPr lang="de-DE" sz="3200" dirty="0" smtClean="0">
+                          <a:latin typeface="Segoe UI Light" panose="020B0502040204020203" pitchFamily="34" charset="0"/>
+                          <a:cs typeface="Segoe UI Light" panose="020B0502040204020203" pitchFamily="34" charset="0"/>
+                        </a:rPr>
+                        <a:t>238ms</a:t>
+                      </a:r>
+                      <a:endParaRPr lang="de-DE" sz="3200" b="0" dirty="0">
+                        <a:solidFill>
+                          <a:schemeClr val="tx1">
+                            <a:lumMod val="85000"/>
+                            <a:lumOff val="15000"/>
+                          </a:schemeClr>
+                        </a:solidFill>
+                        <a:latin typeface="Segoe UI Light" panose="020B0502040204020203" pitchFamily="34" charset="0"/>
+                        <a:cs typeface="Segoe UI Light" panose="020B0502040204020203" pitchFamily="34" charset="0"/>
+                      </a:endParaRPr>
+                    </a:p>
+                  </a:txBody>
+                  <a:tcPr anchor="ctr">
+                    <a:lnL w="12700" cap="flat" cmpd="sng" algn="ctr">
+                      <a:solidFill>
+                        <a:schemeClr val="tx1"/>
+                      </a:solidFill>
+                      <a:prstDash val="solid"/>
+                      <a:round/>
+                      <a:headEnd type="none" w="med" len="med"/>
+                      <a:tailEnd type="none" w="med" len="med"/>
+                    </a:lnL>
+                    <a:lnT w="12700" cap="flat" cmpd="sng" algn="ctr">
+                      <a:solidFill>
+                        <a:schemeClr val="tx1"/>
+                      </a:solidFill>
+                      <a:prstDash val="solid"/>
+                      <a:round/>
+                      <a:headEnd type="none" w="med" len="med"/>
+                      <a:tailEnd type="none" w="med" len="med"/>
+                    </a:lnT>
+                  </a:tcPr>
+                </a:tc>
+                <a:extLst>
+                  <a:ext uri="{0D108BD9-81ED-4DB2-BD59-A6C34878D82A}">
+                    <a16:rowId xmlns:a16="http://schemas.microsoft.com/office/drawing/2014/main" val="10000"/>
+                  </a:ext>
+                </a:extLst>
+              </a:tr>
+              <a:tr h="725284">
+                <a:tc>
+                  <a:txBody>
+                    <a:bodyPr/>
+                    <a:lstStyle/>
+                    <a:p>
+                      <a:pPr algn="r"/>
+                      <a:r>
+                        <a:rPr lang="de-DE" sz="3200" dirty="0" smtClean="0">
+                          <a:latin typeface="Segoe UI Light" panose="020B0502040204020203" pitchFamily="34" charset="0"/>
+                          <a:cs typeface="Segoe UI Light" panose="020B0502040204020203" pitchFamily="34" charset="0"/>
+                        </a:rPr>
+                        <a:t>Q2</a:t>
+                      </a:r>
+                      <a:endParaRPr lang="de-DE" sz="3200" b="0" dirty="0">
+                        <a:solidFill>
+                          <a:schemeClr val="tx1">
+                            <a:lumMod val="85000"/>
+                            <a:lumOff val="15000"/>
+                          </a:schemeClr>
+                        </a:solidFill>
+                        <a:latin typeface="Segoe UI Light" panose="020B0502040204020203" pitchFamily="34" charset="0"/>
+                        <a:cs typeface="Segoe UI Light" panose="020B0502040204020203" pitchFamily="34" charset="0"/>
+                      </a:endParaRPr>
+                    </a:p>
+                  </a:txBody>
+                  <a:tcPr anchor="ctr">
+                    <a:lnR w="12700" cap="flat" cmpd="sng" algn="ctr">
+                      <a:solidFill>
+                        <a:schemeClr val="tx1"/>
+                      </a:solidFill>
+                      <a:prstDash val="solid"/>
+                      <a:round/>
+                      <a:headEnd type="none" w="med" len="med"/>
+                      <a:tailEnd type="none" w="med" len="med"/>
+                    </a:lnR>
+                  </a:tcPr>
+                </a:tc>
+                <a:tc>
+                  <a:txBody>
+                    <a:bodyPr/>
+                    <a:lstStyle/>
+                    <a:p>
+                      <a:pPr algn="l"/>
+                      <a:r>
+                        <a:rPr lang="de-DE" sz="3200" dirty="0" smtClean="0">
+                          <a:latin typeface="Segoe UI Light" panose="020B0502040204020203" pitchFamily="34" charset="0"/>
+                          <a:cs typeface="Segoe UI Light" panose="020B0502040204020203" pitchFamily="34" charset="0"/>
+                        </a:rPr>
+                        <a:t>496ms</a:t>
+                      </a:r>
+                      <a:endParaRPr lang="de-DE" sz="3200" b="0" dirty="0">
+                        <a:solidFill>
+                          <a:schemeClr val="tx1">
+                            <a:lumMod val="85000"/>
+                            <a:lumOff val="15000"/>
+                          </a:schemeClr>
+                        </a:solidFill>
+                        <a:latin typeface="Segoe UI Light" panose="020B0502040204020203" pitchFamily="34" charset="0"/>
+                        <a:cs typeface="Segoe UI Light" panose="020B0502040204020203" pitchFamily="34" charset="0"/>
+                      </a:endParaRPr>
+                    </a:p>
+                  </a:txBody>
+                  <a:tcPr anchor="ctr">
+                    <a:lnL w="12700" cap="flat" cmpd="sng" algn="ctr">
+                      <a:solidFill>
+                        <a:schemeClr val="tx1"/>
+                      </a:solidFill>
+                      <a:prstDash val="solid"/>
+                      <a:round/>
+                      <a:headEnd type="none" w="med" len="med"/>
+                      <a:tailEnd type="none" w="med" len="med"/>
+                    </a:lnL>
+                  </a:tcPr>
+                </a:tc>
+                <a:extLst>
+                  <a:ext uri="{0D108BD9-81ED-4DB2-BD59-A6C34878D82A}">
+                    <a16:rowId xmlns:a16="http://schemas.microsoft.com/office/drawing/2014/main" val="10001"/>
+                  </a:ext>
+                </a:extLst>
+              </a:tr>
+              <a:tr h="725284">
+                <a:tc>
+                  <a:txBody>
+                    <a:bodyPr/>
+                    <a:lstStyle/>
+                    <a:p>
+                      <a:pPr algn="r"/>
+                      <a:r>
+                        <a:rPr lang="de-DE" sz="3200" dirty="0" smtClean="0">
+                          <a:latin typeface="Segoe UI Light" panose="020B0502040204020203" pitchFamily="34" charset="0"/>
+                          <a:cs typeface="Segoe UI Light" panose="020B0502040204020203" pitchFamily="34" charset="0"/>
+                        </a:rPr>
+                        <a:t>Q3</a:t>
+                      </a:r>
+                      <a:endParaRPr lang="de-DE" sz="3200" b="0" dirty="0">
+                        <a:solidFill>
+                          <a:schemeClr val="tx1">
+                            <a:lumMod val="85000"/>
+                            <a:lumOff val="15000"/>
+                          </a:schemeClr>
+                        </a:solidFill>
+                        <a:latin typeface="Segoe UI Light" panose="020B0502040204020203" pitchFamily="34" charset="0"/>
+                        <a:cs typeface="Segoe UI Light" panose="020B0502040204020203" pitchFamily="34" charset="0"/>
+                      </a:endParaRPr>
+                    </a:p>
+                  </a:txBody>
+                  <a:tcPr anchor="ctr">
+                    <a:lnR w="12700" cap="flat" cmpd="sng" algn="ctr">
+                      <a:solidFill>
+                        <a:schemeClr val="tx1"/>
+                      </a:solidFill>
+                      <a:prstDash val="solid"/>
+                      <a:round/>
+                      <a:headEnd type="none" w="med" len="med"/>
+                      <a:tailEnd type="none" w="med" len="med"/>
+                    </a:lnR>
+                  </a:tcPr>
+                </a:tc>
+                <a:tc>
+                  <a:txBody>
+                    <a:bodyPr/>
+                    <a:lstStyle/>
+                    <a:p>
+                      <a:pPr algn="l"/>
+                      <a:r>
+                        <a:rPr lang="de-DE" sz="3200" dirty="0" smtClean="0">
+                          <a:latin typeface="Segoe UI Light" panose="020B0502040204020203" pitchFamily="34" charset="0"/>
+                          <a:cs typeface="Segoe UI Light" panose="020B0502040204020203" pitchFamily="34" charset="0"/>
+                        </a:rPr>
+                        <a:t>176ms</a:t>
+                      </a:r>
+                      <a:endParaRPr lang="de-DE" sz="3200" b="0" dirty="0">
+                        <a:solidFill>
+                          <a:schemeClr val="tx1">
+                            <a:lumMod val="85000"/>
+                            <a:lumOff val="15000"/>
+                          </a:schemeClr>
+                        </a:solidFill>
+                        <a:latin typeface="Segoe UI Light" panose="020B0502040204020203" pitchFamily="34" charset="0"/>
+                        <a:cs typeface="Segoe UI Light" panose="020B0502040204020203" pitchFamily="34" charset="0"/>
+                      </a:endParaRPr>
+                    </a:p>
+                  </a:txBody>
+                  <a:tcPr anchor="ctr">
+                    <a:lnL w="12700" cap="flat" cmpd="sng" algn="ctr">
+                      <a:solidFill>
+                        <a:schemeClr val="tx1"/>
+                      </a:solidFill>
+                      <a:prstDash val="solid"/>
+                      <a:round/>
+                      <a:headEnd type="none" w="med" len="med"/>
+                      <a:tailEnd type="none" w="med" len="med"/>
+                    </a:lnL>
+                  </a:tcPr>
+                </a:tc>
+                <a:extLst>
+                  <a:ext uri="{0D108BD9-81ED-4DB2-BD59-A6C34878D82A}">
+                    <a16:rowId xmlns:a16="http://schemas.microsoft.com/office/drawing/2014/main" val="10002"/>
+                  </a:ext>
+                </a:extLst>
+              </a:tr>
+              <a:tr h="725284">
+                <a:tc>
+                  <a:txBody>
+                    <a:bodyPr/>
+                    <a:lstStyle/>
+                    <a:p>
+                      <a:pPr algn="r"/>
+                      <a:r>
+                        <a:rPr lang="de-DE" sz="3200" dirty="0" smtClean="0">
+                          <a:latin typeface="Segoe UI Light" panose="020B0502040204020203" pitchFamily="34" charset="0"/>
+                          <a:cs typeface="Segoe UI Light" panose="020B0502040204020203" pitchFamily="34" charset="0"/>
+                        </a:rPr>
+                        <a:t>Q4</a:t>
+                      </a:r>
+                      <a:endParaRPr lang="de-DE" sz="3200" b="0" dirty="0">
+                        <a:solidFill>
+                          <a:schemeClr val="tx1">
+                            <a:lumMod val="85000"/>
+                            <a:lumOff val="15000"/>
+                          </a:schemeClr>
+                        </a:solidFill>
+                        <a:latin typeface="Segoe UI Light" panose="020B0502040204020203" pitchFamily="34" charset="0"/>
+                        <a:cs typeface="Segoe UI Light" panose="020B0502040204020203" pitchFamily="34" charset="0"/>
+                      </a:endParaRPr>
+                    </a:p>
+                  </a:txBody>
+                  <a:tcPr anchor="ctr">
+                    <a:lnR w="12700" cap="flat" cmpd="sng" algn="ctr">
+                      <a:solidFill>
+                        <a:schemeClr val="tx1"/>
+                      </a:solidFill>
+                      <a:prstDash val="solid"/>
+                      <a:round/>
+                      <a:headEnd type="none" w="med" len="med"/>
+                      <a:tailEnd type="none" w="med" len="med"/>
+                    </a:lnR>
+                  </a:tcPr>
+                </a:tc>
+                <a:tc>
+                  <a:txBody>
+                    <a:bodyPr/>
+                    <a:lstStyle/>
+                    <a:p>
+                      <a:pPr algn="l"/>
+                      <a:r>
+                        <a:rPr lang="de-DE" sz="3200" dirty="0" smtClean="0">
+                          <a:latin typeface="Segoe UI Light" panose="020B0502040204020203" pitchFamily="34" charset="0"/>
+                          <a:cs typeface="Segoe UI Light" panose="020B0502040204020203" pitchFamily="34" charset="0"/>
+                        </a:rPr>
+                        <a:t>616ms</a:t>
+                      </a:r>
+                      <a:endParaRPr lang="de-DE" sz="3200" b="0" dirty="0">
+                        <a:solidFill>
+                          <a:schemeClr val="tx1">
+                            <a:lumMod val="85000"/>
+                            <a:lumOff val="15000"/>
+                          </a:schemeClr>
+                        </a:solidFill>
+                        <a:latin typeface="Segoe UI Light" panose="020B0502040204020203" pitchFamily="34" charset="0"/>
+                        <a:cs typeface="Segoe UI Light" panose="020B0502040204020203" pitchFamily="34" charset="0"/>
+                      </a:endParaRPr>
+                    </a:p>
+                  </a:txBody>
+                  <a:tcPr anchor="ctr">
+                    <a:lnL w="12700" cap="flat" cmpd="sng" algn="ctr">
+                      <a:solidFill>
+                        <a:schemeClr val="tx1"/>
+                      </a:solidFill>
+                      <a:prstDash val="solid"/>
+                      <a:round/>
+                      <a:headEnd type="none" w="med" len="med"/>
+                      <a:tailEnd type="none" w="med" len="med"/>
+                    </a:lnL>
+                  </a:tcPr>
+                </a:tc>
+                <a:extLst>
+                  <a:ext uri="{0D108BD9-81ED-4DB2-BD59-A6C34878D82A}">
+                    <a16:rowId xmlns:a16="http://schemas.microsoft.com/office/drawing/2014/main" val="10003"/>
+                  </a:ext>
+                </a:extLst>
+              </a:tr>
+              <a:tr h="725284">
+                <a:tc>
+                  <a:txBody>
+                    <a:bodyPr/>
+                    <a:lstStyle/>
+                    <a:p>
+                      <a:pPr algn="r"/>
+                      <a:r>
+                        <a:rPr lang="de-DE" sz="3200" dirty="0" smtClean="0">
+                          <a:latin typeface="Segoe UI Light" panose="020B0502040204020203" pitchFamily="34" charset="0"/>
+                          <a:cs typeface="Segoe UI Light" panose="020B0502040204020203" pitchFamily="34" charset="0"/>
+                        </a:rPr>
+                        <a:t>Q5</a:t>
+                      </a:r>
+                      <a:endParaRPr lang="de-DE" sz="3200" b="0" dirty="0">
+                        <a:solidFill>
+                          <a:schemeClr val="tx1">
+                            <a:lumMod val="85000"/>
+                            <a:lumOff val="15000"/>
+                          </a:schemeClr>
+                        </a:solidFill>
+                        <a:latin typeface="Segoe UI Light" panose="020B0502040204020203" pitchFamily="34" charset="0"/>
+                        <a:cs typeface="Segoe UI Light" panose="020B0502040204020203" pitchFamily="34" charset="0"/>
+                      </a:endParaRPr>
+                    </a:p>
+                  </a:txBody>
+                  <a:tcPr anchor="ctr">
+                    <a:lnR w="12700" cap="flat" cmpd="sng" algn="ctr">
+                      <a:solidFill>
+                        <a:schemeClr val="tx1"/>
+                      </a:solidFill>
+                      <a:prstDash val="solid"/>
+                      <a:round/>
+                      <a:headEnd type="none" w="med" len="med"/>
+                      <a:tailEnd type="none" w="med" len="med"/>
+                    </a:lnR>
+                  </a:tcPr>
+                </a:tc>
+                <a:tc>
+                  <a:txBody>
+                    <a:bodyPr/>
+                    <a:lstStyle/>
+                    <a:p>
+                      <a:pPr algn="l"/>
+                      <a:r>
+                        <a:rPr lang="de-DE" sz="3200" dirty="0" smtClean="0">
+                          <a:latin typeface="Segoe UI Light" panose="020B0502040204020203" pitchFamily="34" charset="0"/>
+                          <a:cs typeface="Segoe UI Light" panose="020B0502040204020203" pitchFamily="34" charset="0"/>
+                        </a:rPr>
+                        <a:t>254ms</a:t>
+                      </a:r>
+                      <a:endParaRPr lang="de-DE" sz="3200" b="0" dirty="0">
+                        <a:solidFill>
+                          <a:schemeClr val="tx1">
+                            <a:lumMod val="85000"/>
+                            <a:lumOff val="15000"/>
+                          </a:schemeClr>
+                        </a:solidFill>
+                        <a:latin typeface="Segoe UI Light" panose="020B0502040204020203" pitchFamily="34" charset="0"/>
+                        <a:cs typeface="Segoe UI Light" panose="020B0502040204020203" pitchFamily="34" charset="0"/>
+                      </a:endParaRPr>
+                    </a:p>
+                  </a:txBody>
+                  <a:tcPr anchor="ctr">
+                    <a:lnL w="12700" cap="flat" cmpd="sng" algn="ctr">
+                      <a:solidFill>
+                        <a:schemeClr val="tx1"/>
+                      </a:solidFill>
+                      <a:prstDash val="solid"/>
+                      <a:round/>
+                      <a:headEnd type="none" w="med" len="med"/>
+                      <a:tailEnd type="none" w="med" len="med"/>
+                    </a:lnL>
+                  </a:tcPr>
+                </a:tc>
+                <a:extLst>
+                  <a:ext uri="{0D108BD9-81ED-4DB2-BD59-A6C34878D82A}">
+                    <a16:rowId xmlns:a16="http://schemas.microsoft.com/office/drawing/2014/main" val="10004"/>
+                  </a:ext>
+                </a:extLst>
+              </a:tr>
+              <a:tr h="725284">
+                <a:tc>
+                  <a:txBody>
+                    <a:bodyPr/>
+                    <a:lstStyle/>
+                    <a:p>
+                      <a:pPr algn="r"/>
+                      <a:r>
+                        <a:rPr lang="de-DE" sz="3200" b="0" dirty="0" smtClean="0">
+                          <a:solidFill>
+                            <a:schemeClr val="tx1">
+                              <a:lumMod val="85000"/>
+                              <a:lumOff val="15000"/>
+                            </a:schemeClr>
+                          </a:solidFill>
+                          <a:latin typeface="Segoe UI Light" panose="020B0502040204020203" pitchFamily="34" charset="0"/>
+                          <a:cs typeface="Segoe UI Light" panose="020B0502040204020203" pitchFamily="34" charset="0"/>
+                        </a:rPr>
+                        <a:t>Q6</a:t>
+                      </a:r>
+                      <a:endParaRPr lang="de-DE" sz="3200" b="0" dirty="0">
+                        <a:solidFill>
+                          <a:schemeClr val="tx1">
+                            <a:lumMod val="85000"/>
+                            <a:lumOff val="15000"/>
+                          </a:schemeClr>
+                        </a:solidFill>
+                        <a:latin typeface="Segoe UI Light" panose="020B0502040204020203" pitchFamily="34" charset="0"/>
+                        <a:cs typeface="Segoe UI Light" panose="020B0502040204020203" pitchFamily="34" charset="0"/>
+                      </a:endParaRPr>
+                    </a:p>
+                  </a:txBody>
+                  <a:tcPr anchor="ctr">
+                    <a:lnR w="12700" cap="flat" cmpd="sng" algn="ctr">
+                      <a:solidFill>
+                        <a:schemeClr val="tx1"/>
+                      </a:solidFill>
+                      <a:prstDash val="solid"/>
+                      <a:round/>
+                      <a:headEnd type="none" w="med" len="med"/>
+                      <a:tailEnd type="none" w="med" len="med"/>
+                    </a:lnR>
+                  </a:tcPr>
+                </a:tc>
+                <a:tc>
+                  <a:txBody>
+                    <a:bodyPr/>
+                    <a:lstStyle/>
+                    <a:p>
+                      <a:pPr algn="l"/>
+                      <a:r>
+                        <a:rPr lang="de-DE" sz="3200" b="0" dirty="0" smtClean="0">
+                          <a:solidFill>
+                            <a:schemeClr val="tx1">
+                              <a:lumMod val="85000"/>
+                              <a:lumOff val="15000"/>
+                            </a:schemeClr>
+                          </a:solidFill>
+                          <a:latin typeface="Segoe UI Light" panose="020B0502040204020203" pitchFamily="34" charset="0"/>
+                          <a:cs typeface="Segoe UI Light" panose="020B0502040204020203" pitchFamily="34" charset="0"/>
+                        </a:rPr>
+                        <a:t>218ms</a:t>
+                      </a:r>
+                      <a:endParaRPr lang="de-DE" sz="3200" b="0" dirty="0">
+                        <a:solidFill>
+                          <a:schemeClr val="tx1">
+                            <a:lumMod val="85000"/>
+                            <a:lumOff val="15000"/>
+                          </a:schemeClr>
+                        </a:solidFill>
+                        <a:latin typeface="Segoe UI Light" panose="020B0502040204020203" pitchFamily="34" charset="0"/>
+                        <a:cs typeface="Segoe UI Light" panose="020B0502040204020203" pitchFamily="34" charset="0"/>
+                      </a:endParaRPr>
+                    </a:p>
+                  </a:txBody>
+                  <a:tcPr anchor="ctr">
+                    <a:lnL w="12700" cap="flat" cmpd="sng" algn="ctr">
+                      <a:solidFill>
+                        <a:schemeClr val="tx1"/>
+                      </a:solidFill>
+                      <a:prstDash val="solid"/>
+                      <a:round/>
+                      <a:headEnd type="none" w="med" len="med"/>
+                      <a:tailEnd type="none" w="med" len="med"/>
+                    </a:lnL>
+                  </a:tcPr>
+                </a:tc>
+                <a:extLst>
+                  <a:ext uri="{0D108BD9-81ED-4DB2-BD59-A6C34878D82A}">
+                    <a16:rowId xmlns:a16="http://schemas.microsoft.com/office/drawing/2014/main" val="10005"/>
+                  </a:ext>
+                </a:extLst>
+              </a:tr>
+            </a:tbl>
+          </a:graphicData>
+        </a:graphic>
+      </p:graphicFrame>
+      <p:sp>
+        <p:nvSpPr>
+          <p:cNvPr id="13" name="Rechteck 12"/>
+          <p:cNvSpPr/>
+          <p:nvPr/>
+        </p:nvSpPr>
+        <p:spPr>
+          <a:xfrm>
+            <a:off x="2566740" y="2708262"/>
+            <a:ext cx="1440160" cy="1440160"/>
+          </a:xfrm>
+          <a:prstGeom prst="rect">
+            <a:avLst/>
+          </a:prstGeom>
+          <a:solidFill>
+            <a:srgbClr val="2196F2"/>
+          </a:solidFill>
+          <a:ln>
+            <a:noFill/>
+          </a:ln>
+        </p:spPr>
+        <p:style>
+          <a:lnRef idx="2">
+            <a:schemeClr val="accent1">
+              <a:shade val="50000"/>
+            </a:schemeClr>
+          </a:lnRef>
+          <a:fillRef idx="1">
+            <a:schemeClr val="accent1"/>
+          </a:fillRef>
+          <a:effectRef idx="0">
+            <a:schemeClr val="accent1"/>
+          </a:effectRef>
+          <a:fontRef idx="minor">
+            <a:schemeClr val="lt1"/>
+          </a:fontRef>
+        </p:style>
+        <p:txBody>
+          <a:bodyPr rtlCol="0" anchor="ctr"/>
+          <a:lstStyle/>
+          <a:p>
+            <a:pPr algn="ctr"/>
+            <a:r>
+              <a:rPr lang="de-DE" sz="4800" dirty="0" smtClean="0">
+                <a:latin typeface="Segoe UI Light" panose="020B0502040204020203" pitchFamily="34" charset="0"/>
+                <a:cs typeface="Segoe UI Light" panose="020B0502040204020203" pitchFamily="34" charset="0"/>
+              </a:rPr>
+              <a:t>1000</a:t>
+            </a:r>
+            <a:endParaRPr lang="de-DE" sz="4800" dirty="0">
+              <a:latin typeface="Segoe UI Light" panose="020B0502040204020203" pitchFamily="34" charset="0"/>
+              <a:cs typeface="Segoe UI Light" panose="020B0502040204020203" pitchFamily="34" charset="0"/>
+            </a:endParaRPr>
+          </a:p>
+        </p:txBody>
+      </p:sp>
+      <p:sp>
+        <p:nvSpPr>
+          <p:cNvPr id="14" name="Textfeld 13"/>
+          <p:cNvSpPr txBox="1"/>
+          <p:nvPr/>
+        </p:nvSpPr>
+        <p:spPr>
+          <a:xfrm>
+            <a:off x="2564780" y="3779090"/>
+            <a:ext cx="1440160" cy="276999"/>
+          </a:xfrm>
+          <a:prstGeom prst="rect">
+            <a:avLst/>
+          </a:prstGeom>
+          <a:noFill/>
+        </p:spPr>
+        <p:txBody>
+          <a:bodyPr wrap="square" rtlCol="0">
+            <a:spAutoFit/>
+          </a:bodyPr>
+          <a:lstStyle/>
+          <a:p>
+            <a:pPr algn="ctr"/>
+            <a:r>
+              <a:rPr lang="de-DE" sz="1200" dirty="0" err="1" smtClean="0">
+                <a:solidFill>
+                  <a:schemeClr val="bg1"/>
+                </a:solidFill>
+                <a:latin typeface="Segoe UI Light" panose="020B0502040204020203" pitchFamily="34" charset="0"/>
+                <a:cs typeface="Segoe UI Light" panose="020B0502040204020203" pitchFamily="34" charset="0"/>
+              </a:rPr>
+              <a:t>ms</a:t>
+            </a:r>
+            <a:r>
+              <a:rPr lang="de-DE" sz="1200" dirty="0" smtClean="0">
+                <a:solidFill>
+                  <a:schemeClr val="bg1"/>
+                </a:solidFill>
+                <a:latin typeface="Segoe UI Light" panose="020B0502040204020203" pitchFamily="34" charset="0"/>
+                <a:cs typeface="Segoe UI Light" panose="020B0502040204020203" pitchFamily="34" charset="0"/>
+              </a:rPr>
+              <a:t> </a:t>
+            </a:r>
+            <a:r>
+              <a:rPr lang="de-DE" sz="1200" dirty="0" err="1" smtClean="0">
+                <a:solidFill>
+                  <a:schemeClr val="bg1"/>
+                </a:solidFill>
+                <a:latin typeface="Segoe UI Light" panose="020B0502040204020203" pitchFamily="34" charset="0"/>
+                <a:cs typeface="Segoe UI Light" panose="020B0502040204020203" pitchFamily="34" charset="0"/>
+              </a:rPr>
+              <a:t>delay</a:t>
+            </a:r>
+            <a:r>
+              <a:rPr lang="de-DE" sz="1200" dirty="0" smtClean="0">
+                <a:solidFill>
+                  <a:schemeClr val="bg1"/>
+                </a:solidFill>
+                <a:latin typeface="Segoe UI Light" panose="020B0502040204020203" pitchFamily="34" charset="0"/>
+                <a:cs typeface="Segoe UI Light" panose="020B0502040204020203" pitchFamily="34" charset="0"/>
+              </a:rPr>
+              <a:t> (t)</a:t>
+            </a:r>
+            <a:endParaRPr lang="de-DE" sz="1200" dirty="0">
+              <a:solidFill>
+                <a:schemeClr val="bg1"/>
+              </a:solidFill>
+              <a:latin typeface="Segoe UI Light" panose="020B0502040204020203" pitchFamily="34" charset="0"/>
+              <a:cs typeface="Segoe UI Light" panose="020B0502040204020203" pitchFamily="34" charset="0"/>
+            </a:endParaRPr>
+          </a:p>
+        </p:txBody>
+      </p:sp>
+      <p:sp>
+        <p:nvSpPr>
+          <p:cNvPr id="16" name="Rechteck 15"/>
+          <p:cNvSpPr/>
+          <p:nvPr/>
+        </p:nvSpPr>
+        <p:spPr>
+          <a:xfrm>
+            <a:off x="2569680" y="4545544"/>
+            <a:ext cx="1440160" cy="1440160"/>
+          </a:xfrm>
+          <a:prstGeom prst="rect">
+            <a:avLst/>
+          </a:prstGeom>
+          <a:solidFill>
+            <a:srgbClr val="2196F2"/>
+          </a:solidFill>
+          <a:ln>
+            <a:noFill/>
+          </a:ln>
+        </p:spPr>
+        <p:style>
+          <a:lnRef idx="2">
+            <a:schemeClr val="accent1">
+              <a:shade val="50000"/>
+            </a:schemeClr>
+          </a:lnRef>
+          <a:fillRef idx="1">
+            <a:schemeClr val="accent1"/>
+          </a:fillRef>
+          <a:effectRef idx="0">
+            <a:schemeClr val="accent1"/>
+          </a:effectRef>
+          <a:fontRef idx="minor">
+            <a:schemeClr val="lt1"/>
+          </a:fontRef>
+        </p:style>
+        <p:txBody>
+          <a:bodyPr rtlCol="0" anchor="ctr"/>
+          <a:lstStyle/>
+          <a:p>
+            <a:pPr algn="ctr"/>
+            <a:r>
+              <a:rPr lang="de-DE" sz="4000" dirty="0" smtClean="0">
+                <a:latin typeface="Segoe UI Light" panose="020B0502040204020203" pitchFamily="34" charset="0"/>
+                <a:cs typeface="Segoe UI Light" panose="020B0502040204020203" pitchFamily="34" charset="0"/>
+              </a:rPr>
+              <a:t>0.5</a:t>
+            </a:r>
+            <a:endParaRPr lang="de-DE" sz="4000" dirty="0">
+              <a:latin typeface="Segoe UI Light" panose="020B0502040204020203" pitchFamily="34" charset="0"/>
+              <a:cs typeface="Segoe UI Light" panose="020B0502040204020203" pitchFamily="34" charset="0"/>
+            </a:endParaRPr>
+          </a:p>
+        </p:txBody>
+      </p:sp>
+      <p:sp>
+        <p:nvSpPr>
+          <p:cNvPr id="17" name="Textfeld 16"/>
+          <p:cNvSpPr txBox="1"/>
+          <p:nvPr/>
+        </p:nvSpPr>
+        <p:spPr>
+          <a:xfrm>
+            <a:off x="2566740" y="5616372"/>
+            <a:ext cx="1440160" cy="276999"/>
+          </a:xfrm>
+          <a:prstGeom prst="rect">
+            <a:avLst/>
+          </a:prstGeom>
+          <a:noFill/>
+        </p:spPr>
+        <p:txBody>
+          <a:bodyPr wrap="square" rtlCol="0">
+            <a:spAutoFit/>
+          </a:bodyPr>
+          <a:lstStyle/>
+          <a:p>
+            <a:pPr algn="ctr"/>
+            <a:r>
+              <a:rPr lang="de-DE" sz="1200" dirty="0" smtClean="0">
+                <a:solidFill>
+                  <a:schemeClr val="bg1"/>
+                </a:solidFill>
+                <a:latin typeface="Segoe UI Light" panose="020B0502040204020203" pitchFamily="34" charset="0"/>
+                <a:cs typeface="Segoe UI Light" panose="020B0502040204020203" pitchFamily="34" charset="0"/>
+              </a:rPr>
+              <a:t>Min </a:t>
+            </a:r>
+            <a:r>
+              <a:rPr lang="de-DE" sz="1200" dirty="0" err="1" smtClean="0">
+                <a:solidFill>
+                  <a:schemeClr val="bg1"/>
+                </a:solidFill>
+                <a:latin typeface="Segoe UI Light" panose="020B0502040204020203" pitchFamily="34" charset="0"/>
+                <a:cs typeface="Segoe UI Light" panose="020B0502040204020203" pitchFamily="34" charset="0"/>
+              </a:rPr>
+              <a:t>runtime</a:t>
+            </a:r>
+            <a:endParaRPr lang="de-DE" sz="1200" dirty="0">
+              <a:solidFill>
+                <a:schemeClr val="bg1"/>
+              </a:solidFill>
+              <a:latin typeface="Segoe UI Light" panose="020B0502040204020203" pitchFamily="34" charset="0"/>
+              <a:cs typeface="Segoe UI Light" panose="020B0502040204020203" pitchFamily="34" charset="0"/>
+            </a:endParaRPr>
+          </a:p>
+        </p:txBody>
+      </p:sp>
+      <p:sp>
+        <p:nvSpPr>
+          <p:cNvPr id="18" name="Textfeld 17"/>
+          <p:cNvSpPr txBox="1"/>
+          <p:nvPr/>
+        </p:nvSpPr>
+        <p:spPr>
+          <a:xfrm>
+            <a:off x="7972353" y="5339373"/>
+            <a:ext cx="3384375" cy="646331"/>
+          </a:xfrm>
+          <a:prstGeom prst="rect">
+            <a:avLst/>
+          </a:prstGeom>
+          <a:noFill/>
+        </p:spPr>
+        <p:txBody>
+          <a:bodyPr wrap="square" rtlCol="0">
+            <a:spAutoFit/>
+          </a:bodyPr>
+          <a:lstStyle/>
+          <a:p>
+            <a:pPr algn="r"/>
+            <a:r>
+              <a:rPr lang="de-DE" dirty="0">
+                <a:solidFill>
+                  <a:schemeClr val="bg1">
+                    <a:lumMod val="50000"/>
+                  </a:schemeClr>
+                </a:solidFill>
+                <a:latin typeface="Segoe UI Light" panose="020B0502040204020203" pitchFamily="34" charset="0"/>
+                <a:cs typeface="Segoe UI Light" panose="020B0502040204020203" pitchFamily="34" charset="0"/>
+              </a:rPr>
+              <a:t>8 GB RAM</a:t>
+            </a:r>
+          </a:p>
+          <a:p>
+            <a:pPr algn="r"/>
+            <a:r>
+              <a:rPr lang="de-DE" dirty="0">
+                <a:solidFill>
+                  <a:schemeClr val="bg1">
+                    <a:lumMod val="50000"/>
+                  </a:schemeClr>
+                </a:solidFill>
+                <a:latin typeface="Segoe UI Light" panose="020B0502040204020203" pitchFamily="34" charset="0"/>
+                <a:cs typeface="Segoe UI Light" panose="020B0502040204020203" pitchFamily="34" charset="0"/>
+              </a:rPr>
+              <a:t>Intel Core </a:t>
+            </a:r>
+            <a:r>
+              <a:rPr lang="de-DE" dirty="0" smtClean="0">
+                <a:solidFill>
+                  <a:schemeClr val="bg1">
+                    <a:lumMod val="50000"/>
+                  </a:schemeClr>
+                </a:solidFill>
+                <a:latin typeface="Segoe UI Light" panose="020B0502040204020203" pitchFamily="34" charset="0"/>
+                <a:cs typeface="Segoe UI Light" panose="020B0502040204020203" pitchFamily="34" charset="0"/>
+              </a:rPr>
+              <a:t>i5-4200U </a:t>
+            </a:r>
+            <a:r>
+              <a:rPr lang="de-DE" dirty="0">
+                <a:solidFill>
+                  <a:schemeClr val="bg1">
+                    <a:lumMod val="50000"/>
+                  </a:schemeClr>
+                </a:solidFill>
+                <a:latin typeface="Segoe UI Light" panose="020B0502040204020203" pitchFamily="34" charset="0"/>
+                <a:cs typeface="Segoe UI Light" panose="020B0502040204020203" pitchFamily="34" charset="0"/>
+              </a:rPr>
+              <a:t>@ </a:t>
+            </a:r>
+            <a:r>
+              <a:rPr lang="de-DE" dirty="0" smtClean="0">
+                <a:solidFill>
+                  <a:schemeClr val="bg1">
+                    <a:lumMod val="50000"/>
+                  </a:schemeClr>
+                </a:solidFill>
+                <a:latin typeface="Segoe UI Light" panose="020B0502040204020203" pitchFamily="34" charset="0"/>
+                <a:cs typeface="Segoe UI Light" panose="020B0502040204020203" pitchFamily="34" charset="0"/>
+              </a:rPr>
+              <a:t>2.30 </a:t>
+            </a:r>
+            <a:r>
+              <a:rPr lang="de-DE" dirty="0">
+                <a:solidFill>
+                  <a:schemeClr val="bg1">
+                    <a:lumMod val="50000"/>
+                  </a:schemeClr>
+                </a:solidFill>
+                <a:latin typeface="Segoe UI Light" panose="020B0502040204020203" pitchFamily="34" charset="0"/>
+                <a:cs typeface="Segoe UI Light" panose="020B0502040204020203" pitchFamily="34" charset="0"/>
+              </a:rPr>
+              <a:t>GHz</a:t>
+            </a:r>
+          </a:p>
+        </p:txBody>
+      </p:sp>
+      <p:sp>
+        <p:nvSpPr>
+          <p:cNvPr id="19" name="Rechteck 18"/>
+          <p:cNvSpPr/>
+          <p:nvPr/>
+        </p:nvSpPr>
+        <p:spPr>
+          <a:xfrm>
+            <a:off x="2564780" y="908053"/>
+            <a:ext cx="1440160" cy="1440160"/>
+          </a:xfrm>
+          <a:prstGeom prst="rect">
+            <a:avLst/>
+          </a:prstGeom>
+          <a:solidFill>
+            <a:srgbClr val="2196F2"/>
+          </a:solidFill>
+          <a:ln>
+            <a:noFill/>
+          </a:ln>
+        </p:spPr>
+        <p:style>
+          <a:lnRef idx="2">
+            <a:schemeClr val="accent1">
+              <a:shade val="50000"/>
+            </a:schemeClr>
+          </a:lnRef>
+          <a:fillRef idx="1">
+            <a:schemeClr val="accent1"/>
+          </a:fillRef>
+          <a:effectRef idx="0">
+            <a:schemeClr val="accent1"/>
+          </a:effectRef>
+          <a:fontRef idx="minor">
+            <a:schemeClr val="lt1"/>
+          </a:fontRef>
+        </p:style>
+        <p:txBody>
+          <a:bodyPr rtlCol="0" anchor="ctr"/>
+          <a:lstStyle/>
+          <a:p>
+            <a:pPr algn="ctr"/>
+            <a:r>
+              <a:rPr lang="de-DE" sz="4800" dirty="0" smtClean="0">
+                <a:latin typeface="Segoe UI Light" panose="020B0502040204020203" pitchFamily="34" charset="0"/>
+                <a:cs typeface="Segoe UI Light" panose="020B0502040204020203" pitchFamily="34" charset="0"/>
+              </a:rPr>
+              <a:t>10</a:t>
+            </a:r>
+            <a:endParaRPr lang="de-DE" sz="4800" dirty="0">
+              <a:latin typeface="Segoe UI Light" panose="020B0502040204020203" pitchFamily="34" charset="0"/>
+              <a:cs typeface="Segoe UI Light" panose="020B0502040204020203" pitchFamily="34" charset="0"/>
+            </a:endParaRPr>
+          </a:p>
+        </p:txBody>
+      </p:sp>
+      <p:sp>
+        <p:nvSpPr>
+          <p:cNvPr id="20" name="Textfeld 19"/>
+          <p:cNvSpPr txBox="1"/>
+          <p:nvPr/>
+        </p:nvSpPr>
+        <p:spPr>
+          <a:xfrm>
+            <a:off x="2564779" y="1988840"/>
+            <a:ext cx="1440160" cy="276999"/>
+          </a:xfrm>
+          <a:prstGeom prst="rect">
+            <a:avLst/>
+          </a:prstGeom>
+          <a:noFill/>
+        </p:spPr>
+        <p:txBody>
+          <a:bodyPr wrap="square" rtlCol="0">
+            <a:spAutoFit/>
+          </a:bodyPr>
+          <a:lstStyle/>
+          <a:p>
+            <a:pPr algn="ctr"/>
+            <a:r>
+              <a:rPr lang="de-DE" sz="1200" dirty="0" err="1" smtClean="0">
+                <a:solidFill>
+                  <a:schemeClr val="bg1"/>
+                </a:solidFill>
+                <a:latin typeface="Segoe UI Light" panose="020B0502040204020203" pitchFamily="34" charset="0"/>
+                <a:cs typeface="Segoe UI Light" panose="020B0502040204020203" pitchFamily="34" charset="0"/>
+              </a:rPr>
+              <a:t>Actor</a:t>
+            </a:r>
+            <a:r>
+              <a:rPr lang="de-DE" sz="1200" dirty="0" smtClean="0">
+                <a:solidFill>
+                  <a:schemeClr val="bg1"/>
+                </a:solidFill>
+                <a:latin typeface="Segoe UI Light" panose="020B0502040204020203" pitchFamily="34" charset="0"/>
+                <a:cs typeface="Segoe UI Light" panose="020B0502040204020203" pitchFamily="34" charset="0"/>
+              </a:rPr>
+              <a:t> (n)</a:t>
+            </a:r>
+            <a:endParaRPr lang="de-DE" sz="1200" dirty="0">
+              <a:solidFill>
+                <a:schemeClr val="bg1"/>
+              </a:solidFill>
+              <a:latin typeface="Segoe UI Light" panose="020B0502040204020203" pitchFamily="34" charset="0"/>
+              <a:cs typeface="Segoe UI Light" panose="020B0502040204020203" pitchFamily="34" charset="0"/>
+            </a:endParaRPr>
+          </a:p>
+        </p:txBody>
+      </p:sp>
+      <p:graphicFrame>
+        <p:nvGraphicFramePr>
+          <p:cNvPr id="4" name="Diagramm 3"/>
+          <p:cNvGraphicFramePr/>
+          <p:nvPr>
+            <p:extLst>
+              <p:ext uri="{D42A27DB-BD31-4B8C-83A1-F6EECF244321}">
+                <p14:modId xmlns:p14="http://schemas.microsoft.com/office/powerpoint/2010/main" val="501744214"/>
+              </p:ext>
+            </p:extLst>
+          </p:nvPr>
+        </p:nvGraphicFramePr>
+        <p:xfrm>
+          <a:off x="8329564" y="908053"/>
+          <a:ext cx="3027164" cy="3823809"/>
+        </p:xfrm>
+        <a:graphic>
+          <a:graphicData uri="http://schemas.openxmlformats.org/drawingml/2006/chart">
+            <c:chart xmlns:c="http://schemas.openxmlformats.org/drawingml/2006/chart" xmlns:r="http://schemas.openxmlformats.org/officeDocument/2006/relationships" r:id="rId2"/>
+          </a:graphicData>
+        </a:graphic>
+      </p:graphicFrame>
+    </p:spTree>
+    <p:extLst>
+      <p:ext uri="{BB962C8B-B14F-4D97-AF65-F5344CB8AC3E}">
+        <p14:creationId xmlns:p14="http://schemas.microsoft.com/office/powerpoint/2010/main" val="3753777595"/>
+      </p:ext>
+    </p:extLst>
+  </p:cSld>
+  <p:clrMapOvr>
+    <a:masterClrMapping/>
+  </p:clrMapOvr>
+  <p:timing>
+    <p:tnLst>
+      <p:par>
+        <p:cTn id="1" dur="indefinite" restart="never" nodeType="tmRoot"/>
+      </p:par>
+    </p:tnLst>
+  </p:timing>
+</p:sld>
+</file>
+
+<file path=ppt/slides/slide6.xml><?xml version="1.0" encoding="utf-8"?>
+<p:sld xmlns:a="http://schemas.openxmlformats.org/drawingml/2006/main" xmlns:r="http://schemas.openxmlformats.org/officeDocument/2006/relationships" xmlns:p="http://schemas.openxmlformats.org/presentationml/2006/main">
+  <p:cSld>
+    <p:spTree>
+      <p:nvGrpSpPr>
+        <p:cNvPr id="1" name=""/>
+        <p:cNvGrpSpPr/>
+        <p:nvPr/>
+      </p:nvGrpSpPr>
+      <p:grpSpPr>
+        <a:xfrm>
+          <a:off x="0" y="0"/>
+          <a:ext cx="0" cy="0"/>
+          <a:chOff x="0" y="0"/>
+          <a:chExt cx="0" cy="0"/>
+        </a:xfrm>
+      </p:grpSpPr>
+      <p:sp>
+        <p:nvSpPr>
+          <p:cNvPr id="5" name="Rechteck 4"/>
+          <p:cNvSpPr/>
+          <p:nvPr/>
+        </p:nvSpPr>
+        <p:spPr>
+          <a:xfrm>
+            <a:off x="767408" y="908720"/>
+            <a:ext cx="1440160" cy="1440160"/>
+          </a:xfrm>
+          <a:prstGeom prst="rect">
+            <a:avLst/>
+          </a:prstGeom>
+          <a:solidFill>
+            <a:srgbClr val="2196F2"/>
+          </a:solidFill>
+          <a:ln>
+            <a:noFill/>
+          </a:ln>
+        </p:spPr>
+        <p:style>
+          <a:lnRef idx="2">
+            <a:schemeClr val="accent1">
+              <a:shade val="50000"/>
+            </a:schemeClr>
+          </a:lnRef>
+          <a:fillRef idx="1">
+            <a:schemeClr val="accent1"/>
+          </a:fillRef>
+          <a:effectRef idx="0">
+            <a:schemeClr val="accent1"/>
+          </a:effectRef>
+          <a:fontRef idx="minor">
+            <a:schemeClr val="lt1"/>
+          </a:fontRef>
+        </p:style>
+        <p:txBody>
+          <a:bodyPr rtlCol="0" anchor="ctr"/>
+          <a:lstStyle/>
+          <a:p>
+            <a:pPr algn="ctr"/>
+            <a:r>
+              <a:rPr lang="de-DE" sz="4800" dirty="0" smtClean="0">
+                <a:latin typeface="Segoe UI Light" panose="020B0502040204020203" pitchFamily="34" charset="0"/>
+                <a:cs typeface="Segoe UI Light" panose="020B0502040204020203" pitchFamily="34" charset="0"/>
+              </a:rPr>
+              <a:t>#6</a:t>
+            </a:r>
+            <a:endParaRPr lang="de-DE" sz="4800" dirty="0">
+              <a:latin typeface="Segoe UI Light" panose="020B0502040204020203" pitchFamily="34" charset="0"/>
+              <a:cs typeface="Segoe UI Light" panose="020B0502040204020203" pitchFamily="34" charset="0"/>
+            </a:endParaRPr>
+          </a:p>
+        </p:txBody>
+      </p:sp>
+      <p:graphicFrame>
+        <p:nvGraphicFramePr>
+          <p:cNvPr id="12" name="Tabelle 11"/>
+          <p:cNvGraphicFramePr>
+            <a:graphicFrameLocks noGrp="1"/>
+          </p:cNvGraphicFramePr>
+          <p:nvPr>
+            <p:extLst>
+              <p:ext uri="{D42A27DB-BD31-4B8C-83A1-F6EECF244321}">
+                <p14:modId xmlns:p14="http://schemas.microsoft.com/office/powerpoint/2010/main" val="3736181383"/>
+              </p:ext>
+            </p:extLst>
+          </p:nvPr>
+        </p:nvGraphicFramePr>
+        <p:xfrm>
+          <a:off x="4367051" y="908719"/>
+          <a:ext cx="3605302" cy="5076988"/>
+        </p:xfrm>
+        <a:graphic>
+          <a:graphicData uri="http://schemas.openxmlformats.org/drawingml/2006/table">
+            <a:tbl>
+              <a:tblPr firstRow="1" bandRow="1">
+                <a:tableStyleId>{2D5ABB26-0587-4C30-8999-92F81FD0307C}</a:tableStyleId>
+              </a:tblPr>
+              <a:tblGrid>
+                <a:gridCol w="1802651">
+                  <a:extLst>
+                    <a:ext uri="{9D8B030D-6E8A-4147-A177-3AD203B41FA5}">
+                      <a16:colId xmlns:a16="http://schemas.microsoft.com/office/drawing/2014/main" val="20000"/>
+                    </a:ext>
+                  </a:extLst>
+                </a:gridCol>
+                <a:gridCol w="1802651">
+                  <a:extLst>
+                    <a:ext uri="{9D8B030D-6E8A-4147-A177-3AD203B41FA5}">
+                      <a16:colId xmlns:a16="http://schemas.microsoft.com/office/drawing/2014/main" val="20001"/>
+                    </a:ext>
+                  </a:extLst>
+                </a:gridCol>
+              </a:tblGrid>
+              <a:tr h="725284">
+                <a:tc>
+                  <a:txBody>
+                    <a:bodyPr/>
+                    <a:lstStyle/>
+                    <a:p>
+                      <a:pPr algn="r"/>
+                      <a:r>
+                        <a:rPr lang="de-DE" sz="3200" b="0" dirty="0" err="1" smtClean="0">
+                          <a:solidFill>
+                            <a:schemeClr val="tx1">
+                              <a:lumMod val="85000"/>
+                              <a:lumOff val="15000"/>
+                            </a:schemeClr>
+                          </a:solidFill>
+                          <a:latin typeface="Segoe UI Light" panose="020B0502040204020203" pitchFamily="34" charset="0"/>
+                          <a:cs typeface="Segoe UI Light" panose="020B0502040204020203" pitchFamily="34" charset="0"/>
+                        </a:rPr>
+                        <a:t>Requests</a:t>
+                      </a:r>
+                      <a:endParaRPr lang="de-DE" sz="3200" b="0" dirty="0">
+                        <a:solidFill>
+                          <a:schemeClr val="tx1">
+                            <a:lumMod val="85000"/>
+                            <a:lumOff val="15000"/>
+                          </a:schemeClr>
+                        </a:solidFill>
+                        <a:latin typeface="Segoe UI Light" panose="020B0502040204020203" pitchFamily="34" charset="0"/>
+                        <a:cs typeface="Segoe UI Light" panose="020B0502040204020203" pitchFamily="34" charset="0"/>
+                      </a:endParaRPr>
+                    </a:p>
+                  </a:txBody>
+                  <a:tcPr anchor="ctr">
+                    <a:lnR w="12700" cap="flat" cmpd="sng" algn="ctr">
+                      <a:solidFill>
+                        <a:schemeClr val="tx1"/>
+                      </a:solidFill>
+                      <a:prstDash val="solid"/>
+                      <a:round/>
+                      <a:headEnd type="none" w="med" len="med"/>
+                      <a:tailEnd type="none" w="med" len="med"/>
+                    </a:lnR>
+                    <a:lnB w="12700" cap="flat" cmpd="sng" algn="ctr">
+                      <a:solidFill>
+                        <a:schemeClr val="tx1"/>
+                      </a:solidFill>
+                      <a:prstDash val="solid"/>
+                      <a:round/>
+                      <a:headEnd type="none" w="med" len="med"/>
+                      <a:tailEnd type="none" w="med" len="med"/>
+                    </a:lnB>
+                  </a:tcPr>
+                </a:tc>
+                <a:tc>
+                  <a:txBody>
+                    <a:bodyPr/>
+                    <a:lstStyle/>
+                    <a:p>
+                      <a:pPr algn="l"/>
+                      <a:r>
+                        <a:rPr lang="de-DE" sz="3200" b="0" dirty="0" smtClean="0">
+                          <a:solidFill>
+                            <a:schemeClr val="tx1">
+                              <a:lumMod val="85000"/>
+                              <a:lumOff val="15000"/>
+                            </a:schemeClr>
+                          </a:solidFill>
+                          <a:latin typeface="Segoe UI Light" panose="020B0502040204020203" pitchFamily="34" charset="0"/>
+                          <a:cs typeface="Segoe UI Light" panose="020B0502040204020203" pitchFamily="34" charset="0"/>
+                        </a:rPr>
+                        <a:t>491</a:t>
+                      </a:r>
+                      <a:endParaRPr lang="de-DE" sz="3200" b="0" dirty="0">
+                        <a:solidFill>
+                          <a:schemeClr val="tx1">
+                            <a:lumMod val="85000"/>
+                            <a:lumOff val="15000"/>
+                          </a:schemeClr>
+                        </a:solidFill>
+                        <a:latin typeface="Segoe UI Light" panose="020B0502040204020203" pitchFamily="34" charset="0"/>
+                        <a:cs typeface="Segoe UI Light" panose="020B0502040204020203" pitchFamily="34" charset="0"/>
+                      </a:endParaRPr>
+                    </a:p>
+                  </a:txBody>
+                  <a:tcPr anchor="ctr">
+                    <a:lnL w="12700" cap="flat" cmpd="sng" algn="ctr">
+                      <a:solidFill>
+                        <a:schemeClr val="tx1"/>
+                      </a:solidFill>
+                      <a:prstDash val="solid"/>
+                      <a:round/>
+                      <a:headEnd type="none" w="med" len="med"/>
+                      <a:tailEnd type="none" w="med" len="med"/>
+                    </a:lnL>
+                    <a:lnB w="12700" cap="flat" cmpd="sng" algn="ctr">
+                      <a:solidFill>
+                        <a:schemeClr val="tx1"/>
+                      </a:solidFill>
+                      <a:prstDash val="solid"/>
+                      <a:round/>
+                      <a:headEnd type="none" w="med" len="med"/>
+                      <a:tailEnd type="none" w="med" len="med"/>
+                    </a:lnB>
+                  </a:tcPr>
+                </a:tc>
+                <a:extLst>
+                  <a:ext uri="{0D108BD9-81ED-4DB2-BD59-A6C34878D82A}">
+                    <a16:rowId xmlns:a16="http://schemas.microsoft.com/office/drawing/2014/main" val="10006"/>
+                  </a:ext>
+                </a:extLst>
+              </a:tr>
+              <a:tr h="725284">
+                <a:tc>
+                  <a:txBody>
+                    <a:bodyPr/>
+                    <a:lstStyle/>
+                    <a:p>
+                      <a:pPr algn="r"/>
+                      <a:r>
+                        <a:rPr lang="de-DE" sz="3200" dirty="0" smtClean="0">
+                          <a:latin typeface="Segoe UI Light" panose="020B0502040204020203" pitchFamily="34" charset="0"/>
+                          <a:cs typeface="Segoe UI Light" panose="020B0502040204020203" pitchFamily="34" charset="0"/>
+                        </a:rPr>
+                        <a:t>Q1</a:t>
+                      </a:r>
+                      <a:endParaRPr lang="de-DE" sz="3200" b="0" dirty="0">
+                        <a:solidFill>
+                          <a:schemeClr val="tx1">
+                            <a:lumMod val="85000"/>
+                            <a:lumOff val="15000"/>
+                          </a:schemeClr>
+                        </a:solidFill>
+                        <a:latin typeface="Segoe UI Light" panose="020B0502040204020203" pitchFamily="34" charset="0"/>
+                        <a:cs typeface="Segoe UI Light" panose="020B0502040204020203" pitchFamily="34" charset="0"/>
+                      </a:endParaRPr>
+                    </a:p>
+                  </a:txBody>
+                  <a:tcPr anchor="ctr">
+                    <a:lnR w="12700" cap="flat" cmpd="sng" algn="ctr">
+                      <a:solidFill>
+                        <a:schemeClr val="tx1"/>
+                      </a:solidFill>
+                      <a:prstDash val="solid"/>
+                      <a:round/>
+                      <a:headEnd type="none" w="med" len="med"/>
+                      <a:tailEnd type="none" w="med" len="med"/>
+                    </a:lnR>
+                    <a:lnT w="12700" cap="flat" cmpd="sng" algn="ctr">
+                      <a:solidFill>
+                        <a:schemeClr val="tx1"/>
+                      </a:solidFill>
+                      <a:prstDash val="solid"/>
+                      <a:round/>
+                      <a:headEnd type="none" w="med" len="med"/>
+                      <a:tailEnd type="none" w="med" len="med"/>
+                    </a:lnT>
+                  </a:tcPr>
+                </a:tc>
+                <a:tc>
+                  <a:txBody>
+                    <a:bodyPr/>
+                    <a:lstStyle/>
+                    <a:p>
+                      <a:pPr algn="l"/>
+                      <a:r>
+                        <a:rPr lang="de-DE" sz="3200" dirty="0" smtClean="0">
+                          <a:latin typeface="Segoe UI Light" panose="020B0502040204020203" pitchFamily="34" charset="0"/>
+                          <a:cs typeface="Segoe UI Light" panose="020B0502040204020203" pitchFamily="34" charset="0"/>
+                        </a:rPr>
+                        <a:t>3721ms</a:t>
+                      </a:r>
+                      <a:endParaRPr lang="de-DE" sz="3200" b="0" dirty="0">
+                        <a:solidFill>
+                          <a:schemeClr val="tx1">
+                            <a:lumMod val="85000"/>
+                            <a:lumOff val="15000"/>
+                          </a:schemeClr>
+                        </a:solidFill>
+                        <a:latin typeface="Segoe UI Light" panose="020B0502040204020203" pitchFamily="34" charset="0"/>
+                        <a:cs typeface="Segoe UI Light" panose="020B0502040204020203" pitchFamily="34" charset="0"/>
+                      </a:endParaRPr>
+                    </a:p>
+                  </a:txBody>
+                  <a:tcPr anchor="ctr">
+                    <a:lnL w="12700" cap="flat" cmpd="sng" algn="ctr">
+                      <a:solidFill>
+                        <a:schemeClr val="tx1"/>
+                      </a:solidFill>
+                      <a:prstDash val="solid"/>
+                      <a:round/>
+                      <a:headEnd type="none" w="med" len="med"/>
+                      <a:tailEnd type="none" w="med" len="med"/>
+                    </a:lnL>
+                    <a:lnT w="12700" cap="flat" cmpd="sng" algn="ctr">
+                      <a:solidFill>
+                        <a:schemeClr val="tx1"/>
+                      </a:solidFill>
+                      <a:prstDash val="solid"/>
+                      <a:round/>
+                      <a:headEnd type="none" w="med" len="med"/>
+                      <a:tailEnd type="none" w="med" len="med"/>
+                    </a:lnT>
+                  </a:tcPr>
+                </a:tc>
+                <a:extLst>
+                  <a:ext uri="{0D108BD9-81ED-4DB2-BD59-A6C34878D82A}">
+                    <a16:rowId xmlns:a16="http://schemas.microsoft.com/office/drawing/2014/main" val="10000"/>
+                  </a:ext>
+                </a:extLst>
+              </a:tr>
+              <a:tr h="725284">
+                <a:tc>
+                  <a:txBody>
+                    <a:bodyPr/>
+                    <a:lstStyle/>
+                    <a:p>
+                      <a:pPr algn="r"/>
+                      <a:r>
+                        <a:rPr lang="de-DE" sz="3200" dirty="0" smtClean="0">
+                          <a:latin typeface="Segoe UI Light" panose="020B0502040204020203" pitchFamily="34" charset="0"/>
+                          <a:cs typeface="Segoe UI Light" panose="020B0502040204020203" pitchFamily="34" charset="0"/>
+                        </a:rPr>
+                        <a:t>Q2</a:t>
+                      </a:r>
+                      <a:endParaRPr lang="de-DE" sz="3200" b="0" dirty="0">
+                        <a:solidFill>
+                          <a:schemeClr val="tx1">
+                            <a:lumMod val="85000"/>
+                            <a:lumOff val="15000"/>
+                          </a:schemeClr>
+                        </a:solidFill>
+                        <a:latin typeface="Segoe UI Light" panose="020B0502040204020203" pitchFamily="34" charset="0"/>
+                        <a:cs typeface="Segoe UI Light" panose="020B0502040204020203" pitchFamily="34" charset="0"/>
+                      </a:endParaRPr>
+                    </a:p>
+                  </a:txBody>
+                  <a:tcPr anchor="ctr">
+                    <a:lnR w="12700" cap="flat" cmpd="sng" algn="ctr">
+                      <a:solidFill>
+                        <a:schemeClr val="tx1"/>
+                      </a:solidFill>
+                      <a:prstDash val="solid"/>
+                      <a:round/>
+                      <a:headEnd type="none" w="med" len="med"/>
+                      <a:tailEnd type="none" w="med" len="med"/>
+                    </a:lnR>
+                  </a:tcPr>
+                </a:tc>
+                <a:tc>
+                  <a:txBody>
+                    <a:bodyPr/>
+                    <a:lstStyle/>
+                    <a:p>
+                      <a:pPr algn="l"/>
+                      <a:r>
+                        <a:rPr lang="de-DE" sz="3200" dirty="0" smtClean="0">
+                          <a:latin typeface="Segoe UI Light" panose="020B0502040204020203" pitchFamily="34" charset="0"/>
+                          <a:cs typeface="Segoe UI Light" panose="020B0502040204020203" pitchFamily="34" charset="0"/>
+                        </a:rPr>
+                        <a:t>3954ms</a:t>
+                      </a:r>
+                      <a:endParaRPr lang="de-DE" sz="3200" b="0" dirty="0">
+                        <a:solidFill>
+                          <a:schemeClr val="tx1">
+                            <a:lumMod val="85000"/>
+                            <a:lumOff val="15000"/>
+                          </a:schemeClr>
+                        </a:solidFill>
+                        <a:latin typeface="Segoe UI Light" panose="020B0502040204020203" pitchFamily="34" charset="0"/>
+                        <a:cs typeface="Segoe UI Light" panose="020B0502040204020203" pitchFamily="34" charset="0"/>
+                      </a:endParaRPr>
+                    </a:p>
+                  </a:txBody>
+                  <a:tcPr anchor="ctr">
+                    <a:lnL w="12700" cap="flat" cmpd="sng" algn="ctr">
+                      <a:solidFill>
+                        <a:schemeClr val="tx1"/>
+                      </a:solidFill>
+                      <a:prstDash val="solid"/>
+                      <a:round/>
+                      <a:headEnd type="none" w="med" len="med"/>
+                      <a:tailEnd type="none" w="med" len="med"/>
+                    </a:lnL>
+                  </a:tcPr>
+                </a:tc>
+                <a:extLst>
+                  <a:ext uri="{0D108BD9-81ED-4DB2-BD59-A6C34878D82A}">
+                    <a16:rowId xmlns:a16="http://schemas.microsoft.com/office/drawing/2014/main" val="10001"/>
+                  </a:ext>
+                </a:extLst>
+              </a:tr>
+              <a:tr h="725284">
+                <a:tc>
+                  <a:txBody>
+                    <a:bodyPr/>
+                    <a:lstStyle/>
+                    <a:p>
+                      <a:pPr algn="r"/>
+                      <a:r>
+                        <a:rPr lang="de-DE" sz="3200" dirty="0" smtClean="0">
+                          <a:latin typeface="Segoe UI Light" panose="020B0502040204020203" pitchFamily="34" charset="0"/>
+                          <a:cs typeface="Segoe UI Light" panose="020B0502040204020203" pitchFamily="34" charset="0"/>
+                        </a:rPr>
+                        <a:t>Q3</a:t>
+                      </a:r>
+                      <a:endParaRPr lang="de-DE" sz="3200" b="0" dirty="0">
+                        <a:solidFill>
+                          <a:schemeClr val="tx1">
+                            <a:lumMod val="85000"/>
+                            <a:lumOff val="15000"/>
+                          </a:schemeClr>
+                        </a:solidFill>
+                        <a:latin typeface="Segoe UI Light" panose="020B0502040204020203" pitchFamily="34" charset="0"/>
+                        <a:cs typeface="Segoe UI Light" panose="020B0502040204020203" pitchFamily="34" charset="0"/>
+                      </a:endParaRPr>
+                    </a:p>
+                  </a:txBody>
+                  <a:tcPr anchor="ctr">
+                    <a:lnR w="12700" cap="flat" cmpd="sng" algn="ctr">
+                      <a:solidFill>
+                        <a:schemeClr val="tx1"/>
+                      </a:solidFill>
+                      <a:prstDash val="solid"/>
+                      <a:round/>
+                      <a:headEnd type="none" w="med" len="med"/>
+                      <a:tailEnd type="none" w="med" len="med"/>
+                    </a:lnR>
+                  </a:tcPr>
+                </a:tc>
+                <a:tc>
+                  <a:txBody>
+                    <a:bodyPr/>
+                    <a:lstStyle/>
+                    <a:p>
+                      <a:pPr algn="l"/>
+                      <a:r>
+                        <a:rPr lang="de-DE" sz="3200" dirty="0" smtClean="0">
+                          <a:latin typeface="Segoe UI Light" panose="020B0502040204020203" pitchFamily="34" charset="0"/>
+                          <a:cs typeface="Segoe UI Light" panose="020B0502040204020203" pitchFamily="34" charset="0"/>
+                        </a:rPr>
+                        <a:t>3670ms</a:t>
+                      </a:r>
+                      <a:endParaRPr lang="de-DE" sz="3200" b="0" dirty="0">
+                        <a:solidFill>
+                          <a:schemeClr val="tx1">
+                            <a:lumMod val="85000"/>
+                            <a:lumOff val="15000"/>
+                          </a:schemeClr>
+                        </a:solidFill>
+                        <a:latin typeface="Segoe UI Light" panose="020B0502040204020203" pitchFamily="34" charset="0"/>
+                        <a:cs typeface="Segoe UI Light" panose="020B0502040204020203" pitchFamily="34" charset="0"/>
+                      </a:endParaRPr>
+                    </a:p>
+                  </a:txBody>
+                  <a:tcPr anchor="ctr">
+                    <a:lnL w="12700" cap="flat" cmpd="sng" algn="ctr">
+                      <a:solidFill>
+                        <a:schemeClr val="tx1"/>
+                      </a:solidFill>
+                      <a:prstDash val="solid"/>
+                      <a:round/>
+                      <a:headEnd type="none" w="med" len="med"/>
+                      <a:tailEnd type="none" w="med" len="med"/>
+                    </a:lnL>
+                  </a:tcPr>
+                </a:tc>
+                <a:extLst>
+                  <a:ext uri="{0D108BD9-81ED-4DB2-BD59-A6C34878D82A}">
+                    <a16:rowId xmlns:a16="http://schemas.microsoft.com/office/drawing/2014/main" val="10002"/>
+                  </a:ext>
+                </a:extLst>
+              </a:tr>
+              <a:tr h="725284">
+                <a:tc>
+                  <a:txBody>
+                    <a:bodyPr/>
+                    <a:lstStyle/>
+                    <a:p>
+                      <a:pPr algn="r"/>
+                      <a:r>
+                        <a:rPr lang="de-DE" sz="3200" dirty="0" smtClean="0">
+                          <a:latin typeface="Segoe UI Light" panose="020B0502040204020203" pitchFamily="34" charset="0"/>
+                          <a:cs typeface="Segoe UI Light" panose="020B0502040204020203" pitchFamily="34" charset="0"/>
+                        </a:rPr>
+                        <a:t>Q4</a:t>
+                      </a:r>
+                      <a:endParaRPr lang="de-DE" sz="3200" b="0" dirty="0">
+                        <a:solidFill>
+                          <a:schemeClr val="tx1">
+                            <a:lumMod val="85000"/>
+                            <a:lumOff val="15000"/>
+                          </a:schemeClr>
+                        </a:solidFill>
+                        <a:latin typeface="Segoe UI Light" panose="020B0502040204020203" pitchFamily="34" charset="0"/>
+                        <a:cs typeface="Segoe UI Light" panose="020B0502040204020203" pitchFamily="34" charset="0"/>
+                      </a:endParaRPr>
+                    </a:p>
+                  </a:txBody>
+                  <a:tcPr anchor="ctr">
+                    <a:lnR w="12700" cap="flat" cmpd="sng" algn="ctr">
+                      <a:solidFill>
+                        <a:schemeClr val="tx1"/>
+                      </a:solidFill>
+                      <a:prstDash val="solid"/>
+                      <a:round/>
+                      <a:headEnd type="none" w="med" len="med"/>
+                      <a:tailEnd type="none" w="med" len="med"/>
+                    </a:lnR>
+                  </a:tcPr>
+                </a:tc>
+                <a:tc>
+                  <a:txBody>
+                    <a:bodyPr/>
+                    <a:lstStyle/>
+                    <a:p>
+                      <a:pPr algn="l"/>
+                      <a:r>
+                        <a:rPr lang="de-DE" sz="3200" dirty="0" smtClean="0">
+                          <a:latin typeface="Segoe UI Light" panose="020B0502040204020203" pitchFamily="34" charset="0"/>
+                          <a:cs typeface="Segoe UI Light" panose="020B0502040204020203" pitchFamily="34" charset="0"/>
+                        </a:rPr>
+                        <a:t>3571ms</a:t>
+                      </a:r>
+                      <a:endParaRPr lang="de-DE" sz="3200" b="0" dirty="0">
+                        <a:solidFill>
+                          <a:schemeClr val="tx1">
+                            <a:lumMod val="85000"/>
+                            <a:lumOff val="15000"/>
+                          </a:schemeClr>
+                        </a:solidFill>
+                        <a:latin typeface="Segoe UI Light" panose="020B0502040204020203" pitchFamily="34" charset="0"/>
+                        <a:cs typeface="Segoe UI Light" panose="020B0502040204020203" pitchFamily="34" charset="0"/>
+                      </a:endParaRPr>
+                    </a:p>
+                  </a:txBody>
+                  <a:tcPr anchor="ctr">
+                    <a:lnL w="12700" cap="flat" cmpd="sng" algn="ctr">
+                      <a:solidFill>
+                        <a:schemeClr val="tx1"/>
+                      </a:solidFill>
+                      <a:prstDash val="solid"/>
+                      <a:round/>
+                      <a:headEnd type="none" w="med" len="med"/>
+                      <a:tailEnd type="none" w="med" len="med"/>
+                    </a:lnL>
+                  </a:tcPr>
+                </a:tc>
+                <a:extLst>
+                  <a:ext uri="{0D108BD9-81ED-4DB2-BD59-A6C34878D82A}">
+                    <a16:rowId xmlns:a16="http://schemas.microsoft.com/office/drawing/2014/main" val="10003"/>
+                  </a:ext>
+                </a:extLst>
+              </a:tr>
+              <a:tr h="725284">
+                <a:tc>
+                  <a:txBody>
+                    <a:bodyPr/>
+                    <a:lstStyle/>
+                    <a:p>
+                      <a:pPr algn="r"/>
+                      <a:r>
+                        <a:rPr lang="de-DE" sz="3200" dirty="0" smtClean="0">
+                          <a:latin typeface="Segoe UI Light" panose="020B0502040204020203" pitchFamily="34" charset="0"/>
+                          <a:cs typeface="Segoe UI Light" panose="020B0502040204020203" pitchFamily="34" charset="0"/>
+                        </a:rPr>
+                        <a:t>Q5</a:t>
+                      </a:r>
+                      <a:endParaRPr lang="de-DE" sz="3200" b="0" dirty="0">
+                        <a:solidFill>
+                          <a:schemeClr val="tx1">
+                            <a:lumMod val="85000"/>
+                            <a:lumOff val="15000"/>
+                          </a:schemeClr>
+                        </a:solidFill>
+                        <a:latin typeface="Segoe UI Light" panose="020B0502040204020203" pitchFamily="34" charset="0"/>
+                        <a:cs typeface="Segoe UI Light" panose="020B0502040204020203" pitchFamily="34" charset="0"/>
+                      </a:endParaRPr>
+                    </a:p>
+                  </a:txBody>
+                  <a:tcPr anchor="ctr">
+                    <a:lnR w="12700" cap="flat" cmpd="sng" algn="ctr">
+                      <a:solidFill>
+                        <a:schemeClr val="tx1"/>
+                      </a:solidFill>
+                      <a:prstDash val="solid"/>
+                      <a:round/>
+                      <a:headEnd type="none" w="med" len="med"/>
+                      <a:tailEnd type="none" w="med" len="med"/>
+                    </a:lnR>
+                  </a:tcPr>
+                </a:tc>
+                <a:tc>
+                  <a:txBody>
+                    <a:bodyPr/>
+                    <a:lstStyle/>
+                    <a:p>
+                      <a:pPr algn="l"/>
+                      <a:r>
+                        <a:rPr lang="de-DE" sz="3200" dirty="0" smtClean="0">
+                          <a:latin typeface="Segoe UI Light" panose="020B0502040204020203" pitchFamily="34" charset="0"/>
+                          <a:cs typeface="Segoe UI Light" panose="020B0502040204020203" pitchFamily="34" charset="0"/>
+                        </a:rPr>
+                        <a:t>3931ms</a:t>
+                      </a:r>
+                      <a:endParaRPr lang="de-DE" sz="3200" b="0" dirty="0">
+                        <a:solidFill>
+                          <a:schemeClr val="tx1">
+                            <a:lumMod val="85000"/>
+                            <a:lumOff val="15000"/>
+                          </a:schemeClr>
+                        </a:solidFill>
+                        <a:latin typeface="Segoe UI Light" panose="020B0502040204020203" pitchFamily="34" charset="0"/>
+                        <a:cs typeface="Segoe UI Light" panose="020B0502040204020203" pitchFamily="34" charset="0"/>
+                      </a:endParaRPr>
+                    </a:p>
+                  </a:txBody>
+                  <a:tcPr anchor="ctr">
+                    <a:lnL w="12700" cap="flat" cmpd="sng" algn="ctr">
+                      <a:solidFill>
+                        <a:schemeClr val="tx1"/>
+                      </a:solidFill>
+                      <a:prstDash val="solid"/>
+                      <a:round/>
+                      <a:headEnd type="none" w="med" len="med"/>
+                      <a:tailEnd type="none" w="med" len="med"/>
+                    </a:lnL>
+                  </a:tcPr>
+                </a:tc>
+                <a:extLst>
+                  <a:ext uri="{0D108BD9-81ED-4DB2-BD59-A6C34878D82A}">
+                    <a16:rowId xmlns:a16="http://schemas.microsoft.com/office/drawing/2014/main" val="10004"/>
+                  </a:ext>
+                </a:extLst>
+              </a:tr>
+              <a:tr h="725284">
+                <a:tc>
+                  <a:txBody>
+                    <a:bodyPr/>
+                    <a:lstStyle/>
+                    <a:p>
+                      <a:pPr algn="r"/>
+                      <a:r>
+                        <a:rPr lang="de-DE" sz="3200" b="0" dirty="0" smtClean="0">
+                          <a:solidFill>
+                            <a:schemeClr val="tx1">
+                              <a:lumMod val="85000"/>
+                              <a:lumOff val="15000"/>
+                            </a:schemeClr>
+                          </a:solidFill>
+                          <a:latin typeface="Segoe UI Light" panose="020B0502040204020203" pitchFamily="34" charset="0"/>
+                          <a:cs typeface="Segoe UI Light" panose="020B0502040204020203" pitchFamily="34" charset="0"/>
+                        </a:rPr>
+                        <a:t>Q6</a:t>
+                      </a:r>
+                      <a:endParaRPr lang="de-DE" sz="3200" b="0" dirty="0">
+                        <a:solidFill>
+                          <a:schemeClr val="tx1">
+                            <a:lumMod val="85000"/>
+                            <a:lumOff val="15000"/>
+                          </a:schemeClr>
+                        </a:solidFill>
+                        <a:latin typeface="Segoe UI Light" panose="020B0502040204020203" pitchFamily="34" charset="0"/>
+                        <a:cs typeface="Segoe UI Light" panose="020B0502040204020203" pitchFamily="34" charset="0"/>
+                      </a:endParaRPr>
+                    </a:p>
+                  </a:txBody>
+                  <a:tcPr anchor="ctr">
+                    <a:lnR w="12700" cap="flat" cmpd="sng" algn="ctr">
+                      <a:solidFill>
+                        <a:schemeClr val="tx1"/>
+                      </a:solidFill>
+                      <a:prstDash val="solid"/>
+                      <a:round/>
+                      <a:headEnd type="none" w="med" len="med"/>
+                      <a:tailEnd type="none" w="med" len="med"/>
+                    </a:lnR>
+                  </a:tcPr>
+                </a:tc>
+                <a:tc>
+                  <a:txBody>
+                    <a:bodyPr/>
+                    <a:lstStyle/>
+                    <a:p>
+                      <a:pPr algn="l"/>
+                      <a:r>
+                        <a:rPr lang="de-DE" sz="3200" b="0" dirty="0" smtClean="0">
+                          <a:solidFill>
+                            <a:schemeClr val="tx1">
+                              <a:lumMod val="85000"/>
+                              <a:lumOff val="15000"/>
+                            </a:schemeClr>
+                          </a:solidFill>
+                          <a:latin typeface="Segoe UI Light" panose="020B0502040204020203" pitchFamily="34" charset="0"/>
+                          <a:cs typeface="Segoe UI Light" panose="020B0502040204020203" pitchFamily="34" charset="0"/>
+                        </a:rPr>
+                        <a:t>3673ms</a:t>
+                      </a:r>
+                      <a:endParaRPr lang="de-DE" sz="3200" b="0" dirty="0">
+                        <a:solidFill>
+                          <a:schemeClr val="tx1">
+                            <a:lumMod val="85000"/>
+                            <a:lumOff val="15000"/>
+                          </a:schemeClr>
+                        </a:solidFill>
+                        <a:latin typeface="Segoe UI Light" panose="020B0502040204020203" pitchFamily="34" charset="0"/>
+                        <a:cs typeface="Segoe UI Light" panose="020B0502040204020203" pitchFamily="34" charset="0"/>
+                      </a:endParaRPr>
+                    </a:p>
+                  </a:txBody>
+                  <a:tcPr anchor="ctr">
+                    <a:lnL w="12700" cap="flat" cmpd="sng" algn="ctr">
+                      <a:solidFill>
+                        <a:schemeClr val="tx1"/>
+                      </a:solidFill>
+                      <a:prstDash val="solid"/>
+                      <a:round/>
+                      <a:headEnd type="none" w="med" len="med"/>
+                      <a:tailEnd type="none" w="med" len="med"/>
+                    </a:lnL>
+                  </a:tcPr>
+                </a:tc>
+                <a:extLst>
+                  <a:ext uri="{0D108BD9-81ED-4DB2-BD59-A6C34878D82A}">
+                    <a16:rowId xmlns:a16="http://schemas.microsoft.com/office/drawing/2014/main" val="10005"/>
+                  </a:ext>
+                </a:extLst>
+              </a:tr>
+            </a:tbl>
+          </a:graphicData>
+        </a:graphic>
+      </p:graphicFrame>
+      <p:sp>
+        <p:nvSpPr>
+          <p:cNvPr id="13" name="Rechteck 12"/>
+          <p:cNvSpPr/>
+          <p:nvPr/>
+        </p:nvSpPr>
+        <p:spPr>
+          <a:xfrm>
+            <a:off x="2566740" y="2708262"/>
+            <a:ext cx="1440160" cy="1440160"/>
+          </a:xfrm>
+          <a:prstGeom prst="rect">
+            <a:avLst/>
+          </a:prstGeom>
+          <a:solidFill>
+            <a:srgbClr val="2196F2"/>
+          </a:solidFill>
+          <a:ln>
+            <a:noFill/>
+          </a:ln>
+        </p:spPr>
+        <p:style>
+          <a:lnRef idx="2">
+            <a:schemeClr val="accent1">
+              <a:shade val="50000"/>
+            </a:schemeClr>
+          </a:lnRef>
+          <a:fillRef idx="1">
+            <a:schemeClr val="accent1"/>
+          </a:fillRef>
+          <a:effectRef idx="0">
+            <a:schemeClr val="accent1"/>
+          </a:effectRef>
+          <a:fontRef idx="minor">
+            <a:schemeClr val="lt1"/>
+          </a:fontRef>
+        </p:style>
+        <p:txBody>
+          <a:bodyPr rtlCol="0" anchor="ctr"/>
+          <a:lstStyle/>
+          <a:p>
+            <a:pPr algn="ctr"/>
+            <a:r>
+              <a:rPr lang="de-DE" sz="4800" dirty="0" smtClean="0">
+                <a:latin typeface="Segoe UI Light" panose="020B0502040204020203" pitchFamily="34" charset="0"/>
+                <a:cs typeface="Segoe UI Light" panose="020B0502040204020203" pitchFamily="34" charset="0"/>
+              </a:rPr>
+              <a:t>500</a:t>
+            </a:r>
+            <a:endParaRPr lang="de-DE" sz="4800" dirty="0">
+              <a:latin typeface="Segoe UI Light" panose="020B0502040204020203" pitchFamily="34" charset="0"/>
+              <a:cs typeface="Segoe UI Light" panose="020B0502040204020203" pitchFamily="34" charset="0"/>
+            </a:endParaRPr>
+          </a:p>
+        </p:txBody>
+      </p:sp>
+      <p:sp>
+        <p:nvSpPr>
+          <p:cNvPr id="14" name="Textfeld 13"/>
+          <p:cNvSpPr txBox="1"/>
+          <p:nvPr/>
+        </p:nvSpPr>
+        <p:spPr>
+          <a:xfrm>
+            <a:off x="2564780" y="3779090"/>
+            <a:ext cx="1440160" cy="276999"/>
+          </a:xfrm>
+          <a:prstGeom prst="rect">
+            <a:avLst/>
+          </a:prstGeom>
+          <a:noFill/>
+        </p:spPr>
+        <p:txBody>
+          <a:bodyPr wrap="square" rtlCol="0">
+            <a:spAutoFit/>
+          </a:bodyPr>
+          <a:lstStyle/>
+          <a:p>
+            <a:pPr algn="ctr"/>
+            <a:r>
+              <a:rPr lang="de-DE" sz="1200" dirty="0" err="1" smtClean="0">
+                <a:solidFill>
+                  <a:schemeClr val="bg1"/>
+                </a:solidFill>
+                <a:latin typeface="Segoe UI Light" panose="020B0502040204020203" pitchFamily="34" charset="0"/>
+                <a:cs typeface="Segoe UI Light" panose="020B0502040204020203" pitchFamily="34" charset="0"/>
+              </a:rPr>
+              <a:t>ms</a:t>
+            </a:r>
+            <a:r>
+              <a:rPr lang="de-DE" sz="1200" dirty="0" smtClean="0">
+                <a:solidFill>
+                  <a:schemeClr val="bg1"/>
+                </a:solidFill>
+                <a:latin typeface="Segoe UI Light" panose="020B0502040204020203" pitchFamily="34" charset="0"/>
+                <a:cs typeface="Segoe UI Light" panose="020B0502040204020203" pitchFamily="34" charset="0"/>
+              </a:rPr>
+              <a:t> </a:t>
+            </a:r>
+            <a:r>
+              <a:rPr lang="de-DE" sz="1200" dirty="0" err="1" smtClean="0">
+                <a:solidFill>
+                  <a:schemeClr val="bg1"/>
+                </a:solidFill>
+                <a:latin typeface="Segoe UI Light" panose="020B0502040204020203" pitchFamily="34" charset="0"/>
+                <a:cs typeface="Segoe UI Light" panose="020B0502040204020203" pitchFamily="34" charset="0"/>
+              </a:rPr>
+              <a:t>delay</a:t>
+            </a:r>
+            <a:r>
+              <a:rPr lang="de-DE" sz="1200" dirty="0" smtClean="0">
+                <a:solidFill>
+                  <a:schemeClr val="bg1"/>
+                </a:solidFill>
+                <a:latin typeface="Segoe UI Light" panose="020B0502040204020203" pitchFamily="34" charset="0"/>
+                <a:cs typeface="Segoe UI Light" panose="020B0502040204020203" pitchFamily="34" charset="0"/>
+              </a:rPr>
+              <a:t> (t)</a:t>
+            </a:r>
+            <a:endParaRPr lang="de-DE" sz="1200" dirty="0">
+              <a:solidFill>
+                <a:schemeClr val="bg1"/>
+              </a:solidFill>
+              <a:latin typeface="Segoe UI Light" panose="020B0502040204020203" pitchFamily="34" charset="0"/>
+              <a:cs typeface="Segoe UI Light" panose="020B0502040204020203" pitchFamily="34" charset="0"/>
+            </a:endParaRPr>
+          </a:p>
+        </p:txBody>
+      </p:sp>
+      <p:sp>
+        <p:nvSpPr>
+          <p:cNvPr id="16" name="Rechteck 15"/>
+          <p:cNvSpPr/>
+          <p:nvPr/>
+        </p:nvSpPr>
+        <p:spPr>
+          <a:xfrm>
+            <a:off x="2569680" y="4545544"/>
+            <a:ext cx="1440160" cy="1440160"/>
+          </a:xfrm>
+          <a:prstGeom prst="rect">
+            <a:avLst/>
+          </a:prstGeom>
+          <a:solidFill>
+            <a:srgbClr val="2196F2"/>
+          </a:solidFill>
+          <a:ln>
+            <a:noFill/>
+          </a:ln>
+        </p:spPr>
+        <p:style>
+          <a:lnRef idx="2">
+            <a:schemeClr val="accent1">
+              <a:shade val="50000"/>
+            </a:schemeClr>
+          </a:lnRef>
+          <a:fillRef idx="1">
+            <a:schemeClr val="accent1"/>
+          </a:fillRef>
+          <a:effectRef idx="0">
+            <a:schemeClr val="accent1"/>
+          </a:effectRef>
+          <a:fontRef idx="minor">
+            <a:schemeClr val="lt1"/>
+          </a:fontRef>
+        </p:style>
+        <p:txBody>
+          <a:bodyPr rtlCol="0" anchor="ctr"/>
+          <a:lstStyle/>
+          <a:p>
+            <a:pPr algn="ctr"/>
+            <a:r>
+              <a:rPr lang="de-DE" sz="4000" dirty="0" smtClean="0">
+                <a:latin typeface="Segoe UI Light" panose="020B0502040204020203" pitchFamily="34" charset="0"/>
+                <a:cs typeface="Segoe UI Light" panose="020B0502040204020203" pitchFamily="34" charset="0"/>
+              </a:rPr>
+              <a:t>0.5</a:t>
+            </a:r>
+            <a:endParaRPr lang="de-DE" sz="4000" dirty="0">
+              <a:latin typeface="Segoe UI Light" panose="020B0502040204020203" pitchFamily="34" charset="0"/>
+              <a:cs typeface="Segoe UI Light" panose="020B0502040204020203" pitchFamily="34" charset="0"/>
+            </a:endParaRPr>
+          </a:p>
+        </p:txBody>
+      </p:sp>
+      <p:sp>
+        <p:nvSpPr>
+          <p:cNvPr id="17" name="Textfeld 16"/>
+          <p:cNvSpPr txBox="1"/>
+          <p:nvPr/>
+        </p:nvSpPr>
+        <p:spPr>
+          <a:xfrm>
+            <a:off x="2566740" y="5616372"/>
+            <a:ext cx="1440160" cy="276999"/>
+          </a:xfrm>
+          <a:prstGeom prst="rect">
+            <a:avLst/>
+          </a:prstGeom>
+          <a:noFill/>
+        </p:spPr>
+        <p:txBody>
+          <a:bodyPr wrap="square" rtlCol="0">
+            <a:spAutoFit/>
+          </a:bodyPr>
+          <a:lstStyle/>
+          <a:p>
+            <a:pPr algn="ctr"/>
+            <a:r>
+              <a:rPr lang="de-DE" sz="1200" dirty="0" smtClean="0">
+                <a:solidFill>
+                  <a:schemeClr val="bg1"/>
+                </a:solidFill>
+                <a:latin typeface="Segoe UI Light" panose="020B0502040204020203" pitchFamily="34" charset="0"/>
+                <a:cs typeface="Segoe UI Light" panose="020B0502040204020203" pitchFamily="34" charset="0"/>
+              </a:rPr>
+              <a:t>Min </a:t>
+            </a:r>
+            <a:r>
+              <a:rPr lang="de-DE" sz="1200" dirty="0" err="1" smtClean="0">
+                <a:solidFill>
+                  <a:schemeClr val="bg1"/>
+                </a:solidFill>
+                <a:latin typeface="Segoe UI Light" panose="020B0502040204020203" pitchFamily="34" charset="0"/>
+                <a:cs typeface="Segoe UI Light" panose="020B0502040204020203" pitchFamily="34" charset="0"/>
+              </a:rPr>
+              <a:t>runtime</a:t>
+            </a:r>
+            <a:endParaRPr lang="de-DE" sz="1200" dirty="0">
+              <a:solidFill>
+                <a:schemeClr val="bg1"/>
+              </a:solidFill>
+              <a:latin typeface="Segoe UI Light" panose="020B0502040204020203" pitchFamily="34" charset="0"/>
+              <a:cs typeface="Segoe UI Light" panose="020B0502040204020203" pitchFamily="34" charset="0"/>
+            </a:endParaRPr>
+          </a:p>
+        </p:txBody>
+      </p:sp>
+      <p:sp>
+        <p:nvSpPr>
+          <p:cNvPr id="18" name="Textfeld 17"/>
+          <p:cNvSpPr txBox="1"/>
+          <p:nvPr/>
+        </p:nvSpPr>
+        <p:spPr>
+          <a:xfrm>
+            <a:off x="7972353" y="5339373"/>
+            <a:ext cx="3384375" cy="646331"/>
+          </a:xfrm>
+          <a:prstGeom prst="rect">
+            <a:avLst/>
+          </a:prstGeom>
+          <a:noFill/>
+        </p:spPr>
+        <p:txBody>
+          <a:bodyPr wrap="square" rtlCol="0">
+            <a:spAutoFit/>
+          </a:bodyPr>
+          <a:lstStyle/>
+          <a:p>
+            <a:pPr algn="r"/>
+            <a:r>
+              <a:rPr lang="de-DE" dirty="0">
+                <a:solidFill>
+                  <a:schemeClr val="bg1">
+                    <a:lumMod val="50000"/>
+                  </a:schemeClr>
+                </a:solidFill>
+                <a:latin typeface="Segoe UI Light" panose="020B0502040204020203" pitchFamily="34" charset="0"/>
+                <a:cs typeface="Segoe UI Light" panose="020B0502040204020203" pitchFamily="34" charset="0"/>
+              </a:rPr>
+              <a:t>8 GB RAM</a:t>
+            </a:r>
+          </a:p>
+          <a:p>
+            <a:pPr algn="r"/>
+            <a:r>
+              <a:rPr lang="de-DE" dirty="0">
+                <a:solidFill>
+                  <a:schemeClr val="bg1">
+                    <a:lumMod val="50000"/>
+                  </a:schemeClr>
+                </a:solidFill>
+                <a:latin typeface="Segoe UI Light" panose="020B0502040204020203" pitchFamily="34" charset="0"/>
+                <a:cs typeface="Segoe UI Light" panose="020B0502040204020203" pitchFamily="34" charset="0"/>
+              </a:rPr>
+              <a:t>Intel Core </a:t>
+            </a:r>
+            <a:r>
+              <a:rPr lang="de-DE" dirty="0" smtClean="0">
+                <a:solidFill>
+                  <a:schemeClr val="bg1">
+                    <a:lumMod val="50000"/>
+                  </a:schemeClr>
+                </a:solidFill>
+                <a:latin typeface="Segoe UI Light" panose="020B0502040204020203" pitchFamily="34" charset="0"/>
+                <a:cs typeface="Segoe UI Light" panose="020B0502040204020203" pitchFamily="34" charset="0"/>
+              </a:rPr>
+              <a:t>i5-4200U </a:t>
+            </a:r>
+            <a:r>
+              <a:rPr lang="de-DE" dirty="0">
+                <a:solidFill>
+                  <a:schemeClr val="bg1">
+                    <a:lumMod val="50000"/>
+                  </a:schemeClr>
+                </a:solidFill>
+                <a:latin typeface="Segoe UI Light" panose="020B0502040204020203" pitchFamily="34" charset="0"/>
+                <a:cs typeface="Segoe UI Light" panose="020B0502040204020203" pitchFamily="34" charset="0"/>
+              </a:rPr>
+              <a:t>@ </a:t>
+            </a:r>
+            <a:r>
+              <a:rPr lang="de-DE" dirty="0" smtClean="0">
+                <a:solidFill>
+                  <a:schemeClr val="bg1">
+                    <a:lumMod val="50000"/>
+                  </a:schemeClr>
+                </a:solidFill>
+                <a:latin typeface="Segoe UI Light" panose="020B0502040204020203" pitchFamily="34" charset="0"/>
+                <a:cs typeface="Segoe UI Light" panose="020B0502040204020203" pitchFamily="34" charset="0"/>
+              </a:rPr>
+              <a:t>2.30 </a:t>
+            </a:r>
+            <a:r>
+              <a:rPr lang="de-DE" dirty="0">
+                <a:solidFill>
+                  <a:schemeClr val="bg1">
+                    <a:lumMod val="50000"/>
+                  </a:schemeClr>
+                </a:solidFill>
+                <a:latin typeface="Segoe UI Light" panose="020B0502040204020203" pitchFamily="34" charset="0"/>
+                <a:cs typeface="Segoe UI Light" panose="020B0502040204020203" pitchFamily="34" charset="0"/>
+              </a:rPr>
+              <a:t>GHz</a:t>
+            </a:r>
+          </a:p>
+        </p:txBody>
+      </p:sp>
+      <p:sp>
+        <p:nvSpPr>
+          <p:cNvPr id="19" name="Rechteck 18"/>
+          <p:cNvSpPr/>
+          <p:nvPr/>
+        </p:nvSpPr>
+        <p:spPr>
+          <a:xfrm>
+            <a:off x="2564780" y="908053"/>
+            <a:ext cx="1440160" cy="1440160"/>
+          </a:xfrm>
+          <a:prstGeom prst="rect">
+            <a:avLst/>
+          </a:prstGeom>
+          <a:solidFill>
+            <a:srgbClr val="2196F2"/>
+          </a:solidFill>
+          <a:ln>
+            <a:noFill/>
+          </a:ln>
+        </p:spPr>
+        <p:style>
+          <a:lnRef idx="2">
+            <a:schemeClr val="accent1">
+              <a:shade val="50000"/>
+            </a:schemeClr>
+          </a:lnRef>
+          <a:fillRef idx="1">
+            <a:schemeClr val="accent1"/>
+          </a:fillRef>
+          <a:effectRef idx="0">
+            <a:schemeClr val="accent1"/>
+          </a:effectRef>
+          <a:fontRef idx="minor">
+            <a:schemeClr val="lt1"/>
+          </a:fontRef>
+        </p:style>
+        <p:txBody>
+          <a:bodyPr rtlCol="0" anchor="ctr"/>
+          <a:lstStyle/>
+          <a:p>
+            <a:pPr algn="ctr"/>
+            <a:r>
+              <a:rPr lang="de-DE" sz="4800" dirty="0" smtClean="0">
+                <a:latin typeface="Segoe UI Light" panose="020B0502040204020203" pitchFamily="34" charset="0"/>
+                <a:cs typeface="Segoe UI Light" panose="020B0502040204020203" pitchFamily="34" charset="0"/>
+              </a:rPr>
+              <a:t>10</a:t>
+            </a:r>
+            <a:endParaRPr lang="de-DE" sz="4800" dirty="0">
+              <a:latin typeface="Segoe UI Light" panose="020B0502040204020203" pitchFamily="34" charset="0"/>
+              <a:cs typeface="Segoe UI Light" panose="020B0502040204020203" pitchFamily="34" charset="0"/>
+            </a:endParaRPr>
+          </a:p>
+        </p:txBody>
+      </p:sp>
+      <p:sp>
+        <p:nvSpPr>
+          <p:cNvPr id="20" name="Textfeld 19"/>
+          <p:cNvSpPr txBox="1"/>
+          <p:nvPr/>
+        </p:nvSpPr>
+        <p:spPr>
+          <a:xfrm>
+            <a:off x="2564779" y="1988840"/>
+            <a:ext cx="1440160" cy="276999"/>
+          </a:xfrm>
+          <a:prstGeom prst="rect">
+            <a:avLst/>
+          </a:prstGeom>
+          <a:noFill/>
+        </p:spPr>
+        <p:txBody>
+          <a:bodyPr wrap="square" rtlCol="0">
+            <a:spAutoFit/>
+          </a:bodyPr>
+          <a:lstStyle/>
+          <a:p>
+            <a:pPr algn="ctr"/>
+            <a:r>
+              <a:rPr lang="de-DE" sz="1200" dirty="0" err="1" smtClean="0">
+                <a:solidFill>
+                  <a:schemeClr val="bg1"/>
+                </a:solidFill>
+                <a:latin typeface="Segoe UI Light" panose="020B0502040204020203" pitchFamily="34" charset="0"/>
+                <a:cs typeface="Segoe UI Light" panose="020B0502040204020203" pitchFamily="34" charset="0"/>
+              </a:rPr>
+              <a:t>Actor</a:t>
+            </a:r>
+            <a:r>
+              <a:rPr lang="de-DE" sz="1200" dirty="0" smtClean="0">
+                <a:solidFill>
+                  <a:schemeClr val="bg1"/>
+                </a:solidFill>
+                <a:latin typeface="Segoe UI Light" panose="020B0502040204020203" pitchFamily="34" charset="0"/>
+                <a:cs typeface="Segoe UI Light" panose="020B0502040204020203" pitchFamily="34" charset="0"/>
+              </a:rPr>
+              <a:t> (n)</a:t>
+            </a:r>
+            <a:endParaRPr lang="de-DE" sz="1200" dirty="0">
+              <a:solidFill>
+                <a:schemeClr val="bg1"/>
+              </a:solidFill>
+              <a:latin typeface="Segoe UI Light" panose="020B0502040204020203" pitchFamily="34" charset="0"/>
+              <a:cs typeface="Segoe UI Light" panose="020B0502040204020203" pitchFamily="34" charset="0"/>
+            </a:endParaRPr>
+          </a:p>
+        </p:txBody>
+      </p:sp>
+      <p:graphicFrame>
+        <p:nvGraphicFramePr>
+          <p:cNvPr id="4" name="Diagramm 3"/>
+          <p:cNvGraphicFramePr/>
+          <p:nvPr>
+            <p:extLst>
+              <p:ext uri="{D42A27DB-BD31-4B8C-83A1-F6EECF244321}">
+                <p14:modId xmlns:p14="http://schemas.microsoft.com/office/powerpoint/2010/main" val="3792216530"/>
+              </p:ext>
+            </p:extLst>
+          </p:nvPr>
+        </p:nvGraphicFramePr>
+        <p:xfrm>
+          <a:off x="8329564" y="908053"/>
+          <a:ext cx="3027164" cy="3823809"/>
+        </p:xfrm>
+        <a:graphic>
+          <a:graphicData uri="http://schemas.openxmlformats.org/drawingml/2006/chart">
+            <c:chart xmlns:c="http://schemas.openxmlformats.org/drawingml/2006/chart" xmlns:r="http://schemas.openxmlformats.org/officeDocument/2006/relationships" r:id="rId2"/>
+          </a:graphicData>
+        </a:graphic>
+      </p:graphicFrame>
+    </p:spTree>
+    <p:extLst>
+      <p:ext uri="{BB962C8B-B14F-4D97-AF65-F5344CB8AC3E}">
+        <p14:creationId xmlns:p14="http://schemas.microsoft.com/office/powerpoint/2010/main" val="3669581229"/>
+      </p:ext>
+    </p:extLst>
+  </p:cSld>
+  <p:clrMapOvr>
+    <a:masterClrMapping/>
+  </p:clrMapOvr>
+  <p:timing>
+    <p:tnLst>
+      <p:par>
+        <p:cTn id="1" dur="indefinite" restart="never" nodeType="tmRoot"/>
+      </p:par>
+    </p:tnLst>
+  </p:timing>
+</p:sld>
+</file>
+
+<file path=ppt/slides/slide7.xml><?xml version="1.0" encoding="utf-8"?>
+<p:sld xmlns:a="http://schemas.openxmlformats.org/drawingml/2006/main" xmlns:r="http://schemas.openxmlformats.org/officeDocument/2006/relationships" xmlns:p="http://schemas.openxmlformats.org/presentationml/2006/main">
+  <p:cSld>
+    <p:spTree>
+      <p:nvGrpSpPr>
+        <p:cNvPr id="1" name=""/>
+        <p:cNvGrpSpPr/>
+        <p:nvPr/>
+      </p:nvGrpSpPr>
+      <p:grpSpPr>
+        <a:xfrm>
+          <a:off x="0" y="0"/>
+          <a:ext cx="0" cy="0"/>
+          <a:chOff x="0" y="0"/>
+          <a:chExt cx="0" cy="0"/>
+        </a:xfrm>
+      </p:grpSpPr>
+      <p:sp>
+        <p:nvSpPr>
+          <p:cNvPr id="5" name="Rechteck 4"/>
+          <p:cNvSpPr/>
+          <p:nvPr/>
+        </p:nvSpPr>
+        <p:spPr>
+          <a:xfrm>
+            <a:off x="767408" y="908720"/>
+            <a:ext cx="1440160" cy="1440160"/>
+          </a:xfrm>
+          <a:prstGeom prst="rect">
+            <a:avLst/>
+          </a:prstGeom>
+          <a:solidFill>
+            <a:srgbClr val="2196F2"/>
+          </a:solidFill>
+          <a:ln>
+            <a:noFill/>
+          </a:ln>
+        </p:spPr>
+        <p:style>
+          <a:lnRef idx="2">
+            <a:schemeClr val="accent1">
+              <a:shade val="50000"/>
+            </a:schemeClr>
+          </a:lnRef>
+          <a:fillRef idx="1">
+            <a:schemeClr val="accent1"/>
+          </a:fillRef>
+          <a:effectRef idx="0">
+            <a:schemeClr val="accent1"/>
+          </a:effectRef>
+          <a:fontRef idx="minor">
+            <a:schemeClr val="lt1"/>
+          </a:fontRef>
+        </p:style>
+        <p:txBody>
+          <a:bodyPr rtlCol="0" anchor="ctr"/>
+          <a:lstStyle/>
+          <a:p>
+            <a:pPr algn="ctr"/>
+            <a:r>
+              <a:rPr lang="de-DE" sz="4800" dirty="0" smtClean="0">
+                <a:latin typeface="Segoe UI Light" panose="020B0502040204020203" pitchFamily="34" charset="0"/>
+                <a:cs typeface="Segoe UI Light" panose="020B0502040204020203" pitchFamily="34" charset="0"/>
+              </a:rPr>
+              <a:t>#7</a:t>
+            </a:r>
+            <a:endParaRPr lang="de-DE" sz="4800" dirty="0">
+              <a:latin typeface="Segoe UI Light" panose="020B0502040204020203" pitchFamily="34" charset="0"/>
+              <a:cs typeface="Segoe UI Light" panose="020B0502040204020203" pitchFamily="34" charset="0"/>
+            </a:endParaRPr>
+          </a:p>
+        </p:txBody>
+      </p:sp>
+      <p:graphicFrame>
+        <p:nvGraphicFramePr>
+          <p:cNvPr id="12" name="Tabelle 11"/>
+          <p:cNvGraphicFramePr>
+            <a:graphicFrameLocks noGrp="1"/>
+          </p:cNvGraphicFramePr>
+          <p:nvPr>
+            <p:extLst>
+              <p:ext uri="{D42A27DB-BD31-4B8C-83A1-F6EECF244321}">
+                <p14:modId xmlns:p14="http://schemas.microsoft.com/office/powerpoint/2010/main" val="3703669544"/>
+              </p:ext>
+            </p:extLst>
+          </p:nvPr>
+        </p:nvGraphicFramePr>
+        <p:xfrm>
+          <a:off x="4367051" y="908719"/>
+          <a:ext cx="3605302" cy="5076988"/>
+        </p:xfrm>
+        <a:graphic>
+          <a:graphicData uri="http://schemas.openxmlformats.org/drawingml/2006/table">
+            <a:tbl>
+              <a:tblPr firstRow="1" bandRow="1">
+                <a:tableStyleId>{2D5ABB26-0587-4C30-8999-92F81FD0307C}</a:tableStyleId>
+              </a:tblPr>
+              <a:tblGrid>
+                <a:gridCol w="1802651">
+                  <a:extLst>
+                    <a:ext uri="{9D8B030D-6E8A-4147-A177-3AD203B41FA5}">
+                      <a16:colId xmlns:a16="http://schemas.microsoft.com/office/drawing/2014/main" val="20000"/>
+                    </a:ext>
+                  </a:extLst>
+                </a:gridCol>
+                <a:gridCol w="1802651">
+                  <a:extLst>
+                    <a:ext uri="{9D8B030D-6E8A-4147-A177-3AD203B41FA5}">
+                      <a16:colId xmlns:a16="http://schemas.microsoft.com/office/drawing/2014/main" val="20001"/>
+                    </a:ext>
+                  </a:extLst>
+                </a:gridCol>
+              </a:tblGrid>
+              <a:tr h="725284">
+                <a:tc>
+                  <a:txBody>
+                    <a:bodyPr/>
+                    <a:lstStyle/>
+                    <a:p>
+                      <a:pPr algn="r"/>
+                      <a:r>
+                        <a:rPr lang="de-DE" sz="3200" b="0" dirty="0" err="1" smtClean="0">
+                          <a:solidFill>
+                            <a:schemeClr val="tx1">
+                              <a:lumMod val="85000"/>
+                              <a:lumOff val="15000"/>
+                            </a:schemeClr>
+                          </a:solidFill>
+                          <a:latin typeface="Segoe UI Light" panose="020B0502040204020203" pitchFamily="34" charset="0"/>
+                          <a:cs typeface="Segoe UI Light" panose="020B0502040204020203" pitchFamily="34" charset="0"/>
+                        </a:rPr>
+                        <a:t>Requests</a:t>
+                      </a:r>
+                      <a:endParaRPr lang="de-DE" sz="3200" b="0" dirty="0">
+                        <a:solidFill>
+                          <a:schemeClr val="tx1">
+                            <a:lumMod val="85000"/>
+                            <a:lumOff val="15000"/>
+                          </a:schemeClr>
+                        </a:solidFill>
+                        <a:latin typeface="Segoe UI Light" panose="020B0502040204020203" pitchFamily="34" charset="0"/>
+                        <a:cs typeface="Segoe UI Light" panose="020B0502040204020203" pitchFamily="34" charset="0"/>
+                      </a:endParaRPr>
+                    </a:p>
+                  </a:txBody>
+                  <a:tcPr anchor="ctr">
+                    <a:lnR w="12700" cap="flat" cmpd="sng" algn="ctr">
+                      <a:solidFill>
+                        <a:schemeClr val="tx1"/>
+                      </a:solidFill>
+                      <a:prstDash val="solid"/>
+                      <a:round/>
+                      <a:headEnd type="none" w="med" len="med"/>
+                      <a:tailEnd type="none" w="med" len="med"/>
+                    </a:lnR>
+                    <a:lnB w="12700" cap="flat" cmpd="sng" algn="ctr">
+                      <a:solidFill>
+                        <a:schemeClr val="tx1"/>
+                      </a:solidFill>
+                      <a:prstDash val="solid"/>
+                      <a:round/>
+                      <a:headEnd type="none" w="med" len="med"/>
+                      <a:tailEnd type="none" w="med" len="med"/>
+                    </a:lnB>
+                  </a:tcPr>
+                </a:tc>
+                <a:tc>
+                  <a:txBody>
+                    <a:bodyPr/>
+                    <a:lstStyle/>
+                    <a:p>
+                      <a:pPr algn="l"/>
+                      <a:r>
+                        <a:rPr lang="de-DE" sz="3200" b="0" dirty="0" smtClean="0">
+                          <a:solidFill>
+                            <a:schemeClr val="tx1">
+                              <a:lumMod val="85000"/>
+                              <a:lumOff val="15000"/>
+                            </a:schemeClr>
+                          </a:solidFill>
+                          <a:latin typeface="Segoe UI Light" panose="020B0502040204020203" pitchFamily="34" charset="0"/>
+                          <a:cs typeface="Segoe UI Light" panose="020B0502040204020203" pitchFamily="34" charset="0"/>
+                        </a:rPr>
+                        <a:t>438</a:t>
+                      </a:r>
+                      <a:endParaRPr lang="de-DE" sz="3200" b="0" dirty="0">
+                        <a:solidFill>
+                          <a:schemeClr val="tx1">
+                            <a:lumMod val="85000"/>
+                            <a:lumOff val="15000"/>
+                          </a:schemeClr>
+                        </a:solidFill>
+                        <a:latin typeface="Segoe UI Light" panose="020B0502040204020203" pitchFamily="34" charset="0"/>
+                        <a:cs typeface="Segoe UI Light" panose="020B0502040204020203" pitchFamily="34" charset="0"/>
+                      </a:endParaRPr>
+                    </a:p>
+                  </a:txBody>
+                  <a:tcPr anchor="ctr">
+                    <a:lnL w="12700" cap="flat" cmpd="sng" algn="ctr">
+                      <a:solidFill>
+                        <a:schemeClr val="tx1"/>
+                      </a:solidFill>
+                      <a:prstDash val="solid"/>
+                      <a:round/>
+                      <a:headEnd type="none" w="med" len="med"/>
+                      <a:tailEnd type="none" w="med" len="med"/>
+                    </a:lnL>
+                    <a:lnB w="12700" cap="flat" cmpd="sng" algn="ctr">
+                      <a:solidFill>
+                        <a:schemeClr val="tx1"/>
+                      </a:solidFill>
+                      <a:prstDash val="solid"/>
+                      <a:round/>
+                      <a:headEnd type="none" w="med" len="med"/>
+                      <a:tailEnd type="none" w="med" len="med"/>
+                    </a:lnB>
+                  </a:tcPr>
+                </a:tc>
+                <a:extLst>
+                  <a:ext uri="{0D108BD9-81ED-4DB2-BD59-A6C34878D82A}">
+                    <a16:rowId xmlns:a16="http://schemas.microsoft.com/office/drawing/2014/main" val="10006"/>
+                  </a:ext>
+                </a:extLst>
+              </a:tr>
+              <a:tr h="725284">
+                <a:tc>
+                  <a:txBody>
+                    <a:bodyPr/>
+                    <a:lstStyle/>
+                    <a:p>
+                      <a:pPr algn="r"/>
+                      <a:r>
+                        <a:rPr lang="de-DE" sz="3200" dirty="0" smtClean="0">
+                          <a:latin typeface="Segoe UI Light" panose="020B0502040204020203" pitchFamily="34" charset="0"/>
+                          <a:cs typeface="Segoe UI Light" panose="020B0502040204020203" pitchFamily="34" charset="0"/>
+                        </a:rPr>
+                        <a:t>Q1</a:t>
+                      </a:r>
+                      <a:endParaRPr lang="de-DE" sz="3200" b="0" dirty="0">
+                        <a:solidFill>
+                          <a:schemeClr val="tx1">
+                            <a:lumMod val="85000"/>
+                            <a:lumOff val="15000"/>
+                          </a:schemeClr>
+                        </a:solidFill>
+                        <a:latin typeface="Segoe UI Light" panose="020B0502040204020203" pitchFamily="34" charset="0"/>
+                        <a:cs typeface="Segoe UI Light" panose="020B0502040204020203" pitchFamily="34" charset="0"/>
+                      </a:endParaRPr>
+                    </a:p>
+                  </a:txBody>
+                  <a:tcPr anchor="ctr">
+                    <a:lnR w="12700" cap="flat" cmpd="sng" algn="ctr">
+                      <a:solidFill>
+                        <a:schemeClr val="tx1"/>
+                      </a:solidFill>
+                      <a:prstDash val="solid"/>
+                      <a:round/>
+                      <a:headEnd type="none" w="med" len="med"/>
+                      <a:tailEnd type="none" w="med" len="med"/>
+                    </a:lnR>
+                    <a:lnT w="12700" cap="flat" cmpd="sng" algn="ctr">
+                      <a:solidFill>
+                        <a:schemeClr val="tx1"/>
+                      </a:solidFill>
+                      <a:prstDash val="solid"/>
+                      <a:round/>
+                      <a:headEnd type="none" w="med" len="med"/>
+                      <a:tailEnd type="none" w="med" len="med"/>
+                    </a:lnT>
+                  </a:tcPr>
+                </a:tc>
+                <a:tc>
+                  <a:txBody>
+                    <a:bodyPr/>
+                    <a:lstStyle/>
+                    <a:p>
+                      <a:pPr algn="l"/>
+                      <a:r>
+                        <a:rPr lang="de-DE" sz="3200" dirty="0" smtClean="0">
+                          <a:latin typeface="Segoe UI Light" panose="020B0502040204020203" pitchFamily="34" charset="0"/>
+                          <a:cs typeface="Segoe UI Light" panose="020B0502040204020203" pitchFamily="34" charset="0"/>
+                        </a:rPr>
+                        <a:t>12953ms</a:t>
+                      </a:r>
+                      <a:endParaRPr lang="de-DE" sz="3200" b="0" dirty="0">
+                        <a:solidFill>
+                          <a:schemeClr val="tx1">
+                            <a:lumMod val="85000"/>
+                            <a:lumOff val="15000"/>
+                          </a:schemeClr>
+                        </a:solidFill>
+                        <a:latin typeface="Segoe UI Light" panose="020B0502040204020203" pitchFamily="34" charset="0"/>
+                        <a:cs typeface="Segoe UI Light" panose="020B0502040204020203" pitchFamily="34" charset="0"/>
+                      </a:endParaRPr>
+                    </a:p>
+                  </a:txBody>
+                  <a:tcPr anchor="ctr">
+                    <a:lnL w="12700" cap="flat" cmpd="sng" algn="ctr">
+                      <a:solidFill>
+                        <a:schemeClr val="tx1"/>
+                      </a:solidFill>
+                      <a:prstDash val="solid"/>
+                      <a:round/>
+                      <a:headEnd type="none" w="med" len="med"/>
+                      <a:tailEnd type="none" w="med" len="med"/>
+                    </a:lnL>
+                    <a:lnT w="12700" cap="flat" cmpd="sng" algn="ctr">
+                      <a:solidFill>
+                        <a:schemeClr val="tx1"/>
+                      </a:solidFill>
+                      <a:prstDash val="solid"/>
+                      <a:round/>
+                      <a:headEnd type="none" w="med" len="med"/>
+                      <a:tailEnd type="none" w="med" len="med"/>
+                    </a:lnT>
+                  </a:tcPr>
+                </a:tc>
+                <a:extLst>
+                  <a:ext uri="{0D108BD9-81ED-4DB2-BD59-A6C34878D82A}">
+                    <a16:rowId xmlns:a16="http://schemas.microsoft.com/office/drawing/2014/main" val="10000"/>
+                  </a:ext>
+                </a:extLst>
+              </a:tr>
+              <a:tr h="725284">
+                <a:tc>
+                  <a:txBody>
+                    <a:bodyPr/>
+                    <a:lstStyle/>
+                    <a:p>
+                      <a:pPr algn="r"/>
+                      <a:r>
+                        <a:rPr lang="de-DE" sz="3200" dirty="0" smtClean="0">
+                          <a:latin typeface="Segoe UI Light" panose="020B0502040204020203" pitchFamily="34" charset="0"/>
+                          <a:cs typeface="Segoe UI Light" panose="020B0502040204020203" pitchFamily="34" charset="0"/>
+                        </a:rPr>
+                        <a:t>Q2</a:t>
+                      </a:r>
+                      <a:endParaRPr lang="de-DE" sz="3200" b="0" dirty="0">
+                        <a:solidFill>
+                          <a:schemeClr val="tx1">
+                            <a:lumMod val="85000"/>
+                            <a:lumOff val="15000"/>
+                          </a:schemeClr>
+                        </a:solidFill>
+                        <a:latin typeface="Segoe UI Light" panose="020B0502040204020203" pitchFamily="34" charset="0"/>
+                        <a:cs typeface="Segoe UI Light" panose="020B0502040204020203" pitchFamily="34" charset="0"/>
+                      </a:endParaRPr>
+                    </a:p>
+                  </a:txBody>
+                  <a:tcPr anchor="ctr">
+                    <a:lnR w="12700" cap="flat" cmpd="sng" algn="ctr">
+                      <a:solidFill>
+                        <a:schemeClr val="tx1"/>
+                      </a:solidFill>
+                      <a:prstDash val="solid"/>
+                      <a:round/>
+                      <a:headEnd type="none" w="med" len="med"/>
+                      <a:tailEnd type="none" w="med" len="med"/>
+                    </a:lnR>
+                  </a:tcPr>
+                </a:tc>
+                <a:tc>
+                  <a:txBody>
+                    <a:bodyPr/>
+                    <a:lstStyle/>
+                    <a:p>
+                      <a:pPr algn="l"/>
+                      <a:r>
+                        <a:rPr lang="de-DE" sz="3200" dirty="0" smtClean="0">
+                          <a:latin typeface="Segoe UI Light" panose="020B0502040204020203" pitchFamily="34" charset="0"/>
+                          <a:cs typeface="Segoe UI Light" panose="020B0502040204020203" pitchFamily="34" charset="0"/>
+                        </a:rPr>
+                        <a:t>13565ms</a:t>
+                      </a:r>
+                      <a:endParaRPr lang="de-DE" sz="3200" b="0" dirty="0">
+                        <a:solidFill>
+                          <a:schemeClr val="tx1">
+                            <a:lumMod val="85000"/>
+                            <a:lumOff val="15000"/>
+                          </a:schemeClr>
+                        </a:solidFill>
+                        <a:latin typeface="Segoe UI Light" panose="020B0502040204020203" pitchFamily="34" charset="0"/>
+                        <a:cs typeface="Segoe UI Light" panose="020B0502040204020203" pitchFamily="34" charset="0"/>
+                      </a:endParaRPr>
+                    </a:p>
+                  </a:txBody>
+                  <a:tcPr anchor="ctr">
+                    <a:lnL w="12700" cap="flat" cmpd="sng" algn="ctr">
+                      <a:solidFill>
+                        <a:schemeClr val="tx1"/>
+                      </a:solidFill>
+                      <a:prstDash val="solid"/>
+                      <a:round/>
+                      <a:headEnd type="none" w="med" len="med"/>
+                      <a:tailEnd type="none" w="med" len="med"/>
+                    </a:lnL>
+                  </a:tcPr>
+                </a:tc>
+                <a:extLst>
+                  <a:ext uri="{0D108BD9-81ED-4DB2-BD59-A6C34878D82A}">
+                    <a16:rowId xmlns:a16="http://schemas.microsoft.com/office/drawing/2014/main" val="10001"/>
+                  </a:ext>
+                </a:extLst>
+              </a:tr>
+              <a:tr h="725284">
+                <a:tc>
+                  <a:txBody>
+                    <a:bodyPr/>
+                    <a:lstStyle/>
+                    <a:p>
+                      <a:pPr algn="r"/>
+                      <a:r>
+                        <a:rPr lang="de-DE" sz="3200" dirty="0" smtClean="0">
+                          <a:latin typeface="Segoe UI Light" panose="020B0502040204020203" pitchFamily="34" charset="0"/>
+                          <a:cs typeface="Segoe UI Light" panose="020B0502040204020203" pitchFamily="34" charset="0"/>
+                        </a:rPr>
+                        <a:t>Q3</a:t>
+                      </a:r>
+                      <a:endParaRPr lang="de-DE" sz="3200" b="0" dirty="0">
+                        <a:solidFill>
+                          <a:schemeClr val="tx1">
+                            <a:lumMod val="85000"/>
+                            <a:lumOff val="15000"/>
+                          </a:schemeClr>
+                        </a:solidFill>
+                        <a:latin typeface="Segoe UI Light" panose="020B0502040204020203" pitchFamily="34" charset="0"/>
+                        <a:cs typeface="Segoe UI Light" panose="020B0502040204020203" pitchFamily="34" charset="0"/>
+                      </a:endParaRPr>
+                    </a:p>
+                  </a:txBody>
+                  <a:tcPr anchor="ctr">
+                    <a:lnR w="12700" cap="flat" cmpd="sng" algn="ctr">
+                      <a:solidFill>
+                        <a:schemeClr val="tx1"/>
+                      </a:solidFill>
+                      <a:prstDash val="solid"/>
+                      <a:round/>
+                      <a:headEnd type="none" w="med" len="med"/>
+                      <a:tailEnd type="none" w="med" len="med"/>
+                    </a:lnR>
+                  </a:tcPr>
+                </a:tc>
+                <a:tc>
+                  <a:txBody>
+                    <a:bodyPr/>
+                    <a:lstStyle/>
+                    <a:p>
+                      <a:pPr algn="l"/>
+                      <a:r>
+                        <a:rPr lang="de-DE" sz="3200" dirty="0" smtClean="0">
+                          <a:latin typeface="Segoe UI Light" panose="020B0502040204020203" pitchFamily="34" charset="0"/>
+                          <a:cs typeface="Segoe UI Light" panose="020B0502040204020203" pitchFamily="34" charset="0"/>
+                        </a:rPr>
+                        <a:t>12568ms</a:t>
+                      </a:r>
+                      <a:endParaRPr lang="de-DE" sz="3200" b="0" dirty="0">
+                        <a:solidFill>
+                          <a:schemeClr val="tx1">
+                            <a:lumMod val="85000"/>
+                            <a:lumOff val="15000"/>
+                          </a:schemeClr>
+                        </a:solidFill>
+                        <a:latin typeface="Segoe UI Light" panose="020B0502040204020203" pitchFamily="34" charset="0"/>
+                        <a:cs typeface="Segoe UI Light" panose="020B0502040204020203" pitchFamily="34" charset="0"/>
+                      </a:endParaRPr>
+                    </a:p>
+                  </a:txBody>
+                  <a:tcPr anchor="ctr">
+                    <a:lnL w="12700" cap="flat" cmpd="sng" algn="ctr">
+                      <a:solidFill>
+                        <a:schemeClr val="tx1"/>
+                      </a:solidFill>
+                      <a:prstDash val="solid"/>
+                      <a:round/>
+                      <a:headEnd type="none" w="med" len="med"/>
+                      <a:tailEnd type="none" w="med" len="med"/>
+                    </a:lnL>
+                  </a:tcPr>
+                </a:tc>
+                <a:extLst>
+                  <a:ext uri="{0D108BD9-81ED-4DB2-BD59-A6C34878D82A}">
+                    <a16:rowId xmlns:a16="http://schemas.microsoft.com/office/drawing/2014/main" val="10002"/>
+                  </a:ext>
+                </a:extLst>
+              </a:tr>
+              <a:tr h="725284">
+                <a:tc>
+                  <a:txBody>
+                    <a:bodyPr/>
+                    <a:lstStyle/>
+                    <a:p>
+                      <a:pPr algn="r"/>
+                      <a:r>
+                        <a:rPr lang="de-DE" sz="3200" dirty="0" smtClean="0">
+                          <a:latin typeface="Segoe UI Light" panose="020B0502040204020203" pitchFamily="34" charset="0"/>
+                          <a:cs typeface="Segoe UI Light" panose="020B0502040204020203" pitchFamily="34" charset="0"/>
+                        </a:rPr>
+                        <a:t>Q4</a:t>
+                      </a:r>
+                      <a:endParaRPr lang="de-DE" sz="3200" b="0" dirty="0">
+                        <a:solidFill>
+                          <a:schemeClr val="tx1">
+                            <a:lumMod val="85000"/>
+                            <a:lumOff val="15000"/>
+                          </a:schemeClr>
+                        </a:solidFill>
+                        <a:latin typeface="Segoe UI Light" panose="020B0502040204020203" pitchFamily="34" charset="0"/>
+                        <a:cs typeface="Segoe UI Light" panose="020B0502040204020203" pitchFamily="34" charset="0"/>
+                      </a:endParaRPr>
+                    </a:p>
+                  </a:txBody>
+                  <a:tcPr anchor="ctr">
+                    <a:lnR w="12700" cap="flat" cmpd="sng" algn="ctr">
+                      <a:solidFill>
+                        <a:schemeClr val="tx1"/>
+                      </a:solidFill>
+                      <a:prstDash val="solid"/>
+                      <a:round/>
+                      <a:headEnd type="none" w="med" len="med"/>
+                      <a:tailEnd type="none" w="med" len="med"/>
+                    </a:lnR>
+                  </a:tcPr>
+                </a:tc>
+                <a:tc>
+                  <a:txBody>
+                    <a:bodyPr/>
+                    <a:lstStyle/>
+                    <a:p>
+                      <a:pPr algn="l"/>
+                      <a:r>
+                        <a:rPr lang="de-DE" sz="3200" dirty="0" smtClean="0">
+                          <a:latin typeface="Segoe UI Light" panose="020B0502040204020203" pitchFamily="34" charset="0"/>
+                          <a:cs typeface="Segoe UI Light" panose="020B0502040204020203" pitchFamily="34" charset="0"/>
+                        </a:rPr>
+                        <a:t>14344ms</a:t>
+                      </a:r>
+                      <a:endParaRPr lang="de-DE" sz="3200" b="0" dirty="0">
+                        <a:solidFill>
+                          <a:schemeClr val="tx1">
+                            <a:lumMod val="85000"/>
+                            <a:lumOff val="15000"/>
+                          </a:schemeClr>
+                        </a:solidFill>
+                        <a:latin typeface="Segoe UI Light" panose="020B0502040204020203" pitchFamily="34" charset="0"/>
+                        <a:cs typeface="Segoe UI Light" panose="020B0502040204020203" pitchFamily="34" charset="0"/>
+                      </a:endParaRPr>
+                    </a:p>
+                  </a:txBody>
+                  <a:tcPr anchor="ctr">
+                    <a:lnL w="12700" cap="flat" cmpd="sng" algn="ctr">
+                      <a:solidFill>
+                        <a:schemeClr val="tx1"/>
+                      </a:solidFill>
+                      <a:prstDash val="solid"/>
+                      <a:round/>
+                      <a:headEnd type="none" w="med" len="med"/>
+                      <a:tailEnd type="none" w="med" len="med"/>
+                    </a:lnL>
+                  </a:tcPr>
+                </a:tc>
+                <a:extLst>
+                  <a:ext uri="{0D108BD9-81ED-4DB2-BD59-A6C34878D82A}">
+                    <a16:rowId xmlns:a16="http://schemas.microsoft.com/office/drawing/2014/main" val="10003"/>
+                  </a:ext>
+                </a:extLst>
+              </a:tr>
+              <a:tr h="725284">
+                <a:tc>
+                  <a:txBody>
+                    <a:bodyPr/>
+                    <a:lstStyle/>
+                    <a:p>
+                      <a:pPr algn="r"/>
+                      <a:r>
+                        <a:rPr lang="de-DE" sz="3200" dirty="0" smtClean="0">
+                          <a:latin typeface="Segoe UI Light" panose="020B0502040204020203" pitchFamily="34" charset="0"/>
+                          <a:cs typeface="Segoe UI Light" panose="020B0502040204020203" pitchFamily="34" charset="0"/>
+                        </a:rPr>
+                        <a:t>Q5</a:t>
+                      </a:r>
+                      <a:endParaRPr lang="de-DE" sz="3200" b="0" dirty="0">
+                        <a:solidFill>
+                          <a:schemeClr val="tx1">
+                            <a:lumMod val="85000"/>
+                            <a:lumOff val="15000"/>
+                          </a:schemeClr>
+                        </a:solidFill>
+                        <a:latin typeface="Segoe UI Light" panose="020B0502040204020203" pitchFamily="34" charset="0"/>
+                        <a:cs typeface="Segoe UI Light" panose="020B0502040204020203" pitchFamily="34" charset="0"/>
+                      </a:endParaRPr>
+                    </a:p>
+                  </a:txBody>
+                  <a:tcPr anchor="ctr">
+                    <a:lnR w="12700" cap="flat" cmpd="sng" algn="ctr">
+                      <a:solidFill>
+                        <a:schemeClr val="tx1"/>
+                      </a:solidFill>
+                      <a:prstDash val="solid"/>
+                      <a:round/>
+                      <a:headEnd type="none" w="med" len="med"/>
+                      <a:tailEnd type="none" w="med" len="med"/>
+                    </a:lnR>
+                  </a:tcPr>
+                </a:tc>
+                <a:tc>
+                  <a:txBody>
+                    <a:bodyPr/>
+                    <a:lstStyle/>
+                    <a:p>
+                      <a:pPr algn="l"/>
+                      <a:r>
+                        <a:rPr lang="de-DE" sz="3200" dirty="0" smtClean="0">
+                          <a:latin typeface="Segoe UI Light" panose="020B0502040204020203" pitchFamily="34" charset="0"/>
+                          <a:cs typeface="Segoe UI Light" panose="020B0502040204020203" pitchFamily="34" charset="0"/>
+                        </a:rPr>
+                        <a:t>11571ms</a:t>
+                      </a:r>
+                      <a:endParaRPr lang="de-DE" sz="3200" b="0" dirty="0">
+                        <a:solidFill>
+                          <a:schemeClr val="tx1">
+                            <a:lumMod val="85000"/>
+                            <a:lumOff val="15000"/>
+                          </a:schemeClr>
+                        </a:solidFill>
+                        <a:latin typeface="Segoe UI Light" panose="020B0502040204020203" pitchFamily="34" charset="0"/>
+                        <a:cs typeface="Segoe UI Light" panose="020B0502040204020203" pitchFamily="34" charset="0"/>
+                      </a:endParaRPr>
+                    </a:p>
+                  </a:txBody>
+                  <a:tcPr anchor="ctr">
+                    <a:lnL w="12700" cap="flat" cmpd="sng" algn="ctr">
+                      <a:solidFill>
+                        <a:schemeClr val="tx1"/>
+                      </a:solidFill>
+                      <a:prstDash val="solid"/>
+                      <a:round/>
+                      <a:headEnd type="none" w="med" len="med"/>
+                      <a:tailEnd type="none" w="med" len="med"/>
+                    </a:lnL>
+                  </a:tcPr>
+                </a:tc>
+                <a:extLst>
+                  <a:ext uri="{0D108BD9-81ED-4DB2-BD59-A6C34878D82A}">
+                    <a16:rowId xmlns:a16="http://schemas.microsoft.com/office/drawing/2014/main" val="10004"/>
+                  </a:ext>
+                </a:extLst>
+              </a:tr>
+              <a:tr h="725284">
+                <a:tc>
+                  <a:txBody>
+                    <a:bodyPr/>
+                    <a:lstStyle/>
+                    <a:p>
+                      <a:pPr algn="r"/>
+                      <a:r>
+                        <a:rPr lang="de-DE" sz="3200" b="0" dirty="0" smtClean="0">
+                          <a:solidFill>
+                            <a:schemeClr val="tx1">
+                              <a:lumMod val="85000"/>
+                              <a:lumOff val="15000"/>
+                            </a:schemeClr>
+                          </a:solidFill>
+                          <a:latin typeface="Segoe UI Light" panose="020B0502040204020203" pitchFamily="34" charset="0"/>
+                          <a:cs typeface="Segoe UI Light" panose="020B0502040204020203" pitchFamily="34" charset="0"/>
+                        </a:rPr>
+                        <a:t>Q6</a:t>
+                      </a:r>
+                      <a:endParaRPr lang="de-DE" sz="3200" b="0" dirty="0">
+                        <a:solidFill>
+                          <a:schemeClr val="tx1">
+                            <a:lumMod val="85000"/>
+                            <a:lumOff val="15000"/>
+                          </a:schemeClr>
+                        </a:solidFill>
+                        <a:latin typeface="Segoe UI Light" panose="020B0502040204020203" pitchFamily="34" charset="0"/>
+                        <a:cs typeface="Segoe UI Light" panose="020B0502040204020203" pitchFamily="34" charset="0"/>
+                      </a:endParaRPr>
+                    </a:p>
+                  </a:txBody>
+                  <a:tcPr anchor="ctr">
+                    <a:lnR w="12700" cap="flat" cmpd="sng" algn="ctr">
+                      <a:solidFill>
+                        <a:schemeClr val="tx1"/>
+                      </a:solidFill>
+                      <a:prstDash val="solid"/>
+                      <a:round/>
+                      <a:headEnd type="none" w="med" len="med"/>
+                      <a:tailEnd type="none" w="med" len="med"/>
+                    </a:lnR>
+                  </a:tcPr>
+                </a:tc>
+                <a:tc>
+                  <a:txBody>
+                    <a:bodyPr/>
+                    <a:lstStyle/>
+                    <a:p>
+                      <a:pPr algn="l"/>
+                      <a:r>
+                        <a:rPr lang="de-DE" sz="3200" b="0" dirty="0" smtClean="0">
+                          <a:solidFill>
+                            <a:schemeClr val="tx1">
+                              <a:lumMod val="85000"/>
+                              <a:lumOff val="15000"/>
+                            </a:schemeClr>
+                          </a:solidFill>
+                          <a:latin typeface="Segoe UI Light" panose="020B0502040204020203" pitchFamily="34" charset="0"/>
+                          <a:cs typeface="Segoe UI Light" panose="020B0502040204020203" pitchFamily="34" charset="0"/>
+                        </a:rPr>
+                        <a:t>12860ms</a:t>
+                      </a:r>
+                      <a:endParaRPr lang="de-DE" sz="3200" b="0" dirty="0">
+                        <a:solidFill>
+                          <a:schemeClr val="tx1">
+                            <a:lumMod val="85000"/>
+                            <a:lumOff val="15000"/>
+                          </a:schemeClr>
+                        </a:solidFill>
+                        <a:latin typeface="Segoe UI Light" panose="020B0502040204020203" pitchFamily="34" charset="0"/>
+                        <a:cs typeface="Segoe UI Light" panose="020B0502040204020203" pitchFamily="34" charset="0"/>
+                      </a:endParaRPr>
+                    </a:p>
+                  </a:txBody>
+                  <a:tcPr anchor="ctr">
+                    <a:lnL w="12700" cap="flat" cmpd="sng" algn="ctr">
+                      <a:solidFill>
+                        <a:schemeClr val="tx1"/>
+                      </a:solidFill>
+                      <a:prstDash val="solid"/>
+                      <a:round/>
+                      <a:headEnd type="none" w="med" len="med"/>
+                      <a:tailEnd type="none" w="med" len="med"/>
+                    </a:lnL>
+                  </a:tcPr>
+                </a:tc>
+                <a:extLst>
+                  <a:ext uri="{0D108BD9-81ED-4DB2-BD59-A6C34878D82A}">
+                    <a16:rowId xmlns:a16="http://schemas.microsoft.com/office/drawing/2014/main" val="10005"/>
+                  </a:ext>
+                </a:extLst>
+              </a:tr>
+            </a:tbl>
+          </a:graphicData>
+        </a:graphic>
+      </p:graphicFrame>
+      <p:sp>
+        <p:nvSpPr>
+          <p:cNvPr id="13" name="Rechteck 12"/>
+          <p:cNvSpPr/>
+          <p:nvPr/>
+        </p:nvSpPr>
+        <p:spPr>
+          <a:xfrm>
+            <a:off x="2566740" y="2708262"/>
+            <a:ext cx="1440160" cy="1440160"/>
+          </a:xfrm>
+          <a:prstGeom prst="rect">
+            <a:avLst/>
+          </a:prstGeom>
+          <a:solidFill>
+            <a:srgbClr val="2196F2"/>
+          </a:solidFill>
+          <a:ln>
+            <a:noFill/>
+          </a:ln>
+        </p:spPr>
+        <p:style>
+          <a:lnRef idx="2">
+            <a:schemeClr val="accent1">
+              <a:shade val="50000"/>
+            </a:schemeClr>
+          </a:lnRef>
+          <a:fillRef idx="1">
+            <a:schemeClr val="accent1"/>
+          </a:fillRef>
+          <a:effectRef idx="0">
+            <a:schemeClr val="accent1"/>
+          </a:effectRef>
+          <a:fontRef idx="minor">
+            <a:schemeClr val="lt1"/>
+          </a:fontRef>
+        </p:style>
+        <p:txBody>
+          <a:bodyPr rtlCol="0" anchor="ctr"/>
+          <a:lstStyle/>
+          <a:p>
+            <a:pPr algn="ctr"/>
+            <a:r>
+              <a:rPr lang="de-DE" sz="4800" dirty="0" smtClean="0">
+                <a:latin typeface="Segoe UI Light" panose="020B0502040204020203" pitchFamily="34" charset="0"/>
+                <a:cs typeface="Segoe UI Light" panose="020B0502040204020203" pitchFamily="34" charset="0"/>
+              </a:rPr>
+              <a:t>100</a:t>
+            </a:r>
+            <a:endParaRPr lang="de-DE" sz="4800" dirty="0">
+              <a:latin typeface="Segoe UI Light" panose="020B0502040204020203" pitchFamily="34" charset="0"/>
+              <a:cs typeface="Segoe UI Light" panose="020B0502040204020203" pitchFamily="34" charset="0"/>
+            </a:endParaRPr>
+          </a:p>
+        </p:txBody>
+      </p:sp>
+      <p:sp>
+        <p:nvSpPr>
+          <p:cNvPr id="14" name="Textfeld 13"/>
+          <p:cNvSpPr txBox="1"/>
+          <p:nvPr/>
+        </p:nvSpPr>
+        <p:spPr>
+          <a:xfrm>
+            <a:off x="2564780" y="3779090"/>
+            <a:ext cx="1440160" cy="276999"/>
+          </a:xfrm>
+          <a:prstGeom prst="rect">
+            <a:avLst/>
+          </a:prstGeom>
+          <a:noFill/>
+        </p:spPr>
+        <p:txBody>
+          <a:bodyPr wrap="square" rtlCol="0">
+            <a:spAutoFit/>
+          </a:bodyPr>
+          <a:lstStyle/>
+          <a:p>
+            <a:pPr algn="ctr"/>
+            <a:r>
+              <a:rPr lang="de-DE" sz="1200" dirty="0" err="1" smtClean="0">
+                <a:solidFill>
+                  <a:schemeClr val="bg1"/>
+                </a:solidFill>
+                <a:latin typeface="Segoe UI Light" panose="020B0502040204020203" pitchFamily="34" charset="0"/>
+                <a:cs typeface="Segoe UI Light" panose="020B0502040204020203" pitchFamily="34" charset="0"/>
+              </a:rPr>
+              <a:t>ms</a:t>
+            </a:r>
+            <a:r>
+              <a:rPr lang="de-DE" sz="1200" dirty="0" smtClean="0">
+                <a:solidFill>
+                  <a:schemeClr val="bg1"/>
+                </a:solidFill>
+                <a:latin typeface="Segoe UI Light" panose="020B0502040204020203" pitchFamily="34" charset="0"/>
+                <a:cs typeface="Segoe UI Light" panose="020B0502040204020203" pitchFamily="34" charset="0"/>
+              </a:rPr>
+              <a:t> </a:t>
+            </a:r>
+            <a:r>
+              <a:rPr lang="de-DE" sz="1200" dirty="0" err="1" smtClean="0">
+                <a:solidFill>
+                  <a:schemeClr val="bg1"/>
+                </a:solidFill>
+                <a:latin typeface="Segoe UI Light" panose="020B0502040204020203" pitchFamily="34" charset="0"/>
+                <a:cs typeface="Segoe UI Light" panose="020B0502040204020203" pitchFamily="34" charset="0"/>
+              </a:rPr>
+              <a:t>delay</a:t>
+            </a:r>
+            <a:r>
+              <a:rPr lang="de-DE" sz="1200" dirty="0" smtClean="0">
+                <a:solidFill>
+                  <a:schemeClr val="bg1"/>
+                </a:solidFill>
+                <a:latin typeface="Segoe UI Light" panose="020B0502040204020203" pitchFamily="34" charset="0"/>
+                <a:cs typeface="Segoe UI Light" panose="020B0502040204020203" pitchFamily="34" charset="0"/>
+              </a:rPr>
+              <a:t> (t)</a:t>
+            </a:r>
+            <a:endParaRPr lang="de-DE" sz="1200" dirty="0">
+              <a:solidFill>
+                <a:schemeClr val="bg1"/>
+              </a:solidFill>
+              <a:latin typeface="Segoe UI Light" panose="020B0502040204020203" pitchFamily="34" charset="0"/>
+              <a:cs typeface="Segoe UI Light" panose="020B0502040204020203" pitchFamily="34" charset="0"/>
+            </a:endParaRPr>
+          </a:p>
+        </p:txBody>
+      </p:sp>
+      <p:sp>
+        <p:nvSpPr>
+          <p:cNvPr id="16" name="Rechteck 15"/>
+          <p:cNvSpPr/>
+          <p:nvPr/>
+        </p:nvSpPr>
+        <p:spPr>
+          <a:xfrm>
+            <a:off x="2569680" y="4545544"/>
+            <a:ext cx="1440160" cy="1440160"/>
+          </a:xfrm>
+          <a:prstGeom prst="rect">
+            <a:avLst/>
+          </a:prstGeom>
+          <a:solidFill>
+            <a:srgbClr val="2196F2"/>
+          </a:solidFill>
+          <a:ln>
+            <a:noFill/>
+          </a:ln>
+        </p:spPr>
+        <p:style>
+          <a:lnRef idx="2">
+            <a:schemeClr val="accent1">
+              <a:shade val="50000"/>
+            </a:schemeClr>
+          </a:lnRef>
+          <a:fillRef idx="1">
+            <a:schemeClr val="accent1"/>
+          </a:fillRef>
+          <a:effectRef idx="0">
+            <a:schemeClr val="accent1"/>
+          </a:effectRef>
+          <a:fontRef idx="minor">
+            <a:schemeClr val="lt1"/>
+          </a:fontRef>
+        </p:style>
+        <p:txBody>
+          <a:bodyPr rtlCol="0" anchor="ctr"/>
+          <a:lstStyle/>
+          <a:p>
+            <a:pPr algn="ctr"/>
+            <a:r>
+              <a:rPr lang="de-DE" sz="4000" dirty="0" smtClean="0">
+                <a:latin typeface="Segoe UI Light" panose="020B0502040204020203" pitchFamily="34" charset="0"/>
+                <a:cs typeface="Segoe UI Light" panose="020B0502040204020203" pitchFamily="34" charset="0"/>
+              </a:rPr>
+              <a:t>0.5</a:t>
+            </a:r>
+            <a:endParaRPr lang="de-DE" sz="4000" dirty="0">
+              <a:latin typeface="Segoe UI Light" panose="020B0502040204020203" pitchFamily="34" charset="0"/>
+              <a:cs typeface="Segoe UI Light" panose="020B0502040204020203" pitchFamily="34" charset="0"/>
+            </a:endParaRPr>
+          </a:p>
+        </p:txBody>
+      </p:sp>
+      <p:sp>
+        <p:nvSpPr>
+          <p:cNvPr id="17" name="Textfeld 16"/>
+          <p:cNvSpPr txBox="1"/>
+          <p:nvPr/>
+        </p:nvSpPr>
+        <p:spPr>
+          <a:xfrm>
+            <a:off x="2566740" y="5616372"/>
+            <a:ext cx="1440160" cy="276999"/>
+          </a:xfrm>
+          <a:prstGeom prst="rect">
+            <a:avLst/>
+          </a:prstGeom>
+          <a:noFill/>
+        </p:spPr>
+        <p:txBody>
+          <a:bodyPr wrap="square" rtlCol="0">
+            <a:spAutoFit/>
+          </a:bodyPr>
+          <a:lstStyle/>
+          <a:p>
+            <a:pPr algn="ctr"/>
+            <a:r>
+              <a:rPr lang="de-DE" sz="1200" dirty="0" smtClean="0">
+                <a:solidFill>
+                  <a:schemeClr val="bg1"/>
+                </a:solidFill>
+                <a:latin typeface="Segoe UI Light" panose="020B0502040204020203" pitchFamily="34" charset="0"/>
+                <a:cs typeface="Segoe UI Light" panose="020B0502040204020203" pitchFamily="34" charset="0"/>
+              </a:rPr>
+              <a:t>Min </a:t>
+            </a:r>
+            <a:r>
+              <a:rPr lang="de-DE" sz="1200" dirty="0" err="1" smtClean="0">
+                <a:solidFill>
+                  <a:schemeClr val="bg1"/>
+                </a:solidFill>
+                <a:latin typeface="Segoe UI Light" panose="020B0502040204020203" pitchFamily="34" charset="0"/>
+                <a:cs typeface="Segoe UI Light" panose="020B0502040204020203" pitchFamily="34" charset="0"/>
+              </a:rPr>
+              <a:t>runtime</a:t>
+            </a:r>
+            <a:endParaRPr lang="de-DE" sz="1200" dirty="0">
+              <a:solidFill>
+                <a:schemeClr val="bg1"/>
+              </a:solidFill>
+              <a:latin typeface="Segoe UI Light" panose="020B0502040204020203" pitchFamily="34" charset="0"/>
+              <a:cs typeface="Segoe UI Light" panose="020B0502040204020203" pitchFamily="34" charset="0"/>
+            </a:endParaRPr>
+          </a:p>
+        </p:txBody>
+      </p:sp>
+      <p:sp>
+        <p:nvSpPr>
+          <p:cNvPr id="18" name="Textfeld 17"/>
+          <p:cNvSpPr txBox="1"/>
+          <p:nvPr/>
+        </p:nvSpPr>
+        <p:spPr>
+          <a:xfrm>
+            <a:off x="7972353" y="5339373"/>
+            <a:ext cx="3384375" cy="646331"/>
+          </a:xfrm>
+          <a:prstGeom prst="rect">
+            <a:avLst/>
+          </a:prstGeom>
+          <a:noFill/>
+        </p:spPr>
+        <p:txBody>
+          <a:bodyPr wrap="square" rtlCol="0">
+            <a:spAutoFit/>
+          </a:bodyPr>
+          <a:lstStyle/>
+          <a:p>
+            <a:pPr algn="r"/>
+            <a:r>
+              <a:rPr lang="de-DE" dirty="0">
+                <a:solidFill>
+                  <a:schemeClr val="bg1">
+                    <a:lumMod val="50000"/>
+                  </a:schemeClr>
+                </a:solidFill>
+                <a:latin typeface="Segoe UI Light" panose="020B0502040204020203" pitchFamily="34" charset="0"/>
+                <a:cs typeface="Segoe UI Light" panose="020B0502040204020203" pitchFamily="34" charset="0"/>
+              </a:rPr>
+              <a:t>8 GB RAM</a:t>
+            </a:r>
+          </a:p>
+          <a:p>
+            <a:pPr algn="r"/>
+            <a:r>
+              <a:rPr lang="de-DE" dirty="0">
+                <a:solidFill>
+                  <a:schemeClr val="bg1">
+                    <a:lumMod val="50000"/>
+                  </a:schemeClr>
+                </a:solidFill>
+                <a:latin typeface="Segoe UI Light" panose="020B0502040204020203" pitchFamily="34" charset="0"/>
+                <a:cs typeface="Segoe UI Light" panose="020B0502040204020203" pitchFamily="34" charset="0"/>
+              </a:rPr>
+              <a:t>Intel Core </a:t>
+            </a:r>
+            <a:r>
+              <a:rPr lang="de-DE" dirty="0" smtClean="0">
+                <a:solidFill>
+                  <a:schemeClr val="bg1">
+                    <a:lumMod val="50000"/>
+                  </a:schemeClr>
+                </a:solidFill>
+                <a:latin typeface="Segoe UI Light" panose="020B0502040204020203" pitchFamily="34" charset="0"/>
+                <a:cs typeface="Segoe UI Light" panose="020B0502040204020203" pitchFamily="34" charset="0"/>
+              </a:rPr>
+              <a:t>i5-4200U </a:t>
+            </a:r>
+            <a:r>
+              <a:rPr lang="de-DE" dirty="0">
+                <a:solidFill>
+                  <a:schemeClr val="bg1">
+                    <a:lumMod val="50000"/>
+                  </a:schemeClr>
+                </a:solidFill>
+                <a:latin typeface="Segoe UI Light" panose="020B0502040204020203" pitchFamily="34" charset="0"/>
+                <a:cs typeface="Segoe UI Light" panose="020B0502040204020203" pitchFamily="34" charset="0"/>
+              </a:rPr>
+              <a:t>@ </a:t>
+            </a:r>
+            <a:r>
+              <a:rPr lang="de-DE" dirty="0" smtClean="0">
+                <a:solidFill>
+                  <a:schemeClr val="bg1">
+                    <a:lumMod val="50000"/>
+                  </a:schemeClr>
+                </a:solidFill>
+                <a:latin typeface="Segoe UI Light" panose="020B0502040204020203" pitchFamily="34" charset="0"/>
+                <a:cs typeface="Segoe UI Light" panose="020B0502040204020203" pitchFamily="34" charset="0"/>
+              </a:rPr>
+              <a:t>2.30 </a:t>
+            </a:r>
+            <a:r>
+              <a:rPr lang="de-DE" dirty="0">
+                <a:solidFill>
+                  <a:schemeClr val="bg1">
+                    <a:lumMod val="50000"/>
+                  </a:schemeClr>
+                </a:solidFill>
+                <a:latin typeface="Segoe UI Light" panose="020B0502040204020203" pitchFamily="34" charset="0"/>
+                <a:cs typeface="Segoe UI Light" panose="020B0502040204020203" pitchFamily="34" charset="0"/>
+              </a:rPr>
+              <a:t>GHz</a:t>
+            </a:r>
+          </a:p>
+        </p:txBody>
+      </p:sp>
+      <p:sp>
+        <p:nvSpPr>
+          <p:cNvPr id="19" name="Rechteck 18"/>
+          <p:cNvSpPr/>
+          <p:nvPr/>
+        </p:nvSpPr>
+        <p:spPr>
+          <a:xfrm>
+            <a:off x="2564780" y="908053"/>
+            <a:ext cx="1440160" cy="1440160"/>
+          </a:xfrm>
+          <a:prstGeom prst="rect">
+            <a:avLst/>
+          </a:prstGeom>
+          <a:solidFill>
+            <a:srgbClr val="2196F2"/>
+          </a:solidFill>
+          <a:ln>
+            <a:noFill/>
+          </a:ln>
+        </p:spPr>
+        <p:style>
+          <a:lnRef idx="2">
+            <a:schemeClr val="accent1">
+              <a:shade val="50000"/>
+            </a:schemeClr>
+          </a:lnRef>
+          <a:fillRef idx="1">
+            <a:schemeClr val="accent1"/>
+          </a:fillRef>
+          <a:effectRef idx="0">
+            <a:schemeClr val="accent1"/>
+          </a:effectRef>
+          <a:fontRef idx="minor">
+            <a:schemeClr val="lt1"/>
+          </a:fontRef>
+        </p:style>
+        <p:txBody>
+          <a:bodyPr rtlCol="0" anchor="ctr"/>
+          <a:lstStyle/>
+          <a:p>
+            <a:pPr algn="ctr"/>
+            <a:r>
+              <a:rPr lang="de-DE" sz="4800" dirty="0" smtClean="0">
+                <a:latin typeface="Segoe UI Light" panose="020B0502040204020203" pitchFamily="34" charset="0"/>
+                <a:cs typeface="Segoe UI Light" panose="020B0502040204020203" pitchFamily="34" charset="0"/>
+              </a:rPr>
+              <a:t>10</a:t>
+            </a:r>
+            <a:endParaRPr lang="de-DE" sz="4800" dirty="0">
+              <a:latin typeface="Segoe UI Light" panose="020B0502040204020203" pitchFamily="34" charset="0"/>
+              <a:cs typeface="Segoe UI Light" panose="020B0502040204020203" pitchFamily="34" charset="0"/>
+            </a:endParaRPr>
+          </a:p>
+        </p:txBody>
+      </p:sp>
+      <p:sp>
+        <p:nvSpPr>
+          <p:cNvPr id="20" name="Textfeld 19"/>
+          <p:cNvSpPr txBox="1"/>
+          <p:nvPr/>
+        </p:nvSpPr>
+        <p:spPr>
+          <a:xfrm>
+            <a:off x="2564779" y="1988840"/>
+            <a:ext cx="1440160" cy="276999"/>
+          </a:xfrm>
+          <a:prstGeom prst="rect">
+            <a:avLst/>
+          </a:prstGeom>
+          <a:noFill/>
+        </p:spPr>
+        <p:txBody>
+          <a:bodyPr wrap="square" rtlCol="0">
+            <a:spAutoFit/>
+          </a:bodyPr>
+          <a:lstStyle/>
+          <a:p>
+            <a:pPr algn="ctr"/>
+            <a:r>
+              <a:rPr lang="de-DE" sz="1200" dirty="0" err="1" smtClean="0">
+                <a:solidFill>
+                  <a:schemeClr val="bg1"/>
+                </a:solidFill>
+                <a:latin typeface="Segoe UI Light" panose="020B0502040204020203" pitchFamily="34" charset="0"/>
+                <a:cs typeface="Segoe UI Light" panose="020B0502040204020203" pitchFamily="34" charset="0"/>
+              </a:rPr>
+              <a:t>Actor</a:t>
+            </a:r>
+            <a:r>
+              <a:rPr lang="de-DE" sz="1200" dirty="0" smtClean="0">
+                <a:solidFill>
+                  <a:schemeClr val="bg1"/>
+                </a:solidFill>
+                <a:latin typeface="Segoe UI Light" panose="020B0502040204020203" pitchFamily="34" charset="0"/>
+                <a:cs typeface="Segoe UI Light" panose="020B0502040204020203" pitchFamily="34" charset="0"/>
+              </a:rPr>
+              <a:t> (n)</a:t>
+            </a:r>
+            <a:endParaRPr lang="de-DE" sz="1200" dirty="0">
+              <a:solidFill>
+                <a:schemeClr val="bg1"/>
+              </a:solidFill>
+              <a:latin typeface="Segoe UI Light" panose="020B0502040204020203" pitchFamily="34" charset="0"/>
+              <a:cs typeface="Segoe UI Light" panose="020B0502040204020203" pitchFamily="34" charset="0"/>
+            </a:endParaRPr>
+          </a:p>
+        </p:txBody>
+      </p:sp>
+      <p:graphicFrame>
+        <p:nvGraphicFramePr>
+          <p:cNvPr id="4" name="Diagramm 3"/>
+          <p:cNvGraphicFramePr/>
+          <p:nvPr>
+            <p:extLst>
+              <p:ext uri="{D42A27DB-BD31-4B8C-83A1-F6EECF244321}">
+                <p14:modId xmlns:p14="http://schemas.microsoft.com/office/powerpoint/2010/main" val="2356273857"/>
+              </p:ext>
+            </p:extLst>
+          </p:nvPr>
+        </p:nvGraphicFramePr>
+        <p:xfrm>
+          <a:off x="8329564" y="908053"/>
+          <a:ext cx="3027164" cy="3823809"/>
+        </p:xfrm>
+        <a:graphic>
+          <a:graphicData uri="http://schemas.openxmlformats.org/drawingml/2006/chart">
+            <c:chart xmlns:c="http://schemas.openxmlformats.org/drawingml/2006/chart" xmlns:r="http://schemas.openxmlformats.org/officeDocument/2006/relationships" r:id="rId2"/>
+          </a:graphicData>
+        </a:graphic>
+      </p:graphicFrame>
+    </p:spTree>
+    <p:extLst>
+      <p:ext uri="{BB962C8B-B14F-4D97-AF65-F5344CB8AC3E}">
+        <p14:creationId xmlns:p14="http://schemas.microsoft.com/office/powerpoint/2010/main" val="998155489"/>
       </p:ext>
     </p:extLst>
   </p:cSld>
